--- a/papers/2016-ICSR-PuzzleMetrics/images/domains.pptx
+++ b/papers/2016-ICSR-PuzzleMetrics/images/domains.pptx
@@ -5,10 +5,11 @@
     <p:sldMasterId id="2147483648" r:id="rId1"/>
   </p:sldMasterIdLst>
   <p:notesMasterIdLst>
-    <p:notesMasterId r:id="rId3"/>
+    <p:notesMasterId r:id="rId4"/>
   </p:notesMasterIdLst>
   <p:sldIdLst>
     <p:sldId id="258" r:id="rId2"/>
+    <p:sldId id="259" r:id="rId3"/>
   </p:sldIdLst>
   <p:sldSz cx="9144000" cy="6858000" type="screen4x3"/>
   <p:notesSz cx="6858000" cy="9144000"/>
@@ -192,7 +193,7 @@
           <a:p>
             <a:fld id="{24AFE135-3210-A348-91D1-71A1B4E41AE3}" type="datetimeFigureOut">
               <a:rPr lang="fr-FR" smtClean="0"/>
-              <a:t>13/10/2015</a:t>
+              <a:t>23/10/2015</a:t>
             </a:fld>
             <a:endParaRPr lang="fr-FR"/>
           </a:p>
@@ -544,6 +545,90 @@
 </p:notes>
 </file>
 
+<file path=ppt/notesSlides/notesSlide2.xml><?xml version="1.0" encoding="utf-8"?>
+<p:notes xmlns:a="http://schemas.openxmlformats.org/drawingml/2006/main" xmlns:r="http://schemas.openxmlformats.org/officeDocument/2006/relationships" xmlns:p="http://schemas.openxmlformats.org/presentationml/2006/main">
+  <p:cSld>
+    <p:spTree>
+      <p:nvGrpSpPr>
+        <p:cNvPr id="1" name=""/>
+        <p:cNvGrpSpPr/>
+        <p:nvPr/>
+      </p:nvGrpSpPr>
+      <p:grpSpPr>
+        <a:xfrm>
+          <a:off x="0" y="0"/>
+          <a:ext cx="0" cy="0"/>
+          <a:chOff x="0" y="0"/>
+          <a:chExt cx="0" cy="0"/>
+        </a:xfrm>
+      </p:grpSpPr>
+      <p:sp>
+        <p:nvSpPr>
+          <p:cNvPr id="2" name="Espace réservé de l'image des diapositives 1"/>
+          <p:cNvSpPr>
+            <a:spLocks noGrp="1" noRot="1" noChangeAspect="1"/>
+          </p:cNvSpPr>
+          <p:nvPr>
+            <p:ph type="sldImg"/>
+          </p:nvPr>
+        </p:nvSpPr>
+        <p:spPr/>
+      </p:sp>
+      <p:sp>
+        <p:nvSpPr>
+          <p:cNvPr id="3" name="Espace réservé des commentaires 2"/>
+          <p:cNvSpPr>
+            <a:spLocks noGrp="1"/>
+          </p:cNvSpPr>
+          <p:nvPr>
+            <p:ph type="body" idx="1"/>
+          </p:nvPr>
+        </p:nvSpPr>
+        <p:spPr/>
+        <p:txBody>
+          <a:bodyPr/>
+          <a:lstStyle/>
+          <a:p>
+            <a:endParaRPr lang="fr-FR" dirty="0"/>
+          </a:p>
+        </p:txBody>
+      </p:sp>
+      <p:sp>
+        <p:nvSpPr>
+          <p:cNvPr id="4" name="Espace réservé du numéro de diapositive 3"/>
+          <p:cNvSpPr>
+            <a:spLocks noGrp="1"/>
+          </p:cNvSpPr>
+          <p:nvPr>
+            <p:ph type="sldNum" sz="quarter" idx="10"/>
+          </p:nvPr>
+        </p:nvSpPr>
+        <p:spPr/>
+        <p:txBody>
+          <a:bodyPr/>
+          <a:lstStyle/>
+          <a:p>
+            <a:fld id="{A0BF33A6-8EC3-874C-9FB7-185CD50672F7}" type="slidenum">
+              <a:rPr lang="fr-FR" smtClean="0"/>
+              <a:t>2</a:t>
+            </a:fld>
+            <a:endParaRPr lang="fr-FR"/>
+          </a:p>
+        </p:txBody>
+      </p:sp>
+    </p:spTree>
+    <p:extLst>
+      <p:ext uri="{BB962C8B-B14F-4D97-AF65-F5344CB8AC3E}">
+        <p14:creationId xmlns:p14="http://schemas.microsoft.com/office/powerpoint/2010/main" val="4022114883"/>
+      </p:ext>
+    </p:extLst>
+  </p:cSld>
+  <p:clrMapOvr>
+    <a:masterClrMapping/>
+  </p:clrMapOvr>
+</p:notes>
+</file>
+
 <file path=ppt/slideLayouts/slideLayout1.xml><?xml version="1.0" encoding="utf-8"?>
 <p:sldLayout xmlns:a="http://schemas.openxmlformats.org/drawingml/2006/main" xmlns:r="http://schemas.openxmlformats.org/officeDocument/2006/relationships" xmlns:p="http://schemas.openxmlformats.org/presentationml/2006/main" type="title" preserve="1">
   <p:cSld name="Diapositive de titre">
@@ -725,7 +810,7 @@
           <a:p>
             <a:fld id="{7B69463B-0436-3A47-840E-B5853DA20947}" type="datetimeFigureOut">
               <a:rPr lang="fr-FR" smtClean="0"/>
-              <a:t>12/10/2015</a:t>
+              <a:t>23/10/2015</a:t>
             </a:fld>
             <a:endParaRPr lang="fr-FR"/>
           </a:p>
@@ -895,7 +980,7 @@
           <a:p>
             <a:fld id="{7B69463B-0436-3A47-840E-B5853DA20947}" type="datetimeFigureOut">
               <a:rPr lang="fr-FR" smtClean="0"/>
-              <a:t>12/10/2015</a:t>
+              <a:t>23/10/2015</a:t>
             </a:fld>
             <a:endParaRPr lang="fr-FR"/>
           </a:p>
@@ -1075,7 +1160,7 @@
           <a:p>
             <a:fld id="{7B69463B-0436-3A47-840E-B5853DA20947}" type="datetimeFigureOut">
               <a:rPr lang="fr-FR" smtClean="0"/>
-              <a:t>12/10/2015</a:t>
+              <a:t>23/10/2015</a:t>
             </a:fld>
             <a:endParaRPr lang="fr-FR"/>
           </a:p>
@@ -1245,7 +1330,7 @@
           <a:p>
             <a:fld id="{7B69463B-0436-3A47-840E-B5853DA20947}" type="datetimeFigureOut">
               <a:rPr lang="fr-FR" smtClean="0"/>
-              <a:t>12/10/2015</a:t>
+              <a:t>23/10/2015</a:t>
             </a:fld>
             <a:endParaRPr lang="fr-FR"/>
           </a:p>
@@ -1491,7 +1576,7 @@
           <a:p>
             <a:fld id="{7B69463B-0436-3A47-840E-B5853DA20947}" type="datetimeFigureOut">
               <a:rPr lang="fr-FR" smtClean="0"/>
-              <a:t>12/10/2015</a:t>
+              <a:t>23/10/2015</a:t>
             </a:fld>
             <a:endParaRPr lang="fr-FR"/>
           </a:p>
@@ -1779,7 +1864,7 @@
           <a:p>
             <a:fld id="{7B69463B-0436-3A47-840E-B5853DA20947}" type="datetimeFigureOut">
               <a:rPr lang="fr-FR" smtClean="0"/>
-              <a:t>12/10/2015</a:t>
+              <a:t>23/10/2015</a:t>
             </a:fld>
             <a:endParaRPr lang="fr-FR"/>
           </a:p>
@@ -2201,7 +2286,7 @@
           <a:p>
             <a:fld id="{7B69463B-0436-3A47-840E-B5853DA20947}" type="datetimeFigureOut">
               <a:rPr lang="fr-FR" smtClean="0"/>
-              <a:t>12/10/2015</a:t>
+              <a:t>23/10/2015</a:t>
             </a:fld>
             <a:endParaRPr lang="fr-FR"/>
           </a:p>
@@ -2319,7 +2404,7 @@
           <a:p>
             <a:fld id="{7B69463B-0436-3A47-840E-B5853DA20947}" type="datetimeFigureOut">
               <a:rPr lang="fr-FR" smtClean="0"/>
-              <a:t>12/10/2015</a:t>
+              <a:t>23/10/2015</a:t>
             </a:fld>
             <a:endParaRPr lang="fr-FR"/>
           </a:p>
@@ -2414,7 +2499,7 @@
           <a:p>
             <a:fld id="{7B69463B-0436-3A47-840E-B5853DA20947}" type="datetimeFigureOut">
               <a:rPr lang="fr-FR" smtClean="0"/>
-              <a:t>12/10/2015</a:t>
+              <a:t>23/10/2015</a:t>
             </a:fld>
             <a:endParaRPr lang="fr-FR"/>
           </a:p>
@@ -2691,7 +2776,7 @@
           <a:p>
             <a:fld id="{7B69463B-0436-3A47-840E-B5853DA20947}" type="datetimeFigureOut">
               <a:rPr lang="fr-FR" smtClean="0"/>
-              <a:t>12/10/2015</a:t>
+              <a:t>23/10/2015</a:t>
             </a:fld>
             <a:endParaRPr lang="fr-FR"/>
           </a:p>
@@ -2944,7 +3029,7 @@
           <a:p>
             <a:fld id="{7B69463B-0436-3A47-840E-B5853DA20947}" type="datetimeFigureOut">
               <a:rPr lang="fr-FR" smtClean="0"/>
-              <a:t>12/10/2015</a:t>
+              <a:t>23/10/2015</a:t>
             </a:fld>
             <a:endParaRPr lang="fr-FR"/>
           </a:p>
@@ -3157,7 +3242,7 @@
           <a:p>
             <a:fld id="{7B69463B-0436-3A47-840E-B5853DA20947}" type="datetimeFigureOut">
               <a:rPr lang="fr-FR" smtClean="0"/>
-              <a:t>12/10/2015</a:t>
+              <a:t>23/10/2015</a:t>
             </a:fld>
             <a:endParaRPr lang="fr-FR"/>
           </a:p>
@@ -5104,6 +5189,1440 @@
     <p:extLst>
       <p:ext uri="{BB962C8B-B14F-4D97-AF65-F5344CB8AC3E}">
         <p14:creationId xmlns:p14="http://schemas.microsoft.com/office/powerpoint/2010/main" val="1146200785"/>
+      </p:ext>
+    </p:extLst>
+  </p:cSld>
+  <p:clrMapOvr>
+    <a:masterClrMapping/>
+  </p:clrMapOvr>
+</p:sld>
+</file>
+
+<file path=ppt/slides/slide2.xml><?xml version="1.0" encoding="utf-8"?>
+<p:sld xmlns:a="http://schemas.openxmlformats.org/drawingml/2006/main" xmlns:r="http://schemas.openxmlformats.org/officeDocument/2006/relationships" xmlns:p="http://schemas.openxmlformats.org/presentationml/2006/main">
+  <p:cSld>
+    <p:spTree>
+      <p:nvGrpSpPr>
+        <p:cNvPr id="1" name=""/>
+        <p:cNvGrpSpPr/>
+        <p:nvPr/>
+      </p:nvGrpSpPr>
+      <p:grpSpPr>
+        <a:xfrm>
+          <a:off x="0" y="0"/>
+          <a:ext cx="0" cy="0"/>
+          <a:chOff x="0" y="0"/>
+          <a:chExt cx="0" cy="0"/>
+        </a:xfrm>
+      </p:grpSpPr>
+      <p:sp>
+        <p:nvSpPr>
+          <p:cNvPr id="65" name="Rectangle à coins arrondis 64"/>
+          <p:cNvSpPr/>
+          <p:nvPr/>
+        </p:nvSpPr>
+        <p:spPr>
+          <a:xfrm>
+            <a:off x="2399986" y="1680754"/>
+            <a:ext cx="3929130" cy="955063"/>
+          </a:xfrm>
+          <a:prstGeom prst="roundRect">
+            <a:avLst>
+              <a:gd name="adj" fmla="val 4649"/>
+            </a:avLst>
+          </a:prstGeom>
+          <a:solidFill>
+            <a:schemeClr val="bg1">
+              <a:lumMod val="95000"/>
+            </a:schemeClr>
+          </a:solidFill>
+          <a:ln w="6350" cmpd="sng">
+            <a:noFill/>
+          </a:ln>
+          <a:effectLst/>
+        </p:spPr>
+        <p:style>
+          <a:lnRef idx="1">
+            <a:schemeClr val="accent1"/>
+          </a:lnRef>
+          <a:fillRef idx="3">
+            <a:schemeClr val="accent1"/>
+          </a:fillRef>
+          <a:effectRef idx="2">
+            <a:schemeClr val="accent1"/>
+          </a:effectRef>
+          <a:fontRef idx="minor">
+            <a:schemeClr val="lt1"/>
+          </a:fontRef>
+        </p:style>
+        <p:txBody>
+          <a:bodyPr rtlCol="0" anchor="ctr"/>
+          <a:lstStyle/>
+          <a:p>
+            <a:pPr algn="ctr"/>
+            <a:endParaRPr lang="fr-FR"/>
+          </a:p>
+        </p:txBody>
+      </p:sp>
+      <p:sp>
+        <p:nvSpPr>
+          <p:cNvPr id="4" name="Rectangle à coins arrondis 3"/>
+          <p:cNvSpPr/>
+          <p:nvPr/>
+        </p:nvSpPr>
+        <p:spPr>
+          <a:xfrm>
+            <a:off x="2399986" y="456431"/>
+            <a:ext cx="3929130" cy="1015633"/>
+          </a:xfrm>
+          <a:prstGeom prst="roundRect">
+            <a:avLst>
+              <a:gd name="adj" fmla="val 4649"/>
+            </a:avLst>
+          </a:prstGeom>
+          <a:solidFill>
+            <a:schemeClr val="bg1">
+              <a:lumMod val="95000"/>
+            </a:schemeClr>
+          </a:solidFill>
+          <a:ln w="6350" cmpd="sng">
+            <a:noFill/>
+          </a:ln>
+          <a:effectLst/>
+        </p:spPr>
+        <p:style>
+          <a:lnRef idx="1">
+            <a:schemeClr val="accent1"/>
+          </a:lnRef>
+          <a:fillRef idx="3">
+            <a:schemeClr val="accent1"/>
+          </a:fillRef>
+          <a:effectRef idx="2">
+            <a:schemeClr val="accent1"/>
+          </a:effectRef>
+          <a:fontRef idx="minor">
+            <a:schemeClr val="lt1"/>
+          </a:fontRef>
+        </p:style>
+        <p:txBody>
+          <a:bodyPr rtlCol="0" anchor="ctr"/>
+          <a:lstStyle/>
+          <a:p>
+            <a:pPr algn="ctr"/>
+            <a:endParaRPr lang="fr-FR"/>
+          </a:p>
+        </p:txBody>
+      </p:sp>
+      <p:sp>
+        <p:nvSpPr>
+          <p:cNvPr id="8" name="ZoneTexte 7"/>
+          <p:cNvSpPr txBox="1"/>
+          <p:nvPr/>
+        </p:nvSpPr>
+        <p:spPr>
+          <a:xfrm>
+            <a:off x="2302216" y="2774677"/>
+            <a:ext cx="2013547" cy="292388"/>
+          </a:xfrm>
+          <a:prstGeom prst="rect">
+            <a:avLst/>
+          </a:prstGeom>
+          <a:noFill/>
+        </p:spPr>
+        <p:txBody>
+          <a:bodyPr wrap="square" rtlCol="0">
+            <a:spAutoFit/>
+          </a:bodyPr>
+          <a:lstStyle/>
+          <a:p>
+            <a:pPr algn="ctr"/>
+            <a:r>
+              <a:rPr lang="en-US" sz="1300" b="1" dirty="0" smtClean="0">
+                <a:latin typeface="Seravek ExtraLight"/>
+                <a:cs typeface="Seravek ExtraLight"/>
+              </a:rPr>
+              <a:t>Independent domains</a:t>
+            </a:r>
+            <a:endParaRPr lang="en-US" sz="1300" b="1" dirty="0">
+              <a:latin typeface="Seravek ExtraLight"/>
+              <a:cs typeface="Seravek ExtraLight"/>
+            </a:endParaRPr>
+          </a:p>
+        </p:txBody>
+      </p:sp>
+      <p:sp>
+        <p:nvSpPr>
+          <p:cNvPr id="9" name="ZoneTexte 8"/>
+          <p:cNvSpPr txBox="1"/>
+          <p:nvPr/>
+        </p:nvSpPr>
+        <p:spPr>
+          <a:xfrm>
+            <a:off x="4348189" y="2774677"/>
+            <a:ext cx="2226568" cy="292388"/>
+          </a:xfrm>
+          <a:prstGeom prst="rect">
+            <a:avLst/>
+          </a:prstGeom>
+          <a:noFill/>
+        </p:spPr>
+        <p:txBody>
+          <a:bodyPr wrap="square" rtlCol="0">
+            <a:spAutoFit/>
+          </a:bodyPr>
+          <a:lstStyle/>
+          <a:p>
+            <a:pPr algn="ctr"/>
+            <a:r>
+              <a:rPr lang="en-US" sz="1300" b="1" dirty="0" smtClean="0">
+                <a:latin typeface="Seravek ExtraLight"/>
+                <a:cs typeface="Seravek ExtraLight"/>
+              </a:rPr>
+              <a:t>Overlapping domains</a:t>
+            </a:r>
+            <a:endParaRPr lang="en-US" sz="1300" b="1" dirty="0">
+              <a:latin typeface="Seravek ExtraLight"/>
+              <a:cs typeface="Seravek ExtraLight"/>
+            </a:endParaRPr>
+          </a:p>
+        </p:txBody>
+      </p:sp>
+      <p:sp>
+        <p:nvSpPr>
+          <p:cNvPr id="14" name="Ellipse 13"/>
+          <p:cNvSpPr/>
+          <p:nvPr/>
+        </p:nvSpPr>
+        <p:spPr>
+          <a:xfrm>
+            <a:off x="5353053" y="555836"/>
+            <a:ext cx="737589" cy="747404"/>
+          </a:xfrm>
+          <a:prstGeom prst="ellipse">
+            <a:avLst/>
+          </a:prstGeom>
+          <a:pattFill prst="pct5">
+            <a:fgClr>
+              <a:schemeClr val="bg1">
+                <a:lumMod val="50000"/>
+              </a:schemeClr>
+            </a:fgClr>
+            <a:bgClr>
+              <a:schemeClr val="bg1">
+                <a:lumMod val="95000"/>
+              </a:schemeClr>
+            </a:bgClr>
+          </a:pattFill>
+          <a:ln w="28575" cmpd="sng">
+            <a:solidFill>
+              <a:srgbClr val="000000"/>
+            </a:solidFill>
+          </a:ln>
+          <a:effectLst/>
+        </p:spPr>
+        <p:style>
+          <a:lnRef idx="1">
+            <a:schemeClr val="accent1"/>
+          </a:lnRef>
+          <a:fillRef idx="3">
+            <a:schemeClr val="accent1"/>
+          </a:fillRef>
+          <a:effectRef idx="2">
+            <a:schemeClr val="accent1"/>
+          </a:effectRef>
+          <a:fontRef idx="minor">
+            <a:schemeClr val="lt1"/>
+          </a:fontRef>
+        </p:style>
+        <p:txBody>
+          <a:bodyPr rtlCol="0" anchor="ctr"/>
+          <a:lstStyle/>
+          <a:p>
+            <a:pPr algn="ctr"/>
+            <a:endParaRPr lang="fr-FR"/>
+          </a:p>
+        </p:txBody>
+      </p:sp>
+      <p:cxnSp>
+        <p:nvCxnSpPr>
+          <p:cNvPr id="29" name="Connecteur droit avec flèche 28"/>
+          <p:cNvCxnSpPr>
+            <a:stCxn id="48" idx="0"/>
+            <a:endCxn id="13" idx="4"/>
+          </p:cNvCxnSpPr>
+          <p:nvPr/>
+        </p:nvCxnSpPr>
+        <p:spPr>
+          <a:xfrm flipV="1">
+            <a:off x="5183050" y="1303240"/>
+            <a:ext cx="4031" cy="528788"/>
+          </a:xfrm>
+          <a:prstGeom prst="straightConnector1">
+            <a:avLst/>
+          </a:prstGeom>
+          <a:ln w="9525" cmpd="sng">
+            <a:solidFill>
+              <a:srgbClr val="000000"/>
+            </a:solidFill>
+            <a:prstDash val="dash"/>
+            <a:headEnd type="none"/>
+            <a:tailEnd type="triangle"/>
+          </a:ln>
+          <a:effectLst/>
+        </p:spPr>
+        <p:style>
+          <a:lnRef idx="2">
+            <a:schemeClr val="accent1"/>
+          </a:lnRef>
+          <a:fillRef idx="0">
+            <a:schemeClr val="accent1"/>
+          </a:fillRef>
+          <a:effectRef idx="1">
+            <a:schemeClr val="accent1"/>
+          </a:effectRef>
+          <a:fontRef idx="minor">
+            <a:schemeClr val="tx1"/>
+          </a:fontRef>
+        </p:style>
+      </p:cxnSp>
+      <p:cxnSp>
+        <p:nvCxnSpPr>
+          <p:cNvPr id="30" name="Connecteur droit avec flèche 29"/>
+          <p:cNvCxnSpPr>
+            <a:stCxn id="50" idx="0"/>
+            <a:endCxn id="14" idx="4"/>
+          </p:cNvCxnSpPr>
+          <p:nvPr/>
+        </p:nvCxnSpPr>
+        <p:spPr>
+          <a:xfrm flipH="1" flipV="1">
+            <a:off x="5721848" y="1303240"/>
+            <a:ext cx="8929" cy="528788"/>
+          </a:xfrm>
+          <a:prstGeom prst="straightConnector1">
+            <a:avLst/>
+          </a:prstGeom>
+          <a:ln w="9525" cmpd="sng">
+            <a:solidFill>
+              <a:srgbClr val="000000"/>
+            </a:solidFill>
+            <a:prstDash val="dash"/>
+            <a:headEnd type="none"/>
+            <a:tailEnd type="triangle"/>
+          </a:ln>
+          <a:effectLst/>
+        </p:spPr>
+        <p:style>
+          <a:lnRef idx="2">
+            <a:schemeClr val="accent1"/>
+          </a:lnRef>
+          <a:fillRef idx="0">
+            <a:schemeClr val="accent1"/>
+          </a:fillRef>
+          <a:effectRef idx="1">
+            <a:schemeClr val="accent1"/>
+          </a:effectRef>
+          <a:fontRef idx="minor">
+            <a:schemeClr val="tx1"/>
+          </a:fontRef>
+        </p:style>
+      </p:cxnSp>
+      <p:sp>
+        <p:nvSpPr>
+          <p:cNvPr id="13" name="Ellipse 12"/>
+          <p:cNvSpPr/>
+          <p:nvPr/>
+        </p:nvSpPr>
+        <p:spPr>
+          <a:xfrm>
+            <a:off x="4820620" y="568742"/>
+            <a:ext cx="732921" cy="734498"/>
+          </a:xfrm>
+          <a:prstGeom prst="ellipse">
+            <a:avLst/>
+          </a:prstGeom>
+          <a:noFill/>
+          <a:ln w="28575" cmpd="sng">
+            <a:solidFill>
+              <a:srgbClr val="000000"/>
+            </a:solidFill>
+          </a:ln>
+          <a:effectLst/>
+        </p:spPr>
+        <p:style>
+          <a:lnRef idx="1">
+            <a:schemeClr val="accent1"/>
+          </a:lnRef>
+          <a:fillRef idx="3">
+            <a:schemeClr val="accent1"/>
+          </a:fillRef>
+          <a:effectRef idx="2">
+            <a:schemeClr val="accent1"/>
+          </a:effectRef>
+          <a:fontRef idx="minor">
+            <a:schemeClr val="lt1"/>
+          </a:fontRef>
+        </p:style>
+        <p:txBody>
+          <a:bodyPr rtlCol="0" anchor="ctr"/>
+          <a:lstStyle/>
+          <a:p>
+            <a:pPr algn="ctr"/>
+            <a:endParaRPr lang="fr-FR"/>
+          </a:p>
+        </p:txBody>
+      </p:sp>
+      <p:sp>
+        <p:nvSpPr>
+          <p:cNvPr id="43" name="ZoneTexte 42"/>
+          <p:cNvSpPr txBox="1"/>
+          <p:nvPr/>
+        </p:nvSpPr>
+        <p:spPr>
+          <a:xfrm>
+            <a:off x="1309175" y="754068"/>
+            <a:ext cx="897701" cy="461665"/>
+          </a:xfrm>
+          <a:prstGeom prst="rect">
+            <a:avLst/>
+          </a:prstGeom>
+          <a:noFill/>
+        </p:spPr>
+        <p:txBody>
+          <a:bodyPr wrap="square" rtlCol="0">
+            <a:spAutoFit/>
+          </a:bodyPr>
+          <a:lstStyle/>
+          <a:p>
+            <a:pPr algn="ctr"/>
+            <a:r>
+              <a:rPr lang="en-US" sz="1200" b="1" dirty="0" smtClean="0">
+                <a:latin typeface="Seravek ExtraLight"/>
+                <a:cs typeface="Seravek ExtraLight"/>
+              </a:rPr>
+              <a:t>Language constructs</a:t>
+            </a:r>
+          </a:p>
+        </p:txBody>
+      </p:sp>
+      <p:sp>
+        <p:nvSpPr>
+          <p:cNvPr id="44" name="Accolade ouvrante 43"/>
+          <p:cNvSpPr/>
+          <p:nvPr/>
+        </p:nvSpPr>
+        <p:spPr>
+          <a:xfrm>
+            <a:off x="2118263" y="456431"/>
+            <a:ext cx="183953" cy="1015633"/>
+          </a:xfrm>
+          <a:prstGeom prst="leftBrace">
+            <a:avLst/>
+          </a:prstGeom>
+          <a:ln w="3175" cmpd="sng">
+            <a:solidFill>
+              <a:schemeClr val="tx1"/>
+            </a:solidFill>
+            <a:prstDash val="solid"/>
+          </a:ln>
+          <a:effectLst/>
+        </p:spPr>
+        <p:style>
+          <a:lnRef idx="2">
+            <a:schemeClr val="accent1"/>
+          </a:lnRef>
+          <a:fillRef idx="0">
+            <a:schemeClr val="accent1"/>
+          </a:fillRef>
+          <a:effectRef idx="1">
+            <a:schemeClr val="accent1"/>
+          </a:effectRef>
+          <a:fontRef idx="minor">
+            <a:schemeClr val="tx1"/>
+          </a:fontRef>
+        </p:style>
+        <p:txBody>
+          <a:bodyPr rtlCol="0" anchor="ctr"/>
+          <a:lstStyle/>
+          <a:p>
+            <a:pPr algn="ctr"/>
+            <a:endParaRPr lang="fr-FR"/>
+          </a:p>
+        </p:txBody>
+      </p:sp>
+      <p:pic>
+        <p:nvPicPr>
+          <p:cNvPr id="48" name="Image 47"/>
+          <p:cNvPicPr>
+            <a:picLocks noChangeAspect="1"/>
+          </p:cNvPicPr>
+          <p:nvPr/>
+        </p:nvPicPr>
+        <p:blipFill>
+          <a:blip r:embed="rId3"/>
+          <a:stretch>
+            <a:fillRect/>
+          </a:stretch>
+        </p:blipFill>
+        <p:spPr>
+          <a:xfrm>
+            <a:off x="4954498" y="1832028"/>
+            <a:ext cx="457103" cy="646510"/>
+          </a:xfrm>
+          <a:prstGeom prst="rect">
+            <a:avLst/>
+          </a:prstGeom>
+        </p:spPr>
+      </p:pic>
+      <p:pic>
+        <p:nvPicPr>
+          <p:cNvPr id="50" name="Image 49"/>
+          <p:cNvPicPr>
+            <a:picLocks noChangeAspect="1"/>
+          </p:cNvPicPr>
+          <p:nvPr/>
+        </p:nvPicPr>
+        <p:blipFill>
+          <a:blip r:embed="rId3"/>
+          <a:stretch>
+            <a:fillRect/>
+          </a:stretch>
+        </p:blipFill>
+        <p:spPr>
+          <a:xfrm>
+            <a:off x="5502225" y="1832028"/>
+            <a:ext cx="457103" cy="646510"/>
+          </a:xfrm>
+          <a:prstGeom prst="rect">
+            <a:avLst/>
+          </a:prstGeom>
+        </p:spPr>
+      </p:pic>
+      <p:sp>
+        <p:nvSpPr>
+          <p:cNvPr id="55" name="Rectangle 54"/>
+          <p:cNvSpPr/>
+          <p:nvPr/>
+        </p:nvSpPr>
+        <p:spPr>
+          <a:xfrm>
+            <a:off x="5249586" y="2116989"/>
+            <a:ext cx="128941" cy="328474"/>
+          </a:xfrm>
+          <a:prstGeom prst="rect">
+            <a:avLst/>
+          </a:prstGeom>
+          <a:pattFill prst="ltHorz">
+            <a:fgClr>
+              <a:schemeClr val="tx1"/>
+            </a:fgClr>
+            <a:bgClr>
+              <a:schemeClr val="bg1">
+                <a:lumMod val="95000"/>
+              </a:schemeClr>
+            </a:bgClr>
+          </a:pattFill>
+          <a:ln>
+            <a:noFill/>
+          </a:ln>
+          <a:effectLst/>
+        </p:spPr>
+        <p:style>
+          <a:lnRef idx="1">
+            <a:schemeClr val="accent1"/>
+          </a:lnRef>
+          <a:fillRef idx="3">
+            <a:schemeClr val="accent1"/>
+          </a:fillRef>
+          <a:effectRef idx="2">
+            <a:schemeClr val="accent1"/>
+          </a:effectRef>
+          <a:fontRef idx="minor">
+            <a:schemeClr val="lt1"/>
+          </a:fontRef>
+        </p:style>
+        <p:txBody>
+          <a:bodyPr rtlCol="0" anchor="ctr"/>
+          <a:lstStyle/>
+          <a:p>
+            <a:pPr algn="ctr"/>
+            <a:endParaRPr lang="fr-FR"/>
+          </a:p>
+        </p:txBody>
+      </p:sp>
+      <p:sp>
+        <p:nvSpPr>
+          <p:cNvPr id="94" name="ZoneTexte 93"/>
+          <p:cNvSpPr txBox="1"/>
+          <p:nvPr/>
+        </p:nvSpPr>
+        <p:spPr>
+          <a:xfrm>
+            <a:off x="6369864" y="2531638"/>
+            <a:ext cx="1195944" cy="276999"/>
+          </a:xfrm>
+          <a:prstGeom prst="rect">
+            <a:avLst/>
+          </a:prstGeom>
+          <a:noFill/>
+        </p:spPr>
+        <p:txBody>
+          <a:bodyPr wrap="square" rtlCol="0">
+            <a:spAutoFit/>
+          </a:bodyPr>
+          <a:lstStyle/>
+          <a:p>
+            <a:pPr algn="ctr"/>
+            <a:r>
+              <a:rPr lang="en-US" sz="1200" b="1" dirty="0" smtClean="0">
+                <a:latin typeface="Seravek ExtraLight"/>
+                <a:cs typeface="Seravek ExtraLight"/>
+              </a:rPr>
+              <a:t>Potential reuse</a:t>
+            </a:r>
+            <a:endParaRPr lang="en-US" sz="1200" b="1" dirty="0">
+              <a:latin typeface="Seravek ExtraLight"/>
+              <a:cs typeface="Seravek ExtraLight"/>
+            </a:endParaRPr>
+          </a:p>
+        </p:txBody>
+      </p:sp>
+      <p:sp>
+        <p:nvSpPr>
+          <p:cNvPr id="46" name="Rectangle 45"/>
+          <p:cNvSpPr/>
+          <p:nvPr/>
+        </p:nvSpPr>
+        <p:spPr>
+          <a:xfrm>
+            <a:off x="5533696" y="2121161"/>
+            <a:ext cx="128941" cy="328474"/>
+          </a:xfrm>
+          <a:prstGeom prst="rect">
+            <a:avLst/>
+          </a:prstGeom>
+          <a:pattFill prst="ltHorz">
+            <a:fgClr>
+              <a:schemeClr val="tx1"/>
+            </a:fgClr>
+            <a:bgClr>
+              <a:schemeClr val="bg1">
+                <a:lumMod val="95000"/>
+              </a:schemeClr>
+            </a:bgClr>
+          </a:pattFill>
+          <a:ln>
+            <a:noFill/>
+          </a:ln>
+          <a:effectLst/>
+        </p:spPr>
+        <p:style>
+          <a:lnRef idx="1">
+            <a:schemeClr val="accent1"/>
+          </a:lnRef>
+          <a:fillRef idx="3">
+            <a:schemeClr val="accent1"/>
+          </a:fillRef>
+          <a:effectRef idx="2">
+            <a:schemeClr val="accent1"/>
+          </a:effectRef>
+          <a:fontRef idx="minor">
+            <a:schemeClr val="lt1"/>
+          </a:fontRef>
+        </p:style>
+        <p:txBody>
+          <a:bodyPr rtlCol="0" anchor="ctr"/>
+          <a:lstStyle/>
+          <a:p>
+            <a:pPr algn="ctr"/>
+            <a:endParaRPr lang="fr-FR"/>
+          </a:p>
+        </p:txBody>
+      </p:sp>
+      <p:sp>
+        <p:nvSpPr>
+          <p:cNvPr id="49" name="Ellipse 48"/>
+          <p:cNvSpPr/>
+          <p:nvPr/>
+        </p:nvSpPr>
+        <p:spPr>
+          <a:xfrm>
+            <a:off x="3379473" y="555836"/>
+            <a:ext cx="737589" cy="747404"/>
+          </a:xfrm>
+          <a:prstGeom prst="ellipse">
+            <a:avLst/>
+          </a:prstGeom>
+          <a:pattFill prst="pct5">
+            <a:fgClr>
+              <a:schemeClr val="bg1">
+                <a:lumMod val="50000"/>
+              </a:schemeClr>
+            </a:fgClr>
+            <a:bgClr>
+              <a:schemeClr val="bg1">
+                <a:lumMod val="95000"/>
+              </a:schemeClr>
+            </a:bgClr>
+          </a:pattFill>
+          <a:ln w="28575" cmpd="sng">
+            <a:solidFill>
+              <a:srgbClr val="000000"/>
+            </a:solidFill>
+          </a:ln>
+          <a:effectLst/>
+        </p:spPr>
+        <p:style>
+          <a:lnRef idx="1">
+            <a:schemeClr val="accent1"/>
+          </a:lnRef>
+          <a:fillRef idx="3">
+            <a:schemeClr val="accent1"/>
+          </a:fillRef>
+          <a:effectRef idx="2">
+            <a:schemeClr val="accent1"/>
+          </a:effectRef>
+          <a:fontRef idx="minor">
+            <a:schemeClr val="lt1"/>
+          </a:fontRef>
+        </p:style>
+        <p:txBody>
+          <a:bodyPr rtlCol="0" anchor="ctr"/>
+          <a:lstStyle/>
+          <a:p>
+            <a:pPr algn="ctr"/>
+            <a:endParaRPr lang="fr-FR"/>
+          </a:p>
+        </p:txBody>
+      </p:sp>
+      <p:cxnSp>
+        <p:nvCxnSpPr>
+          <p:cNvPr id="53" name="Connecteur droit avec flèche 52"/>
+          <p:cNvCxnSpPr>
+            <a:stCxn id="59" idx="0"/>
+            <a:endCxn id="57" idx="4"/>
+          </p:cNvCxnSpPr>
+          <p:nvPr/>
+        </p:nvCxnSpPr>
+        <p:spPr>
+          <a:xfrm flipV="1">
+            <a:off x="2892194" y="1303240"/>
+            <a:ext cx="10402" cy="528788"/>
+          </a:xfrm>
+          <a:prstGeom prst="straightConnector1">
+            <a:avLst/>
+          </a:prstGeom>
+          <a:ln w="9525" cmpd="sng">
+            <a:solidFill>
+              <a:srgbClr val="000000"/>
+            </a:solidFill>
+            <a:prstDash val="dash"/>
+            <a:headEnd type="none"/>
+            <a:tailEnd type="triangle"/>
+          </a:ln>
+          <a:effectLst/>
+        </p:spPr>
+        <p:style>
+          <a:lnRef idx="2">
+            <a:schemeClr val="accent1"/>
+          </a:lnRef>
+          <a:fillRef idx="0">
+            <a:schemeClr val="accent1"/>
+          </a:fillRef>
+          <a:effectRef idx="1">
+            <a:schemeClr val="accent1"/>
+          </a:effectRef>
+          <a:fontRef idx="minor">
+            <a:schemeClr val="tx1"/>
+          </a:fontRef>
+        </p:style>
+      </p:cxnSp>
+      <p:cxnSp>
+        <p:nvCxnSpPr>
+          <p:cNvPr id="54" name="Connecteur droit avec flèche 53"/>
+          <p:cNvCxnSpPr>
+            <a:stCxn id="60" idx="0"/>
+            <a:endCxn id="49" idx="4"/>
+          </p:cNvCxnSpPr>
+          <p:nvPr/>
+        </p:nvCxnSpPr>
+        <p:spPr>
+          <a:xfrm flipH="1" flipV="1">
+            <a:off x="3748268" y="1303240"/>
+            <a:ext cx="9173" cy="528788"/>
+          </a:xfrm>
+          <a:prstGeom prst="straightConnector1">
+            <a:avLst/>
+          </a:prstGeom>
+          <a:ln w="9525" cmpd="sng">
+            <a:solidFill>
+              <a:srgbClr val="000000"/>
+            </a:solidFill>
+            <a:prstDash val="dash"/>
+            <a:headEnd type="none"/>
+            <a:tailEnd type="triangle"/>
+          </a:ln>
+          <a:effectLst/>
+        </p:spPr>
+        <p:style>
+          <a:lnRef idx="2">
+            <a:schemeClr val="accent1"/>
+          </a:lnRef>
+          <a:fillRef idx="0">
+            <a:schemeClr val="accent1"/>
+          </a:fillRef>
+          <a:effectRef idx="1">
+            <a:schemeClr val="accent1"/>
+          </a:effectRef>
+          <a:fontRef idx="minor">
+            <a:schemeClr val="tx1"/>
+          </a:fontRef>
+        </p:style>
+      </p:cxnSp>
+      <p:sp>
+        <p:nvSpPr>
+          <p:cNvPr id="57" name="Ellipse 56"/>
+          <p:cNvSpPr/>
+          <p:nvPr/>
+        </p:nvSpPr>
+        <p:spPr>
+          <a:xfrm>
+            <a:off x="2536135" y="568742"/>
+            <a:ext cx="732921" cy="734498"/>
+          </a:xfrm>
+          <a:prstGeom prst="ellipse">
+            <a:avLst/>
+          </a:prstGeom>
+          <a:noFill/>
+          <a:ln w="28575" cmpd="sng">
+            <a:solidFill>
+              <a:srgbClr val="000000"/>
+            </a:solidFill>
+          </a:ln>
+          <a:effectLst/>
+        </p:spPr>
+        <p:style>
+          <a:lnRef idx="1">
+            <a:schemeClr val="accent1"/>
+          </a:lnRef>
+          <a:fillRef idx="3">
+            <a:schemeClr val="accent1"/>
+          </a:fillRef>
+          <a:effectRef idx="2">
+            <a:schemeClr val="accent1"/>
+          </a:effectRef>
+          <a:fontRef idx="minor">
+            <a:schemeClr val="lt1"/>
+          </a:fontRef>
+        </p:style>
+        <p:txBody>
+          <a:bodyPr rtlCol="0" anchor="ctr"/>
+          <a:lstStyle/>
+          <a:p>
+            <a:pPr algn="ctr"/>
+            <a:endParaRPr lang="fr-FR"/>
+          </a:p>
+        </p:txBody>
+      </p:sp>
+      <p:pic>
+        <p:nvPicPr>
+          <p:cNvPr id="59" name="Image 58"/>
+          <p:cNvPicPr>
+            <a:picLocks noChangeAspect="1"/>
+          </p:cNvPicPr>
+          <p:nvPr/>
+        </p:nvPicPr>
+        <p:blipFill>
+          <a:blip r:embed="rId3"/>
+          <a:stretch>
+            <a:fillRect/>
+          </a:stretch>
+        </p:blipFill>
+        <p:spPr>
+          <a:xfrm>
+            <a:off x="2663642" y="1832028"/>
+            <a:ext cx="457103" cy="646510"/>
+          </a:xfrm>
+          <a:prstGeom prst="rect">
+            <a:avLst/>
+          </a:prstGeom>
+        </p:spPr>
+      </p:pic>
+      <p:pic>
+        <p:nvPicPr>
+          <p:cNvPr id="60" name="Image 59"/>
+          <p:cNvPicPr>
+            <a:picLocks noChangeAspect="1"/>
+          </p:cNvPicPr>
+          <p:nvPr/>
+        </p:nvPicPr>
+        <p:blipFill>
+          <a:blip r:embed="rId3"/>
+          <a:stretch>
+            <a:fillRect/>
+          </a:stretch>
+        </p:blipFill>
+        <p:spPr>
+          <a:xfrm>
+            <a:off x="3528889" y="1832028"/>
+            <a:ext cx="457103" cy="646510"/>
+          </a:xfrm>
+          <a:prstGeom prst="rect">
+            <a:avLst/>
+          </a:prstGeom>
+        </p:spPr>
+      </p:pic>
+      <p:sp>
+        <p:nvSpPr>
+          <p:cNvPr id="67" name="ZoneTexte 66"/>
+          <p:cNvSpPr txBox="1"/>
+          <p:nvPr/>
+        </p:nvSpPr>
+        <p:spPr>
+          <a:xfrm>
+            <a:off x="1256440" y="1946469"/>
+            <a:ext cx="950437" cy="461665"/>
+          </a:xfrm>
+          <a:prstGeom prst="rect">
+            <a:avLst/>
+          </a:prstGeom>
+          <a:noFill/>
+        </p:spPr>
+        <p:txBody>
+          <a:bodyPr wrap="square" rtlCol="0">
+            <a:spAutoFit/>
+          </a:bodyPr>
+          <a:lstStyle/>
+          <a:p>
+            <a:pPr algn="ctr"/>
+            <a:r>
+              <a:rPr lang="en-US" sz="1200" b="1" dirty="0" smtClean="0">
+                <a:latin typeface="Seravek ExtraLight"/>
+                <a:cs typeface="Seravek ExtraLight"/>
+              </a:rPr>
+              <a:t>Language specification</a:t>
+            </a:r>
+          </a:p>
+        </p:txBody>
+      </p:sp>
+      <p:sp>
+        <p:nvSpPr>
+          <p:cNvPr id="23" name="Forme libre 22"/>
+          <p:cNvSpPr/>
+          <p:nvPr/>
+        </p:nvSpPr>
+        <p:spPr>
+          <a:xfrm>
+            <a:off x="5371912" y="707795"/>
+            <a:ext cx="163444" cy="449813"/>
+          </a:xfrm>
+          <a:custGeom>
+            <a:avLst/>
+            <a:gdLst>
+              <a:gd name="connsiteX0" fmla="*/ 66147 w 152139"/>
+              <a:gd name="connsiteY0" fmla="*/ 0 h 449813"/>
+              <a:gd name="connsiteX1" fmla="*/ 13230 w 152139"/>
+              <a:gd name="connsiteY1" fmla="*/ 99223 h 449813"/>
+              <a:gd name="connsiteX2" fmla="*/ 0 w 152139"/>
+              <a:gd name="connsiteY2" fmla="*/ 191832 h 449813"/>
+              <a:gd name="connsiteX3" fmla="*/ 0 w 152139"/>
+              <a:gd name="connsiteY3" fmla="*/ 291055 h 449813"/>
+              <a:gd name="connsiteX4" fmla="*/ 39689 w 152139"/>
+              <a:gd name="connsiteY4" fmla="*/ 403509 h 449813"/>
+              <a:gd name="connsiteX5" fmla="*/ 72762 w 152139"/>
+              <a:gd name="connsiteY5" fmla="*/ 449813 h 449813"/>
+              <a:gd name="connsiteX6" fmla="*/ 105836 w 152139"/>
+              <a:gd name="connsiteY6" fmla="*/ 370434 h 449813"/>
+              <a:gd name="connsiteX7" fmla="*/ 152139 w 152139"/>
+              <a:gd name="connsiteY7" fmla="*/ 284440 h 449813"/>
+              <a:gd name="connsiteX8" fmla="*/ 152139 w 152139"/>
+              <a:gd name="connsiteY8" fmla="*/ 171987 h 449813"/>
+              <a:gd name="connsiteX9" fmla="*/ 125680 w 152139"/>
+              <a:gd name="connsiteY9" fmla="*/ 99223 h 449813"/>
+              <a:gd name="connsiteX10" fmla="*/ 92606 w 152139"/>
+              <a:gd name="connsiteY10" fmla="*/ 46304 h 449813"/>
+              <a:gd name="connsiteX11" fmla="*/ 66147 w 152139"/>
+              <a:gd name="connsiteY11" fmla="*/ 0 h 449813"/>
+              <a:gd name="connsiteX0" fmla="*/ 66147 w 152139"/>
+              <a:gd name="connsiteY0" fmla="*/ 0 h 449813"/>
+              <a:gd name="connsiteX1" fmla="*/ 13230 w 152139"/>
+              <a:gd name="connsiteY1" fmla="*/ 99223 h 449813"/>
+              <a:gd name="connsiteX2" fmla="*/ 0 w 152139"/>
+              <a:gd name="connsiteY2" fmla="*/ 191832 h 449813"/>
+              <a:gd name="connsiteX3" fmla="*/ 0 w 152139"/>
+              <a:gd name="connsiteY3" fmla="*/ 291055 h 449813"/>
+              <a:gd name="connsiteX4" fmla="*/ 39689 w 152139"/>
+              <a:gd name="connsiteY4" fmla="*/ 403509 h 449813"/>
+              <a:gd name="connsiteX5" fmla="*/ 72762 w 152139"/>
+              <a:gd name="connsiteY5" fmla="*/ 449813 h 449813"/>
+              <a:gd name="connsiteX6" fmla="*/ 123534 w 152139"/>
+              <a:gd name="connsiteY6" fmla="*/ 370434 h 449813"/>
+              <a:gd name="connsiteX7" fmla="*/ 152139 w 152139"/>
+              <a:gd name="connsiteY7" fmla="*/ 284440 h 449813"/>
+              <a:gd name="connsiteX8" fmla="*/ 152139 w 152139"/>
+              <a:gd name="connsiteY8" fmla="*/ 171987 h 449813"/>
+              <a:gd name="connsiteX9" fmla="*/ 125680 w 152139"/>
+              <a:gd name="connsiteY9" fmla="*/ 99223 h 449813"/>
+              <a:gd name="connsiteX10" fmla="*/ 92606 w 152139"/>
+              <a:gd name="connsiteY10" fmla="*/ 46304 h 449813"/>
+              <a:gd name="connsiteX11" fmla="*/ 66147 w 152139"/>
+              <a:gd name="connsiteY11" fmla="*/ 0 h 449813"/>
+            </a:gdLst>
+            <a:ahLst/>
+            <a:cxnLst>
+              <a:cxn ang="0">
+                <a:pos x="connsiteX0" y="connsiteY0"/>
+              </a:cxn>
+              <a:cxn ang="0">
+                <a:pos x="connsiteX1" y="connsiteY1"/>
+              </a:cxn>
+              <a:cxn ang="0">
+                <a:pos x="connsiteX2" y="connsiteY2"/>
+              </a:cxn>
+              <a:cxn ang="0">
+                <a:pos x="connsiteX3" y="connsiteY3"/>
+              </a:cxn>
+              <a:cxn ang="0">
+                <a:pos x="connsiteX4" y="connsiteY4"/>
+              </a:cxn>
+              <a:cxn ang="0">
+                <a:pos x="connsiteX5" y="connsiteY5"/>
+              </a:cxn>
+              <a:cxn ang="0">
+                <a:pos x="connsiteX6" y="connsiteY6"/>
+              </a:cxn>
+              <a:cxn ang="0">
+                <a:pos x="connsiteX7" y="connsiteY7"/>
+              </a:cxn>
+              <a:cxn ang="0">
+                <a:pos x="connsiteX8" y="connsiteY8"/>
+              </a:cxn>
+              <a:cxn ang="0">
+                <a:pos x="connsiteX9" y="connsiteY9"/>
+              </a:cxn>
+              <a:cxn ang="0">
+                <a:pos x="connsiteX10" y="connsiteY10"/>
+              </a:cxn>
+              <a:cxn ang="0">
+                <a:pos x="connsiteX11" y="connsiteY11"/>
+              </a:cxn>
+            </a:cxnLst>
+            <a:rect l="l" t="t" r="r" b="b"/>
+            <a:pathLst>
+              <a:path w="152139" h="449813">
+                <a:moveTo>
+                  <a:pt x="66147" y="0"/>
+                </a:moveTo>
+                <a:lnTo>
+                  <a:pt x="13230" y="99223"/>
+                </a:lnTo>
+                <a:lnTo>
+                  <a:pt x="0" y="191832"/>
+                </a:lnTo>
+                <a:lnTo>
+                  <a:pt x="0" y="291055"/>
+                </a:lnTo>
+                <a:lnTo>
+                  <a:pt x="39689" y="403509"/>
+                </a:lnTo>
+                <a:lnTo>
+                  <a:pt x="72762" y="449813"/>
+                </a:lnTo>
+                <a:lnTo>
+                  <a:pt x="123534" y="370434"/>
+                </a:lnTo>
+                <a:lnTo>
+                  <a:pt x="152139" y="284440"/>
+                </a:lnTo>
+                <a:lnTo>
+                  <a:pt x="152139" y="171987"/>
+                </a:lnTo>
+                <a:lnTo>
+                  <a:pt x="125680" y="99223"/>
+                </a:lnTo>
+                <a:lnTo>
+                  <a:pt x="92606" y="46304"/>
+                </a:lnTo>
+                <a:lnTo>
+                  <a:pt x="66147" y="0"/>
+                </a:lnTo>
+                <a:close/>
+              </a:path>
+            </a:pathLst>
+          </a:custGeom>
+          <a:pattFill prst="ltHorz">
+            <a:fgClr>
+              <a:schemeClr val="tx1"/>
+            </a:fgClr>
+            <a:bgClr>
+              <a:schemeClr val="bg1">
+                <a:lumMod val="95000"/>
+              </a:schemeClr>
+            </a:bgClr>
+          </a:pattFill>
+          <a:ln>
+            <a:noFill/>
+          </a:ln>
+        </p:spPr>
+        <p:style>
+          <a:lnRef idx="1">
+            <a:schemeClr val="accent1"/>
+          </a:lnRef>
+          <a:fillRef idx="3">
+            <a:schemeClr val="accent1"/>
+          </a:fillRef>
+          <a:effectRef idx="2">
+            <a:schemeClr val="accent1"/>
+          </a:effectRef>
+          <a:fontRef idx="minor">
+            <a:schemeClr val="lt1"/>
+          </a:fontRef>
+        </p:style>
+        <p:txBody>
+          <a:bodyPr rtlCol="0" anchor="ctr"/>
+          <a:lstStyle/>
+          <a:p>
+            <a:pPr algn="ctr"/>
+            <a:endParaRPr lang="fr-FR">
+              <a:noFill/>
+            </a:endParaRPr>
+          </a:p>
+        </p:txBody>
+      </p:sp>
+      <p:sp>
+        <p:nvSpPr>
+          <p:cNvPr id="68" name="Accolade ouvrante 67"/>
+          <p:cNvSpPr/>
+          <p:nvPr/>
+        </p:nvSpPr>
+        <p:spPr>
+          <a:xfrm>
+            <a:off x="2118263" y="1680754"/>
+            <a:ext cx="183953" cy="955063"/>
+          </a:xfrm>
+          <a:prstGeom prst="leftBrace">
+            <a:avLst/>
+          </a:prstGeom>
+          <a:ln w="3175" cmpd="sng">
+            <a:solidFill>
+              <a:schemeClr val="tx1"/>
+            </a:solidFill>
+            <a:prstDash val="solid"/>
+          </a:ln>
+          <a:effectLst/>
+        </p:spPr>
+        <p:style>
+          <a:lnRef idx="2">
+            <a:schemeClr val="accent1"/>
+          </a:lnRef>
+          <a:fillRef idx="0">
+            <a:schemeClr val="accent1"/>
+          </a:fillRef>
+          <a:effectRef idx="1">
+            <a:schemeClr val="accent1"/>
+          </a:effectRef>
+          <a:fontRef idx="minor">
+            <a:schemeClr val="tx1"/>
+          </a:fontRef>
+        </p:style>
+        <p:txBody>
+          <a:bodyPr rtlCol="0" anchor="ctr"/>
+          <a:lstStyle/>
+          <a:p>
+            <a:pPr algn="ctr"/>
+            <a:endParaRPr lang="fr-FR"/>
+          </a:p>
+        </p:txBody>
+      </p:sp>
+      <p:sp>
+        <p:nvSpPr>
+          <p:cNvPr id="26" name="Forme libre 25"/>
+          <p:cNvSpPr/>
+          <p:nvPr/>
+        </p:nvSpPr>
+        <p:spPr>
+          <a:xfrm>
+            <a:off x="5267818" y="2431457"/>
+            <a:ext cx="1177382" cy="260642"/>
+          </a:xfrm>
+          <a:custGeom>
+            <a:avLst/>
+            <a:gdLst>
+              <a:gd name="connsiteX0" fmla="*/ 49981 w 1177382"/>
+              <a:gd name="connsiteY0" fmla="*/ 0 h 260642"/>
+              <a:gd name="connsiteX1" fmla="*/ 131480 w 1177382"/>
+              <a:gd name="connsiteY1" fmla="*/ 237712 h 260642"/>
+              <a:gd name="connsiteX2" fmla="*/ 1177382 w 1177382"/>
+              <a:gd name="connsiteY2" fmla="*/ 251296 h 260642"/>
+            </a:gdLst>
+            <a:ahLst/>
+            <a:cxnLst>
+              <a:cxn ang="0">
+                <a:pos x="connsiteX0" y="connsiteY0"/>
+              </a:cxn>
+              <a:cxn ang="0">
+                <a:pos x="connsiteX1" y="connsiteY1"/>
+              </a:cxn>
+              <a:cxn ang="0">
+                <a:pos x="connsiteX2" y="connsiteY2"/>
+              </a:cxn>
+            </a:cxnLst>
+            <a:rect l="l" t="t" r="r" b="b"/>
+            <a:pathLst>
+              <a:path w="1177382" h="260642">
+                <a:moveTo>
+                  <a:pt x="49981" y="0"/>
+                </a:moveTo>
+                <a:cubicBezTo>
+                  <a:pt x="-3220" y="97914"/>
+                  <a:pt x="-56420" y="195829"/>
+                  <a:pt x="131480" y="237712"/>
+                </a:cubicBezTo>
+                <a:cubicBezTo>
+                  <a:pt x="319380" y="279595"/>
+                  <a:pt x="1177382" y="251296"/>
+                  <a:pt x="1177382" y="251296"/>
+                </a:cubicBezTo>
+              </a:path>
+            </a:pathLst>
+          </a:custGeom>
+          <a:ln w="19050" cmpd="sng">
+            <a:solidFill>
+              <a:srgbClr val="FF0000"/>
+            </a:solidFill>
+            <a:headEnd type="oval" w="sm" len="sm"/>
+            <a:tailEnd type="stealth"/>
+          </a:ln>
+        </p:spPr>
+        <p:style>
+          <a:lnRef idx="2">
+            <a:schemeClr val="accent1"/>
+          </a:lnRef>
+          <a:fillRef idx="0">
+            <a:schemeClr val="accent1"/>
+          </a:fillRef>
+          <a:effectRef idx="1">
+            <a:schemeClr val="accent1"/>
+          </a:effectRef>
+          <a:fontRef idx="minor">
+            <a:schemeClr val="tx1"/>
+          </a:fontRef>
+        </p:style>
+        <p:txBody>
+          <a:bodyPr rtlCol="0" anchor="ctr"/>
+          <a:lstStyle/>
+          <a:p>
+            <a:pPr algn="ctr"/>
+            <a:endParaRPr lang="fr-FR"/>
+          </a:p>
+        </p:txBody>
+      </p:sp>
+      <p:sp>
+        <p:nvSpPr>
+          <p:cNvPr id="33" name="Forme libre 32"/>
+          <p:cNvSpPr/>
+          <p:nvPr/>
+        </p:nvSpPr>
+        <p:spPr>
+          <a:xfrm>
+            <a:off x="5563322" y="2417874"/>
+            <a:ext cx="297803" cy="271671"/>
+          </a:xfrm>
+          <a:custGeom>
+            <a:avLst/>
+            <a:gdLst>
+              <a:gd name="connsiteX0" fmla="*/ 26140 w 297803"/>
+              <a:gd name="connsiteY0" fmla="*/ 0 h 271671"/>
+              <a:gd name="connsiteX1" fmla="*/ 26140 w 297803"/>
+              <a:gd name="connsiteY1" fmla="*/ 135835 h 271671"/>
+              <a:gd name="connsiteX2" fmla="*/ 297803 w 297803"/>
+              <a:gd name="connsiteY2" fmla="*/ 271671 h 271671"/>
+            </a:gdLst>
+            <a:ahLst/>
+            <a:cxnLst>
+              <a:cxn ang="0">
+                <a:pos x="connsiteX0" y="connsiteY0"/>
+              </a:cxn>
+              <a:cxn ang="0">
+                <a:pos x="connsiteX1" y="connsiteY1"/>
+              </a:cxn>
+              <a:cxn ang="0">
+                <a:pos x="connsiteX2" y="connsiteY2"/>
+              </a:cxn>
+            </a:cxnLst>
+            <a:rect l="l" t="t" r="r" b="b"/>
+            <a:pathLst>
+              <a:path w="297803" h="271671">
+                <a:moveTo>
+                  <a:pt x="26140" y="0"/>
+                </a:moveTo>
+                <a:cubicBezTo>
+                  <a:pt x="3501" y="45278"/>
+                  <a:pt x="-19137" y="90557"/>
+                  <a:pt x="26140" y="135835"/>
+                </a:cubicBezTo>
+                <a:cubicBezTo>
+                  <a:pt x="71417" y="181114"/>
+                  <a:pt x="297803" y="271671"/>
+                  <a:pt x="297803" y="271671"/>
+                </a:cubicBezTo>
+              </a:path>
+            </a:pathLst>
+          </a:custGeom>
+          <a:ln w="19050" cmpd="sng">
+            <a:solidFill>
+              <a:srgbClr val="FF0000"/>
+            </a:solidFill>
+            <a:headEnd type="oval" w="sm" len="sm"/>
+          </a:ln>
+        </p:spPr>
+        <p:style>
+          <a:lnRef idx="2">
+            <a:schemeClr val="accent1"/>
+          </a:lnRef>
+          <a:fillRef idx="0">
+            <a:schemeClr val="accent1"/>
+          </a:fillRef>
+          <a:effectRef idx="1">
+            <a:schemeClr val="accent1"/>
+          </a:effectRef>
+          <a:fontRef idx="minor">
+            <a:schemeClr val="tx1"/>
+          </a:fontRef>
+        </p:style>
+        <p:txBody>
+          <a:bodyPr rtlCol="0" anchor="ctr"/>
+          <a:lstStyle/>
+          <a:p>
+            <a:pPr algn="ctr"/>
+            <a:endParaRPr lang="fr-FR"/>
+          </a:p>
+        </p:txBody>
+      </p:sp>
+      <p:sp>
+        <p:nvSpPr>
+          <p:cNvPr id="69" name="Forme libre 68"/>
+          <p:cNvSpPr/>
+          <p:nvPr/>
+        </p:nvSpPr>
+        <p:spPr>
+          <a:xfrm flipV="1">
+            <a:off x="5411601" y="387130"/>
+            <a:ext cx="1033599" cy="369734"/>
+          </a:xfrm>
+          <a:custGeom>
+            <a:avLst/>
+            <a:gdLst>
+              <a:gd name="connsiteX0" fmla="*/ 49981 w 1177382"/>
+              <a:gd name="connsiteY0" fmla="*/ 0 h 260642"/>
+              <a:gd name="connsiteX1" fmla="*/ 131480 w 1177382"/>
+              <a:gd name="connsiteY1" fmla="*/ 237712 h 260642"/>
+              <a:gd name="connsiteX2" fmla="*/ 1177382 w 1177382"/>
+              <a:gd name="connsiteY2" fmla="*/ 251296 h 260642"/>
+            </a:gdLst>
+            <a:ahLst/>
+            <a:cxnLst>
+              <a:cxn ang="0">
+                <a:pos x="connsiteX0" y="connsiteY0"/>
+              </a:cxn>
+              <a:cxn ang="0">
+                <a:pos x="connsiteX1" y="connsiteY1"/>
+              </a:cxn>
+              <a:cxn ang="0">
+                <a:pos x="connsiteX2" y="connsiteY2"/>
+              </a:cxn>
+            </a:cxnLst>
+            <a:rect l="l" t="t" r="r" b="b"/>
+            <a:pathLst>
+              <a:path w="1177382" h="260642">
+                <a:moveTo>
+                  <a:pt x="49981" y="0"/>
+                </a:moveTo>
+                <a:cubicBezTo>
+                  <a:pt x="-3220" y="97914"/>
+                  <a:pt x="-56420" y="195829"/>
+                  <a:pt x="131480" y="237712"/>
+                </a:cubicBezTo>
+                <a:cubicBezTo>
+                  <a:pt x="319380" y="279595"/>
+                  <a:pt x="1177382" y="251296"/>
+                  <a:pt x="1177382" y="251296"/>
+                </a:cubicBezTo>
+              </a:path>
+            </a:pathLst>
+          </a:custGeom>
+          <a:ln w="19050" cmpd="sng">
+            <a:solidFill>
+              <a:srgbClr val="FF0000"/>
+            </a:solidFill>
+            <a:headEnd type="oval" w="sm" len="sm"/>
+            <a:tailEnd type="stealth"/>
+          </a:ln>
+        </p:spPr>
+        <p:style>
+          <a:lnRef idx="2">
+            <a:schemeClr val="accent1"/>
+          </a:lnRef>
+          <a:fillRef idx="0">
+            <a:schemeClr val="accent1"/>
+          </a:fillRef>
+          <a:effectRef idx="1">
+            <a:schemeClr val="accent1"/>
+          </a:effectRef>
+          <a:fontRef idx="minor">
+            <a:schemeClr val="tx1"/>
+          </a:fontRef>
+        </p:style>
+        <p:txBody>
+          <a:bodyPr rtlCol="0" anchor="ctr"/>
+          <a:lstStyle/>
+          <a:p>
+            <a:pPr algn="ctr"/>
+            <a:endParaRPr lang="fr-FR"/>
+          </a:p>
+        </p:txBody>
+      </p:sp>
+      <p:sp>
+        <p:nvSpPr>
+          <p:cNvPr id="70" name="ZoneTexte 69"/>
+          <p:cNvSpPr txBox="1"/>
+          <p:nvPr/>
+        </p:nvSpPr>
+        <p:spPr>
+          <a:xfrm>
+            <a:off x="6445200" y="268259"/>
+            <a:ext cx="1120608" cy="276999"/>
+          </a:xfrm>
+          <a:prstGeom prst="rect">
+            <a:avLst/>
+          </a:prstGeom>
+          <a:noFill/>
+        </p:spPr>
+        <p:txBody>
+          <a:bodyPr wrap="square" rtlCol="0">
+            <a:spAutoFit/>
+          </a:bodyPr>
+          <a:lstStyle/>
+          <a:p>
+            <a:pPr algn="ctr"/>
+            <a:r>
+              <a:rPr lang="en-US" sz="1200" b="1" dirty="0" smtClean="0">
+                <a:latin typeface="Seravek ExtraLight"/>
+                <a:cs typeface="Seravek ExtraLight"/>
+              </a:rPr>
+              <a:t>Commonalties</a:t>
+            </a:r>
+            <a:endParaRPr lang="en-US" sz="1200" b="1" dirty="0">
+              <a:latin typeface="Seravek ExtraLight"/>
+              <a:cs typeface="Seravek ExtraLight"/>
+            </a:endParaRPr>
+          </a:p>
+        </p:txBody>
+      </p:sp>
+    </p:spTree>
+    <p:extLst>
+      <p:ext uri="{BB962C8B-B14F-4D97-AF65-F5344CB8AC3E}">
+        <p14:creationId xmlns:p14="http://schemas.microsoft.com/office/powerpoint/2010/main" val="1476486956"/>
       </p:ext>
     </p:extLst>
   </p:cSld>

--- a/papers/2016-ICSR-PuzzleMetrics/images/domains.pptx
+++ b/papers/2016-ICSR-PuzzleMetrics/images/domains.pptx
@@ -5,11 +5,12 @@
     <p:sldMasterId id="2147483648" r:id="rId1"/>
   </p:sldMasterIdLst>
   <p:notesMasterIdLst>
-    <p:notesMasterId r:id="rId4"/>
+    <p:notesMasterId r:id="rId5"/>
   </p:notesMasterIdLst>
   <p:sldIdLst>
     <p:sldId id="258" r:id="rId2"/>
     <p:sldId id="259" r:id="rId3"/>
+    <p:sldId id="260" r:id="rId4"/>
   </p:sldIdLst>
   <p:sldSz cx="9144000" cy="6858000" type="screen4x3"/>
   <p:notesSz cx="6858000" cy="9144000"/>
@@ -193,7 +194,7 @@
           <a:p>
             <a:fld id="{24AFE135-3210-A348-91D1-71A1B4E41AE3}" type="datetimeFigureOut">
               <a:rPr lang="fr-FR" smtClean="0"/>
-              <a:t>23/10/2015</a:t>
+              <a:t>28/10/2015</a:t>
             </a:fld>
             <a:endParaRPr lang="fr-FR"/>
           </a:p>
@@ -629,6 +630,90 @@
 </p:notes>
 </file>
 
+<file path=ppt/notesSlides/notesSlide3.xml><?xml version="1.0" encoding="utf-8"?>
+<p:notes xmlns:a="http://schemas.openxmlformats.org/drawingml/2006/main" xmlns:r="http://schemas.openxmlformats.org/officeDocument/2006/relationships" xmlns:p="http://schemas.openxmlformats.org/presentationml/2006/main">
+  <p:cSld>
+    <p:spTree>
+      <p:nvGrpSpPr>
+        <p:cNvPr id="1" name=""/>
+        <p:cNvGrpSpPr/>
+        <p:nvPr/>
+      </p:nvGrpSpPr>
+      <p:grpSpPr>
+        <a:xfrm>
+          <a:off x="0" y="0"/>
+          <a:ext cx="0" cy="0"/>
+          <a:chOff x="0" y="0"/>
+          <a:chExt cx="0" cy="0"/>
+        </a:xfrm>
+      </p:grpSpPr>
+      <p:sp>
+        <p:nvSpPr>
+          <p:cNvPr id="2" name="Espace réservé de l'image des diapositives 1"/>
+          <p:cNvSpPr>
+            <a:spLocks noGrp="1" noRot="1" noChangeAspect="1"/>
+          </p:cNvSpPr>
+          <p:nvPr>
+            <p:ph type="sldImg"/>
+          </p:nvPr>
+        </p:nvSpPr>
+        <p:spPr/>
+      </p:sp>
+      <p:sp>
+        <p:nvSpPr>
+          <p:cNvPr id="3" name="Espace réservé des commentaires 2"/>
+          <p:cNvSpPr>
+            <a:spLocks noGrp="1"/>
+          </p:cNvSpPr>
+          <p:nvPr>
+            <p:ph type="body" idx="1"/>
+          </p:nvPr>
+        </p:nvSpPr>
+        <p:spPr/>
+        <p:txBody>
+          <a:bodyPr/>
+          <a:lstStyle/>
+          <a:p>
+            <a:endParaRPr lang="fr-FR" dirty="0"/>
+          </a:p>
+        </p:txBody>
+      </p:sp>
+      <p:sp>
+        <p:nvSpPr>
+          <p:cNvPr id="4" name="Espace réservé du numéro de diapositive 3"/>
+          <p:cNvSpPr>
+            <a:spLocks noGrp="1"/>
+          </p:cNvSpPr>
+          <p:nvPr>
+            <p:ph type="sldNum" sz="quarter" idx="10"/>
+          </p:nvPr>
+        </p:nvSpPr>
+        <p:spPr/>
+        <p:txBody>
+          <a:bodyPr/>
+          <a:lstStyle/>
+          <a:p>
+            <a:fld id="{A0BF33A6-8EC3-874C-9FB7-185CD50672F7}" type="slidenum">
+              <a:rPr lang="fr-FR" smtClean="0"/>
+              <a:t>3</a:t>
+            </a:fld>
+            <a:endParaRPr lang="fr-FR"/>
+          </a:p>
+        </p:txBody>
+      </p:sp>
+    </p:spTree>
+    <p:extLst>
+      <p:ext uri="{BB962C8B-B14F-4D97-AF65-F5344CB8AC3E}">
+        <p14:creationId xmlns:p14="http://schemas.microsoft.com/office/powerpoint/2010/main" val="4022114883"/>
+      </p:ext>
+    </p:extLst>
+  </p:cSld>
+  <p:clrMapOvr>
+    <a:masterClrMapping/>
+  </p:clrMapOvr>
+</p:notes>
+</file>
+
 <file path=ppt/slideLayouts/slideLayout1.xml><?xml version="1.0" encoding="utf-8"?>
 <p:sldLayout xmlns:a="http://schemas.openxmlformats.org/drawingml/2006/main" xmlns:r="http://schemas.openxmlformats.org/officeDocument/2006/relationships" xmlns:p="http://schemas.openxmlformats.org/presentationml/2006/main" type="title" preserve="1">
   <p:cSld name="Diapositive de titre">
@@ -810,7 +895,7 @@
           <a:p>
             <a:fld id="{7B69463B-0436-3A47-840E-B5853DA20947}" type="datetimeFigureOut">
               <a:rPr lang="fr-FR" smtClean="0"/>
-              <a:t>23/10/2015</a:t>
+              <a:t>28/10/2015</a:t>
             </a:fld>
             <a:endParaRPr lang="fr-FR"/>
           </a:p>
@@ -980,7 +1065,7 @@
           <a:p>
             <a:fld id="{7B69463B-0436-3A47-840E-B5853DA20947}" type="datetimeFigureOut">
               <a:rPr lang="fr-FR" smtClean="0"/>
-              <a:t>23/10/2015</a:t>
+              <a:t>28/10/2015</a:t>
             </a:fld>
             <a:endParaRPr lang="fr-FR"/>
           </a:p>
@@ -1160,7 +1245,7 @@
           <a:p>
             <a:fld id="{7B69463B-0436-3A47-840E-B5853DA20947}" type="datetimeFigureOut">
               <a:rPr lang="fr-FR" smtClean="0"/>
-              <a:t>23/10/2015</a:t>
+              <a:t>28/10/2015</a:t>
             </a:fld>
             <a:endParaRPr lang="fr-FR"/>
           </a:p>
@@ -1330,7 +1415,7 @@
           <a:p>
             <a:fld id="{7B69463B-0436-3A47-840E-B5853DA20947}" type="datetimeFigureOut">
               <a:rPr lang="fr-FR" smtClean="0"/>
-              <a:t>23/10/2015</a:t>
+              <a:t>28/10/2015</a:t>
             </a:fld>
             <a:endParaRPr lang="fr-FR"/>
           </a:p>
@@ -1576,7 +1661,7 @@
           <a:p>
             <a:fld id="{7B69463B-0436-3A47-840E-B5853DA20947}" type="datetimeFigureOut">
               <a:rPr lang="fr-FR" smtClean="0"/>
-              <a:t>23/10/2015</a:t>
+              <a:t>28/10/2015</a:t>
             </a:fld>
             <a:endParaRPr lang="fr-FR"/>
           </a:p>
@@ -1864,7 +1949,7 @@
           <a:p>
             <a:fld id="{7B69463B-0436-3A47-840E-B5853DA20947}" type="datetimeFigureOut">
               <a:rPr lang="fr-FR" smtClean="0"/>
-              <a:t>23/10/2015</a:t>
+              <a:t>28/10/2015</a:t>
             </a:fld>
             <a:endParaRPr lang="fr-FR"/>
           </a:p>
@@ -2286,7 +2371,7 @@
           <a:p>
             <a:fld id="{7B69463B-0436-3A47-840E-B5853DA20947}" type="datetimeFigureOut">
               <a:rPr lang="fr-FR" smtClean="0"/>
-              <a:t>23/10/2015</a:t>
+              <a:t>28/10/2015</a:t>
             </a:fld>
             <a:endParaRPr lang="fr-FR"/>
           </a:p>
@@ -2404,7 +2489,7 @@
           <a:p>
             <a:fld id="{7B69463B-0436-3A47-840E-B5853DA20947}" type="datetimeFigureOut">
               <a:rPr lang="fr-FR" smtClean="0"/>
-              <a:t>23/10/2015</a:t>
+              <a:t>28/10/2015</a:t>
             </a:fld>
             <a:endParaRPr lang="fr-FR"/>
           </a:p>
@@ -2499,7 +2584,7 @@
           <a:p>
             <a:fld id="{7B69463B-0436-3A47-840E-B5853DA20947}" type="datetimeFigureOut">
               <a:rPr lang="fr-FR" smtClean="0"/>
-              <a:t>23/10/2015</a:t>
+              <a:t>28/10/2015</a:t>
             </a:fld>
             <a:endParaRPr lang="fr-FR"/>
           </a:p>
@@ -2776,7 +2861,7 @@
           <a:p>
             <a:fld id="{7B69463B-0436-3A47-840E-B5853DA20947}" type="datetimeFigureOut">
               <a:rPr lang="fr-FR" smtClean="0"/>
-              <a:t>23/10/2015</a:t>
+              <a:t>28/10/2015</a:t>
             </a:fld>
             <a:endParaRPr lang="fr-FR"/>
           </a:p>
@@ -3029,7 +3114,7 @@
           <a:p>
             <a:fld id="{7B69463B-0436-3A47-840E-B5853DA20947}" type="datetimeFigureOut">
               <a:rPr lang="fr-FR" smtClean="0"/>
-              <a:t>23/10/2015</a:t>
+              <a:t>28/10/2015</a:t>
             </a:fld>
             <a:endParaRPr lang="fr-FR"/>
           </a:p>
@@ -3242,7 +3327,7 @@
           <a:p>
             <a:fld id="{7B69463B-0436-3A47-840E-B5853DA20947}" type="datetimeFigureOut">
               <a:rPr lang="fr-FR" smtClean="0"/>
-              <a:t>23/10/2015</a:t>
+              <a:t>28/10/2015</a:t>
             </a:fld>
             <a:endParaRPr lang="fr-FR"/>
           </a:p>
@@ -6623,6 +6708,2095 @@
     <p:extLst>
       <p:ext uri="{BB962C8B-B14F-4D97-AF65-F5344CB8AC3E}">
         <p14:creationId xmlns:p14="http://schemas.microsoft.com/office/powerpoint/2010/main" val="1476486956"/>
+      </p:ext>
+    </p:extLst>
+  </p:cSld>
+  <p:clrMapOvr>
+    <a:masterClrMapping/>
+  </p:clrMapOvr>
+</p:sld>
+</file>
+
+<file path=ppt/slides/slide3.xml><?xml version="1.0" encoding="utf-8"?>
+<p:sld xmlns:a="http://schemas.openxmlformats.org/drawingml/2006/main" xmlns:r="http://schemas.openxmlformats.org/officeDocument/2006/relationships" xmlns:p="http://schemas.openxmlformats.org/presentationml/2006/main">
+  <p:cSld>
+    <p:spTree>
+      <p:nvGrpSpPr>
+        <p:cNvPr id="1" name=""/>
+        <p:cNvGrpSpPr/>
+        <p:nvPr/>
+      </p:nvGrpSpPr>
+      <p:grpSpPr>
+        <a:xfrm>
+          <a:off x="0" y="0"/>
+          <a:ext cx="0" cy="0"/>
+          <a:chOff x="0" y="0"/>
+          <a:chExt cx="0" cy="0"/>
+        </a:xfrm>
+      </p:grpSpPr>
+      <p:sp>
+        <p:nvSpPr>
+          <p:cNvPr id="3" name="Rectangle 2"/>
+          <p:cNvSpPr/>
+          <p:nvPr/>
+        </p:nvSpPr>
+        <p:spPr>
+          <a:xfrm>
+            <a:off x="1838959" y="985520"/>
+            <a:ext cx="6598643" cy="3611011"/>
+          </a:xfrm>
+          <a:prstGeom prst="rect">
+            <a:avLst/>
+          </a:prstGeom>
+          <a:solidFill>
+            <a:schemeClr val="bg1"/>
+          </a:solidFill>
+          <a:ln w="3175" cmpd="sng">
+            <a:solidFill>
+              <a:schemeClr val="tx1"/>
+            </a:solidFill>
+          </a:ln>
+        </p:spPr>
+        <p:style>
+          <a:lnRef idx="1">
+            <a:schemeClr val="accent1"/>
+          </a:lnRef>
+          <a:fillRef idx="3">
+            <a:schemeClr val="accent1"/>
+          </a:fillRef>
+          <a:effectRef idx="2">
+            <a:schemeClr val="accent1"/>
+          </a:effectRef>
+          <a:fontRef idx="minor">
+            <a:schemeClr val="lt1"/>
+          </a:fontRef>
+        </p:style>
+        <p:txBody>
+          <a:bodyPr rtlCol="0" anchor="ctr"/>
+          <a:lstStyle/>
+          <a:p>
+            <a:pPr algn="ctr"/>
+            <a:endParaRPr lang="fr-FR"/>
+          </a:p>
+        </p:txBody>
+      </p:sp>
+      <p:sp>
+        <p:nvSpPr>
+          <p:cNvPr id="8" name="ZoneTexte 7"/>
+          <p:cNvSpPr txBox="1"/>
+          <p:nvPr/>
+        </p:nvSpPr>
+        <p:spPr>
+          <a:xfrm>
+            <a:off x="2296161" y="4222566"/>
+            <a:ext cx="2674871" cy="323165"/>
+          </a:xfrm>
+          <a:prstGeom prst="rect">
+            <a:avLst/>
+          </a:prstGeom>
+          <a:noFill/>
+        </p:spPr>
+        <p:txBody>
+          <a:bodyPr wrap="square" rtlCol="0">
+            <a:spAutoFit/>
+          </a:bodyPr>
+          <a:lstStyle/>
+          <a:p>
+            <a:pPr algn="ctr"/>
+            <a:r>
+              <a:rPr lang="en-US" sz="1500" b="1" dirty="0" smtClean="0">
+                <a:latin typeface="Charter Roman"/>
+                <a:cs typeface="Charter Roman"/>
+              </a:rPr>
+              <a:t>Syntactic commonalities</a:t>
+            </a:r>
+            <a:endParaRPr lang="en-US" sz="1500" b="1" dirty="0">
+              <a:latin typeface="Charter Roman"/>
+              <a:cs typeface="Charter Roman"/>
+            </a:endParaRPr>
+          </a:p>
+        </p:txBody>
+      </p:sp>
+      <p:sp>
+        <p:nvSpPr>
+          <p:cNvPr id="14" name="Ellipse 13"/>
+          <p:cNvSpPr/>
+          <p:nvPr/>
+        </p:nvSpPr>
+        <p:spPr>
+          <a:xfrm>
+            <a:off x="3291373" y="1780385"/>
+            <a:ext cx="1400925" cy="1390248"/>
+          </a:xfrm>
+          <a:prstGeom prst="ellipse">
+            <a:avLst/>
+          </a:prstGeom>
+          <a:noFill/>
+          <a:ln w="28575" cmpd="sng">
+            <a:solidFill>
+              <a:srgbClr val="000000"/>
+            </a:solidFill>
+          </a:ln>
+          <a:effectLst/>
+        </p:spPr>
+        <p:style>
+          <a:lnRef idx="1">
+            <a:schemeClr val="accent1"/>
+          </a:lnRef>
+          <a:fillRef idx="3">
+            <a:schemeClr val="accent1"/>
+          </a:fillRef>
+          <a:effectRef idx="2">
+            <a:schemeClr val="accent1"/>
+          </a:effectRef>
+          <a:fontRef idx="minor">
+            <a:schemeClr val="lt1"/>
+          </a:fontRef>
+        </p:style>
+        <p:txBody>
+          <a:bodyPr rtlCol="0" anchor="ctr"/>
+          <a:lstStyle/>
+          <a:p>
+            <a:pPr algn="ctr"/>
+            <a:endParaRPr lang="fr-FR"/>
+          </a:p>
+        </p:txBody>
+      </p:sp>
+      <p:sp>
+        <p:nvSpPr>
+          <p:cNvPr id="13" name="Ellipse 12"/>
+          <p:cNvSpPr/>
+          <p:nvPr/>
+        </p:nvSpPr>
+        <p:spPr>
+          <a:xfrm>
+            <a:off x="2567485" y="1780385"/>
+            <a:ext cx="1392059" cy="1366242"/>
+          </a:xfrm>
+          <a:prstGeom prst="ellipse">
+            <a:avLst/>
+          </a:prstGeom>
+          <a:noFill/>
+          <a:ln w="28575" cmpd="sng">
+            <a:solidFill>
+              <a:srgbClr val="000000"/>
+            </a:solidFill>
+          </a:ln>
+          <a:effectLst/>
+        </p:spPr>
+        <p:style>
+          <a:lnRef idx="1">
+            <a:schemeClr val="accent1"/>
+          </a:lnRef>
+          <a:fillRef idx="3">
+            <a:schemeClr val="accent1"/>
+          </a:fillRef>
+          <a:effectRef idx="2">
+            <a:schemeClr val="accent1"/>
+          </a:effectRef>
+          <a:fontRef idx="minor">
+            <a:schemeClr val="lt1"/>
+          </a:fontRef>
+        </p:style>
+        <p:txBody>
+          <a:bodyPr rtlCol="0" anchor="ctr"/>
+          <a:lstStyle/>
+          <a:p>
+            <a:pPr algn="ctr"/>
+            <a:endParaRPr lang="fr-FR"/>
+          </a:p>
+        </p:txBody>
+      </p:sp>
+      <p:sp>
+        <p:nvSpPr>
+          <p:cNvPr id="31" name="Ellipse 30"/>
+          <p:cNvSpPr/>
+          <p:nvPr/>
+        </p:nvSpPr>
+        <p:spPr>
+          <a:xfrm>
+            <a:off x="2882545" y="2412071"/>
+            <a:ext cx="1400925" cy="1390248"/>
+          </a:xfrm>
+          <a:prstGeom prst="ellipse">
+            <a:avLst/>
+          </a:prstGeom>
+          <a:noFill/>
+          <a:ln w="28575" cmpd="sng">
+            <a:solidFill>
+              <a:srgbClr val="000000"/>
+            </a:solidFill>
+          </a:ln>
+          <a:effectLst/>
+        </p:spPr>
+        <p:style>
+          <a:lnRef idx="1">
+            <a:schemeClr val="accent1"/>
+          </a:lnRef>
+          <a:fillRef idx="3">
+            <a:schemeClr val="accent1"/>
+          </a:fillRef>
+          <a:effectRef idx="2">
+            <a:schemeClr val="accent1"/>
+          </a:effectRef>
+          <a:fontRef idx="minor">
+            <a:schemeClr val="lt1"/>
+          </a:fontRef>
+        </p:style>
+        <p:txBody>
+          <a:bodyPr rtlCol="0" anchor="ctr"/>
+          <a:lstStyle/>
+          <a:p>
+            <a:pPr algn="ctr"/>
+            <a:endParaRPr lang="fr-FR"/>
+          </a:p>
+        </p:txBody>
+      </p:sp>
+      <p:sp>
+        <p:nvSpPr>
+          <p:cNvPr id="2" name="ZoneTexte 1"/>
+          <p:cNvSpPr txBox="1"/>
+          <p:nvPr/>
+        </p:nvSpPr>
+        <p:spPr>
+          <a:xfrm>
+            <a:off x="2744067" y="1922910"/>
+            <a:ext cx="760657" cy="292388"/>
+          </a:xfrm>
+          <a:prstGeom prst="rect">
+            <a:avLst/>
+          </a:prstGeom>
+          <a:noFill/>
+        </p:spPr>
+        <p:txBody>
+          <a:bodyPr wrap="square" rtlCol="0">
+            <a:spAutoFit/>
+          </a:bodyPr>
+          <a:lstStyle/>
+          <a:p>
+            <a:r>
+              <a:rPr lang="fr-FR" sz="1200" dirty="0" smtClean="0">
+                <a:latin typeface="Wingdings" charset="2"/>
+                <a:cs typeface="Wingdings" charset="2"/>
+              </a:rPr>
+              <a:t>w</a:t>
+            </a:r>
+            <a:r>
+              <a:rPr lang="fr-FR" sz="300" dirty="0">
+                <a:latin typeface="Wingdings" charset="2"/>
+                <a:cs typeface="Wingdings" charset="2"/>
+              </a:rPr>
+              <a:t> </a:t>
+            </a:r>
+            <a:r>
+              <a:rPr lang="fr-FR" sz="1300" b="1" dirty="0" smtClean="0">
+                <a:latin typeface="Charter Roman"/>
+                <a:cs typeface="Charter Roman"/>
+              </a:rPr>
+              <a:t>MC</a:t>
+            </a:r>
+            <a:r>
+              <a:rPr lang="fr-FR" sz="500" b="1" dirty="0" smtClean="0">
+                <a:latin typeface="Charter Roman"/>
+                <a:cs typeface="Charter Roman"/>
+              </a:rPr>
+              <a:t> </a:t>
+            </a:r>
+            <a:r>
+              <a:rPr lang="fr-FR" sz="1500" b="1" baseline="-25000" dirty="0" smtClean="0">
+                <a:latin typeface="Charter Roman"/>
+                <a:cs typeface="Charter Roman"/>
+              </a:rPr>
+              <a:t>X</a:t>
+            </a:r>
+            <a:endParaRPr lang="fr-FR" sz="1500" b="1" baseline="-25000" dirty="0">
+              <a:latin typeface="Charter Roman"/>
+              <a:cs typeface="Charter Roman"/>
+            </a:endParaRPr>
+          </a:p>
+        </p:txBody>
+      </p:sp>
+      <p:sp>
+        <p:nvSpPr>
+          <p:cNvPr id="12" name="ZoneTexte 11"/>
+          <p:cNvSpPr txBox="1"/>
+          <p:nvPr/>
+        </p:nvSpPr>
+        <p:spPr>
+          <a:xfrm>
+            <a:off x="2574277" y="2211541"/>
+            <a:ext cx="760657" cy="292388"/>
+          </a:xfrm>
+          <a:prstGeom prst="rect">
+            <a:avLst/>
+          </a:prstGeom>
+          <a:noFill/>
+        </p:spPr>
+        <p:txBody>
+          <a:bodyPr wrap="square" rtlCol="0">
+            <a:spAutoFit/>
+          </a:bodyPr>
+          <a:lstStyle/>
+          <a:p>
+            <a:r>
+              <a:rPr lang="fr-FR" sz="1200" dirty="0" smtClean="0">
+                <a:latin typeface="Wingdings" charset="2"/>
+                <a:cs typeface="Wingdings" charset="2"/>
+              </a:rPr>
+              <a:t>w</a:t>
+            </a:r>
+            <a:r>
+              <a:rPr lang="fr-FR" sz="300" dirty="0">
+                <a:latin typeface="Wingdings" charset="2"/>
+                <a:cs typeface="Wingdings" charset="2"/>
+              </a:rPr>
+              <a:t> </a:t>
+            </a:r>
+            <a:r>
+              <a:rPr lang="fr-FR" sz="1300" b="1" dirty="0" smtClean="0">
+                <a:latin typeface="Charter Roman"/>
+                <a:cs typeface="Charter Roman"/>
+              </a:rPr>
+              <a:t>MC</a:t>
+            </a:r>
+            <a:r>
+              <a:rPr lang="fr-FR" sz="500" b="1" dirty="0" smtClean="0">
+                <a:latin typeface="Charter Roman"/>
+                <a:cs typeface="Charter Roman"/>
+              </a:rPr>
+              <a:t> </a:t>
+            </a:r>
+            <a:r>
+              <a:rPr lang="fr-FR" sz="1500" b="1" baseline="-25000" dirty="0" smtClean="0">
+                <a:latin typeface="Charter Roman"/>
+                <a:cs typeface="Charter Roman"/>
+              </a:rPr>
+              <a:t>O</a:t>
+            </a:r>
+            <a:endParaRPr lang="fr-FR" sz="1500" b="1" baseline="-25000" dirty="0">
+              <a:latin typeface="Charter Roman"/>
+              <a:cs typeface="Charter Roman"/>
+            </a:endParaRPr>
+          </a:p>
+        </p:txBody>
+      </p:sp>
+      <p:sp>
+        <p:nvSpPr>
+          <p:cNvPr id="15" name="ZoneTexte 14"/>
+          <p:cNvSpPr txBox="1"/>
+          <p:nvPr/>
+        </p:nvSpPr>
+        <p:spPr>
+          <a:xfrm>
+            <a:off x="4009989" y="2076032"/>
+            <a:ext cx="760657" cy="292388"/>
+          </a:xfrm>
+          <a:prstGeom prst="rect">
+            <a:avLst/>
+          </a:prstGeom>
+          <a:noFill/>
+        </p:spPr>
+        <p:txBody>
+          <a:bodyPr wrap="square" rtlCol="0">
+            <a:spAutoFit/>
+          </a:bodyPr>
+          <a:lstStyle/>
+          <a:p>
+            <a:r>
+              <a:rPr lang="fr-FR" sz="1200" dirty="0" smtClean="0">
+                <a:latin typeface="Wingdings" charset="2"/>
+                <a:cs typeface="Wingdings" charset="2"/>
+              </a:rPr>
+              <a:t>w</a:t>
+            </a:r>
+            <a:r>
+              <a:rPr lang="fr-FR" sz="300" dirty="0">
+                <a:latin typeface="Wingdings" charset="2"/>
+                <a:cs typeface="Wingdings" charset="2"/>
+              </a:rPr>
+              <a:t> </a:t>
+            </a:r>
+            <a:r>
+              <a:rPr lang="fr-FR" sz="1300" b="1" dirty="0" smtClean="0">
+                <a:latin typeface="Charter Roman"/>
+                <a:cs typeface="Charter Roman"/>
+              </a:rPr>
+              <a:t>MC</a:t>
+            </a:r>
+            <a:r>
+              <a:rPr lang="fr-FR" sz="500" b="1" dirty="0" smtClean="0">
+                <a:latin typeface="Charter Roman"/>
+                <a:cs typeface="Charter Roman"/>
+              </a:rPr>
+              <a:t> </a:t>
+            </a:r>
+            <a:r>
+              <a:rPr lang="fr-FR" sz="1500" b="1" baseline="-25000" dirty="0" smtClean="0">
+                <a:latin typeface="Charter Roman"/>
+                <a:cs typeface="Charter Roman"/>
+              </a:rPr>
+              <a:t>Y</a:t>
+            </a:r>
+            <a:endParaRPr lang="fr-FR" sz="1500" b="1" baseline="-25000" dirty="0">
+              <a:latin typeface="Charter Roman"/>
+              <a:cs typeface="Charter Roman"/>
+            </a:endParaRPr>
+          </a:p>
+        </p:txBody>
+      </p:sp>
+      <p:sp>
+        <p:nvSpPr>
+          <p:cNvPr id="16" name="ZoneTexte 15"/>
+          <p:cNvSpPr txBox="1"/>
+          <p:nvPr/>
+        </p:nvSpPr>
+        <p:spPr>
+          <a:xfrm>
+            <a:off x="3280391" y="2491486"/>
+            <a:ext cx="760657" cy="292388"/>
+          </a:xfrm>
+          <a:prstGeom prst="rect">
+            <a:avLst/>
+          </a:prstGeom>
+          <a:noFill/>
+        </p:spPr>
+        <p:txBody>
+          <a:bodyPr wrap="square" rtlCol="0">
+            <a:spAutoFit/>
+          </a:bodyPr>
+          <a:lstStyle/>
+          <a:p>
+            <a:r>
+              <a:rPr lang="fr-FR" sz="1200" dirty="0" smtClean="0">
+                <a:latin typeface="Wingdings" charset="2"/>
+                <a:cs typeface="Wingdings" charset="2"/>
+              </a:rPr>
+              <a:t>w</a:t>
+            </a:r>
+            <a:r>
+              <a:rPr lang="fr-FR" sz="300" dirty="0">
+                <a:latin typeface="Wingdings" charset="2"/>
+                <a:cs typeface="Wingdings" charset="2"/>
+              </a:rPr>
+              <a:t> </a:t>
+            </a:r>
+            <a:r>
+              <a:rPr lang="fr-FR" sz="1300" b="1" dirty="0" smtClean="0">
+                <a:latin typeface="Charter Roman"/>
+                <a:cs typeface="Charter Roman"/>
+              </a:rPr>
+              <a:t>MC</a:t>
+            </a:r>
+            <a:r>
+              <a:rPr lang="fr-FR" sz="500" b="1" dirty="0" smtClean="0">
+                <a:latin typeface="Charter Roman"/>
+                <a:cs typeface="Charter Roman"/>
+              </a:rPr>
+              <a:t> </a:t>
+            </a:r>
+            <a:r>
+              <a:rPr lang="fr-FR" sz="1500" b="1" baseline="-25000" dirty="0" smtClean="0">
+                <a:latin typeface="Charter Roman"/>
+                <a:cs typeface="Charter Roman"/>
+              </a:rPr>
+              <a:t>Q</a:t>
+            </a:r>
+            <a:endParaRPr lang="fr-FR" sz="1500" b="1" baseline="-25000" dirty="0">
+              <a:latin typeface="Charter Roman"/>
+              <a:cs typeface="Charter Roman"/>
+            </a:endParaRPr>
+          </a:p>
+        </p:txBody>
+      </p:sp>
+      <p:sp>
+        <p:nvSpPr>
+          <p:cNvPr id="17" name="ZoneTexte 16"/>
+          <p:cNvSpPr txBox="1"/>
+          <p:nvPr/>
+        </p:nvSpPr>
+        <p:spPr>
+          <a:xfrm>
+            <a:off x="2868961" y="2778954"/>
+            <a:ext cx="760657" cy="292388"/>
+          </a:xfrm>
+          <a:prstGeom prst="rect">
+            <a:avLst/>
+          </a:prstGeom>
+          <a:noFill/>
+        </p:spPr>
+        <p:txBody>
+          <a:bodyPr wrap="square" rtlCol="0">
+            <a:spAutoFit/>
+          </a:bodyPr>
+          <a:lstStyle/>
+          <a:p>
+            <a:r>
+              <a:rPr lang="fr-FR" sz="1200" dirty="0" smtClean="0">
+                <a:latin typeface="Wingdings" charset="2"/>
+                <a:cs typeface="Wingdings" charset="2"/>
+              </a:rPr>
+              <a:t>w</a:t>
+            </a:r>
+            <a:r>
+              <a:rPr lang="fr-FR" sz="300" dirty="0">
+                <a:latin typeface="Wingdings" charset="2"/>
+                <a:cs typeface="Wingdings" charset="2"/>
+              </a:rPr>
+              <a:t> </a:t>
+            </a:r>
+            <a:r>
+              <a:rPr lang="fr-FR" sz="1300" b="1" dirty="0" smtClean="0">
+                <a:solidFill>
+                  <a:srgbClr val="0000FF"/>
+                </a:solidFill>
+                <a:latin typeface="Charter Roman"/>
+                <a:cs typeface="Charter Roman"/>
+              </a:rPr>
+              <a:t>MC</a:t>
+            </a:r>
+            <a:r>
+              <a:rPr lang="fr-FR" sz="500" b="1" dirty="0" smtClean="0">
+                <a:solidFill>
+                  <a:srgbClr val="0000FF"/>
+                </a:solidFill>
+                <a:latin typeface="Charter Roman"/>
+                <a:cs typeface="Charter Roman"/>
+              </a:rPr>
+              <a:t> </a:t>
+            </a:r>
+            <a:r>
+              <a:rPr lang="fr-FR" sz="1500" b="1" baseline="-25000" dirty="0" smtClean="0">
+                <a:solidFill>
+                  <a:srgbClr val="0000FF"/>
+                </a:solidFill>
+                <a:latin typeface="Charter Roman"/>
+                <a:cs typeface="Charter Roman"/>
+              </a:rPr>
+              <a:t>Z</a:t>
+            </a:r>
+            <a:endParaRPr lang="fr-FR" sz="1500" b="1" baseline="-25000" dirty="0">
+              <a:solidFill>
+                <a:srgbClr val="0000FF"/>
+              </a:solidFill>
+              <a:latin typeface="Charter Roman"/>
+              <a:cs typeface="Charter Roman"/>
+            </a:endParaRPr>
+          </a:p>
+        </p:txBody>
+      </p:sp>
+      <p:sp>
+        <p:nvSpPr>
+          <p:cNvPr id="18" name="ZoneTexte 17"/>
+          <p:cNvSpPr txBox="1"/>
+          <p:nvPr/>
+        </p:nvSpPr>
+        <p:spPr>
+          <a:xfrm>
+            <a:off x="3279614" y="3336281"/>
+            <a:ext cx="760657" cy="292388"/>
+          </a:xfrm>
+          <a:prstGeom prst="rect">
+            <a:avLst/>
+          </a:prstGeom>
+          <a:noFill/>
+        </p:spPr>
+        <p:txBody>
+          <a:bodyPr wrap="square" rtlCol="0">
+            <a:spAutoFit/>
+          </a:bodyPr>
+          <a:lstStyle/>
+          <a:p>
+            <a:r>
+              <a:rPr lang="fr-FR" sz="1200" dirty="0" smtClean="0">
+                <a:latin typeface="Wingdings" charset="2"/>
+                <a:cs typeface="Wingdings" charset="2"/>
+              </a:rPr>
+              <a:t>w</a:t>
+            </a:r>
+            <a:r>
+              <a:rPr lang="fr-FR" sz="300" dirty="0">
+                <a:latin typeface="Wingdings" charset="2"/>
+                <a:cs typeface="Wingdings" charset="2"/>
+              </a:rPr>
+              <a:t> </a:t>
+            </a:r>
+            <a:r>
+              <a:rPr lang="fr-FR" sz="1300" b="1" dirty="0" smtClean="0">
+                <a:latin typeface="Charter Roman"/>
+                <a:cs typeface="Charter Roman"/>
+              </a:rPr>
+              <a:t>MC</a:t>
+            </a:r>
+            <a:r>
+              <a:rPr lang="fr-FR" sz="500" b="1" dirty="0" smtClean="0">
+                <a:latin typeface="Charter Roman"/>
+                <a:cs typeface="Charter Roman"/>
+              </a:rPr>
+              <a:t> </a:t>
+            </a:r>
+            <a:r>
+              <a:rPr lang="fr-FR" sz="1500" b="1" baseline="-25000" dirty="0" smtClean="0">
+                <a:latin typeface="Charter Roman"/>
+                <a:cs typeface="Charter Roman"/>
+              </a:rPr>
+              <a:t>R</a:t>
+            </a:r>
+            <a:endParaRPr lang="fr-FR" sz="1500" b="1" baseline="-25000" dirty="0">
+              <a:latin typeface="Charter Roman"/>
+              <a:cs typeface="Charter Roman"/>
+            </a:endParaRPr>
+          </a:p>
+        </p:txBody>
+      </p:sp>
+      <p:sp>
+        <p:nvSpPr>
+          <p:cNvPr id="19" name="Ellipse 18"/>
+          <p:cNvSpPr/>
+          <p:nvPr/>
+        </p:nvSpPr>
+        <p:spPr>
+          <a:xfrm>
+            <a:off x="6575809" y="1822125"/>
+            <a:ext cx="1400925" cy="1390248"/>
+          </a:xfrm>
+          <a:prstGeom prst="ellipse">
+            <a:avLst/>
+          </a:prstGeom>
+          <a:noFill/>
+          <a:ln w="28575" cmpd="sng">
+            <a:solidFill>
+              <a:srgbClr val="000000"/>
+            </a:solidFill>
+          </a:ln>
+          <a:effectLst/>
+        </p:spPr>
+        <p:style>
+          <a:lnRef idx="1">
+            <a:schemeClr val="accent1"/>
+          </a:lnRef>
+          <a:fillRef idx="3">
+            <a:schemeClr val="accent1"/>
+          </a:fillRef>
+          <a:effectRef idx="2">
+            <a:schemeClr val="accent1"/>
+          </a:effectRef>
+          <a:fontRef idx="minor">
+            <a:schemeClr val="lt1"/>
+          </a:fontRef>
+        </p:style>
+        <p:txBody>
+          <a:bodyPr rtlCol="0" anchor="ctr"/>
+          <a:lstStyle/>
+          <a:p>
+            <a:pPr algn="ctr"/>
+            <a:endParaRPr lang="fr-FR"/>
+          </a:p>
+        </p:txBody>
+      </p:sp>
+      <p:sp>
+        <p:nvSpPr>
+          <p:cNvPr id="20" name="Ellipse 19"/>
+          <p:cNvSpPr/>
+          <p:nvPr/>
+        </p:nvSpPr>
+        <p:spPr>
+          <a:xfrm>
+            <a:off x="5851921" y="1822125"/>
+            <a:ext cx="1392059" cy="1366242"/>
+          </a:xfrm>
+          <a:prstGeom prst="ellipse">
+            <a:avLst/>
+          </a:prstGeom>
+          <a:noFill/>
+          <a:ln w="28575" cmpd="sng">
+            <a:solidFill>
+              <a:srgbClr val="000000"/>
+            </a:solidFill>
+          </a:ln>
+          <a:effectLst/>
+        </p:spPr>
+        <p:style>
+          <a:lnRef idx="1">
+            <a:schemeClr val="accent1"/>
+          </a:lnRef>
+          <a:fillRef idx="3">
+            <a:schemeClr val="accent1"/>
+          </a:fillRef>
+          <a:effectRef idx="2">
+            <a:schemeClr val="accent1"/>
+          </a:effectRef>
+          <a:fontRef idx="minor">
+            <a:schemeClr val="lt1"/>
+          </a:fontRef>
+        </p:style>
+        <p:txBody>
+          <a:bodyPr rtlCol="0" anchor="ctr"/>
+          <a:lstStyle/>
+          <a:p>
+            <a:pPr algn="ctr"/>
+            <a:endParaRPr lang="fr-FR"/>
+          </a:p>
+        </p:txBody>
+      </p:sp>
+      <p:sp>
+        <p:nvSpPr>
+          <p:cNvPr id="21" name="Ellipse 20"/>
+          <p:cNvSpPr/>
+          <p:nvPr/>
+        </p:nvSpPr>
+        <p:spPr>
+          <a:xfrm>
+            <a:off x="6166981" y="2453811"/>
+            <a:ext cx="1400925" cy="1390248"/>
+          </a:xfrm>
+          <a:prstGeom prst="ellipse">
+            <a:avLst/>
+          </a:prstGeom>
+          <a:noFill/>
+          <a:ln w="28575" cmpd="sng">
+            <a:solidFill>
+              <a:srgbClr val="000000"/>
+            </a:solidFill>
+          </a:ln>
+          <a:effectLst/>
+        </p:spPr>
+        <p:style>
+          <a:lnRef idx="1">
+            <a:schemeClr val="accent1"/>
+          </a:lnRef>
+          <a:fillRef idx="3">
+            <a:schemeClr val="accent1"/>
+          </a:fillRef>
+          <a:effectRef idx="2">
+            <a:schemeClr val="accent1"/>
+          </a:effectRef>
+          <a:fontRef idx="minor">
+            <a:schemeClr val="lt1"/>
+          </a:fontRef>
+        </p:style>
+        <p:txBody>
+          <a:bodyPr rtlCol="0" anchor="ctr"/>
+          <a:lstStyle/>
+          <a:p>
+            <a:pPr algn="ctr"/>
+            <a:endParaRPr lang="fr-FR"/>
+          </a:p>
+        </p:txBody>
+      </p:sp>
+      <p:sp>
+        <p:nvSpPr>
+          <p:cNvPr id="22" name="ZoneTexte 21"/>
+          <p:cNvSpPr txBox="1"/>
+          <p:nvPr/>
+        </p:nvSpPr>
+        <p:spPr>
+          <a:xfrm>
+            <a:off x="6040262" y="1917618"/>
+            <a:ext cx="760657" cy="292388"/>
+          </a:xfrm>
+          <a:prstGeom prst="rect">
+            <a:avLst/>
+          </a:prstGeom>
+          <a:noFill/>
+        </p:spPr>
+        <p:txBody>
+          <a:bodyPr wrap="square" rtlCol="0">
+            <a:spAutoFit/>
+          </a:bodyPr>
+          <a:lstStyle/>
+          <a:p>
+            <a:r>
+              <a:rPr lang="fr-FR" sz="800" dirty="0" smtClean="0">
+                <a:latin typeface="Wingdings" charset="2"/>
+                <a:cs typeface="Wingdings" charset="2"/>
+              </a:rPr>
+              <a:t>r</a:t>
+            </a:r>
+            <a:r>
+              <a:rPr lang="fr-FR" sz="300" dirty="0" smtClean="0">
+                <a:latin typeface="Wingdings" charset="2"/>
+                <a:cs typeface="Wingdings" charset="2"/>
+              </a:rPr>
+              <a:t> </a:t>
+            </a:r>
+            <a:r>
+              <a:rPr lang="fr-FR" sz="1300" b="1" dirty="0" smtClean="0">
+                <a:latin typeface="Charter Roman"/>
+                <a:cs typeface="Charter Roman"/>
+              </a:rPr>
+              <a:t>DSA</a:t>
+            </a:r>
+            <a:r>
+              <a:rPr lang="fr-FR" sz="500" b="1" dirty="0" smtClean="0">
+                <a:latin typeface="Charter Roman"/>
+                <a:cs typeface="Charter Roman"/>
+              </a:rPr>
+              <a:t> </a:t>
+            </a:r>
+            <a:r>
+              <a:rPr lang="fr-FR" sz="1500" b="1" baseline="-25000" dirty="0" smtClean="0">
+                <a:latin typeface="Charter Roman"/>
+                <a:cs typeface="Charter Roman"/>
+              </a:rPr>
+              <a:t>1</a:t>
+            </a:r>
+            <a:endParaRPr lang="fr-FR" sz="1500" b="1" baseline="-25000" dirty="0">
+              <a:latin typeface="Charter Roman"/>
+              <a:cs typeface="Charter Roman"/>
+            </a:endParaRPr>
+          </a:p>
+        </p:txBody>
+      </p:sp>
+      <p:sp>
+        <p:nvSpPr>
+          <p:cNvPr id="29" name="ZoneTexte 28"/>
+          <p:cNvSpPr txBox="1"/>
+          <p:nvPr/>
+        </p:nvSpPr>
+        <p:spPr>
+          <a:xfrm>
+            <a:off x="5875246" y="2171813"/>
+            <a:ext cx="760657" cy="292388"/>
+          </a:xfrm>
+          <a:prstGeom prst="rect">
+            <a:avLst/>
+          </a:prstGeom>
+          <a:noFill/>
+        </p:spPr>
+        <p:txBody>
+          <a:bodyPr wrap="square" rtlCol="0">
+            <a:spAutoFit/>
+          </a:bodyPr>
+          <a:lstStyle/>
+          <a:p>
+            <a:r>
+              <a:rPr lang="fr-FR" sz="800" dirty="0" smtClean="0">
+                <a:latin typeface="Wingdings" charset="2"/>
+                <a:cs typeface="Wingdings" charset="2"/>
+              </a:rPr>
+              <a:t>r</a:t>
+            </a:r>
+            <a:r>
+              <a:rPr lang="fr-FR" sz="300" dirty="0" smtClean="0">
+                <a:latin typeface="Wingdings" charset="2"/>
+                <a:cs typeface="Wingdings" charset="2"/>
+              </a:rPr>
+              <a:t> </a:t>
+            </a:r>
+            <a:r>
+              <a:rPr lang="fr-FR" sz="1300" b="1" dirty="0" smtClean="0">
+                <a:latin typeface="Charter Roman"/>
+                <a:cs typeface="Charter Roman"/>
+              </a:rPr>
+              <a:t>DSA</a:t>
+            </a:r>
+            <a:r>
+              <a:rPr lang="fr-FR" sz="500" b="1" dirty="0" smtClean="0">
+                <a:latin typeface="Charter Roman"/>
+                <a:cs typeface="Charter Roman"/>
+              </a:rPr>
+              <a:t> </a:t>
+            </a:r>
+            <a:r>
+              <a:rPr lang="fr-FR" sz="1500" b="1" baseline="-25000" dirty="0" smtClean="0">
+                <a:latin typeface="Charter Roman"/>
+                <a:cs typeface="Charter Roman"/>
+              </a:rPr>
+              <a:t>2</a:t>
+            </a:r>
+            <a:endParaRPr lang="fr-FR" sz="1500" b="1" baseline="-25000" dirty="0">
+              <a:latin typeface="Charter Roman"/>
+              <a:cs typeface="Charter Roman"/>
+            </a:endParaRPr>
+          </a:p>
+        </p:txBody>
+      </p:sp>
+      <p:sp>
+        <p:nvSpPr>
+          <p:cNvPr id="30" name="ZoneTexte 29"/>
+          <p:cNvSpPr txBox="1"/>
+          <p:nvPr/>
+        </p:nvSpPr>
+        <p:spPr>
+          <a:xfrm>
+            <a:off x="6550534" y="2491744"/>
+            <a:ext cx="760657" cy="292388"/>
+          </a:xfrm>
+          <a:prstGeom prst="rect">
+            <a:avLst/>
+          </a:prstGeom>
+          <a:noFill/>
+        </p:spPr>
+        <p:txBody>
+          <a:bodyPr wrap="square" rtlCol="0">
+            <a:spAutoFit/>
+          </a:bodyPr>
+          <a:lstStyle/>
+          <a:p>
+            <a:r>
+              <a:rPr lang="fr-FR" sz="800" dirty="0" smtClean="0">
+                <a:latin typeface="Wingdings" charset="2"/>
+                <a:cs typeface="Wingdings" charset="2"/>
+              </a:rPr>
+              <a:t>r</a:t>
+            </a:r>
+            <a:r>
+              <a:rPr lang="fr-FR" sz="300" dirty="0" smtClean="0">
+                <a:latin typeface="Wingdings" charset="2"/>
+                <a:cs typeface="Wingdings" charset="2"/>
+              </a:rPr>
+              <a:t> </a:t>
+            </a:r>
+            <a:r>
+              <a:rPr lang="fr-FR" sz="1300" b="1" dirty="0" smtClean="0">
+                <a:latin typeface="Charter Roman"/>
+                <a:cs typeface="Charter Roman"/>
+              </a:rPr>
+              <a:t>DSA</a:t>
+            </a:r>
+            <a:r>
+              <a:rPr lang="fr-FR" sz="500" b="1" dirty="0" smtClean="0">
+                <a:latin typeface="Charter Roman"/>
+                <a:cs typeface="Charter Roman"/>
+              </a:rPr>
+              <a:t> </a:t>
+            </a:r>
+            <a:r>
+              <a:rPr lang="fr-FR" sz="1500" b="1" baseline="-25000" dirty="0" smtClean="0">
+                <a:latin typeface="Charter Roman"/>
+                <a:cs typeface="Charter Roman"/>
+              </a:rPr>
+              <a:t>3</a:t>
+            </a:r>
+            <a:endParaRPr lang="fr-FR" sz="1500" b="1" baseline="-25000" dirty="0">
+              <a:latin typeface="Charter Roman"/>
+              <a:cs typeface="Charter Roman"/>
+            </a:endParaRPr>
+          </a:p>
+        </p:txBody>
+      </p:sp>
+      <p:sp>
+        <p:nvSpPr>
+          <p:cNvPr id="32" name="ZoneTexte 31"/>
+          <p:cNvSpPr txBox="1"/>
+          <p:nvPr/>
+        </p:nvSpPr>
+        <p:spPr>
+          <a:xfrm>
+            <a:off x="6220782" y="3193005"/>
+            <a:ext cx="760657" cy="292388"/>
+          </a:xfrm>
+          <a:prstGeom prst="rect">
+            <a:avLst/>
+          </a:prstGeom>
+          <a:noFill/>
+        </p:spPr>
+        <p:txBody>
+          <a:bodyPr wrap="square" rtlCol="0">
+            <a:spAutoFit/>
+          </a:bodyPr>
+          <a:lstStyle/>
+          <a:p>
+            <a:r>
+              <a:rPr lang="fr-FR" sz="800" dirty="0" smtClean="0">
+                <a:latin typeface="Wingdings" charset="2"/>
+                <a:cs typeface="Wingdings" charset="2"/>
+              </a:rPr>
+              <a:t>r</a:t>
+            </a:r>
+            <a:r>
+              <a:rPr lang="fr-FR" sz="300" dirty="0" smtClean="0">
+                <a:latin typeface="Wingdings" charset="2"/>
+                <a:cs typeface="Wingdings" charset="2"/>
+              </a:rPr>
+              <a:t> </a:t>
+            </a:r>
+            <a:r>
+              <a:rPr lang="fr-FR" sz="1300" b="1" dirty="0" smtClean="0">
+                <a:solidFill>
+                  <a:srgbClr val="0000FF"/>
+                </a:solidFill>
+                <a:latin typeface="Charter Roman"/>
+                <a:cs typeface="Charter Roman"/>
+              </a:rPr>
+              <a:t>DSA</a:t>
+            </a:r>
+            <a:r>
+              <a:rPr lang="fr-FR" sz="500" b="1" dirty="0" smtClean="0">
+                <a:solidFill>
+                  <a:srgbClr val="0000FF"/>
+                </a:solidFill>
+                <a:latin typeface="Charter Roman"/>
+                <a:cs typeface="Charter Roman"/>
+              </a:rPr>
+              <a:t> </a:t>
+            </a:r>
+            <a:r>
+              <a:rPr lang="fr-FR" sz="1500" b="1" baseline="-25000" dirty="0">
+                <a:solidFill>
+                  <a:srgbClr val="0000FF"/>
+                </a:solidFill>
+                <a:latin typeface="Charter Roman"/>
+                <a:cs typeface="Charter Roman"/>
+              </a:rPr>
+              <a:t>4</a:t>
+            </a:r>
+          </a:p>
+        </p:txBody>
+      </p:sp>
+      <p:sp>
+        <p:nvSpPr>
+          <p:cNvPr id="33" name="ZoneTexte 32"/>
+          <p:cNvSpPr txBox="1"/>
+          <p:nvPr/>
+        </p:nvSpPr>
+        <p:spPr>
+          <a:xfrm>
+            <a:off x="6583180" y="3447201"/>
+            <a:ext cx="760657" cy="292388"/>
+          </a:xfrm>
+          <a:prstGeom prst="rect">
+            <a:avLst/>
+          </a:prstGeom>
+          <a:noFill/>
+        </p:spPr>
+        <p:txBody>
+          <a:bodyPr wrap="square" rtlCol="0">
+            <a:spAutoFit/>
+          </a:bodyPr>
+          <a:lstStyle/>
+          <a:p>
+            <a:r>
+              <a:rPr lang="fr-FR" sz="800" dirty="0" smtClean="0">
+                <a:latin typeface="Wingdings" charset="2"/>
+                <a:cs typeface="Wingdings" charset="2"/>
+              </a:rPr>
+              <a:t>r</a:t>
+            </a:r>
+            <a:r>
+              <a:rPr lang="fr-FR" sz="300" dirty="0" smtClean="0">
+                <a:latin typeface="Wingdings" charset="2"/>
+                <a:cs typeface="Wingdings" charset="2"/>
+              </a:rPr>
+              <a:t> </a:t>
+            </a:r>
+            <a:r>
+              <a:rPr lang="fr-FR" sz="1300" b="1" dirty="0" smtClean="0">
+                <a:latin typeface="Charter Roman"/>
+                <a:cs typeface="Charter Roman"/>
+              </a:rPr>
+              <a:t>DSA</a:t>
+            </a:r>
+            <a:r>
+              <a:rPr lang="fr-FR" sz="500" b="1" dirty="0" smtClean="0">
+                <a:latin typeface="Charter Roman"/>
+                <a:cs typeface="Charter Roman"/>
+              </a:rPr>
+              <a:t> </a:t>
+            </a:r>
+            <a:r>
+              <a:rPr lang="fr-FR" sz="1500" b="1" baseline="-25000" dirty="0">
+                <a:latin typeface="Charter Roman"/>
+                <a:cs typeface="Charter Roman"/>
+              </a:rPr>
+              <a:t>5</a:t>
+            </a:r>
+          </a:p>
+        </p:txBody>
+      </p:sp>
+      <p:sp>
+        <p:nvSpPr>
+          <p:cNvPr id="34" name="ZoneTexte 33"/>
+          <p:cNvSpPr txBox="1"/>
+          <p:nvPr/>
+        </p:nvSpPr>
+        <p:spPr>
+          <a:xfrm>
+            <a:off x="7227836" y="2122602"/>
+            <a:ext cx="760657" cy="292388"/>
+          </a:xfrm>
+          <a:prstGeom prst="rect">
+            <a:avLst/>
+          </a:prstGeom>
+          <a:noFill/>
+        </p:spPr>
+        <p:txBody>
+          <a:bodyPr wrap="square" rtlCol="0">
+            <a:spAutoFit/>
+          </a:bodyPr>
+          <a:lstStyle/>
+          <a:p>
+            <a:r>
+              <a:rPr lang="fr-FR" sz="800" dirty="0" smtClean="0">
+                <a:latin typeface="Wingdings" charset="2"/>
+                <a:cs typeface="Wingdings" charset="2"/>
+              </a:rPr>
+              <a:t>r</a:t>
+            </a:r>
+            <a:r>
+              <a:rPr lang="fr-FR" sz="300" dirty="0" smtClean="0">
+                <a:latin typeface="Wingdings" charset="2"/>
+                <a:cs typeface="Wingdings" charset="2"/>
+              </a:rPr>
+              <a:t> </a:t>
+            </a:r>
+            <a:r>
+              <a:rPr lang="fr-FR" sz="1300" b="1" dirty="0" smtClean="0">
+                <a:latin typeface="Charter Roman"/>
+                <a:cs typeface="Charter Roman"/>
+              </a:rPr>
+              <a:t>DSA</a:t>
+            </a:r>
+            <a:r>
+              <a:rPr lang="fr-FR" sz="500" b="1" dirty="0" smtClean="0">
+                <a:latin typeface="Charter Roman"/>
+                <a:cs typeface="Charter Roman"/>
+              </a:rPr>
+              <a:t> </a:t>
+            </a:r>
+            <a:r>
+              <a:rPr lang="fr-FR" sz="1500" b="1" baseline="-25000" dirty="0" smtClean="0">
+                <a:latin typeface="Charter Roman"/>
+                <a:cs typeface="Charter Roman"/>
+              </a:rPr>
+              <a:t>6</a:t>
+            </a:r>
+            <a:endParaRPr lang="fr-FR" sz="1500" b="1" baseline="-25000" dirty="0">
+              <a:latin typeface="Charter Roman"/>
+              <a:cs typeface="Charter Roman"/>
+            </a:endParaRPr>
+          </a:p>
+        </p:txBody>
+      </p:sp>
+      <p:sp>
+        <p:nvSpPr>
+          <p:cNvPr id="4" name="Forme libre 3"/>
+          <p:cNvSpPr/>
+          <p:nvPr/>
+        </p:nvSpPr>
+        <p:spPr>
+          <a:xfrm>
+            <a:off x="2892685" y="1105269"/>
+            <a:ext cx="3280728" cy="964183"/>
+          </a:xfrm>
+          <a:custGeom>
+            <a:avLst/>
+            <a:gdLst>
+              <a:gd name="connsiteX0" fmla="*/ 3210174 w 3210174"/>
+              <a:gd name="connsiteY0" fmla="*/ 1058428 h 1058428"/>
+              <a:gd name="connsiteX1" fmla="*/ 2175393 w 3210174"/>
+              <a:gd name="connsiteY1" fmla="*/ 186 h 1058428"/>
+              <a:gd name="connsiteX2" fmla="*/ 0 w 3210174"/>
+              <a:gd name="connsiteY2" fmla="*/ 964362 h 1058428"/>
+              <a:gd name="connsiteX0" fmla="*/ 3210174 w 3210174"/>
+              <a:gd name="connsiteY0" fmla="*/ 1058428 h 1058428"/>
+              <a:gd name="connsiteX1" fmla="*/ 1552172 w 3210174"/>
+              <a:gd name="connsiteY1" fmla="*/ 186 h 1058428"/>
+              <a:gd name="connsiteX2" fmla="*/ 0 w 3210174"/>
+              <a:gd name="connsiteY2" fmla="*/ 964362 h 1058428"/>
+              <a:gd name="connsiteX0" fmla="*/ 3210174 w 3210174"/>
+              <a:gd name="connsiteY0" fmla="*/ 1058254 h 1058254"/>
+              <a:gd name="connsiteX1" fmla="*/ 1552172 w 3210174"/>
+              <a:gd name="connsiteY1" fmla="*/ 12 h 1058254"/>
+              <a:gd name="connsiteX2" fmla="*/ 0 w 3210174"/>
+              <a:gd name="connsiteY2" fmla="*/ 964188 h 1058254"/>
+              <a:gd name="connsiteX0" fmla="*/ 3280728 w 3280728"/>
+              <a:gd name="connsiteY0" fmla="*/ 952424 h 964183"/>
+              <a:gd name="connsiteX1" fmla="*/ 1552172 w 3280728"/>
+              <a:gd name="connsiteY1" fmla="*/ 7 h 964183"/>
+              <a:gd name="connsiteX2" fmla="*/ 0 w 3280728"/>
+              <a:gd name="connsiteY2" fmla="*/ 964183 h 964183"/>
+            </a:gdLst>
+            <a:ahLst/>
+            <a:cxnLst>
+              <a:cxn ang="0">
+                <a:pos x="connsiteX0" y="connsiteY0"/>
+              </a:cxn>
+              <a:cxn ang="0">
+                <a:pos x="connsiteX1" y="connsiteY1"/>
+              </a:cxn>
+              <a:cxn ang="0">
+                <a:pos x="connsiteX2" y="connsiteY2"/>
+              </a:cxn>
+            </a:cxnLst>
+            <a:rect l="l" t="t" r="r" b="b"/>
+            <a:pathLst>
+              <a:path w="3280728" h="964183">
+                <a:moveTo>
+                  <a:pt x="3280728" y="952424"/>
+                </a:moveTo>
+                <a:cubicBezTo>
+                  <a:pt x="3030852" y="431142"/>
+                  <a:pt x="2098960" y="-1953"/>
+                  <a:pt x="1552172" y="7"/>
+                </a:cubicBezTo>
+                <a:cubicBezTo>
+                  <a:pt x="1005384" y="1967"/>
+                  <a:pt x="0" y="964183"/>
+                  <a:pt x="0" y="964183"/>
+                </a:cubicBezTo>
+              </a:path>
+            </a:pathLst>
+          </a:custGeom>
+          <a:ln w="3175" cmpd="sng">
+            <a:solidFill>
+              <a:srgbClr val="FF0000">
+                <a:alpha val="60000"/>
+              </a:srgbClr>
+            </a:solidFill>
+            <a:headEnd type="none"/>
+            <a:tailEnd type="stealth" w="lg" len="lg"/>
+          </a:ln>
+        </p:spPr>
+        <p:style>
+          <a:lnRef idx="2">
+            <a:schemeClr val="accent1"/>
+          </a:lnRef>
+          <a:fillRef idx="0">
+            <a:schemeClr val="accent1"/>
+          </a:fillRef>
+          <a:effectRef idx="1">
+            <a:schemeClr val="accent1"/>
+          </a:effectRef>
+          <a:fontRef idx="minor">
+            <a:schemeClr val="tx1"/>
+          </a:fontRef>
+        </p:style>
+        <p:txBody>
+          <a:bodyPr rtlCol="0" anchor="ctr"/>
+          <a:lstStyle/>
+          <a:p>
+            <a:pPr algn="ctr"/>
+            <a:endParaRPr lang="fr-FR"/>
+          </a:p>
+        </p:txBody>
+      </p:sp>
+      <p:sp>
+        <p:nvSpPr>
+          <p:cNvPr id="35" name="Forme libre 34"/>
+          <p:cNvSpPr/>
+          <p:nvPr/>
+        </p:nvSpPr>
+        <p:spPr>
+          <a:xfrm>
+            <a:off x="2744067" y="1353826"/>
+            <a:ext cx="3257141" cy="1002209"/>
+          </a:xfrm>
+          <a:custGeom>
+            <a:avLst/>
+            <a:gdLst>
+              <a:gd name="connsiteX0" fmla="*/ 3210174 w 3210174"/>
+              <a:gd name="connsiteY0" fmla="*/ 1058428 h 1058428"/>
+              <a:gd name="connsiteX1" fmla="*/ 2175393 w 3210174"/>
+              <a:gd name="connsiteY1" fmla="*/ 186 h 1058428"/>
+              <a:gd name="connsiteX2" fmla="*/ 0 w 3210174"/>
+              <a:gd name="connsiteY2" fmla="*/ 964362 h 1058428"/>
+              <a:gd name="connsiteX0" fmla="*/ 3210174 w 3210174"/>
+              <a:gd name="connsiteY0" fmla="*/ 1058428 h 1058428"/>
+              <a:gd name="connsiteX1" fmla="*/ 1552172 w 3210174"/>
+              <a:gd name="connsiteY1" fmla="*/ 186 h 1058428"/>
+              <a:gd name="connsiteX2" fmla="*/ 0 w 3210174"/>
+              <a:gd name="connsiteY2" fmla="*/ 964362 h 1058428"/>
+              <a:gd name="connsiteX0" fmla="*/ 3210174 w 3210174"/>
+              <a:gd name="connsiteY0" fmla="*/ 1058254 h 1058254"/>
+              <a:gd name="connsiteX1" fmla="*/ 1552172 w 3210174"/>
+              <a:gd name="connsiteY1" fmla="*/ 12 h 1058254"/>
+              <a:gd name="connsiteX2" fmla="*/ 0 w 3210174"/>
+              <a:gd name="connsiteY2" fmla="*/ 964188 h 1058254"/>
+              <a:gd name="connsiteX0" fmla="*/ 3210174 w 3210174"/>
+              <a:gd name="connsiteY0" fmla="*/ 956437 h 964180"/>
+              <a:gd name="connsiteX1" fmla="*/ 1552172 w 3210174"/>
+              <a:gd name="connsiteY1" fmla="*/ 3 h 964180"/>
+              <a:gd name="connsiteX2" fmla="*/ 0 w 3210174"/>
+              <a:gd name="connsiteY2" fmla="*/ 964179 h 964180"/>
+            </a:gdLst>
+            <a:ahLst/>
+            <a:cxnLst>
+              <a:cxn ang="0">
+                <a:pos x="connsiteX0" y="connsiteY0"/>
+              </a:cxn>
+              <a:cxn ang="0">
+                <a:pos x="connsiteX1" y="connsiteY1"/>
+              </a:cxn>
+              <a:cxn ang="0">
+                <a:pos x="connsiteX2" y="connsiteY2"/>
+              </a:cxn>
+            </a:cxnLst>
+            <a:rect l="l" t="t" r="r" b="b"/>
+            <a:pathLst>
+              <a:path w="3210174" h="964180">
+                <a:moveTo>
+                  <a:pt x="3210174" y="956437"/>
+                </a:moveTo>
+                <a:cubicBezTo>
+                  <a:pt x="2960298" y="435155"/>
+                  <a:pt x="2087201" y="-1287"/>
+                  <a:pt x="1552172" y="3"/>
+                </a:cubicBezTo>
+                <a:cubicBezTo>
+                  <a:pt x="1017143" y="1293"/>
+                  <a:pt x="0" y="964179"/>
+                  <a:pt x="0" y="964179"/>
+                </a:cubicBezTo>
+              </a:path>
+            </a:pathLst>
+          </a:custGeom>
+          <a:ln w="3175" cmpd="sng">
+            <a:solidFill>
+              <a:srgbClr val="FF0000">
+                <a:alpha val="60000"/>
+              </a:srgbClr>
+            </a:solidFill>
+            <a:headEnd type="none"/>
+            <a:tailEnd type="stealth" w="lg" len="lg"/>
+          </a:ln>
+        </p:spPr>
+        <p:style>
+          <a:lnRef idx="2">
+            <a:schemeClr val="accent1"/>
+          </a:lnRef>
+          <a:fillRef idx="0">
+            <a:schemeClr val="accent1"/>
+          </a:fillRef>
+          <a:effectRef idx="1">
+            <a:schemeClr val="accent1"/>
+          </a:effectRef>
+          <a:fontRef idx="minor">
+            <a:schemeClr val="tx1"/>
+          </a:fontRef>
+        </p:style>
+        <p:txBody>
+          <a:bodyPr rtlCol="0" anchor="ctr"/>
+          <a:lstStyle/>
+          <a:p>
+            <a:pPr algn="ctr"/>
+            <a:endParaRPr lang="fr-FR"/>
+          </a:p>
+        </p:txBody>
+      </p:sp>
+      <p:sp>
+        <p:nvSpPr>
+          <p:cNvPr id="36" name="Forme libre 35"/>
+          <p:cNvSpPr/>
+          <p:nvPr/>
+        </p:nvSpPr>
+        <p:spPr>
+          <a:xfrm>
+            <a:off x="3398316" y="2365038"/>
+            <a:ext cx="3293064" cy="280573"/>
+          </a:xfrm>
+          <a:custGeom>
+            <a:avLst/>
+            <a:gdLst>
+              <a:gd name="connsiteX0" fmla="*/ 3210174 w 3210174"/>
+              <a:gd name="connsiteY0" fmla="*/ 1058428 h 1058428"/>
+              <a:gd name="connsiteX1" fmla="*/ 2175393 w 3210174"/>
+              <a:gd name="connsiteY1" fmla="*/ 186 h 1058428"/>
+              <a:gd name="connsiteX2" fmla="*/ 0 w 3210174"/>
+              <a:gd name="connsiteY2" fmla="*/ 964362 h 1058428"/>
+              <a:gd name="connsiteX0" fmla="*/ 3210174 w 3210174"/>
+              <a:gd name="connsiteY0" fmla="*/ 1058428 h 1058428"/>
+              <a:gd name="connsiteX1" fmla="*/ 1552172 w 3210174"/>
+              <a:gd name="connsiteY1" fmla="*/ 186 h 1058428"/>
+              <a:gd name="connsiteX2" fmla="*/ 0 w 3210174"/>
+              <a:gd name="connsiteY2" fmla="*/ 964362 h 1058428"/>
+              <a:gd name="connsiteX0" fmla="*/ 3210174 w 3210174"/>
+              <a:gd name="connsiteY0" fmla="*/ 1058254 h 1058254"/>
+              <a:gd name="connsiteX1" fmla="*/ 1552172 w 3210174"/>
+              <a:gd name="connsiteY1" fmla="*/ 12 h 1058254"/>
+              <a:gd name="connsiteX2" fmla="*/ 0 w 3210174"/>
+              <a:gd name="connsiteY2" fmla="*/ 964188 h 1058254"/>
+            </a:gdLst>
+            <a:ahLst/>
+            <a:cxnLst>
+              <a:cxn ang="0">
+                <a:pos x="connsiteX0" y="connsiteY0"/>
+              </a:cxn>
+              <a:cxn ang="0">
+                <a:pos x="connsiteX1" y="connsiteY1"/>
+              </a:cxn>
+              <a:cxn ang="0">
+                <a:pos x="connsiteX2" y="connsiteY2"/>
+              </a:cxn>
+            </a:cxnLst>
+            <a:rect l="l" t="t" r="r" b="b"/>
+            <a:pathLst>
+              <a:path w="3210174" h="1058254">
+                <a:moveTo>
+                  <a:pt x="3210174" y="1058254"/>
+                </a:moveTo>
+                <a:cubicBezTo>
+                  <a:pt x="2960298" y="536972"/>
+                  <a:pt x="2122477" y="3932"/>
+                  <a:pt x="1552172" y="12"/>
+                </a:cubicBezTo>
+                <a:cubicBezTo>
+                  <a:pt x="981867" y="-3908"/>
+                  <a:pt x="0" y="964188"/>
+                  <a:pt x="0" y="964188"/>
+                </a:cubicBezTo>
+              </a:path>
+            </a:pathLst>
+          </a:custGeom>
+          <a:ln w="3175" cmpd="sng">
+            <a:solidFill>
+              <a:srgbClr val="FF0000">
+                <a:alpha val="60000"/>
+              </a:srgbClr>
+            </a:solidFill>
+            <a:headEnd type="none"/>
+            <a:tailEnd type="stealth" w="lg" len="lg"/>
+          </a:ln>
+        </p:spPr>
+        <p:style>
+          <a:lnRef idx="2">
+            <a:schemeClr val="accent1"/>
+          </a:lnRef>
+          <a:fillRef idx="0">
+            <a:schemeClr val="accent1"/>
+          </a:fillRef>
+          <a:effectRef idx="1">
+            <a:schemeClr val="accent1"/>
+          </a:effectRef>
+          <a:fontRef idx="minor">
+            <a:schemeClr val="tx1"/>
+          </a:fontRef>
+        </p:style>
+        <p:txBody>
+          <a:bodyPr rtlCol="0" anchor="ctr"/>
+          <a:lstStyle/>
+          <a:p>
+            <a:pPr algn="ctr"/>
+            <a:endParaRPr lang="fr-FR"/>
+          </a:p>
+        </p:txBody>
+      </p:sp>
+      <p:sp>
+        <p:nvSpPr>
+          <p:cNvPr id="37" name="Forme libre 36"/>
+          <p:cNvSpPr/>
+          <p:nvPr/>
+        </p:nvSpPr>
+        <p:spPr>
+          <a:xfrm>
+            <a:off x="4148558" y="1516813"/>
+            <a:ext cx="3195279" cy="751983"/>
+          </a:xfrm>
+          <a:custGeom>
+            <a:avLst/>
+            <a:gdLst>
+              <a:gd name="connsiteX0" fmla="*/ 3210174 w 3210174"/>
+              <a:gd name="connsiteY0" fmla="*/ 1058428 h 1058428"/>
+              <a:gd name="connsiteX1" fmla="*/ 2175393 w 3210174"/>
+              <a:gd name="connsiteY1" fmla="*/ 186 h 1058428"/>
+              <a:gd name="connsiteX2" fmla="*/ 0 w 3210174"/>
+              <a:gd name="connsiteY2" fmla="*/ 964362 h 1058428"/>
+              <a:gd name="connsiteX0" fmla="*/ 3210174 w 3210174"/>
+              <a:gd name="connsiteY0" fmla="*/ 1058428 h 1058428"/>
+              <a:gd name="connsiteX1" fmla="*/ 1552172 w 3210174"/>
+              <a:gd name="connsiteY1" fmla="*/ 186 h 1058428"/>
+              <a:gd name="connsiteX2" fmla="*/ 0 w 3210174"/>
+              <a:gd name="connsiteY2" fmla="*/ 964362 h 1058428"/>
+              <a:gd name="connsiteX0" fmla="*/ 3210174 w 3210174"/>
+              <a:gd name="connsiteY0" fmla="*/ 1058254 h 1058254"/>
+              <a:gd name="connsiteX1" fmla="*/ 1552172 w 3210174"/>
+              <a:gd name="connsiteY1" fmla="*/ 12 h 1058254"/>
+              <a:gd name="connsiteX2" fmla="*/ 0 w 3210174"/>
+              <a:gd name="connsiteY2" fmla="*/ 964188 h 1058254"/>
+            </a:gdLst>
+            <a:ahLst/>
+            <a:cxnLst>
+              <a:cxn ang="0">
+                <a:pos x="connsiteX0" y="connsiteY0"/>
+              </a:cxn>
+              <a:cxn ang="0">
+                <a:pos x="connsiteX1" y="connsiteY1"/>
+              </a:cxn>
+              <a:cxn ang="0">
+                <a:pos x="connsiteX2" y="connsiteY2"/>
+              </a:cxn>
+            </a:cxnLst>
+            <a:rect l="l" t="t" r="r" b="b"/>
+            <a:pathLst>
+              <a:path w="3210174" h="1058254">
+                <a:moveTo>
+                  <a:pt x="3210174" y="1058254"/>
+                </a:moveTo>
+                <a:cubicBezTo>
+                  <a:pt x="2960298" y="536972"/>
+                  <a:pt x="2122477" y="3932"/>
+                  <a:pt x="1552172" y="12"/>
+                </a:cubicBezTo>
+                <a:cubicBezTo>
+                  <a:pt x="981867" y="-3908"/>
+                  <a:pt x="0" y="964188"/>
+                  <a:pt x="0" y="964188"/>
+                </a:cubicBezTo>
+              </a:path>
+            </a:pathLst>
+          </a:custGeom>
+          <a:ln w="3175" cmpd="sng">
+            <a:solidFill>
+              <a:srgbClr val="FF0000">
+                <a:alpha val="60000"/>
+              </a:srgbClr>
+            </a:solidFill>
+            <a:headEnd type="none"/>
+            <a:tailEnd type="stealth" w="lg" len="lg"/>
+          </a:ln>
+        </p:spPr>
+        <p:style>
+          <a:lnRef idx="2">
+            <a:schemeClr val="accent1"/>
+          </a:lnRef>
+          <a:fillRef idx="0">
+            <a:schemeClr val="accent1"/>
+          </a:fillRef>
+          <a:effectRef idx="1">
+            <a:schemeClr val="accent1"/>
+          </a:effectRef>
+          <a:fontRef idx="minor">
+            <a:schemeClr val="tx1"/>
+          </a:fontRef>
+        </p:style>
+        <p:txBody>
+          <a:bodyPr rtlCol="0" anchor="ctr"/>
+          <a:lstStyle/>
+          <a:p>
+            <a:pPr algn="ctr"/>
+            <a:endParaRPr lang="fr-FR"/>
+          </a:p>
+        </p:txBody>
+      </p:sp>
+      <p:sp>
+        <p:nvSpPr>
+          <p:cNvPr id="38" name="Forme libre 37"/>
+          <p:cNvSpPr/>
+          <p:nvPr/>
+        </p:nvSpPr>
+        <p:spPr>
+          <a:xfrm rot="590933" flipV="1">
+            <a:off x="2943237" y="3068615"/>
+            <a:ext cx="3384077" cy="544560"/>
+          </a:xfrm>
+          <a:custGeom>
+            <a:avLst/>
+            <a:gdLst>
+              <a:gd name="connsiteX0" fmla="*/ 3210174 w 3210174"/>
+              <a:gd name="connsiteY0" fmla="*/ 1058428 h 1058428"/>
+              <a:gd name="connsiteX1" fmla="*/ 2175393 w 3210174"/>
+              <a:gd name="connsiteY1" fmla="*/ 186 h 1058428"/>
+              <a:gd name="connsiteX2" fmla="*/ 0 w 3210174"/>
+              <a:gd name="connsiteY2" fmla="*/ 964362 h 1058428"/>
+              <a:gd name="connsiteX0" fmla="*/ 3210174 w 3210174"/>
+              <a:gd name="connsiteY0" fmla="*/ 1058428 h 1058428"/>
+              <a:gd name="connsiteX1" fmla="*/ 1552172 w 3210174"/>
+              <a:gd name="connsiteY1" fmla="*/ 186 h 1058428"/>
+              <a:gd name="connsiteX2" fmla="*/ 0 w 3210174"/>
+              <a:gd name="connsiteY2" fmla="*/ 964362 h 1058428"/>
+              <a:gd name="connsiteX0" fmla="*/ 3210174 w 3210174"/>
+              <a:gd name="connsiteY0" fmla="*/ 1058254 h 1058254"/>
+              <a:gd name="connsiteX1" fmla="*/ 1552172 w 3210174"/>
+              <a:gd name="connsiteY1" fmla="*/ 12 h 1058254"/>
+              <a:gd name="connsiteX2" fmla="*/ 0 w 3210174"/>
+              <a:gd name="connsiteY2" fmla="*/ 964188 h 1058254"/>
+              <a:gd name="connsiteX0" fmla="*/ 3212622 w 3212622"/>
+              <a:gd name="connsiteY0" fmla="*/ 691818 h 970425"/>
+              <a:gd name="connsiteX1" fmla="*/ 1552172 w 3212622"/>
+              <a:gd name="connsiteY1" fmla="*/ 6249 h 970425"/>
+              <a:gd name="connsiteX2" fmla="*/ 0 w 3212622"/>
+              <a:gd name="connsiteY2" fmla="*/ 970425 h 970425"/>
+              <a:gd name="connsiteX0" fmla="*/ 3214612 w 3214612"/>
+              <a:gd name="connsiteY0" fmla="*/ 1330556 h 1330557"/>
+              <a:gd name="connsiteX1" fmla="*/ 1552172 w 3214612"/>
+              <a:gd name="connsiteY1" fmla="*/ 2589 h 1330557"/>
+              <a:gd name="connsiteX2" fmla="*/ 0 w 3214612"/>
+              <a:gd name="connsiteY2" fmla="*/ 966765 h 1330557"/>
+            </a:gdLst>
+            <a:ahLst/>
+            <a:cxnLst>
+              <a:cxn ang="0">
+                <a:pos x="connsiteX0" y="connsiteY0"/>
+              </a:cxn>
+              <a:cxn ang="0">
+                <a:pos x="connsiteX1" y="connsiteY1"/>
+              </a:cxn>
+              <a:cxn ang="0">
+                <a:pos x="connsiteX2" y="connsiteY2"/>
+              </a:cxn>
+            </a:cxnLst>
+            <a:rect l="l" t="t" r="r" b="b"/>
+            <a:pathLst>
+              <a:path w="3214612" h="1330557">
+                <a:moveTo>
+                  <a:pt x="3214612" y="1330556"/>
+                </a:moveTo>
+                <a:cubicBezTo>
+                  <a:pt x="2964736" y="809274"/>
+                  <a:pt x="2087941" y="63221"/>
+                  <a:pt x="1552172" y="2589"/>
+                </a:cubicBezTo>
+                <a:cubicBezTo>
+                  <a:pt x="1016403" y="-58043"/>
+                  <a:pt x="0" y="966765"/>
+                  <a:pt x="0" y="966765"/>
+                </a:cubicBezTo>
+              </a:path>
+            </a:pathLst>
+          </a:custGeom>
+          <a:ln w="3175" cmpd="sng">
+            <a:solidFill>
+              <a:srgbClr val="FF0000">
+                <a:alpha val="60000"/>
+              </a:srgbClr>
+            </a:solidFill>
+            <a:headEnd type="none"/>
+            <a:tailEnd type="stealth" w="lg" len="lg"/>
+          </a:ln>
+        </p:spPr>
+        <p:style>
+          <a:lnRef idx="2">
+            <a:schemeClr val="accent1"/>
+          </a:lnRef>
+          <a:fillRef idx="0">
+            <a:schemeClr val="accent1"/>
+          </a:fillRef>
+          <a:effectRef idx="1">
+            <a:schemeClr val="accent1"/>
+          </a:effectRef>
+          <a:fontRef idx="minor">
+            <a:schemeClr val="tx1"/>
+          </a:fontRef>
+        </p:style>
+        <p:txBody>
+          <a:bodyPr rtlCol="0" anchor="ctr"/>
+          <a:lstStyle/>
+          <a:p>
+            <a:pPr algn="ctr"/>
+            <a:endParaRPr lang="fr-FR"/>
+          </a:p>
+        </p:txBody>
+      </p:sp>
+      <p:sp>
+        <p:nvSpPr>
+          <p:cNvPr id="40" name="Forme libre 39"/>
+          <p:cNvSpPr/>
+          <p:nvPr/>
+        </p:nvSpPr>
+        <p:spPr>
+          <a:xfrm rot="590933" flipV="1">
+            <a:off x="3366078" y="3382016"/>
+            <a:ext cx="3331783" cy="765309"/>
+          </a:xfrm>
+          <a:custGeom>
+            <a:avLst/>
+            <a:gdLst>
+              <a:gd name="connsiteX0" fmla="*/ 3210174 w 3210174"/>
+              <a:gd name="connsiteY0" fmla="*/ 1058428 h 1058428"/>
+              <a:gd name="connsiteX1" fmla="*/ 2175393 w 3210174"/>
+              <a:gd name="connsiteY1" fmla="*/ 186 h 1058428"/>
+              <a:gd name="connsiteX2" fmla="*/ 0 w 3210174"/>
+              <a:gd name="connsiteY2" fmla="*/ 964362 h 1058428"/>
+              <a:gd name="connsiteX0" fmla="*/ 3210174 w 3210174"/>
+              <a:gd name="connsiteY0" fmla="*/ 1058428 h 1058428"/>
+              <a:gd name="connsiteX1" fmla="*/ 1552172 w 3210174"/>
+              <a:gd name="connsiteY1" fmla="*/ 186 h 1058428"/>
+              <a:gd name="connsiteX2" fmla="*/ 0 w 3210174"/>
+              <a:gd name="connsiteY2" fmla="*/ 964362 h 1058428"/>
+              <a:gd name="connsiteX0" fmla="*/ 3210174 w 3210174"/>
+              <a:gd name="connsiteY0" fmla="*/ 1058254 h 1058254"/>
+              <a:gd name="connsiteX1" fmla="*/ 1552172 w 3210174"/>
+              <a:gd name="connsiteY1" fmla="*/ 12 h 1058254"/>
+              <a:gd name="connsiteX2" fmla="*/ 0 w 3210174"/>
+              <a:gd name="connsiteY2" fmla="*/ 964188 h 1058254"/>
+              <a:gd name="connsiteX0" fmla="*/ 3212622 w 3212622"/>
+              <a:gd name="connsiteY0" fmla="*/ 691818 h 970425"/>
+              <a:gd name="connsiteX1" fmla="*/ 1552172 w 3212622"/>
+              <a:gd name="connsiteY1" fmla="*/ 6249 h 970425"/>
+              <a:gd name="connsiteX2" fmla="*/ 0 w 3212622"/>
+              <a:gd name="connsiteY2" fmla="*/ 970425 h 970425"/>
+              <a:gd name="connsiteX0" fmla="*/ 3214612 w 3214612"/>
+              <a:gd name="connsiteY0" fmla="*/ 1330556 h 1330557"/>
+              <a:gd name="connsiteX1" fmla="*/ 1552172 w 3214612"/>
+              <a:gd name="connsiteY1" fmla="*/ 2589 h 1330557"/>
+              <a:gd name="connsiteX2" fmla="*/ 0 w 3214612"/>
+              <a:gd name="connsiteY2" fmla="*/ 966765 h 1330557"/>
+              <a:gd name="connsiteX0" fmla="*/ 3164937 w 3164937"/>
+              <a:gd name="connsiteY0" fmla="*/ 2083761 h 2083760"/>
+              <a:gd name="connsiteX1" fmla="*/ 1552172 w 3164937"/>
+              <a:gd name="connsiteY1" fmla="*/ 19832 h 2083760"/>
+              <a:gd name="connsiteX2" fmla="*/ 0 w 3164937"/>
+              <a:gd name="connsiteY2" fmla="*/ 984008 h 2083760"/>
+            </a:gdLst>
+            <a:ahLst/>
+            <a:cxnLst>
+              <a:cxn ang="0">
+                <a:pos x="connsiteX0" y="connsiteY0"/>
+              </a:cxn>
+              <a:cxn ang="0">
+                <a:pos x="connsiteX1" y="connsiteY1"/>
+              </a:cxn>
+              <a:cxn ang="0">
+                <a:pos x="connsiteX2" y="connsiteY2"/>
+              </a:cxn>
+            </a:cxnLst>
+            <a:rect l="l" t="t" r="r" b="b"/>
+            <a:pathLst>
+              <a:path w="3164937" h="2083760">
+                <a:moveTo>
+                  <a:pt x="3164937" y="2083761"/>
+                </a:moveTo>
+                <a:cubicBezTo>
+                  <a:pt x="2915061" y="1562479"/>
+                  <a:pt x="2079661" y="203124"/>
+                  <a:pt x="1552172" y="19832"/>
+                </a:cubicBezTo>
+                <a:cubicBezTo>
+                  <a:pt x="1024683" y="-163460"/>
+                  <a:pt x="0" y="984008"/>
+                  <a:pt x="0" y="984008"/>
+                </a:cubicBezTo>
+              </a:path>
+            </a:pathLst>
+          </a:custGeom>
+          <a:ln w="3175" cmpd="sng">
+            <a:solidFill>
+              <a:srgbClr val="FF0000">
+                <a:alpha val="60000"/>
+              </a:srgbClr>
+            </a:solidFill>
+            <a:headEnd type="none"/>
+            <a:tailEnd type="stealth" w="lg" len="lg"/>
+          </a:ln>
+        </p:spPr>
+        <p:style>
+          <a:lnRef idx="2">
+            <a:schemeClr val="accent1"/>
+          </a:lnRef>
+          <a:fillRef idx="0">
+            <a:schemeClr val="accent1"/>
+          </a:fillRef>
+          <a:effectRef idx="1">
+            <a:schemeClr val="accent1"/>
+          </a:effectRef>
+          <a:fontRef idx="minor">
+            <a:schemeClr val="tx1"/>
+          </a:fontRef>
+        </p:style>
+        <p:txBody>
+          <a:bodyPr rtlCol="0" anchor="ctr"/>
+          <a:lstStyle/>
+          <a:p>
+            <a:pPr algn="ctr"/>
+            <a:endParaRPr lang="fr-FR"/>
+          </a:p>
+        </p:txBody>
+      </p:sp>
+      <p:sp>
+        <p:nvSpPr>
+          <p:cNvPr id="41" name="ZoneTexte 40"/>
+          <p:cNvSpPr txBox="1"/>
+          <p:nvPr/>
+        </p:nvSpPr>
+        <p:spPr>
+          <a:xfrm>
+            <a:off x="5659119" y="4231855"/>
+            <a:ext cx="2537671" cy="323165"/>
+          </a:xfrm>
+          <a:prstGeom prst="rect">
+            <a:avLst/>
+          </a:prstGeom>
+          <a:noFill/>
+        </p:spPr>
+        <p:txBody>
+          <a:bodyPr wrap="square" rtlCol="0">
+            <a:spAutoFit/>
+          </a:bodyPr>
+          <a:lstStyle/>
+          <a:p>
+            <a:pPr algn="ctr"/>
+            <a:r>
+              <a:rPr lang="en-US" sz="1500" b="1" dirty="0" smtClean="0">
+                <a:latin typeface="Charter Roman"/>
+                <a:cs typeface="Charter Roman"/>
+              </a:rPr>
+              <a:t>Semantic commonalities</a:t>
+            </a:r>
+            <a:endParaRPr lang="en-US" sz="1500" b="1" dirty="0">
+              <a:latin typeface="Charter Roman"/>
+              <a:cs typeface="Charter Roman"/>
+            </a:endParaRPr>
+          </a:p>
+        </p:txBody>
+      </p:sp>
+      <p:sp>
+        <p:nvSpPr>
+          <p:cNvPr id="42" name="ZoneTexte 41"/>
+          <p:cNvSpPr txBox="1"/>
+          <p:nvPr/>
+        </p:nvSpPr>
+        <p:spPr>
+          <a:xfrm>
+            <a:off x="1747521" y="2117713"/>
+            <a:ext cx="838516" cy="338554"/>
+          </a:xfrm>
+          <a:prstGeom prst="rect">
+            <a:avLst/>
+          </a:prstGeom>
+          <a:noFill/>
+        </p:spPr>
+        <p:txBody>
+          <a:bodyPr wrap="square" rtlCol="0">
+            <a:spAutoFit/>
+          </a:bodyPr>
+          <a:lstStyle/>
+          <a:p>
+            <a:pPr algn="ctr"/>
+            <a:r>
+              <a:rPr lang="en-US" sz="1600" b="1" i="1" dirty="0" err="1" smtClean="0">
+                <a:latin typeface="Charter Roman"/>
+                <a:cs typeface="Charter Roman"/>
+              </a:rPr>
+              <a:t>Syn</a:t>
+            </a:r>
+            <a:r>
+              <a:rPr lang="en-US" sz="1600" b="1" dirty="0" smtClean="0">
+                <a:latin typeface="Charter Roman"/>
+                <a:cs typeface="Charter Roman"/>
+              </a:rPr>
+              <a:t> A</a:t>
+            </a:r>
+            <a:endParaRPr lang="en-US" sz="1600" b="1" dirty="0">
+              <a:latin typeface="Charter Roman"/>
+              <a:cs typeface="Charter Roman"/>
+            </a:endParaRPr>
+          </a:p>
+        </p:txBody>
+      </p:sp>
+      <p:sp>
+        <p:nvSpPr>
+          <p:cNvPr id="43" name="ZoneTexte 42"/>
+          <p:cNvSpPr txBox="1"/>
+          <p:nvPr/>
+        </p:nvSpPr>
+        <p:spPr>
+          <a:xfrm>
+            <a:off x="2265681" y="3418341"/>
+            <a:ext cx="791994" cy="338554"/>
+          </a:xfrm>
+          <a:prstGeom prst="rect">
+            <a:avLst/>
+          </a:prstGeom>
+          <a:noFill/>
+        </p:spPr>
+        <p:txBody>
+          <a:bodyPr wrap="square" rtlCol="0">
+            <a:spAutoFit/>
+          </a:bodyPr>
+          <a:lstStyle/>
+          <a:p>
+            <a:pPr algn="ctr"/>
+            <a:r>
+              <a:rPr lang="en-US" sz="1600" b="1" i="1" dirty="0" err="1" smtClean="0">
+                <a:latin typeface="Charter Roman"/>
+                <a:cs typeface="Charter Roman"/>
+              </a:rPr>
+              <a:t>Syn</a:t>
+            </a:r>
+            <a:r>
+              <a:rPr lang="en-US" sz="1600" b="1" dirty="0" smtClean="0">
+                <a:latin typeface="Charter Roman"/>
+                <a:cs typeface="Charter Roman"/>
+              </a:rPr>
+              <a:t> C</a:t>
+            </a:r>
+            <a:endParaRPr lang="en-US" sz="1600" b="1" dirty="0">
+              <a:latin typeface="Charter Roman"/>
+              <a:cs typeface="Charter Roman"/>
+            </a:endParaRPr>
+          </a:p>
+        </p:txBody>
+      </p:sp>
+      <p:sp>
+        <p:nvSpPr>
+          <p:cNvPr id="50" name="ZoneTexte 49"/>
+          <p:cNvSpPr txBox="1"/>
+          <p:nvPr/>
+        </p:nvSpPr>
+        <p:spPr>
+          <a:xfrm>
+            <a:off x="4148558" y="1481266"/>
+            <a:ext cx="791994" cy="338554"/>
+          </a:xfrm>
+          <a:prstGeom prst="rect">
+            <a:avLst/>
+          </a:prstGeom>
+          <a:noFill/>
+        </p:spPr>
+        <p:txBody>
+          <a:bodyPr wrap="square" rtlCol="0">
+            <a:spAutoFit/>
+          </a:bodyPr>
+          <a:lstStyle/>
+          <a:p>
+            <a:pPr algn="ctr"/>
+            <a:r>
+              <a:rPr lang="en-US" sz="1600" b="1" i="1" dirty="0" err="1" smtClean="0">
+                <a:latin typeface="Charter Roman"/>
+                <a:cs typeface="Charter Roman"/>
+              </a:rPr>
+              <a:t>Syn</a:t>
+            </a:r>
+            <a:r>
+              <a:rPr lang="en-US" sz="1600" b="1" dirty="0" smtClean="0">
+                <a:latin typeface="Charter Roman"/>
+                <a:cs typeface="Charter Roman"/>
+              </a:rPr>
+              <a:t> B</a:t>
+            </a:r>
+            <a:endParaRPr lang="en-US" sz="1600" b="1" dirty="0">
+              <a:latin typeface="Charter Roman"/>
+              <a:cs typeface="Charter Roman"/>
+            </a:endParaRPr>
+          </a:p>
+        </p:txBody>
+      </p:sp>
+      <p:sp>
+        <p:nvSpPr>
+          <p:cNvPr id="51" name="ZoneTexte 50"/>
+          <p:cNvSpPr txBox="1"/>
+          <p:nvPr/>
+        </p:nvSpPr>
+        <p:spPr>
+          <a:xfrm>
+            <a:off x="7645609" y="1650543"/>
+            <a:ext cx="791994" cy="338554"/>
+          </a:xfrm>
+          <a:prstGeom prst="rect">
+            <a:avLst/>
+          </a:prstGeom>
+          <a:noFill/>
+        </p:spPr>
+        <p:txBody>
+          <a:bodyPr wrap="square" rtlCol="0">
+            <a:spAutoFit/>
+          </a:bodyPr>
+          <a:lstStyle/>
+          <a:p>
+            <a:pPr algn="ctr"/>
+            <a:r>
+              <a:rPr lang="en-US" sz="1600" b="1" i="1" dirty="0" smtClean="0">
+                <a:latin typeface="Charter Roman"/>
+                <a:cs typeface="Charter Roman"/>
+              </a:rPr>
+              <a:t>Sem</a:t>
+            </a:r>
+            <a:r>
+              <a:rPr lang="en-US" sz="1600" b="1" dirty="0" smtClean="0">
+                <a:latin typeface="Charter Roman"/>
+                <a:cs typeface="Charter Roman"/>
+              </a:rPr>
+              <a:t> B</a:t>
+            </a:r>
+            <a:endParaRPr lang="en-US" sz="1600" b="1" dirty="0">
+              <a:latin typeface="Charter Roman"/>
+              <a:cs typeface="Charter Roman"/>
+            </a:endParaRPr>
+          </a:p>
+        </p:txBody>
+      </p:sp>
+      <p:sp>
+        <p:nvSpPr>
+          <p:cNvPr id="52" name="ZoneTexte 51"/>
+          <p:cNvSpPr txBox="1"/>
+          <p:nvPr/>
+        </p:nvSpPr>
+        <p:spPr>
+          <a:xfrm>
+            <a:off x="7404797" y="3475233"/>
+            <a:ext cx="791994" cy="338554"/>
+          </a:xfrm>
+          <a:prstGeom prst="rect">
+            <a:avLst/>
+          </a:prstGeom>
+          <a:noFill/>
+        </p:spPr>
+        <p:txBody>
+          <a:bodyPr wrap="square" rtlCol="0">
+            <a:spAutoFit/>
+          </a:bodyPr>
+          <a:lstStyle/>
+          <a:p>
+            <a:pPr algn="ctr"/>
+            <a:r>
+              <a:rPr lang="en-US" sz="1600" b="1" i="1" dirty="0" smtClean="0">
+                <a:latin typeface="Charter Roman"/>
+                <a:cs typeface="Charter Roman"/>
+              </a:rPr>
+              <a:t>Sem</a:t>
+            </a:r>
+            <a:r>
+              <a:rPr lang="en-US" sz="1600" b="1" dirty="0" smtClean="0">
+                <a:latin typeface="Charter Roman"/>
+                <a:cs typeface="Charter Roman"/>
+              </a:rPr>
+              <a:t> C</a:t>
+            </a:r>
+            <a:endParaRPr lang="en-US" sz="1600" b="1" dirty="0">
+              <a:latin typeface="Charter Roman"/>
+              <a:cs typeface="Charter Roman"/>
+            </a:endParaRPr>
+          </a:p>
+        </p:txBody>
+      </p:sp>
+      <p:sp>
+        <p:nvSpPr>
+          <p:cNvPr id="53" name="ZoneTexte 52"/>
+          <p:cNvSpPr txBox="1"/>
+          <p:nvPr/>
+        </p:nvSpPr>
+        <p:spPr>
+          <a:xfrm>
+            <a:off x="5149773" y="2586312"/>
+            <a:ext cx="791994" cy="338554"/>
+          </a:xfrm>
+          <a:prstGeom prst="rect">
+            <a:avLst/>
+          </a:prstGeom>
+          <a:noFill/>
+        </p:spPr>
+        <p:txBody>
+          <a:bodyPr wrap="square" rtlCol="0">
+            <a:spAutoFit/>
+          </a:bodyPr>
+          <a:lstStyle/>
+          <a:p>
+            <a:pPr algn="ctr"/>
+            <a:r>
+              <a:rPr lang="en-US" sz="1600" b="1" i="1" dirty="0" smtClean="0">
+                <a:latin typeface="Charter Roman"/>
+                <a:cs typeface="Charter Roman"/>
+              </a:rPr>
+              <a:t>Sem</a:t>
+            </a:r>
+            <a:r>
+              <a:rPr lang="en-US" sz="1600" b="1" dirty="0" smtClean="0">
+                <a:latin typeface="Charter Roman"/>
+                <a:cs typeface="Charter Roman"/>
+              </a:rPr>
+              <a:t> A</a:t>
+            </a:r>
+            <a:endParaRPr lang="en-US" sz="1600" b="1" dirty="0">
+              <a:latin typeface="Charter Roman"/>
+              <a:cs typeface="Charter Roman"/>
+            </a:endParaRPr>
+          </a:p>
+        </p:txBody>
+      </p:sp>
+    </p:spTree>
+    <p:extLst>
+      <p:ext uri="{BB962C8B-B14F-4D97-AF65-F5344CB8AC3E}">
+        <p14:creationId xmlns:p14="http://schemas.microsoft.com/office/powerpoint/2010/main" val="4146462871"/>
       </p:ext>
     </p:extLst>
   </p:cSld>

--- a/papers/2016-ICSR-PuzzleMetrics/images/domains.pptx
+++ b/papers/2016-ICSR-PuzzleMetrics/images/domains.pptx
@@ -5,12 +5,14 @@
     <p:sldMasterId id="2147483648" r:id="rId1"/>
   </p:sldMasterIdLst>
   <p:notesMasterIdLst>
-    <p:notesMasterId r:id="rId5"/>
+    <p:notesMasterId r:id="rId7"/>
   </p:notesMasterIdLst>
   <p:sldIdLst>
     <p:sldId id="258" r:id="rId2"/>
     <p:sldId id="259" r:id="rId3"/>
     <p:sldId id="260" r:id="rId4"/>
+    <p:sldId id="261" r:id="rId5"/>
+    <p:sldId id="262" r:id="rId6"/>
   </p:sldIdLst>
   <p:sldSz cx="9144000" cy="6858000" type="screen4x3"/>
   <p:notesSz cx="6858000" cy="9144000"/>
@@ -194,7 +196,7 @@
           <a:p>
             <a:fld id="{24AFE135-3210-A348-91D1-71A1B4E41AE3}" type="datetimeFigureOut">
               <a:rPr lang="fr-FR" smtClean="0"/>
-              <a:t>28/10/2015</a:t>
+              <a:t>29/10/2015</a:t>
             </a:fld>
             <a:endParaRPr lang="fr-FR"/>
           </a:p>
@@ -714,6 +716,174 @@
 </p:notes>
 </file>
 
+<file path=ppt/notesSlides/notesSlide4.xml><?xml version="1.0" encoding="utf-8"?>
+<p:notes xmlns:a="http://schemas.openxmlformats.org/drawingml/2006/main" xmlns:r="http://schemas.openxmlformats.org/officeDocument/2006/relationships" xmlns:p="http://schemas.openxmlformats.org/presentationml/2006/main">
+  <p:cSld>
+    <p:spTree>
+      <p:nvGrpSpPr>
+        <p:cNvPr id="1" name=""/>
+        <p:cNvGrpSpPr/>
+        <p:nvPr/>
+      </p:nvGrpSpPr>
+      <p:grpSpPr>
+        <a:xfrm>
+          <a:off x="0" y="0"/>
+          <a:ext cx="0" cy="0"/>
+          <a:chOff x="0" y="0"/>
+          <a:chExt cx="0" cy="0"/>
+        </a:xfrm>
+      </p:grpSpPr>
+      <p:sp>
+        <p:nvSpPr>
+          <p:cNvPr id="2" name="Espace réservé de l'image des diapositives 1"/>
+          <p:cNvSpPr>
+            <a:spLocks noGrp="1" noRot="1" noChangeAspect="1"/>
+          </p:cNvSpPr>
+          <p:nvPr>
+            <p:ph type="sldImg"/>
+          </p:nvPr>
+        </p:nvSpPr>
+        <p:spPr/>
+      </p:sp>
+      <p:sp>
+        <p:nvSpPr>
+          <p:cNvPr id="3" name="Espace réservé des commentaires 2"/>
+          <p:cNvSpPr>
+            <a:spLocks noGrp="1"/>
+          </p:cNvSpPr>
+          <p:nvPr>
+            <p:ph type="body" idx="1"/>
+          </p:nvPr>
+        </p:nvSpPr>
+        <p:spPr/>
+        <p:txBody>
+          <a:bodyPr/>
+          <a:lstStyle/>
+          <a:p>
+            <a:endParaRPr lang="fr-FR" dirty="0"/>
+          </a:p>
+        </p:txBody>
+      </p:sp>
+      <p:sp>
+        <p:nvSpPr>
+          <p:cNvPr id="4" name="Espace réservé du numéro de diapositive 3"/>
+          <p:cNvSpPr>
+            <a:spLocks noGrp="1"/>
+          </p:cNvSpPr>
+          <p:nvPr>
+            <p:ph type="sldNum" sz="quarter" idx="10"/>
+          </p:nvPr>
+        </p:nvSpPr>
+        <p:spPr/>
+        <p:txBody>
+          <a:bodyPr/>
+          <a:lstStyle/>
+          <a:p>
+            <a:fld id="{A0BF33A6-8EC3-874C-9FB7-185CD50672F7}" type="slidenum">
+              <a:rPr lang="fr-FR" smtClean="0"/>
+              <a:t>4</a:t>
+            </a:fld>
+            <a:endParaRPr lang="fr-FR"/>
+          </a:p>
+        </p:txBody>
+      </p:sp>
+    </p:spTree>
+    <p:extLst>
+      <p:ext uri="{BB962C8B-B14F-4D97-AF65-F5344CB8AC3E}">
+        <p14:creationId xmlns:p14="http://schemas.microsoft.com/office/powerpoint/2010/main" val="4022114883"/>
+      </p:ext>
+    </p:extLst>
+  </p:cSld>
+  <p:clrMapOvr>
+    <a:masterClrMapping/>
+  </p:clrMapOvr>
+</p:notes>
+</file>
+
+<file path=ppt/notesSlides/notesSlide5.xml><?xml version="1.0" encoding="utf-8"?>
+<p:notes xmlns:a="http://schemas.openxmlformats.org/drawingml/2006/main" xmlns:r="http://schemas.openxmlformats.org/officeDocument/2006/relationships" xmlns:p="http://schemas.openxmlformats.org/presentationml/2006/main">
+  <p:cSld>
+    <p:spTree>
+      <p:nvGrpSpPr>
+        <p:cNvPr id="1" name=""/>
+        <p:cNvGrpSpPr/>
+        <p:nvPr/>
+      </p:nvGrpSpPr>
+      <p:grpSpPr>
+        <a:xfrm>
+          <a:off x="0" y="0"/>
+          <a:ext cx="0" cy="0"/>
+          <a:chOff x="0" y="0"/>
+          <a:chExt cx="0" cy="0"/>
+        </a:xfrm>
+      </p:grpSpPr>
+      <p:sp>
+        <p:nvSpPr>
+          <p:cNvPr id="2" name="Espace réservé de l'image des diapositives 1"/>
+          <p:cNvSpPr>
+            <a:spLocks noGrp="1" noRot="1" noChangeAspect="1"/>
+          </p:cNvSpPr>
+          <p:nvPr>
+            <p:ph type="sldImg"/>
+          </p:nvPr>
+        </p:nvSpPr>
+        <p:spPr/>
+      </p:sp>
+      <p:sp>
+        <p:nvSpPr>
+          <p:cNvPr id="3" name="Espace réservé des commentaires 2"/>
+          <p:cNvSpPr>
+            <a:spLocks noGrp="1"/>
+          </p:cNvSpPr>
+          <p:nvPr>
+            <p:ph type="body" idx="1"/>
+          </p:nvPr>
+        </p:nvSpPr>
+        <p:spPr/>
+        <p:txBody>
+          <a:bodyPr/>
+          <a:lstStyle/>
+          <a:p>
+            <a:endParaRPr lang="fr-FR" dirty="0"/>
+          </a:p>
+        </p:txBody>
+      </p:sp>
+      <p:sp>
+        <p:nvSpPr>
+          <p:cNvPr id="4" name="Espace réservé du numéro de diapositive 3"/>
+          <p:cNvSpPr>
+            <a:spLocks noGrp="1"/>
+          </p:cNvSpPr>
+          <p:nvPr>
+            <p:ph type="sldNum" sz="quarter" idx="10"/>
+          </p:nvPr>
+        </p:nvSpPr>
+        <p:spPr/>
+        <p:txBody>
+          <a:bodyPr/>
+          <a:lstStyle/>
+          <a:p>
+            <a:fld id="{A0BF33A6-8EC3-874C-9FB7-185CD50672F7}" type="slidenum">
+              <a:rPr lang="fr-FR" smtClean="0"/>
+              <a:t>5</a:t>
+            </a:fld>
+            <a:endParaRPr lang="fr-FR"/>
+          </a:p>
+        </p:txBody>
+      </p:sp>
+    </p:spTree>
+    <p:extLst>
+      <p:ext uri="{BB962C8B-B14F-4D97-AF65-F5344CB8AC3E}">
+        <p14:creationId xmlns:p14="http://schemas.microsoft.com/office/powerpoint/2010/main" val="4022114883"/>
+      </p:ext>
+    </p:extLst>
+  </p:cSld>
+  <p:clrMapOvr>
+    <a:masterClrMapping/>
+  </p:clrMapOvr>
+</p:notes>
+</file>
+
 <file path=ppt/slideLayouts/slideLayout1.xml><?xml version="1.0" encoding="utf-8"?>
 <p:sldLayout xmlns:a="http://schemas.openxmlformats.org/drawingml/2006/main" xmlns:r="http://schemas.openxmlformats.org/officeDocument/2006/relationships" xmlns:p="http://schemas.openxmlformats.org/presentationml/2006/main" type="title" preserve="1">
   <p:cSld name="Diapositive de titre">
@@ -895,7 +1065,7 @@
           <a:p>
             <a:fld id="{7B69463B-0436-3A47-840E-B5853DA20947}" type="datetimeFigureOut">
               <a:rPr lang="fr-FR" smtClean="0"/>
-              <a:t>28/10/2015</a:t>
+              <a:t>29/10/2015</a:t>
             </a:fld>
             <a:endParaRPr lang="fr-FR"/>
           </a:p>
@@ -1065,7 +1235,7 @@
           <a:p>
             <a:fld id="{7B69463B-0436-3A47-840E-B5853DA20947}" type="datetimeFigureOut">
               <a:rPr lang="fr-FR" smtClean="0"/>
-              <a:t>28/10/2015</a:t>
+              <a:t>29/10/2015</a:t>
             </a:fld>
             <a:endParaRPr lang="fr-FR"/>
           </a:p>
@@ -1245,7 +1415,7 @@
           <a:p>
             <a:fld id="{7B69463B-0436-3A47-840E-B5853DA20947}" type="datetimeFigureOut">
               <a:rPr lang="fr-FR" smtClean="0"/>
-              <a:t>28/10/2015</a:t>
+              <a:t>29/10/2015</a:t>
             </a:fld>
             <a:endParaRPr lang="fr-FR"/>
           </a:p>
@@ -1415,7 +1585,7 @@
           <a:p>
             <a:fld id="{7B69463B-0436-3A47-840E-B5853DA20947}" type="datetimeFigureOut">
               <a:rPr lang="fr-FR" smtClean="0"/>
-              <a:t>28/10/2015</a:t>
+              <a:t>29/10/2015</a:t>
             </a:fld>
             <a:endParaRPr lang="fr-FR"/>
           </a:p>
@@ -1661,7 +1831,7 @@
           <a:p>
             <a:fld id="{7B69463B-0436-3A47-840E-B5853DA20947}" type="datetimeFigureOut">
               <a:rPr lang="fr-FR" smtClean="0"/>
-              <a:t>28/10/2015</a:t>
+              <a:t>29/10/2015</a:t>
             </a:fld>
             <a:endParaRPr lang="fr-FR"/>
           </a:p>
@@ -1949,7 +2119,7 @@
           <a:p>
             <a:fld id="{7B69463B-0436-3A47-840E-B5853DA20947}" type="datetimeFigureOut">
               <a:rPr lang="fr-FR" smtClean="0"/>
-              <a:t>28/10/2015</a:t>
+              <a:t>29/10/2015</a:t>
             </a:fld>
             <a:endParaRPr lang="fr-FR"/>
           </a:p>
@@ -2371,7 +2541,7 @@
           <a:p>
             <a:fld id="{7B69463B-0436-3A47-840E-B5853DA20947}" type="datetimeFigureOut">
               <a:rPr lang="fr-FR" smtClean="0"/>
-              <a:t>28/10/2015</a:t>
+              <a:t>29/10/2015</a:t>
             </a:fld>
             <a:endParaRPr lang="fr-FR"/>
           </a:p>
@@ -2489,7 +2659,7 @@
           <a:p>
             <a:fld id="{7B69463B-0436-3A47-840E-B5853DA20947}" type="datetimeFigureOut">
               <a:rPr lang="fr-FR" smtClean="0"/>
-              <a:t>28/10/2015</a:t>
+              <a:t>29/10/2015</a:t>
             </a:fld>
             <a:endParaRPr lang="fr-FR"/>
           </a:p>
@@ -2584,7 +2754,7 @@
           <a:p>
             <a:fld id="{7B69463B-0436-3A47-840E-B5853DA20947}" type="datetimeFigureOut">
               <a:rPr lang="fr-FR" smtClean="0"/>
-              <a:t>28/10/2015</a:t>
+              <a:t>29/10/2015</a:t>
             </a:fld>
             <a:endParaRPr lang="fr-FR"/>
           </a:p>
@@ -2861,7 +3031,7 @@
           <a:p>
             <a:fld id="{7B69463B-0436-3A47-840E-B5853DA20947}" type="datetimeFigureOut">
               <a:rPr lang="fr-FR" smtClean="0"/>
-              <a:t>28/10/2015</a:t>
+              <a:t>29/10/2015</a:t>
             </a:fld>
             <a:endParaRPr lang="fr-FR"/>
           </a:p>
@@ -3114,7 +3284,7 @@
           <a:p>
             <a:fld id="{7B69463B-0436-3A47-840E-B5853DA20947}" type="datetimeFigureOut">
               <a:rPr lang="fr-FR" smtClean="0"/>
-              <a:t>28/10/2015</a:t>
+              <a:t>29/10/2015</a:t>
             </a:fld>
             <a:endParaRPr lang="fr-FR"/>
           </a:p>
@@ -3327,7 +3497,7 @@
           <a:p>
             <a:fld id="{7B69463B-0436-3A47-840E-B5853DA20947}" type="datetimeFigureOut">
               <a:rPr lang="fr-FR" smtClean="0"/>
-              <a:t>28/10/2015</a:t>
+              <a:t>29/10/2015</a:t>
             </a:fld>
             <a:endParaRPr lang="fr-FR"/>
           </a:p>
@@ -8553,7 +8723,7 @@
           <a:p>
             <a:pPr algn="ctr"/>
             <a:r>
-              <a:rPr lang="en-US" sz="1600" b="1" i="1" dirty="0" err="1" smtClean="0">
+              <a:rPr lang="en-US" sz="1600" b="1" i="1" dirty="0" smtClean="0">
                 <a:latin typeface="Charter Roman"/>
                 <a:cs typeface="Charter Roman"/>
               </a:rPr>
@@ -8597,7 +8767,7 @@
           <a:p>
             <a:pPr algn="ctr"/>
             <a:r>
-              <a:rPr lang="en-US" sz="1600" b="1" i="1" dirty="0" err="1" smtClean="0">
+              <a:rPr lang="en-US" sz="1600" b="1" i="1" dirty="0" smtClean="0">
                 <a:latin typeface="Charter Roman"/>
                 <a:cs typeface="Charter Roman"/>
               </a:rPr>
@@ -8641,7 +8811,7 @@
           <a:p>
             <a:pPr algn="ctr"/>
             <a:r>
-              <a:rPr lang="en-US" sz="1600" b="1" i="1" dirty="0" err="1" smtClean="0">
+              <a:rPr lang="en-US" sz="1600" b="1" i="1" dirty="0" smtClean="0">
                 <a:latin typeface="Charter Roman"/>
                 <a:cs typeface="Charter Roman"/>
               </a:rPr>
@@ -8797,6 +8967,4169 @@
     <p:extLst>
       <p:ext uri="{BB962C8B-B14F-4D97-AF65-F5344CB8AC3E}">
         <p14:creationId xmlns:p14="http://schemas.microsoft.com/office/powerpoint/2010/main" val="4146462871"/>
+      </p:ext>
+    </p:extLst>
+  </p:cSld>
+  <p:clrMapOvr>
+    <a:masterClrMapping/>
+  </p:clrMapOvr>
+</p:sld>
+</file>
+
+<file path=ppt/slides/slide4.xml><?xml version="1.0" encoding="utf-8"?>
+<p:sld xmlns:a="http://schemas.openxmlformats.org/drawingml/2006/main" xmlns:r="http://schemas.openxmlformats.org/officeDocument/2006/relationships" xmlns:p="http://schemas.openxmlformats.org/presentationml/2006/main">
+  <p:cSld>
+    <p:spTree>
+      <p:nvGrpSpPr>
+        <p:cNvPr id="1" name=""/>
+        <p:cNvGrpSpPr/>
+        <p:nvPr/>
+      </p:nvGrpSpPr>
+      <p:grpSpPr>
+        <a:xfrm>
+          <a:off x="0" y="0"/>
+          <a:ext cx="0" cy="0"/>
+          <a:chOff x="0" y="0"/>
+          <a:chExt cx="0" cy="0"/>
+        </a:xfrm>
+      </p:grpSpPr>
+      <p:sp>
+        <p:nvSpPr>
+          <p:cNvPr id="3" name="Rectangle 2"/>
+          <p:cNvSpPr/>
+          <p:nvPr/>
+        </p:nvSpPr>
+        <p:spPr>
+          <a:xfrm>
+            <a:off x="1913626" y="499199"/>
+            <a:ext cx="6598643" cy="2989849"/>
+          </a:xfrm>
+          <a:prstGeom prst="rect">
+            <a:avLst/>
+          </a:prstGeom>
+          <a:solidFill>
+            <a:schemeClr val="bg1"/>
+          </a:solidFill>
+          <a:ln w="3175" cmpd="sng">
+            <a:solidFill>
+              <a:schemeClr val="tx1">
+                <a:alpha val="90000"/>
+              </a:schemeClr>
+            </a:solidFill>
+          </a:ln>
+        </p:spPr>
+        <p:style>
+          <a:lnRef idx="1">
+            <a:schemeClr val="accent1"/>
+          </a:lnRef>
+          <a:fillRef idx="3">
+            <a:schemeClr val="accent1"/>
+          </a:fillRef>
+          <a:effectRef idx="2">
+            <a:schemeClr val="accent1"/>
+          </a:effectRef>
+          <a:fontRef idx="minor">
+            <a:schemeClr val="lt1"/>
+          </a:fontRef>
+        </p:style>
+        <p:txBody>
+          <a:bodyPr rtlCol="0" anchor="ctr"/>
+          <a:lstStyle/>
+          <a:p>
+            <a:pPr algn="ctr"/>
+            <a:endParaRPr lang="fr-FR"/>
+          </a:p>
+        </p:txBody>
+      </p:sp>
+      <p:cxnSp>
+        <p:nvCxnSpPr>
+          <p:cNvPr id="7" name="Connecteur droit avec flèche 6"/>
+          <p:cNvCxnSpPr/>
+          <p:nvPr/>
+        </p:nvCxnSpPr>
+        <p:spPr>
+          <a:xfrm flipH="1">
+            <a:off x="3068320" y="1593751"/>
+            <a:ext cx="3035245" cy="0"/>
+          </a:xfrm>
+          <a:prstGeom prst="straightConnector1">
+            <a:avLst/>
+          </a:prstGeom>
+          <a:ln w="3175" cmpd="sng">
+            <a:solidFill>
+              <a:schemeClr val="bg1">
+                <a:lumMod val="50000"/>
+                <a:alpha val="80000"/>
+              </a:schemeClr>
+            </a:solidFill>
+            <a:tailEnd type="stealth" w="lg" len="lg"/>
+          </a:ln>
+          <a:effectLst/>
+        </p:spPr>
+        <p:style>
+          <a:lnRef idx="2">
+            <a:schemeClr val="accent1"/>
+          </a:lnRef>
+          <a:fillRef idx="0">
+            <a:schemeClr val="accent1"/>
+          </a:fillRef>
+          <a:effectRef idx="1">
+            <a:schemeClr val="accent1"/>
+          </a:effectRef>
+          <a:fontRef idx="minor">
+            <a:schemeClr val="tx1"/>
+          </a:fontRef>
+        </p:style>
+      </p:cxnSp>
+      <p:sp>
+        <p:nvSpPr>
+          <p:cNvPr id="45" name="Ellipse 44"/>
+          <p:cNvSpPr/>
+          <p:nvPr/>
+        </p:nvSpPr>
+        <p:spPr>
+          <a:xfrm>
+            <a:off x="6244683" y="1865280"/>
+            <a:ext cx="1400925" cy="1390248"/>
+          </a:xfrm>
+          <a:prstGeom prst="ellipse">
+            <a:avLst/>
+          </a:prstGeom>
+          <a:solidFill>
+            <a:srgbClr val="FF0000">
+              <a:alpha val="10000"/>
+            </a:srgbClr>
+          </a:solidFill>
+          <a:ln w="3175" cmpd="sng">
+            <a:solidFill>
+              <a:srgbClr val="FF0000">
+                <a:alpha val="30000"/>
+              </a:srgbClr>
+            </a:solidFill>
+          </a:ln>
+        </p:spPr>
+        <p:style>
+          <a:lnRef idx="0">
+            <a:schemeClr val="accent2"/>
+          </a:lnRef>
+          <a:fillRef idx="3">
+            <a:schemeClr val="accent2"/>
+          </a:fillRef>
+          <a:effectRef idx="3">
+            <a:schemeClr val="accent2"/>
+          </a:effectRef>
+          <a:fontRef idx="minor">
+            <a:schemeClr val="lt1"/>
+          </a:fontRef>
+        </p:style>
+        <p:txBody>
+          <a:bodyPr rtlCol="0" anchor="ctr"/>
+          <a:lstStyle/>
+          <a:p>
+            <a:pPr algn="ctr"/>
+            <a:endParaRPr lang="fr-FR"/>
+          </a:p>
+        </p:txBody>
+      </p:sp>
+      <p:sp>
+        <p:nvSpPr>
+          <p:cNvPr id="39" name="Ellipse 38"/>
+          <p:cNvSpPr/>
+          <p:nvPr/>
+        </p:nvSpPr>
+        <p:spPr>
+          <a:xfrm>
+            <a:off x="6585102" y="1278797"/>
+            <a:ext cx="1400925" cy="1390248"/>
+          </a:xfrm>
+          <a:prstGeom prst="ellipse">
+            <a:avLst/>
+          </a:prstGeom>
+          <a:solidFill>
+            <a:srgbClr val="FFFF00">
+              <a:alpha val="30000"/>
+            </a:srgbClr>
+          </a:solidFill>
+          <a:ln>
+            <a:solidFill>
+              <a:srgbClr val="FFFF00">
+                <a:alpha val="80000"/>
+              </a:srgbClr>
+            </a:solidFill>
+          </a:ln>
+        </p:spPr>
+        <p:style>
+          <a:lnRef idx="0">
+            <a:schemeClr val="accent6"/>
+          </a:lnRef>
+          <a:fillRef idx="3">
+            <a:schemeClr val="accent6"/>
+          </a:fillRef>
+          <a:effectRef idx="3">
+            <a:schemeClr val="accent6"/>
+          </a:effectRef>
+          <a:fontRef idx="minor">
+            <a:schemeClr val="lt1"/>
+          </a:fontRef>
+        </p:style>
+        <p:txBody>
+          <a:bodyPr rtlCol="0" anchor="ctr"/>
+          <a:lstStyle/>
+          <a:p>
+            <a:pPr algn="ctr"/>
+            <a:endParaRPr lang="fr-FR"/>
+          </a:p>
+        </p:txBody>
+      </p:sp>
+      <p:sp>
+        <p:nvSpPr>
+          <p:cNvPr id="44" name="Ellipse 43"/>
+          <p:cNvSpPr/>
+          <p:nvPr/>
+        </p:nvSpPr>
+        <p:spPr>
+          <a:xfrm>
+            <a:off x="5854503" y="1271438"/>
+            <a:ext cx="1392059" cy="1366242"/>
+          </a:xfrm>
+          <a:prstGeom prst="ellipse">
+            <a:avLst/>
+          </a:prstGeom>
+          <a:solidFill>
+            <a:srgbClr val="008000">
+              <a:alpha val="15000"/>
+            </a:srgbClr>
+          </a:solidFill>
+          <a:ln w="3175" cmpd="sng">
+            <a:solidFill>
+              <a:srgbClr val="008000">
+                <a:alpha val="40000"/>
+              </a:srgbClr>
+            </a:solidFill>
+          </a:ln>
+        </p:spPr>
+        <p:style>
+          <a:lnRef idx="0">
+            <a:schemeClr val="accent1"/>
+          </a:lnRef>
+          <a:fillRef idx="3">
+            <a:schemeClr val="accent1"/>
+          </a:fillRef>
+          <a:effectRef idx="3">
+            <a:schemeClr val="accent1"/>
+          </a:effectRef>
+          <a:fontRef idx="minor">
+            <a:schemeClr val="lt1"/>
+          </a:fontRef>
+        </p:style>
+        <p:txBody>
+          <a:bodyPr rtlCol="0" anchor="ctr"/>
+          <a:lstStyle/>
+          <a:p>
+            <a:pPr algn="ctr"/>
+            <a:endParaRPr lang="fr-FR"/>
+          </a:p>
+        </p:txBody>
+      </p:sp>
+      <p:sp>
+        <p:nvSpPr>
+          <p:cNvPr id="8" name="ZoneTexte 7"/>
+          <p:cNvSpPr txBox="1"/>
+          <p:nvPr/>
+        </p:nvSpPr>
+        <p:spPr>
+          <a:xfrm>
+            <a:off x="2429902" y="553404"/>
+            <a:ext cx="2124814" cy="307777"/>
+          </a:xfrm>
+          <a:prstGeom prst="rect">
+            <a:avLst/>
+          </a:prstGeom>
+          <a:noFill/>
+        </p:spPr>
+        <p:txBody>
+          <a:bodyPr wrap="square" rtlCol="0">
+            <a:spAutoFit/>
+          </a:bodyPr>
+          <a:lstStyle/>
+          <a:p>
+            <a:pPr algn="ctr"/>
+            <a:r>
+              <a:rPr lang="en-US" sz="1400" dirty="0" smtClean="0">
+                <a:latin typeface="Seravek ExtraLight"/>
+                <a:cs typeface="Seravek ExtraLight"/>
+              </a:rPr>
+              <a:t>Syntactic </a:t>
+            </a:r>
+            <a:r>
+              <a:rPr lang="en-US" sz="1400" dirty="0" smtClean="0">
+                <a:latin typeface="Seravek ExtraLight"/>
+                <a:cs typeface="Seravek ExtraLight"/>
+              </a:rPr>
+              <a:t>commonalities</a:t>
+            </a:r>
+            <a:endParaRPr lang="en-US" sz="1400" dirty="0">
+              <a:latin typeface="Seravek ExtraLight"/>
+              <a:cs typeface="Seravek ExtraLight"/>
+            </a:endParaRPr>
+          </a:p>
+        </p:txBody>
+      </p:sp>
+      <p:sp>
+        <p:nvSpPr>
+          <p:cNvPr id="14" name="Ellipse 13"/>
+          <p:cNvSpPr/>
+          <p:nvPr/>
+        </p:nvSpPr>
+        <p:spPr>
+          <a:xfrm>
+            <a:off x="3153790" y="1289196"/>
+            <a:ext cx="1400925" cy="1390248"/>
+          </a:xfrm>
+          <a:prstGeom prst="ellipse">
+            <a:avLst/>
+          </a:prstGeom>
+          <a:solidFill>
+            <a:srgbClr val="FFFF00">
+              <a:alpha val="30000"/>
+            </a:srgbClr>
+          </a:solidFill>
+          <a:ln>
+            <a:solidFill>
+              <a:srgbClr val="FFFF00">
+                <a:alpha val="80000"/>
+              </a:srgbClr>
+            </a:solidFill>
+          </a:ln>
+        </p:spPr>
+        <p:style>
+          <a:lnRef idx="0">
+            <a:schemeClr val="accent6"/>
+          </a:lnRef>
+          <a:fillRef idx="3">
+            <a:schemeClr val="accent6"/>
+          </a:fillRef>
+          <a:effectRef idx="3">
+            <a:schemeClr val="accent6"/>
+          </a:effectRef>
+          <a:fontRef idx="minor">
+            <a:schemeClr val="lt1"/>
+          </a:fontRef>
+        </p:style>
+        <p:txBody>
+          <a:bodyPr rtlCol="0" anchor="ctr"/>
+          <a:lstStyle/>
+          <a:p>
+            <a:pPr algn="ctr"/>
+            <a:endParaRPr lang="fr-FR"/>
+          </a:p>
+        </p:txBody>
+      </p:sp>
+      <p:sp>
+        <p:nvSpPr>
+          <p:cNvPr id="13" name="Ellipse 12"/>
+          <p:cNvSpPr/>
+          <p:nvPr/>
+        </p:nvSpPr>
+        <p:spPr>
+          <a:xfrm>
+            <a:off x="2429902" y="1289196"/>
+            <a:ext cx="1392059" cy="1366242"/>
+          </a:xfrm>
+          <a:prstGeom prst="ellipse">
+            <a:avLst/>
+          </a:prstGeom>
+          <a:solidFill>
+            <a:srgbClr val="008000">
+              <a:alpha val="15000"/>
+            </a:srgbClr>
+          </a:solidFill>
+          <a:ln w="3175" cmpd="sng">
+            <a:solidFill>
+              <a:srgbClr val="008000">
+                <a:alpha val="40000"/>
+              </a:srgbClr>
+            </a:solidFill>
+          </a:ln>
+        </p:spPr>
+        <p:style>
+          <a:lnRef idx="0">
+            <a:schemeClr val="accent1"/>
+          </a:lnRef>
+          <a:fillRef idx="3">
+            <a:schemeClr val="accent1"/>
+          </a:fillRef>
+          <a:effectRef idx="3">
+            <a:schemeClr val="accent1"/>
+          </a:effectRef>
+          <a:fontRef idx="minor">
+            <a:schemeClr val="lt1"/>
+          </a:fontRef>
+        </p:style>
+        <p:txBody>
+          <a:bodyPr rtlCol="0" anchor="ctr"/>
+          <a:lstStyle/>
+          <a:p>
+            <a:pPr algn="ctr"/>
+            <a:endParaRPr lang="fr-FR"/>
+          </a:p>
+        </p:txBody>
+      </p:sp>
+      <p:sp>
+        <p:nvSpPr>
+          <p:cNvPr id="31" name="Ellipse 30"/>
+          <p:cNvSpPr/>
+          <p:nvPr/>
+        </p:nvSpPr>
+        <p:spPr>
+          <a:xfrm>
+            <a:off x="2744962" y="1865280"/>
+            <a:ext cx="1400925" cy="1390248"/>
+          </a:xfrm>
+          <a:prstGeom prst="ellipse">
+            <a:avLst/>
+          </a:prstGeom>
+          <a:solidFill>
+            <a:srgbClr val="FF0000">
+              <a:alpha val="10000"/>
+            </a:srgbClr>
+          </a:solidFill>
+          <a:ln w="3175" cmpd="sng">
+            <a:solidFill>
+              <a:srgbClr val="FF0000">
+                <a:alpha val="30000"/>
+              </a:srgbClr>
+            </a:solidFill>
+          </a:ln>
+        </p:spPr>
+        <p:style>
+          <a:lnRef idx="0">
+            <a:schemeClr val="accent2"/>
+          </a:lnRef>
+          <a:fillRef idx="3">
+            <a:schemeClr val="accent2"/>
+          </a:fillRef>
+          <a:effectRef idx="3">
+            <a:schemeClr val="accent2"/>
+          </a:effectRef>
+          <a:fontRef idx="minor">
+            <a:schemeClr val="lt1"/>
+          </a:fontRef>
+        </p:style>
+        <p:txBody>
+          <a:bodyPr rtlCol="0" anchor="ctr"/>
+          <a:lstStyle/>
+          <a:p>
+            <a:pPr algn="ctr"/>
+            <a:endParaRPr lang="fr-FR"/>
+          </a:p>
+        </p:txBody>
+      </p:sp>
+      <p:sp>
+        <p:nvSpPr>
+          <p:cNvPr id="2" name="ZoneTexte 1"/>
+          <p:cNvSpPr txBox="1"/>
+          <p:nvPr/>
+        </p:nvSpPr>
+        <p:spPr>
+          <a:xfrm>
+            <a:off x="2565844" y="1431721"/>
+            <a:ext cx="760657" cy="292388"/>
+          </a:xfrm>
+          <a:prstGeom prst="rect">
+            <a:avLst/>
+          </a:prstGeom>
+          <a:noFill/>
+        </p:spPr>
+        <p:txBody>
+          <a:bodyPr wrap="square" rtlCol="0">
+            <a:spAutoFit/>
+          </a:bodyPr>
+          <a:lstStyle/>
+          <a:p>
+            <a:r>
+              <a:rPr lang="fr-FR" sz="1300" b="1" dirty="0" smtClean="0">
+                <a:latin typeface="Andale Mono"/>
+                <a:cs typeface="Andale Mono"/>
+              </a:rPr>
+              <a:t>MC</a:t>
+            </a:r>
+            <a:r>
+              <a:rPr lang="fr-FR" sz="500" b="1" dirty="0" smtClean="0">
+                <a:latin typeface="Andale Mono"/>
+                <a:cs typeface="Andale Mono"/>
+              </a:rPr>
+              <a:t> </a:t>
+            </a:r>
+            <a:r>
+              <a:rPr lang="fr-FR" sz="1500" b="1" baseline="-25000" dirty="0" smtClean="0">
+                <a:latin typeface="Andale Mono"/>
+                <a:cs typeface="Andale Mono"/>
+              </a:rPr>
+              <a:t>X</a:t>
+            </a:r>
+            <a:r>
+              <a:rPr lang="fr-FR" sz="500" b="1" dirty="0" smtClean="0">
+                <a:latin typeface="Andale Mono"/>
+                <a:cs typeface="Andale Mono"/>
+              </a:rPr>
+              <a:t> </a:t>
+            </a:r>
+            <a:r>
+              <a:rPr lang="fr-FR" sz="1100" dirty="0" smtClean="0">
+                <a:latin typeface="Wingdings" charset="2"/>
+                <a:cs typeface="Wingdings" charset="2"/>
+              </a:rPr>
+              <a:t>w</a:t>
+            </a:r>
+            <a:endParaRPr lang="fr-FR" sz="1100" b="1" baseline="-25000" dirty="0">
+              <a:latin typeface="Andale Mono"/>
+              <a:cs typeface="Andale Mono"/>
+            </a:endParaRPr>
+          </a:p>
+        </p:txBody>
+      </p:sp>
+      <p:sp>
+        <p:nvSpPr>
+          <p:cNvPr id="12" name="ZoneTexte 11"/>
+          <p:cNvSpPr txBox="1"/>
+          <p:nvPr/>
+        </p:nvSpPr>
+        <p:spPr>
+          <a:xfrm>
+            <a:off x="2426534" y="1710192"/>
+            <a:ext cx="760657" cy="292388"/>
+          </a:xfrm>
+          <a:prstGeom prst="rect">
+            <a:avLst/>
+          </a:prstGeom>
+          <a:noFill/>
+        </p:spPr>
+        <p:txBody>
+          <a:bodyPr wrap="square" rtlCol="0">
+            <a:spAutoFit/>
+          </a:bodyPr>
+          <a:lstStyle/>
+          <a:p>
+            <a:r>
+              <a:rPr lang="fr-FR" sz="1300" b="1" dirty="0" smtClean="0">
+                <a:latin typeface="Andale Mono"/>
+                <a:cs typeface="Andale Mono"/>
+              </a:rPr>
+              <a:t>MC</a:t>
+            </a:r>
+            <a:r>
+              <a:rPr lang="fr-FR" sz="500" b="1" dirty="0" smtClean="0">
+                <a:latin typeface="Andale Mono"/>
+                <a:cs typeface="Andale Mono"/>
+              </a:rPr>
+              <a:t> </a:t>
+            </a:r>
+            <a:r>
+              <a:rPr lang="fr-FR" sz="1500" b="1" baseline="-25000" dirty="0" smtClean="0">
+                <a:latin typeface="Andale Mono"/>
+                <a:cs typeface="Andale Mono"/>
+              </a:rPr>
+              <a:t>O</a:t>
+            </a:r>
+            <a:r>
+              <a:rPr lang="fr-FR" sz="1100" b="1" baseline="-25000" dirty="0" smtClean="0">
+                <a:latin typeface="Andale Mono"/>
+                <a:cs typeface="Andale Mono"/>
+              </a:rPr>
+              <a:t> </a:t>
+            </a:r>
+            <a:r>
+              <a:rPr lang="fr-FR" sz="1100" dirty="0">
+                <a:latin typeface="Wingdings" charset="2"/>
+                <a:cs typeface="Wingdings" charset="2"/>
+              </a:rPr>
+              <a:t>w</a:t>
+            </a:r>
+            <a:endParaRPr lang="fr-FR" sz="1100" b="1" baseline="-25000" dirty="0">
+              <a:latin typeface="Andale Mono"/>
+              <a:cs typeface="Andale Mono"/>
+            </a:endParaRPr>
+          </a:p>
+        </p:txBody>
+      </p:sp>
+      <p:sp>
+        <p:nvSpPr>
+          <p:cNvPr id="15" name="ZoneTexte 14"/>
+          <p:cNvSpPr txBox="1"/>
+          <p:nvPr/>
+        </p:nvSpPr>
+        <p:spPr>
+          <a:xfrm>
+            <a:off x="3872406" y="1574683"/>
+            <a:ext cx="760657" cy="292388"/>
+          </a:xfrm>
+          <a:prstGeom prst="rect">
+            <a:avLst/>
+          </a:prstGeom>
+          <a:noFill/>
+        </p:spPr>
+        <p:txBody>
+          <a:bodyPr wrap="square" rtlCol="0">
+            <a:spAutoFit/>
+          </a:bodyPr>
+          <a:lstStyle/>
+          <a:p>
+            <a:r>
+              <a:rPr lang="fr-FR" sz="1300" b="1" dirty="0" smtClean="0">
+                <a:latin typeface="Andale Mono"/>
+                <a:cs typeface="Andale Mono"/>
+              </a:rPr>
+              <a:t>MC</a:t>
+            </a:r>
+            <a:r>
+              <a:rPr lang="fr-FR" sz="500" b="1" dirty="0" smtClean="0">
+                <a:latin typeface="Andale Mono"/>
+                <a:cs typeface="Andale Mono"/>
+              </a:rPr>
+              <a:t> </a:t>
+            </a:r>
+            <a:r>
+              <a:rPr lang="fr-FR" sz="1500" b="1" baseline="-25000" dirty="0" smtClean="0">
+                <a:latin typeface="Andale Mono"/>
+                <a:cs typeface="Andale Mono"/>
+              </a:rPr>
+              <a:t>Y</a:t>
+            </a:r>
+            <a:r>
+              <a:rPr lang="fr-FR" sz="1100" b="1" baseline="-25000" dirty="0" smtClean="0">
+                <a:latin typeface="Andale Mono"/>
+                <a:cs typeface="Andale Mono"/>
+              </a:rPr>
+              <a:t> </a:t>
+            </a:r>
+            <a:r>
+              <a:rPr lang="fr-FR" sz="1100" dirty="0">
+                <a:latin typeface="Wingdings" charset="2"/>
+                <a:cs typeface="Wingdings" charset="2"/>
+              </a:rPr>
+              <a:t>w</a:t>
+            </a:r>
+            <a:endParaRPr lang="fr-FR" sz="1100" b="1" baseline="-25000" dirty="0">
+              <a:latin typeface="Andale Mono"/>
+              <a:cs typeface="Andale Mono"/>
+            </a:endParaRPr>
+          </a:p>
+        </p:txBody>
+      </p:sp>
+      <p:sp>
+        <p:nvSpPr>
+          <p:cNvPr id="16" name="ZoneTexte 15"/>
+          <p:cNvSpPr txBox="1"/>
+          <p:nvPr/>
+        </p:nvSpPr>
+        <p:spPr>
+          <a:xfrm>
+            <a:off x="3152968" y="1961277"/>
+            <a:ext cx="760657" cy="292388"/>
+          </a:xfrm>
+          <a:prstGeom prst="rect">
+            <a:avLst/>
+          </a:prstGeom>
+          <a:noFill/>
+        </p:spPr>
+        <p:txBody>
+          <a:bodyPr wrap="square" rtlCol="0">
+            <a:spAutoFit/>
+          </a:bodyPr>
+          <a:lstStyle/>
+          <a:p>
+            <a:r>
+              <a:rPr lang="fr-FR" sz="1300" b="1" dirty="0" smtClean="0">
+                <a:latin typeface="Andale Mono"/>
+                <a:cs typeface="Andale Mono"/>
+              </a:rPr>
+              <a:t>MC</a:t>
+            </a:r>
+            <a:r>
+              <a:rPr lang="fr-FR" sz="500" b="1" dirty="0" smtClean="0">
+                <a:latin typeface="Andale Mono"/>
+                <a:cs typeface="Andale Mono"/>
+              </a:rPr>
+              <a:t> </a:t>
+            </a:r>
+            <a:r>
+              <a:rPr lang="fr-FR" sz="1500" b="1" baseline="-25000" dirty="0" smtClean="0">
+                <a:latin typeface="Andale Mono"/>
+                <a:cs typeface="Andale Mono"/>
+              </a:rPr>
+              <a:t>Q</a:t>
+            </a:r>
+            <a:r>
+              <a:rPr lang="fr-FR" sz="1100" b="1" baseline="-25000" dirty="0" smtClean="0">
+                <a:latin typeface="Andale Mono"/>
+                <a:cs typeface="Andale Mono"/>
+              </a:rPr>
+              <a:t> </a:t>
+            </a:r>
+            <a:r>
+              <a:rPr lang="fr-FR" sz="1100" dirty="0" smtClean="0">
+                <a:latin typeface="Wingdings" charset="2"/>
+                <a:cs typeface="Wingdings" charset="2"/>
+              </a:rPr>
+              <a:t>w</a:t>
+            </a:r>
+            <a:endParaRPr lang="fr-FR" sz="1100" b="1" baseline="-25000" dirty="0">
+              <a:latin typeface="Andale Mono"/>
+              <a:cs typeface="Andale Mono"/>
+            </a:endParaRPr>
+          </a:p>
+        </p:txBody>
+      </p:sp>
+      <p:sp>
+        <p:nvSpPr>
+          <p:cNvPr id="17" name="ZoneTexte 16"/>
+          <p:cNvSpPr txBox="1"/>
+          <p:nvPr/>
+        </p:nvSpPr>
+        <p:spPr>
+          <a:xfrm>
+            <a:off x="2724586" y="2294557"/>
+            <a:ext cx="760657" cy="292388"/>
+          </a:xfrm>
+          <a:prstGeom prst="rect">
+            <a:avLst/>
+          </a:prstGeom>
+          <a:noFill/>
+        </p:spPr>
+        <p:txBody>
+          <a:bodyPr wrap="square" rtlCol="0">
+            <a:spAutoFit/>
+          </a:bodyPr>
+          <a:lstStyle/>
+          <a:p>
+            <a:r>
+              <a:rPr lang="fr-FR" sz="1300" b="1" dirty="0" smtClean="0">
+                <a:latin typeface="Andale Mono"/>
+                <a:cs typeface="Andale Mono"/>
+              </a:rPr>
+              <a:t>MC</a:t>
+            </a:r>
+            <a:r>
+              <a:rPr lang="fr-FR" sz="500" b="1" dirty="0" smtClean="0">
+                <a:latin typeface="Andale Mono"/>
+                <a:cs typeface="Andale Mono"/>
+              </a:rPr>
+              <a:t> </a:t>
+            </a:r>
+            <a:r>
+              <a:rPr lang="fr-FR" sz="1500" b="1" baseline="-25000" dirty="0" smtClean="0">
+                <a:latin typeface="Andale Mono"/>
+                <a:cs typeface="Andale Mono"/>
+              </a:rPr>
+              <a:t>Z </a:t>
+            </a:r>
+            <a:r>
+              <a:rPr lang="fr-FR" sz="1100" dirty="0" smtClean="0">
+                <a:latin typeface="Wingdings" charset="2"/>
+                <a:cs typeface="Wingdings" charset="2"/>
+              </a:rPr>
+              <a:t>w</a:t>
+            </a:r>
+            <a:endParaRPr lang="fr-FR" sz="1100" b="1" baseline="-25000" dirty="0">
+              <a:latin typeface="Andale Mono"/>
+              <a:cs typeface="Andale Mono"/>
+            </a:endParaRPr>
+          </a:p>
+        </p:txBody>
+      </p:sp>
+      <p:sp>
+        <p:nvSpPr>
+          <p:cNvPr id="18" name="ZoneTexte 17"/>
+          <p:cNvSpPr txBox="1"/>
+          <p:nvPr/>
+        </p:nvSpPr>
+        <p:spPr>
+          <a:xfrm>
+            <a:off x="3195446" y="2928168"/>
+            <a:ext cx="760657" cy="292388"/>
+          </a:xfrm>
+          <a:prstGeom prst="rect">
+            <a:avLst/>
+          </a:prstGeom>
+          <a:noFill/>
+        </p:spPr>
+        <p:txBody>
+          <a:bodyPr wrap="square" rtlCol="0">
+            <a:spAutoFit/>
+          </a:bodyPr>
+          <a:lstStyle/>
+          <a:p>
+            <a:r>
+              <a:rPr lang="fr-FR" sz="1300" b="1" dirty="0" smtClean="0">
+                <a:latin typeface="Andale Mono"/>
+                <a:cs typeface="Andale Mono"/>
+              </a:rPr>
+              <a:t>MC</a:t>
+            </a:r>
+            <a:r>
+              <a:rPr lang="fr-FR" sz="500" b="1" dirty="0" smtClean="0">
+                <a:latin typeface="Andale Mono"/>
+                <a:cs typeface="Andale Mono"/>
+              </a:rPr>
+              <a:t> </a:t>
+            </a:r>
+            <a:r>
+              <a:rPr lang="fr-FR" sz="1500" b="1" baseline="-25000" dirty="0" smtClean="0">
+                <a:latin typeface="Andale Mono"/>
+                <a:cs typeface="Andale Mono"/>
+              </a:rPr>
+              <a:t>R</a:t>
+            </a:r>
+            <a:r>
+              <a:rPr lang="fr-FR" sz="1100" b="1" baseline="-25000" dirty="0" smtClean="0">
+                <a:latin typeface="Andale Mono"/>
+                <a:cs typeface="Andale Mono"/>
+              </a:rPr>
+              <a:t> </a:t>
+            </a:r>
+            <a:r>
+              <a:rPr lang="fr-FR" sz="1100" dirty="0">
+                <a:latin typeface="Wingdings" charset="2"/>
+                <a:cs typeface="Wingdings" charset="2"/>
+              </a:rPr>
+              <a:t>w</a:t>
+            </a:r>
+            <a:endParaRPr lang="fr-FR" sz="1100" b="1" baseline="-25000" dirty="0">
+              <a:latin typeface="Andale Mono"/>
+              <a:cs typeface="Andale Mono"/>
+            </a:endParaRPr>
+          </a:p>
+        </p:txBody>
+      </p:sp>
+      <p:sp>
+        <p:nvSpPr>
+          <p:cNvPr id="22" name="ZoneTexte 21"/>
+          <p:cNvSpPr txBox="1"/>
+          <p:nvPr/>
+        </p:nvSpPr>
+        <p:spPr>
+          <a:xfrm>
+            <a:off x="6009781" y="1429407"/>
+            <a:ext cx="760657" cy="292388"/>
+          </a:xfrm>
+          <a:prstGeom prst="rect">
+            <a:avLst/>
+          </a:prstGeom>
+          <a:noFill/>
+        </p:spPr>
+        <p:txBody>
+          <a:bodyPr wrap="square" rtlCol="0">
+            <a:spAutoFit/>
+          </a:bodyPr>
+          <a:lstStyle/>
+          <a:p>
+            <a:r>
+              <a:rPr lang="fr-FR" sz="1100" dirty="0">
+                <a:latin typeface="Wingdings" charset="2"/>
+                <a:cs typeface="Wingdings" charset="2"/>
+              </a:rPr>
+              <a:t>w</a:t>
+            </a:r>
+            <a:r>
+              <a:rPr lang="fr-FR" sz="300" dirty="0" smtClean="0">
+                <a:latin typeface="Wingdings" charset="2"/>
+                <a:cs typeface="Wingdings" charset="2"/>
+              </a:rPr>
+              <a:t> </a:t>
+            </a:r>
+            <a:r>
+              <a:rPr lang="fr-FR" sz="1300" b="1" dirty="0" smtClean="0">
+                <a:latin typeface="Andale Mono"/>
+                <a:cs typeface="Andale Mono"/>
+              </a:rPr>
+              <a:t>DSA</a:t>
+            </a:r>
+            <a:r>
+              <a:rPr lang="fr-FR" sz="500" b="1" dirty="0" smtClean="0">
+                <a:latin typeface="Andale Mono"/>
+                <a:cs typeface="Andale Mono"/>
+              </a:rPr>
+              <a:t> </a:t>
+            </a:r>
+            <a:r>
+              <a:rPr lang="fr-FR" sz="1500" b="1" baseline="-25000" dirty="0" smtClean="0">
+                <a:latin typeface="Andale Mono"/>
+                <a:cs typeface="Andale Mono"/>
+              </a:rPr>
+              <a:t>1</a:t>
+            </a:r>
+            <a:endParaRPr lang="fr-FR" sz="1500" b="1" baseline="-25000" dirty="0">
+              <a:latin typeface="Andale Mono"/>
+              <a:cs typeface="Andale Mono"/>
+            </a:endParaRPr>
+          </a:p>
+        </p:txBody>
+      </p:sp>
+      <p:sp>
+        <p:nvSpPr>
+          <p:cNvPr id="29" name="ZoneTexte 28"/>
+          <p:cNvSpPr txBox="1"/>
+          <p:nvPr/>
+        </p:nvSpPr>
+        <p:spPr>
+          <a:xfrm>
+            <a:off x="5854925" y="1714082"/>
+            <a:ext cx="760657" cy="292388"/>
+          </a:xfrm>
+          <a:prstGeom prst="rect">
+            <a:avLst/>
+          </a:prstGeom>
+          <a:noFill/>
+        </p:spPr>
+        <p:txBody>
+          <a:bodyPr wrap="square" rtlCol="0">
+            <a:spAutoFit/>
+          </a:bodyPr>
+          <a:lstStyle/>
+          <a:p>
+            <a:r>
+              <a:rPr lang="fr-FR" sz="1100" dirty="0">
+                <a:latin typeface="Wingdings" charset="2"/>
+                <a:cs typeface="Wingdings" charset="2"/>
+              </a:rPr>
+              <a:t>w</a:t>
+            </a:r>
+            <a:r>
+              <a:rPr lang="fr-FR" sz="300" dirty="0" smtClean="0">
+                <a:latin typeface="Wingdings" charset="2"/>
+                <a:cs typeface="Wingdings" charset="2"/>
+              </a:rPr>
+              <a:t> </a:t>
+            </a:r>
+            <a:r>
+              <a:rPr lang="fr-FR" sz="1300" b="1" dirty="0" smtClean="0">
+                <a:latin typeface="Andale Mono"/>
+                <a:cs typeface="Andale Mono"/>
+              </a:rPr>
+              <a:t>DSA</a:t>
+            </a:r>
+            <a:r>
+              <a:rPr lang="fr-FR" sz="500" b="1" dirty="0" smtClean="0">
+                <a:latin typeface="Andale Mono"/>
+                <a:cs typeface="Andale Mono"/>
+              </a:rPr>
+              <a:t> </a:t>
+            </a:r>
+            <a:r>
+              <a:rPr lang="fr-FR" sz="1500" b="1" baseline="-25000" dirty="0" smtClean="0">
+                <a:latin typeface="Andale Mono"/>
+                <a:cs typeface="Andale Mono"/>
+              </a:rPr>
+              <a:t>2</a:t>
+            </a:r>
+            <a:endParaRPr lang="fr-FR" sz="1500" b="1" baseline="-25000" dirty="0">
+              <a:latin typeface="Andale Mono"/>
+              <a:cs typeface="Andale Mono"/>
+            </a:endParaRPr>
+          </a:p>
+        </p:txBody>
+      </p:sp>
+      <p:sp>
+        <p:nvSpPr>
+          <p:cNvPr id="30" name="ZoneTexte 29"/>
+          <p:cNvSpPr txBox="1"/>
+          <p:nvPr/>
+        </p:nvSpPr>
+        <p:spPr>
+          <a:xfrm>
+            <a:off x="6550533" y="1953631"/>
+            <a:ext cx="760657" cy="292388"/>
+          </a:xfrm>
+          <a:prstGeom prst="rect">
+            <a:avLst/>
+          </a:prstGeom>
+          <a:noFill/>
+        </p:spPr>
+        <p:txBody>
+          <a:bodyPr wrap="square" rtlCol="0">
+            <a:spAutoFit/>
+          </a:bodyPr>
+          <a:lstStyle/>
+          <a:p>
+            <a:r>
+              <a:rPr lang="fr-FR" sz="1100" dirty="0">
+                <a:latin typeface="Wingdings" charset="2"/>
+                <a:cs typeface="Wingdings" charset="2"/>
+              </a:rPr>
+              <a:t>w</a:t>
+            </a:r>
+            <a:r>
+              <a:rPr lang="fr-FR" sz="300" dirty="0" smtClean="0">
+                <a:latin typeface="Wingdings" charset="2"/>
+                <a:cs typeface="Wingdings" charset="2"/>
+              </a:rPr>
+              <a:t> </a:t>
+            </a:r>
+            <a:r>
+              <a:rPr lang="fr-FR" sz="1300" b="1" dirty="0" smtClean="0">
+                <a:latin typeface="Andale Mono"/>
+                <a:cs typeface="Andale Mono"/>
+              </a:rPr>
+              <a:t>DSA</a:t>
+            </a:r>
+            <a:r>
+              <a:rPr lang="fr-FR" sz="500" b="1" dirty="0" smtClean="0">
+                <a:latin typeface="Andale Mono"/>
+                <a:cs typeface="Andale Mono"/>
+              </a:rPr>
+              <a:t> </a:t>
+            </a:r>
+            <a:r>
+              <a:rPr lang="fr-FR" sz="1500" b="1" baseline="-25000" dirty="0" smtClean="0">
+                <a:latin typeface="Andale Mono"/>
+                <a:cs typeface="Andale Mono"/>
+              </a:rPr>
+              <a:t>3</a:t>
+            </a:r>
+            <a:endParaRPr lang="fr-FR" sz="1500" b="1" baseline="-25000" dirty="0">
+              <a:latin typeface="Andale Mono"/>
+              <a:cs typeface="Andale Mono"/>
+            </a:endParaRPr>
+          </a:p>
+        </p:txBody>
+      </p:sp>
+      <p:sp>
+        <p:nvSpPr>
+          <p:cNvPr id="32" name="ZoneTexte 31"/>
+          <p:cNvSpPr txBox="1"/>
+          <p:nvPr/>
+        </p:nvSpPr>
+        <p:spPr>
+          <a:xfrm>
+            <a:off x="6281741" y="2643834"/>
+            <a:ext cx="760657" cy="292388"/>
+          </a:xfrm>
+          <a:prstGeom prst="rect">
+            <a:avLst/>
+          </a:prstGeom>
+          <a:noFill/>
+        </p:spPr>
+        <p:txBody>
+          <a:bodyPr wrap="square" rtlCol="0">
+            <a:spAutoFit/>
+          </a:bodyPr>
+          <a:lstStyle/>
+          <a:p>
+            <a:r>
+              <a:rPr lang="fr-FR" sz="1100" dirty="0">
+                <a:latin typeface="Wingdings" charset="2"/>
+                <a:cs typeface="Wingdings" charset="2"/>
+              </a:rPr>
+              <a:t>w</a:t>
+            </a:r>
+            <a:r>
+              <a:rPr lang="fr-FR" sz="300" dirty="0" smtClean="0">
+                <a:latin typeface="Wingdings" charset="2"/>
+                <a:cs typeface="Wingdings" charset="2"/>
+              </a:rPr>
+              <a:t> </a:t>
+            </a:r>
+            <a:r>
+              <a:rPr lang="fr-FR" sz="1300" b="1" dirty="0" smtClean="0">
+                <a:solidFill>
+                  <a:srgbClr val="000000"/>
+                </a:solidFill>
+                <a:latin typeface="Andale Mono"/>
+                <a:cs typeface="Andale Mono"/>
+              </a:rPr>
+              <a:t>DSA</a:t>
+            </a:r>
+            <a:r>
+              <a:rPr lang="fr-FR" sz="500" b="1" dirty="0" smtClean="0">
+                <a:solidFill>
+                  <a:srgbClr val="000000"/>
+                </a:solidFill>
+                <a:latin typeface="Andale Mono"/>
+                <a:cs typeface="Andale Mono"/>
+              </a:rPr>
+              <a:t> </a:t>
+            </a:r>
+            <a:r>
+              <a:rPr lang="fr-FR" sz="1500" b="1" baseline="-25000" dirty="0">
+                <a:solidFill>
+                  <a:srgbClr val="000000"/>
+                </a:solidFill>
+                <a:latin typeface="Andale Mono"/>
+                <a:cs typeface="Andale Mono"/>
+              </a:rPr>
+              <a:t>4</a:t>
+            </a:r>
+          </a:p>
+        </p:txBody>
+      </p:sp>
+      <p:sp>
+        <p:nvSpPr>
+          <p:cNvPr id="33" name="ZoneTexte 32"/>
+          <p:cNvSpPr txBox="1"/>
+          <p:nvPr/>
+        </p:nvSpPr>
+        <p:spPr>
+          <a:xfrm>
+            <a:off x="6573824" y="2924284"/>
+            <a:ext cx="760657" cy="292388"/>
+          </a:xfrm>
+          <a:prstGeom prst="rect">
+            <a:avLst/>
+          </a:prstGeom>
+          <a:noFill/>
+        </p:spPr>
+        <p:txBody>
+          <a:bodyPr wrap="square" rtlCol="0">
+            <a:spAutoFit/>
+          </a:bodyPr>
+          <a:lstStyle/>
+          <a:p>
+            <a:r>
+              <a:rPr lang="fr-FR" sz="800" b="1" baseline="-25000" dirty="0">
+                <a:latin typeface="Andale Mono"/>
+                <a:cs typeface="Andale Mono"/>
+              </a:rPr>
+              <a:t> </a:t>
+            </a:r>
+            <a:r>
+              <a:rPr lang="fr-FR" sz="1100" dirty="0">
+                <a:latin typeface="Wingdings" charset="2"/>
+                <a:cs typeface="Wingdings" charset="2"/>
+              </a:rPr>
+              <a:t>w</a:t>
+            </a:r>
+            <a:r>
+              <a:rPr lang="fr-FR" sz="300" dirty="0" smtClean="0">
+                <a:latin typeface="Wingdings" charset="2"/>
+                <a:cs typeface="Wingdings" charset="2"/>
+              </a:rPr>
+              <a:t> </a:t>
+            </a:r>
+            <a:r>
+              <a:rPr lang="fr-FR" sz="1300" b="1" dirty="0" smtClean="0">
+                <a:latin typeface="Andale Mono"/>
+                <a:cs typeface="Andale Mono"/>
+              </a:rPr>
+              <a:t>DSA</a:t>
+            </a:r>
+            <a:r>
+              <a:rPr lang="fr-FR" sz="500" b="1" dirty="0" smtClean="0">
+                <a:latin typeface="Andale Mono"/>
+                <a:cs typeface="Andale Mono"/>
+              </a:rPr>
+              <a:t> </a:t>
+            </a:r>
+            <a:r>
+              <a:rPr lang="fr-FR" sz="1500" b="1" baseline="-25000" dirty="0">
+                <a:latin typeface="Andale Mono"/>
+                <a:cs typeface="Andale Mono"/>
+              </a:rPr>
+              <a:t>5</a:t>
+            </a:r>
+          </a:p>
+        </p:txBody>
+      </p:sp>
+      <p:sp>
+        <p:nvSpPr>
+          <p:cNvPr id="34" name="ZoneTexte 33"/>
+          <p:cNvSpPr txBox="1"/>
+          <p:nvPr/>
+        </p:nvSpPr>
+        <p:spPr>
+          <a:xfrm>
+            <a:off x="7268475" y="1573431"/>
+            <a:ext cx="760657" cy="292388"/>
+          </a:xfrm>
+          <a:prstGeom prst="rect">
+            <a:avLst/>
+          </a:prstGeom>
+          <a:noFill/>
+        </p:spPr>
+        <p:txBody>
+          <a:bodyPr wrap="square" rtlCol="0">
+            <a:spAutoFit/>
+          </a:bodyPr>
+          <a:lstStyle/>
+          <a:p>
+            <a:r>
+              <a:rPr lang="fr-FR" sz="1100" dirty="0">
+                <a:latin typeface="Wingdings" charset="2"/>
+                <a:cs typeface="Wingdings" charset="2"/>
+              </a:rPr>
+              <a:t>w</a:t>
+            </a:r>
+            <a:r>
+              <a:rPr lang="fr-FR" sz="300" dirty="0" smtClean="0">
+                <a:latin typeface="Wingdings" charset="2"/>
+                <a:cs typeface="Wingdings" charset="2"/>
+              </a:rPr>
+              <a:t> </a:t>
+            </a:r>
+            <a:r>
+              <a:rPr lang="fr-FR" sz="1300" b="1" dirty="0" smtClean="0">
+                <a:latin typeface="Andale Mono"/>
+                <a:cs typeface="Andale Mono"/>
+              </a:rPr>
+              <a:t>DSA</a:t>
+            </a:r>
+            <a:r>
+              <a:rPr lang="fr-FR" sz="500" b="1" dirty="0" smtClean="0">
+                <a:latin typeface="Andale Mono"/>
+                <a:cs typeface="Andale Mono"/>
+              </a:rPr>
+              <a:t> </a:t>
+            </a:r>
+            <a:r>
+              <a:rPr lang="fr-FR" sz="1500" b="1" baseline="-25000" dirty="0" smtClean="0">
+                <a:latin typeface="Andale Mono"/>
+                <a:cs typeface="Andale Mono"/>
+              </a:rPr>
+              <a:t>6</a:t>
+            </a:r>
+            <a:endParaRPr lang="fr-FR" sz="1500" b="1" baseline="-25000" dirty="0">
+              <a:latin typeface="Andale Mono"/>
+              <a:cs typeface="Andale Mono"/>
+            </a:endParaRPr>
+          </a:p>
+        </p:txBody>
+      </p:sp>
+      <p:sp>
+        <p:nvSpPr>
+          <p:cNvPr id="41" name="ZoneTexte 40"/>
+          <p:cNvSpPr txBox="1"/>
+          <p:nvPr/>
+        </p:nvSpPr>
+        <p:spPr>
+          <a:xfrm>
+            <a:off x="5712602" y="543244"/>
+            <a:ext cx="2537671" cy="307777"/>
+          </a:xfrm>
+          <a:prstGeom prst="rect">
+            <a:avLst/>
+          </a:prstGeom>
+          <a:noFill/>
+        </p:spPr>
+        <p:txBody>
+          <a:bodyPr wrap="square" rtlCol="0">
+            <a:spAutoFit/>
+          </a:bodyPr>
+          <a:lstStyle/>
+          <a:p>
+            <a:pPr algn="ctr"/>
+            <a:r>
+              <a:rPr lang="en-US" sz="1400" b="1" dirty="0" smtClean="0">
+                <a:latin typeface="Seravek ExtraLight"/>
+                <a:cs typeface="Seravek ExtraLight"/>
+              </a:rPr>
+              <a:t>Semantic commonalities</a:t>
+            </a:r>
+            <a:endParaRPr lang="en-US" sz="1400" b="1" dirty="0">
+              <a:latin typeface="Seravek ExtraLight"/>
+              <a:cs typeface="Seravek ExtraLight"/>
+            </a:endParaRPr>
+          </a:p>
+        </p:txBody>
+      </p:sp>
+      <p:sp>
+        <p:nvSpPr>
+          <p:cNvPr id="42" name="ZoneTexte 41"/>
+          <p:cNvSpPr txBox="1"/>
+          <p:nvPr/>
+        </p:nvSpPr>
+        <p:spPr>
+          <a:xfrm>
+            <a:off x="1926767" y="1119919"/>
+            <a:ext cx="838516" cy="307777"/>
+          </a:xfrm>
+          <a:prstGeom prst="rect">
+            <a:avLst/>
+          </a:prstGeom>
+          <a:noFill/>
+        </p:spPr>
+        <p:txBody>
+          <a:bodyPr wrap="square" rtlCol="0">
+            <a:spAutoFit/>
+          </a:bodyPr>
+          <a:lstStyle/>
+          <a:p>
+            <a:pPr algn="ctr"/>
+            <a:r>
+              <a:rPr lang="en-US" sz="1400" b="1" i="1" dirty="0" smtClean="0">
+                <a:latin typeface="Charter Roman"/>
+                <a:cs typeface="Charter Roman"/>
+              </a:rPr>
+              <a:t>Syn</a:t>
+            </a:r>
+            <a:r>
+              <a:rPr lang="en-US" sz="1400" b="1" dirty="0" smtClean="0">
+                <a:latin typeface="Charter Roman"/>
+                <a:cs typeface="Charter Roman"/>
+              </a:rPr>
+              <a:t> A</a:t>
+            </a:r>
+            <a:endParaRPr lang="en-US" sz="1400" b="1" dirty="0">
+              <a:latin typeface="Charter Roman"/>
+              <a:cs typeface="Charter Roman"/>
+            </a:endParaRPr>
+          </a:p>
+        </p:txBody>
+      </p:sp>
+      <p:sp>
+        <p:nvSpPr>
+          <p:cNvPr id="43" name="ZoneTexte 42"/>
+          <p:cNvSpPr txBox="1"/>
+          <p:nvPr/>
+        </p:nvSpPr>
+        <p:spPr>
+          <a:xfrm>
+            <a:off x="2138258" y="2967792"/>
+            <a:ext cx="791994" cy="307777"/>
+          </a:xfrm>
+          <a:prstGeom prst="rect">
+            <a:avLst/>
+          </a:prstGeom>
+          <a:noFill/>
+        </p:spPr>
+        <p:txBody>
+          <a:bodyPr wrap="square" rtlCol="0">
+            <a:spAutoFit/>
+          </a:bodyPr>
+          <a:lstStyle/>
+          <a:p>
+            <a:pPr algn="ctr"/>
+            <a:r>
+              <a:rPr lang="en-US" sz="1400" b="1" i="1" dirty="0" smtClean="0">
+                <a:latin typeface="Charter Roman"/>
+                <a:cs typeface="Charter Roman"/>
+              </a:rPr>
+              <a:t>Syn</a:t>
+            </a:r>
+            <a:r>
+              <a:rPr lang="en-US" sz="1400" b="1" dirty="0" smtClean="0">
+                <a:latin typeface="Charter Roman"/>
+                <a:cs typeface="Charter Roman"/>
+              </a:rPr>
+              <a:t> C</a:t>
+            </a:r>
+            <a:endParaRPr lang="en-US" sz="1400" b="1" dirty="0">
+              <a:latin typeface="Charter Roman"/>
+              <a:cs typeface="Charter Roman"/>
+            </a:endParaRPr>
+          </a:p>
+        </p:txBody>
+      </p:sp>
+      <p:sp>
+        <p:nvSpPr>
+          <p:cNvPr id="50" name="ZoneTexte 49"/>
+          <p:cNvSpPr txBox="1"/>
+          <p:nvPr/>
+        </p:nvSpPr>
+        <p:spPr>
+          <a:xfrm>
+            <a:off x="4158718" y="1119919"/>
+            <a:ext cx="791994" cy="307777"/>
+          </a:xfrm>
+          <a:prstGeom prst="rect">
+            <a:avLst/>
+          </a:prstGeom>
+          <a:noFill/>
+        </p:spPr>
+        <p:txBody>
+          <a:bodyPr wrap="square" rtlCol="0">
+            <a:spAutoFit/>
+          </a:bodyPr>
+          <a:lstStyle/>
+          <a:p>
+            <a:pPr algn="ctr"/>
+            <a:r>
+              <a:rPr lang="en-US" sz="1400" b="1" i="1" dirty="0" smtClean="0">
+                <a:latin typeface="Charter Roman"/>
+                <a:cs typeface="Charter Roman"/>
+              </a:rPr>
+              <a:t>Syn</a:t>
+            </a:r>
+            <a:r>
+              <a:rPr lang="en-US" sz="1400" b="1" dirty="0" smtClean="0">
+                <a:latin typeface="Charter Roman"/>
+                <a:cs typeface="Charter Roman"/>
+              </a:rPr>
+              <a:t> B</a:t>
+            </a:r>
+            <a:endParaRPr lang="en-US" sz="1400" b="1" dirty="0">
+              <a:latin typeface="Charter Roman"/>
+              <a:cs typeface="Charter Roman"/>
+            </a:endParaRPr>
+          </a:p>
+        </p:txBody>
+      </p:sp>
+      <p:sp>
+        <p:nvSpPr>
+          <p:cNvPr id="51" name="ZoneTexte 50"/>
+          <p:cNvSpPr txBox="1"/>
+          <p:nvPr/>
+        </p:nvSpPr>
+        <p:spPr>
+          <a:xfrm>
+            <a:off x="7645608" y="1119919"/>
+            <a:ext cx="791994" cy="307777"/>
+          </a:xfrm>
+          <a:prstGeom prst="rect">
+            <a:avLst/>
+          </a:prstGeom>
+          <a:noFill/>
+        </p:spPr>
+        <p:txBody>
+          <a:bodyPr wrap="square" rtlCol="0">
+            <a:spAutoFit/>
+          </a:bodyPr>
+          <a:lstStyle/>
+          <a:p>
+            <a:pPr algn="ctr"/>
+            <a:r>
+              <a:rPr lang="en-US" sz="1400" b="1" i="1" dirty="0" smtClean="0">
+                <a:latin typeface="Charter Roman"/>
+                <a:cs typeface="Charter Roman"/>
+              </a:rPr>
+              <a:t>Sem</a:t>
+            </a:r>
+            <a:r>
+              <a:rPr lang="en-US" sz="1400" b="1" dirty="0" smtClean="0">
+                <a:latin typeface="Charter Roman"/>
+                <a:cs typeface="Charter Roman"/>
+              </a:rPr>
+              <a:t> B</a:t>
+            </a:r>
+            <a:endParaRPr lang="en-US" sz="1400" b="1" dirty="0">
+              <a:latin typeface="Charter Roman"/>
+              <a:cs typeface="Charter Roman"/>
+            </a:endParaRPr>
+          </a:p>
+        </p:txBody>
+      </p:sp>
+      <p:sp>
+        <p:nvSpPr>
+          <p:cNvPr id="52" name="ZoneTexte 51"/>
+          <p:cNvSpPr txBox="1"/>
+          <p:nvPr/>
+        </p:nvSpPr>
+        <p:spPr>
+          <a:xfrm>
+            <a:off x="7404796" y="2967792"/>
+            <a:ext cx="791994" cy="307777"/>
+          </a:xfrm>
+          <a:prstGeom prst="rect">
+            <a:avLst/>
+          </a:prstGeom>
+          <a:noFill/>
+        </p:spPr>
+        <p:txBody>
+          <a:bodyPr wrap="square" rtlCol="0">
+            <a:spAutoFit/>
+          </a:bodyPr>
+          <a:lstStyle/>
+          <a:p>
+            <a:pPr algn="ctr"/>
+            <a:r>
+              <a:rPr lang="en-US" sz="1400" b="1" i="1" dirty="0" smtClean="0">
+                <a:latin typeface="Charter Roman"/>
+                <a:cs typeface="Charter Roman"/>
+              </a:rPr>
+              <a:t>Sem</a:t>
+            </a:r>
+            <a:r>
+              <a:rPr lang="en-US" sz="1400" b="1" dirty="0" smtClean="0">
+                <a:latin typeface="Charter Roman"/>
+                <a:cs typeface="Charter Roman"/>
+              </a:rPr>
+              <a:t> C</a:t>
+            </a:r>
+            <a:endParaRPr lang="en-US" sz="1400" b="1" dirty="0">
+              <a:latin typeface="Charter Roman"/>
+              <a:cs typeface="Charter Roman"/>
+            </a:endParaRPr>
+          </a:p>
+        </p:txBody>
+      </p:sp>
+      <p:sp>
+        <p:nvSpPr>
+          <p:cNvPr id="53" name="ZoneTexte 52"/>
+          <p:cNvSpPr txBox="1"/>
+          <p:nvPr/>
+        </p:nvSpPr>
+        <p:spPr>
+          <a:xfrm>
+            <a:off x="5311570" y="1119919"/>
+            <a:ext cx="791994" cy="307777"/>
+          </a:xfrm>
+          <a:prstGeom prst="rect">
+            <a:avLst/>
+          </a:prstGeom>
+          <a:noFill/>
+        </p:spPr>
+        <p:txBody>
+          <a:bodyPr wrap="square" rtlCol="0">
+            <a:spAutoFit/>
+          </a:bodyPr>
+          <a:lstStyle/>
+          <a:p>
+            <a:pPr algn="ctr"/>
+            <a:r>
+              <a:rPr lang="en-US" sz="1400" b="1" i="1" dirty="0" smtClean="0">
+                <a:latin typeface="Charter Roman"/>
+                <a:cs typeface="Charter Roman"/>
+              </a:rPr>
+              <a:t>Sem</a:t>
+            </a:r>
+            <a:r>
+              <a:rPr lang="en-US" sz="1400" b="1" dirty="0" smtClean="0">
+                <a:latin typeface="Charter Roman"/>
+                <a:cs typeface="Charter Roman"/>
+              </a:rPr>
+              <a:t> A</a:t>
+            </a:r>
+            <a:endParaRPr lang="en-US" sz="1400" b="1" dirty="0">
+              <a:latin typeface="Charter Roman"/>
+              <a:cs typeface="Charter Roman"/>
+            </a:endParaRPr>
+          </a:p>
+        </p:txBody>
+      </p:sp>
+      <p:cxnSp>
+        <p:nvCxnSpPr>
+          <p:cNvPr id="46" name="Connecteur droit avec flèche 45"/>
+          <p:cNvCxnSpPr/>
+          <p:nvPr/>
+        </p:nvCxnSpPr>
+        <p:spPr>
+          <a:xfrm flipH="1">
+            <a:off x="2930252" y="1874071"/>
+            <a:ext cx="3025086" cy="0"/>
+          </a:xfrm>
+          <a:prstGeom prst="straightConnector1">
+            <a:avLst/>
+          </a:prstGeom>
+          <a:ln w="3175" cmpd="sng">
+            <a:solidFill>
+              <a:schemeClr val="bg1">
+                <a:lumMod val="50000"/>
+                <a:alpha val="80000"/>
+              </a:schemeClr>
+            </a:solidFill>
+            <a:tailEnd type="stealth" w="lg" len="lg"/>
+          </a:ln>
+          <a:effectLst/>
+        </p:spPr>
+        <p:style>
+          <a:lnRef idx="2">
+            <a:schemeClr val="accent1"/>
+          </a:lnRef>
+          <a:fillRef idx="0">
+            <a:schemeClr val="accent1"/>
+          </a:fillRef>
+          <a:effectRef idx="1">
+            <a:schemeClr val="accent1"/>
+          </a:effectRef>
+          <a:fontRef idx="minor">
+            <a:schemeClr val="tx1"/>
+          </a:fontRef>
+        </p:style>
+      </p:cxnSp>
+      <p:cxnSp>
+        <p:nvCxnSpPr>
+          <p:cNvPr id="47" name="Connecteur droit avec flèche 46"/>
+          <p:cNvCxnSpPr/>
+          <p:nvPr/>
+        </p:nvCxnSpPr>
+        <p:spPr>
+          <a:xfrm flipH="1">
+            <a:off x="4391995" y="1737831"/>
+            <a:ext cx="2972161" cy="0"/>
+          </a:xfrm>
+          <a:prstGeom prst="straightConnector1">
+            <a:avLst/>
+          </a:prstGeom>
+          <a:ln w="3175" cmpd="sng">
+            <a:solidFill>
+              <a:schemeClr val="bg1">
+                <a:lumMod val="50000"/>
+                <a:alpha val="80000"/>
+              </a:schemeClr>
+            </a:solidFill>
+            <a:tailEnd type="stealth" w="lg" len="lg"/>
+          </a:ln>
+          <a:effectLst/>
+        </p:spPr>
+        <p:style>
+          <a:lnRef idx="2">
+            <a:schemeClr val="accent1"/>
+          </a:lnRef>
+          <a:fillRef idx="0">
+            <a:schemeClr val="accent1"/>
+          </a:fillRef>
+          <a:effectRef idx="1">
+            <a:schemeClr val="accent1"/>
+          </a:effectRef>
+          <a:fontRef idx="minor">
+            <a:schemeClr val="tx1"/>
+          </a:fontRef>
+        </p:style>
+      </p:cxnSp>
+      <p:cxnSp>
+        <p:nvCxnSpPr>
+          <p:cNvPr id="48" name="Connecteur droit avec flèche 47"/>
+          <p:cNvCxnSpPr/>
+          <p:nvPr/>
+        </p:nvCxnSpPr>
+        <p:spPr>
+          <a:xfrm flipH="1">
+            <a:off x="3676001" y="2119292"/>
+            <a:ext cx="3000617" cy="0"/>
+          </a:xfrm>
+          <a:prstGeom prst="straightConnector1">
+            <a:avLst/>
+          </a:prstGeom>
+          <a:ln w="3175" cmpd="sng">
+            <a:solidFill>
+              <a:schemeClr val="bg1">
+                <a:lumMod val="50000"/>
+                <a:alpha val="80000"/>
+              </a:schemeClr>
+            </a:solidFill>
+            <a:tailEnd type="stealth" w="lg" len="lg"/>
+          </a:ln>
+          <a:effectLst/>
+        </p:spPr>
+        <p:style>
+          <a:lnRef idx="2">
+            <a:schemeClr val="accent1"/>
+          </a:lnRef>
+          <a:fillRef idx="0">
+            <a:schemeClr val="accent1"/>
+          </a:fillRef>
+          <a:effectRef idx="1">
+            <a:schemeClr val="accent1"/>
+          </a:effectRef>
+          <a:fontRef idx="minor">
+            <a:schemeClr val="tx1"/>
+          </a:fontRef>
+        </p:style>
+      </p:cxnSp>
+      <p:cxnSp>
+        <p:nvCxnSpPr>
+          <p:cNvPr id="54" name="Connecteur droit avec flèche 53"/>
+          <p:cNvCxnSpPr/>
+          <p:nvPr/>
+        </p:nvCxnSpPr>
+        <p:spPr>
+          <a:xfrm flipH="1">
+            <a:off x="3710120" y="3084718"/>
+            <a:ext cx="3000617" cy="0"/>
+          </a:xfrm>
+          <a:prstGeom prst="straightConnector1">
+            <a:avLst/>
+          </a:prstGeom>
+          <a:ln w="3175" cmpd="sng">
+            <a:solidFill>
+              <a:schemeClr val="bg1">
+                <a:lumMod val="50000"/>
+                <a:alpha val="80000"/>
+              </a:schemeClr>
+            </a:solidFill>
+            <a:tailEnd type="stealth" w="lg" len="lg"/>
+          </a:ln>
+          <a:effectLst/>
+        </p:spPr>
+        <p:style>
+          <a:lnRef idx="2">
+            <a:schemeClr val="accent1"/>
+          </a:lnRef>
+          <a:fillRef idx="0">
+            <a:schemeClr val="accent1"/>
+          </a:fillRef>
+          <a:effectRef idx="1">
+            <a:schemeClr val="accent1"/>
+          </a:effectRef>
+          <a:fontRef idx="minor">
+            <a:schemeClr val="tx1"/>
+          </a:fontRef>
+        </p:style>
+      </p:cxnSp>
+      <p:cxnSp>
+        <p:nvCxnSpPr>
+          <p:cNvPr id="55" name="Connecteur droit avec flèche 54"/>
+          <p:cNvCxnSpPr/>
+          <p:nvPr/>
+        </p:nvCxnSpPr>
+        <p:spPr>
+          <a:xfrm flipH="1" flipV="1">
+            <a:off x="3259954" y="2458624"/>
+            <a:ext cx="3151289" cy="346381"/>
+          </a:xfrm>
+          <a:prstGeom prst="straightConnector1">
+            <a:avLst/>
+          </a:prstGeom>
+          <a:ln w="3175" cmpd="sng">
+            <a:solidFill>
+              <a:schemeClr val="bg1">
+                <a:lumMod val="50000"/>
+                <a:alpha val="80000"/>
+              </a:schemeClr>
+            </a:solidFill>
+            <a:prstDash val="lgDash"/>
+            <a:tailEnd type="stealth" w="lg" len="lg"/>
+          </a:ln>
+          <a:effectLst/>
+        </p:spPr>
+        <p:style>
+          <a:lnRef idx="2">
+            <a:schemeClr val="accent1"/>
+          </a:lnRef>
+          <a:fillRef idx="0">
+            <a:schemeClr val="accent1"/>
+          </a:fillRef>
+          <a:effectRef idx="1">
+            <a:schemeClr val="accent1"/>
+          </a:effectRef>
+          <a:fontRef idx="minor">
+            <a:schemeClr val="tx1"/>
+          </a:fontRef>
+        </p:style>
+      </p:cxnSp>
+    </p:spTree>
+    <p:extLst>
+      <p:ext uri="{BB962C8B-B14F-4D97-AF65-F5344CB8AC3E}">
+        <p14:creationId xmlns:p14="http://schemas.microsoft.com/office/powerpoint/2010/main" val="1917365230"/>
+      </p:ext>
+    </p:extLst>
+  </p:cSld>
+  <p:clrMapOvr>
+    <a:masterClrMapping/>
+  </p:clrMapOvr>
+</p:sld>
+</file>
+
+<file path=ppt/slides/slide5.xml><?xml version="1.0" encoding="utf-8"?>
+<p:sld xmlns:a="http://schemas.openxmlformats.org/drawingml/2006/main" xmlns:r="http://schemas.openxmlformats.org/officeDocument/2006/relationships" xmlns:p="http://schemas.openxmlformats.org/presentationml/2006/main">
+  <p:cSld>
+    <p:spTree>
+      <p:nvGrpSpPr>
+        <p:cNvPr id="1" name=""/>
+        <p:cNvGrpSpPr/>
+        <p:nvPr/>
+      </p:nvGrpSpPr>
+      <p:grpSpPr>
+        <a:xfrm>
+          <a:off x="0" y="0"/>
+          <a:ext cx="0" cy="0"/>
+          <a:chOff x="0" y="0"/>
+          <a:chExt cx="0" cy="0"/>
+        </a:xfrm>
+      </p:grpSpPr>
+      <p:sp>
+        <p:nvSpPr>
+          <p:cNvPr id="3" name="Rectangle 2"/>
+          <p:cNvSpPr/>
+          <p:nvPr/>
+        </p:nvSpPr>
+        <p:spPr>
+          <a:xfrm>
+            <a:off x="107505" y="308226"/>
+            <a:ext cx="8943178" cy="2813900"/>
+          </a:xfrm>
+          <a:prstGeom prst="rect">
+            <a:avLst/>
+          </a:prstGeom>
+          <a:solidFill>
+            <a:schemeClr val="bg1"/>
+          </a:solidFill>
+          <a:ln w="3175" cmpd="sng">
+            <a:solidFill>
+              <a:schemeClr val="tx1">
+                <a:alpha val="90000"/>
+              </a:schemeClr>
+            </a:solidFill>
+          </a:ln>
+        </p:spPr>
+        <p:style>
+          <a:lnRef idx="1">
+            <a:schemeClr val="accent1"/>
+          </a:lnRef>
+          <a:fillRef idx="3">
+            <a:schemeClr val="accent1"/>
+          </a:fillRef>
+          <a:effectRef idx="2">
+            <a:schemeClr val="accent1"/>
+          </a:effectRef>
+          <a:fontRef idx="minor">
+            <a:schemeClr val="lt1"/>
+          </a:fontRef>
+        </p:style>
+        <p:txBody>
+          <a:bodyPr rtlCol="0" anchor="ctr"/>
+          <a:lstStyle/>
+          <a:p>
+            <a:pPr algn="ctr"/>
+            <a:endParaRPr lang="fr-FR"/>
+          </a:p>
+        </p:txBody>
+      </p:sp>
+      <p:sp>
+        <p:nvSpPr>
+          <p:cNvPr id="9" name="Forme libre 8"/>
+          <p:cNvSpPr/>
+          <p:nvPr/>
+        </p:nvSpPr>
+        <p:spPr>
+          <a:xfrm>
+            <a:off x="7187833" y="1579596"/>
+            <a:ext cx="1062058" cy="761278"/>
+          </a:xfrm>
+          <a:custGeom>
+            <a:avLst/>
+            <a:gdLst>
+              <a:gd name="connsiteX0" fmla="*/ 0 w 1062058"/>
+              <a:gd name="connsiteY0" fmla="*/ 649871 h 761278"/>
+              <a:gd name="connsiteX1" fmla="*/ 14854 w 1062058"/>
+              <a:gd name="connsiteY1" fmla="*/ 542178 h 761278"/>
+              <a:gd name="connsiteX2" fmla="*/ 40849 w 1062058"/>
+              <a:gd name="connsiteY2" fmla="*/ 449340 h 761278"/>
+              <a:gd name="connsiteX3" fmla="*/ 74270 w 1062058"/>
+              <a:gd name="connsiteY3" fmla="*/ 367641 h 761278"/>
+              <a:gd name="connsiteX4" fmla="*/ 133686 w 1062058"/>
+              <a:gd name="connsiteY4" fmla="*/ 282230 h 761278"/>
+              <a:gd name="connsiteX5" fmla="*/ 189388 w 1062058"/>
+              <a:gd name="connsiteY5" fmla="*/ 207959 h 761278"/>
+              <a:gd name="connsiteX6" fmla="*/ 252518 w 1062058"/>
+              <a:gd name="connsiteY6" fmla="*/ 152256 h 761278"/>
+              <a:gd name="connsiteX7" fmla="*/ 334214 w 1062058"/>
+              <a:gd name="connsiteY7" fmla="*/ 92839 h 761278"/>
+              <a:gd name="connsiteX8" fmla="*/ 401057 w 1062058"/>
+              <a:gd name="connsiteY8" fmla="*/ 55703 h 761278"/>
+              <a:gd name="connsiteX9" fmla="*/ 475327 w 1062058"/>
+              <a:gd name="connsiteY9" fmla="*/ 22281 h 761278"/>
+              <a:gd name="connsiteX10" fmla="*/ 564451 w 1062058"/>
+              <a:gd name="connsiteY10" fmla="*/ 7427 h 761278"/>
+              <a:gd name="connsiteX11" fmla="*/ 653574 w 1062058"/>
+              <a:gd name="connsiteY11" fmla="*/ 0 h 761278"/>
+              <a:gd name="connsiteX12" fmla="*/ 757552 w 1062058"/>
+              <a:gd name="connsiteY12" fmla="*/ 0 h 761278"/>
+              <a:gd name="connsiteX13" fmla="*/ 865243 w 1062058"/>
+              <a:gd name="connsiteY13" fmla="*/ 18568 h 761278"/>
+              <a:gd name="connsiteX14" fmla="*/ 954367 w 1062058"/>
+              <a:gd name="connsiteY14" fmla="*/ 51990 h 761278"/>
+              <a:gd name="connsiteX15" fmla="*/ 1021210 w 1062058"/>
+              <a:gd name="connsiteY15" fmla="*/ 77985 h 761278"/>
+              <a:gd name="connsiteX16" fmla="*/ 1062058 w 1062058"/>
+              <a:gd name="connsiteY16" fmla="*/ 100266 h 761278"/>
+              <a:gd name="connsiteX17" fmla="*/ 1062058 w 1062058"/>
+              <a:gd name="connsiteY17" fmla="*/ 148542 h 761278"/>
+              <a:gd name="connsiteX18" fmla="*/ 1050918 w 1062058"/>
+              <a:gd name="connsiteY18" fmla="*/ 211672 h 761278"/>
+              <a:gd name="connsiteX19" fmla="*/ 1032350 w 1062058"/>
+              <a:gd name="connsiteY19" fmla="*/ 278516 h 761278"/>
+              <a:gd name="connsiteX20" fmla="*/ 1002642 w 1062058"/>
+              <a:gd name="connsiteY20" fmla="*/ 363928 h 761278"/>
+              <a:gd name="connsiteX21" fmla="*/ 969221 w 1062058"/>
+              <a:gd name="connsiteY21" fmla="*/ 427058 h 761278"/>
+              <a:gd name="connsiteX22" fmla="*/ 928372 w 1062058"/>
+              <a:gd name="connsiteY22" fmla="*/ 490189 h 761278"/>
+              <a:gd name="connsiteX23" fmla="*/ 872670 w 1062058"/>
+              <a:gd name="connsiteY23" fmla="*/ 553319 h 761278"/>
+              <a:gd name="connsiteX24" fmla="*/ 820681 w 1062058"/>
+              <a:gd name="connsiteY24" fmla="*/ 601595 h 761278"/>
+              <a:gd name="connsiteX25" fmla="*/ 764979 w 1062058"/>
+              <a:gd name="connsiteY25" fmla="*/ 638731 h 761278"/>
+              <a:gd name="connsiteX26" fmla="*/ 664715 w 1062058"/>
+              <a:gd name="connsiteY26" fmla="*/ 698148 h 761278"/>
+              <a:gd name="connsiteX27" fmla="*/ 568164 w 1062058"/>
+              <a:gd name="connsiteY27" fmla="*/ 731569 h 761278"/>
+              <a:gd name="connsiteX28" fmla="*/ 467900 w 1062058"/>
+              <a:gd name="connsiteY28" fmla="*/ 757564 h 761278"/>
+              <a:gd name="connsiteX29" fmla="*/ 356495 w 1062058"/>
+              <a:gd name="connsiteY29" fmla="*/ 761278 h 761278"/>
+              <a:gd name="connsiteX30" fmla="*/ 259945 w 1062058"/>
+              <a:gd name="connsiteY30" fmla="*/ 753851 h 761278"/>
+              <a:gd name="connsiteX31" fmla="*/ 185675 w 1062058"/>
+              <a:gd name="connsiteY31" fmla="*/ 738997 h 761278"/>
+              <a:gd name="connsiteX32" fmla="*/ 103978 w 1062058"/>
+              <a:gd name="connsiteY32" fmla="*/ 713002 h 761278"/>
+              <a:gd name="connsiteX33" fmla="*/ 44562 w 1062058"/>
+              <a:gd name="connsiteY33" fmla="*/ 687007 h 761278"/>
+              <a:gd name="connsiteX34" fmla="*/ 0 w 1062058"/>
+              <a:gd name="connsiteY34" fmla="*/ 649871 h 761278"/>
+            </a:gdLst>
+            <a:ahLst/>
+            <a:cxnLst>
+              <a:cxn ang="0">
+                <a:pos x="connsiteX0" y="connsiteY0"/>
+              </a:cxn>
+              <a:cxn ang="0">
+                <a:pos x="connsiteX1" y="connsiteY1"/>
+              </a:cxn>
+              <a:cxn ang="0">
+                <a:pos x="connsiteX2" y="connsiteY2"/>
+              </a:cxn>
+              <a:cxn ang="0">
+                <a:pos x="connsiteX3" y="connsiteY3"/>
+              </a:cxn>
+              <a:cxn ang="0">
+                <a:pos x="connsiteX4" y="connsiteY4"/>
+              </a:cxn>
+              <a:cxn ang="0">
+                <a:pos x="connsiteX5" y="connsiteY5"/>
+              </a:cxn>
+              <a:cxn ang="0">
+                <a:pos x="connsiteX6" y="connsiteY6"/>
+              </a:cxn>
+              <a:cxn ang="0">
+                <a:pos x="connsiteX7" y="connsiteY7"/>
+              </a:cxn>
+              <a:cxn ang="0">
+                <a:pos x="connsiteX8" y="connsiteY8"/>
+              </a:cxn>
+              <a:cxn ang="0">
+                <a:pos x="connsiteX9" y="connsiteY9"/>
+              </a:cxn>
+              <a:cxn ang="0">
+                <a:pos x="connsiteX10" y="connsiteY10"/>
+              </a:cxn>
+              <a:cxn ang="0">
+                <a:pos x="connsiteX11" y="connsiteY11"/>
+              </a:cxn>
+              <a:cxn ang="0">
+                <a:pos x="connsiteX12" y="connsiteY12"/>
+              </a:cxn>
+              <a:cxn ang="0">
+                <a:pos x="connsiteX13" y="connsiteY13"/>
+              </a:cxn>
+              <a:cxn ang="0">
+                <a:pos x="connsiteX14" y="connsiteY14"/>
+              </a:cxn>
+              <a:cxn ang="0">
+                <a:pos x="connsiteX15" y="connsiteY15"/>
+              </a:cxn>
+              <a:cxn ang="0">
+                <a:pos x="connsiteX16" y="connsiteY16"/>
+              </a:cxn>
+              <a:cxn ang="0">
+                <a:pos x="connsiteX17" y="connsiteY17"/>
+              </a:cxn>
+              <a:cxn ang="0">
+                <a:pos x="connsiteX18" y="connsiteY18"/>
+              </a:cxn>
+              <a:cxn ang="0">
+                <a:pos x="connsiteX19" y="connsiteY19"/>
+              </a:cxn>
+              <a:cxn ang="0">
+                <a:pos x="connsiteX20" y="connsiteY20"/>
+              </a:cxn>
+              <a:cxn ang="0">
+                <a:pos x="connsiteX21" y="connsiteY21"/>
+              </a:cxn>
+              <a:cxn ang="0">
+                <a:pos x="connsiteX22" y="connsiteY22"/>
+              </a:cxn>
+              <a:cxn ang="0">
+                <a:pos x="connsiteX23" y="connsiteY23"/>
+              </a:cxn>
+              <a:cxn ang="0">
+                <a:pos x="connsiteX24" y="connsiteY24"/>
+              </a:cxn>
+              <a:cxn ang="0">
+                <a:pos x="connsiteX25" y="connsiteY25"/>
+              </a:cxn>
+              <a:cxn ang="0">
+                <a:pos x="connsiteX26" y="connsiteY26"/>
+              </a:cxn>
+              <a:cxn ang="0">
+                <a:pos x="connsiteX27" y="connsiteY27"/>
+              </a:cxn>
+              <a:cxn ang="0">
+                <a:pos x="connsiteX28" y="connsiteY28"/>
+              </a:cxn>
+              <a:cxn ang="0">
+                <a:pos x="connsiteX29" y="connsiteY29"/>
+              </a:cxn>
+              <a:cxn ang="0">
+                <a:pos x="connsiteX30" y="connsiteY30"/>
+              </a:cxn>
+              <a:cxn ang="0">
+                <a:pos x="connsiteX31" y="connsiteY31"/>
+              </a:cxn>
+              <a:cxn ang="0">
+                <a:pos x="connsiteX32" y="connsiteY32"/>
+              </a:cxn>
+              <a:cxn ang="0">
+                <a:pos x="connsiteX33" y="connsiteY33"/>
+              </a:cxn>
+              <a:cxn ang="0">
+                <a:pos x="connsiteX34" y="connsiteY34"/>
+              </a:cxn>
+            </a:cxnLst>
+            <a:rect l="l" t="t" r="r" b="b"/>
+            <a:pathLst>
+              <a:path w="1062058" h="761278">
+                <a:moveTo>
+                  <a:pt x="0" y="649871"/>
+                </a:moveTo>
+                <a:lnTo>
+                  <a:pt x="14854" y="542178"/>
+                </a:lnTo>
+                <a:lnTo>
+                  <a:pt x="40849" y="449340"/>
+                </a:lnTo>
+                <a:lnTo>
+                  <a:pt x="74270" y="367641"/>
+                </a:lnTo>
+                <a:lnTo>
+                  <a:pt x="133686" y="282230"/>
+                </a:lnTo>
+                <a:lnTo>
+                  <a:pt x="189388" y="207959"/>
+                </a:lnTo>
+                <a:lnTo>
+                  <a:pt x="252518" y="152256"/>
+                </a:lnTo>
+                <a:lnTo>
+                  <a:pt x="334214" y="92839"/>
+                </a:lnTo>
+                <a:lnTo>
+                  <a:pt x="401057" y="55703"/>
+                </a:lnTo>
+                <a:lnTo>
+                  <a:pt x="475327" y="22281"/>
+                </a:lnTo>
+                <a:lnTo>
+                  <a:pt x="564451" y="7427"/>
+                </a:lnTo>
+                <a:lnTo>
+                  <a:pt x="653574" y="0"/>
+                </a:lnTo>
+                <a:lnTo>
+                  <a:pt x="757552" y="0"/>
+                </a:lnTo>
+                <a:lnTo>
+                  <a:pt x="865243" y="18568"/>
+                </a:lnTo>
+                <a:lnTo>
+                  <a:pt x="954367" y="51990"/>
+                </a:lnTo>
+                <a:lnTo>
+                  <a:pt x="1021210" y="77985"/>
+                </a:lnTo>
+                <a:lnTo>
+                  <a:pt x="1062058" y="100266"/>
+                </a:lnTo>
+                <a:lnTo>
+                  <a:pt x="1062058" y="148542"/>
+                </a:lnTo>
+                <a:lnTo>
+                  <a:pt x="1050918" y="211672"/>
+                </a:lnTo>
+                <a:lnTo>
+                  <a:pt x="1032350" y="278516"/>
+                </a:lnTo>
+                <a:lnTo>
+                  <a:pt x="1002642" y="363928"/>
+                </a:lnTo>
+                <a:lnTo>
+                  <a:pt x="969221" y="427058"/>
+                </a:lnTo>
+                <a:lnTo>
+                  <a:pt x="928372" y="490189"/>
+                </a:lnTo>
+                <a:lnTo>
+                  <a:pt x="872670" y="553319"/>
+                </a:lnTo>
+                <a:lnTo>
+                  <a:pt x="820681" y="601595"/>
+                </a:lnTo>
+                <a:lnTo>
+                  <a:pt x="764979" y="638731"/>
+                </a:lnTo>
+                <a:lnTo>
+                  <a:pt x="664715" y="698148"/>
+                </a:lnTo>
+                <a:lnTo>
+                  <a:pt x="568164" y="731569"/>
+                </a:lnTo>
+                <a:lnTo>
+                  <a:pt x="467900" y="757564"/>
+                </a:lnTo>
+                <a:lnTo>
+                  <a:pt x="356495" y="761278"/>
+                </a:lnTo>
+                <a:lnTo>
+                  <a:pt x="259945" y="753851"/>
+                </a:lnTo>
+                <a:lnTo>
+                  <a:pt x="185675" y="738997"/>
+                </a:lnTo>
+                <a:lnTo>
+                  <a:pt x="103978" y="713002"/>
+                </a:lnTo>
+                <a:lnTo>
+                  <a:pt x="44562" y="687007"/>
+                </a:lnTo>
+                <a:lnTo>
+                  <a:pt x="0" y="649871"/>
+                </a:lnTo>
+                <a:close/>
+              </a:path>
+            </a:pathLst>
+          </a:custGeom>
+          <a:pattFill prst="wdDnDiag">
+            <a:fgClr>
+              <a:srgbClr val="FF6600"/>
+            </a:fgClr>
+            <a:bgClr>
+              <a:schemeClr val="accent6">
+                <a:lumMod val="20000"/>
+                <a:lumOff val="80000"/>
+              </a:schemeClr>
+            </a:bgClr>
+          </a:pattFill>
+          <a:ln>
+            <a:noFill/>
+          </a:ln>
+        </p:spPr>
+        <p:style>
+          <a:lnRef idx="1">
+            <a:schemeClr val="accent1"/>
+          </a:lnRef>
+          <a:fillRef idx="3">
+            <a:schemeClr val="accent1"/>
+          </a:fillRef>
+          <a:effectRef idx="2">
+            <a:schemeClr val="accent1"/>
+          </a:effectRef>
+          <a:fontRef idx="minor">
+            <a:schemeClr val="lt1"/>
+          </a:fontRef>
+        </p:style>
+        <p:txBody>
+          <a:bodyPr rtlCol="0" anchor="ctr"/>
+          <a:lstStyle/>
+          <a:p>
+            <a:pPr algn="ctr"/>
+            <a:endParaRPr lang="fr-FR"/>
+          </a:p>
+        </p:txBody>
+      </p:sp>
+      <p:sp>
+        <p:nvSpPr>
+          <p:cNvPr id="6" name="Forme libre 5"/>
+          <p:cNvSpPr/>
+          <p:nvPr/>
+        </p:nvSpPr>
+        <p:spPr>
+          <a:xfrm>
+            <a:off x="4963944" y="2259776"/>
+            <a:ext cx="1386465" cy="683828"/>
+          </a:xfrm>
+          <a:custGeom>
+            <a:avLst/>
+            <a:gdLst>
+              <a:gd name="connsiteX0" fmla="*/ 0 w 1386465"/>
+              <a:gd name="connsiteY0" fmla="*/ 0 h 683828"/>
+              <a:gd name="connsiteX1" fmla="*/ 11272 w 1386465"/>
+              <a:gd name="connsiteY1" fmla="*/ 105205 h 683828"/>
+              <a:gd name="connsiteX2" fmla="*/ 37574 w 1386465"/>
+              <a:gd name="connsiteY2" fmla="*/ 199137 h 683828"/>
+              <a:gd name="connsiteX3" fmla="*/ 67633 w 1386465"/>
+              <a:gd name="connsiteY3" fmla="*/ 285555 h 683828"/>
+              <a:gd name="connsiteX4" fmla="*/ 123993 w 1386465"/>
+              <a:gd name="connsiteY4" fmla="*/ 375730 h 683828"/>
+              <a:gd name="connsiteX5" fmla="*/ 184111 w 1386465"/>
+              <a:gd name="connsiteY5" fmla="*/ 454633 h 683828"/>
+              <a:gd name="connsiteX6" fmla="*/ 266772 w 1386465"/>
+              <a:gd name="connsiteY6" fmla="*/ 529779 h 683828"/>
+              <a:gd name="connsiteX7" fmla="*/ 341920 w 1386465"/>
+              <a:gd name="connsiteY7" fmla="*/ 586138 h 683828"/>
+              <a:gd name="connsiteX8" fmla="*/ 447126 w 1386465"/>
+              <a:gd name="connsiteY8" fmla="*/ 638740 h 683828"/>
+              <a:gd name="connsiteX9" fmla="*/ 522273 w 1386465"/>
+              <a:gd name="connsiteY9" fmla="*/ 657527 h 683828"/>
+              <a:gd name="connsiteX10" fmla="*/ 634994 w 1386465"/>
+              <a:gd name="connsiteY10" fmla="*/ 683828 h 683828"/>
+              <a:gd name="connsiteX11" fmla="*/ 770258 w 1386465"/>
+              <a:gd name="connsiteY11" fmla="*/ 680071 h 683828"/>
+              <a:gd name="connsiteX12" fmla="*/ 860435 w 1386465"/>
+              <a:gd name="connsiteY12" fmla="*/ 665041 h 683828"/>
+              <a:gd name="connsiteX13" fmla="*/ 943097 w 1386465"/>
+              <a:gd name="connsiteY13" fmla="*/ 634983 h 683828"/>
+              <a:gd name="connsiteX14" fmla="*/ 1037031 w 1386465"/>
+              <a:gd name="connsiteY14" fmla="*/ 589896 h 683828"/>
+              <a:gd name="connsiteX15" fmla="*/ 1123450 w 1386465"/>
+              <a:gd name="connsiteY15" fmla="*/ 533536 h 683828"/>
+              <a:gd name="connsiteX16" fmla="*/ 1194840 w 1386465"/>
+              <a:gd name="connsiteY16" fmla="*/ 469662 h 683828"/>
+              <a:gd name="connsiteX17" fmla="*/ 1254958 w 1386465"/>
+              <a:gd name="connsiteY17" fmla="*/ 398274 h 683828"/>
+              <a:gd name="connsiteX18" fmla="*/ 1292531 w 1386465"/>
+              <a:gd name="connsiteY18" fmla="*/ 338157 h 683828"/>
+              <a:gd name="connsiteX19" fmla="*/ 1337619 w 1386465"/>
+              <a:gd name="connsiteY19" fmla="*/ 255496 h 683828"/>
+              <a:gd name="connsiteX20" fmla="*/ 1363921 w 1386465"/>
+              <a:gd name="connsiteY20" fmla="*/ 165321 h 683828"/>
+              <a:gd name="connsiteX21" fmla="*/ 1386465 w 1386465"/>
+              <a:gd name="connsiteY21" fmla="*/ 67632 h 683828"/>
+              <a:gd name="connsiteX22" fmla="*/ 1311318 w 1386465"/>
+              <a:gd name="connsiteY22" fmla="*/ 116477 h 683828"/>
+              <a:gd name="connsiteX23" fmla="*/ 1228656 w 1386465"/>
+              <a:gd name="connsiteY23" fmla="*/ 123991 h 683828"/>
+              <a:gd name="connsiteX24" fmla="*/ 1127207 w 1386465"/>
+              <a:gd name="connsiteY24" fmla="*/ 131506 h 683828"/>
+              <a:gd name="connsiteX25" fmla="*/ 1059575 w 1386465"/>
+              <a:gd name="connsiteY25" fmla="*/ 142778 h 683828"/>
+              <a:gd name="connsiteX26" fmla="*/ 950612 w 1386465"/>
+              <a:gd name="connsiteY26" fmla="*/ 120234 h 683828"/>
+              <a:gd name="connsiteX27" fmla="*/ 864192 w 1386465"/>
+              <a:gd name="connsiteY27" fmla="*/ 93933 h 683828"/>
+              <a:gd name="connsiteX28" fmla="*/ 811589 w 1386465"/>
+              <a:gd name="connsiteY28" fmla="*/ 78904 h 683828"/>
+              <a:gd name="connsiteX29" fmla="*/ 758986 w 1386465"/>
+              <a:gd name="connsiteY29" fmla="*/ 48845 h 683828"/>
+              <a:gd name="connsiteX30" fmla="*/ 717655 w 1386465"/>
+              <a:gd name="connsiteY30" fmla="*/ 22544 h 683828"/>
+              <a:gd name="connsiteX31" fmla="*/ 657538 w 1386465"/>
+              <a:gd name="connsiteY31" fmla="*/ 52603 h 683828"/>
+              <a:gd name="connsiteX32" fmla="*/ 593663 w 1386465"/>
+              <a:gd name="connsiteY32" fmla="*/ 78904 h 683828"/>
+              <a:gd name="connsiteX33" fmla="*/ 507243 w 1386465"/>
+              <a:gd name="connsiteY33" fmla="*/ 97690 h 683828"/>
+              <a:gd name="connsiteX34" fmla="*/ 405795 w 1386465"/>
+              <a:gd name="connsiteY34" fmla="*/ 120234 h 683828"/>
+              <a:gd name="connsiteX35" fmla="*/ 330648 w 1386465"/>
+              <a:gd name="connsiteY35" fmla="*/ 108962 h 683828"/>
+              <a:gd name="connsiteX36" fmla="*/ 221684 w 1386465"/>
+              <a:gd name="connsiteY36" fmla="*/ 101447 h 683828"/>
+              <a:gd name="connsiteX37" fmla="*/ 120236 w 1386465"/>
+              <a:gd name="connsiteY37" fmla="*/ 63874 h 683828"/>
+              <a:gd name="connsiteX38" fmla="*/ 52603 w 1386465"/>
+              <a:gd name="connsiteY38" fmla="*/ 41331 h 683828"/>
+              <a:gd name="connsiteX39" fmla="*/ 0 w 1386465"/>
+              <a:gd name="connsiteY39" fmla="*/ 0 h 683828"/>
+            </a:gdLst>
+            <a:ahLst/>
+            <a:cxnLst>
+              <a:cxn ang="0">
+                <a:pos x="connsiteX0" y="connsiteY0"/>
+              </a:cxn>
+              <a:cxn ang="0">
+                <a:pos x="connsiteX1" y="connsiteY1"/>
+              </a:cxn>
+              <a:cxn ang="0">
+                <a:pos x="connsiteX2" y="connsiteY2"/>
+              </a:cxn>
+              <a:cxn ang="0">
+                <a:pos x="connsiteX3" y="connsiteY3"/>
+              </a:cxn>
+              <a:cxn ang="0">
+                <a:pos x="connsiteX4" y="connsiteY4"/>
+              </a:cxn>
+              <a:cxn ang="0">
+                <a:pos x="connsiteX5" y="connsiteY5"/>
+              </a:cxn>
+              <a:cxn ang="0">
+                <a:pos x="connsiteX6" y="connsiteY6"/>
+              </a:cxn>
+              <a:cxn ang="0">
+                <a:pos x="connsiteX7" y="connsiteY7"/>
+              </a:cxn>
+              <a:cxn ang="0">
+                <a:pos x="connsiteX8" y="connsiteY8"/>
+              </a:cxn>
+              <a:cxn ang="0">
+                <a:pos x="connsiteX9" y="connsiteY9"/>
+              </a:cxn>
+              <a:cxn ang="0">
+                <a:pos x="connsiteX10" y="connsiteY10"/>
+              </a:cxn>
+              <a:cxn ang="0">
+                <a:pos x="connsiteX11" y="connsiteY11"/>
+              </a:cxn>
+              <a:cxn ang="0">
+                <a:pos x="connsiteX12" y="connsiteY12"/>
+              </a:cxn>
+              <a:cxn ang="0">
+                <a:pos x="connsiteX13" y="connsiteY13"/>
+              </a:cxn>
+              <a:cxn ang="0">
+                <a:pos x="connsiteX14" y="connsiteY14"/>
+              </a:cxn>
+              <a:cxn ang="0">
+                <a:pos x="connsiteX15" y="connsiteY15"/>
+              </a:cxn>
+              <a:cxn ang="0">
+                <a:pos x="connsiteX16" y="connsiteY16"/>
+              </a:cxn>
+              <a:cxn ang="0">
+                <a:pos x="connsiteX17" y="connsiteY17"/>
+              </a:cxn>
+              <a:cxn ang="0">
+                <a:pos x="connsiteX18" y="connsiteY18"/>
+              </a:cxn>
+              <a:cxn ang="0">
+                <a:pos x="connsiteX19" y="connsiteY19"/>
+              </a:cxn>
+              <a:cxn ang="0">
+                <a:pos x="connsiteX20" y="connsiteY20"/>
+              </a:cxn>
+              <a:cxn ang="0">
+                <a:pos x="connsiteX21" y="connsiteY21"/>
+              </a:cxn>
+              <a:cxn ang="0">
+                <a:pos x="connsiteX22" y="connsiteY22"/>
+              </a:cxn>
+              <a:cxn ang="0">
+                <a:pos x="connsiteX23" y="connsiteY23"/>
+              </a:cxn>
+              <a:cxn ang="0">
+                <a:pos x="connsiteX24" y="connsiteY24"/>
+              </a:cxn>
+              <a:cxn ang="0">
+                <a:pos x="connsiteX25" y="connsiteY25"/>
+              </a:cxn>
+              <a:cxn ang="0">
+                <a:pos x="connsiteX26" y="connsiteY26"/>
+              </a:cxn>
+              <a:cxn ang="0">
+                <a:pos x="connsiteX27" y="connsiteY27"/>
+              </a:cxn>
+              <a:cxn ang="0">
+                <a:pos x="connsiteX28" y="connsiteY28"/>
+              </a:cxn>
+              <a:cxn ang="0">
+                <a:pos x="connsiteX29" y="connsiteY29"/>
+              </a:cxn>
+              <a:cxn ang="0">
+                <a:pos x="connsiteX30" y="connsiteY30"/>
+              </a:cxn>
+              <a:cxn ang="0">
+                <a:pos x="connsiteX31" y="connsiteY31"/>
+              </a:cxn>
+              <a:cxn ang="0">
+                <a:pos x="connsiteX32" y="connsiteY32"/>
+              </a:cxn>
+              <a:cxn ang="0">
+                <a:pos x="connsiteX33" y="connsiteY33"/>
+              </a:cxn>
+              <a:cxn ang="0">
+                <a:pos x="connsiteX34" y="connsiteY34"/>
+              </a:cxn>
+              <a:cxn ang="0">
+                <a:pos x="connsiteX35" y="connsiteY35"/>
+              </a:cxn>
+              <a:cxn ang="0">
+                <a:pos x="connsiteX36" y="connsiteY36"/>
+              </a:cxn>
+              <a:cxn ang="0">
+                <a:pos x="connsiteX37" y="connsiteY37"/>
+              </a:cxn>
+              <a:cxn ang="0">
+                <a:pos x="connsiteX38" y="connsiteY38"/>
+              </a:cxn>
+              <a:cxn ang="0">
+                <a:pos x="connsiteX39" y="connsiteY39"/>
+              </a:cxn>
+            </a:cxnLst>
+            <a:rect l="l" t="t" r="r" b="b"/>
+            <a:pathLst>
+              <a:path w="1386465" h="683828">
+                <a:moveTo>
+                  <a:pt x="0" y="0"/>
+                </a:moveTo>
+                <a:lnTo>
+                  <a:pt x="11272" y="105205"/>
+                </a:lnTo>
+                <a:lnTo>
+                  <a:pt x="37574" y="199137"/>
+                </a:lnTo>
+                <a:lnTo>
+                  <a:pt x="67633" y="285555"/>
+                </a:lnTo>
+                <a:lnTo>
+                  <a:pt x="123993" y="375730"/>
+                </a:lnTo>
+                <a:lnTo>
+                  <a:pt x="184111" y="454633"/>
+                </a:lnTo>
+                <a:lnTo>
+                  <a:pt x="266772" y="529779"/>
+                </a:lnTo>
+                <a:lnTo>
+                  <a:pt x="341920" y="586138"/>
+                </a:lnTo>
+                <a:lnTo>
+                  <a:pt x="447126" y="638740"/>
+                </a:lnTo>
+                <a:lnTo>
+                  <a:pt x="522273" y="657527"/>
+                </a:lnTo>
+                <a:lnTo>
+                  <a:pt x="634994" y="683828"/>
+                </a:lnTo>
+                <a:lnTo>
+                  <a:pt x="770258" y="680071"/>
+                </a:lnTo>
+                <a:lnTo>
+                  <a:pt x="860435" y="665041"/>
+                </a:lnTo>
+                <a:lnTo>
+                  <a:pt x="943097" y="634983"/>
+                </a:lnTo>
+                <a:lnTo>
+                  <a:pt x="1037031" y="589896"/>
+                </a:lnTo>
+                <a:lnTo>
+                  <a:pt x="1123450" y="533536"/>
+                </a:lnTo>
+                <a:lnTo>
+                  <a:pt x="1194840" y="469662"/>
+                </a:lnTo>
+                <a:lnTo>
+                  <a:pt x="1254958" y="398274"/>
+                </a:lnTo>
+                <a:lnTo>
+                  <a:pt x="1292531" y="338157"/>
+                </a:lnTo>
+                <a:lnTo>
+                  <a:pt x="1337619" y="255496"/>
+                </a:lnTo>
+                <a:lnTo>
+                  <a:pt x="1363921" y="165321"/>
+                </a:lnTo>
+                <a:lnTo>
+                  <a:pt x="1386465" y="67632"/>
+                </a:lnTo>
+                <a:lnTo>
+                  <a:pt x="1311318" y="116477"/>
+                </a:lnTo>
+                <a:lnTo>
+                  <a:pt x="1228656" y="123991"/>
+                </a:lnTo>
+                <a:lnTo>
+                  <a:pt x="1127207" y="131506"/>
+                </a:lnTo>
+                <a:lnTo>
+                  <a:pt x="1059575" y="142778"/>
+                </a:lnTo>
+                <a:lnTo>
+                  <a:pt x="950612" y="120234"/>
+                </a:lnTo>
+                <a:lnTo>
+                  <a:pt x="864192" y="93933"/>
+                </a:lnTo>
+                <a:lnTo>
+                  <a:pt x="811589" y="78904"/>
+                </a:lnTo>
+                <a:lnTo>
+                  <a:pt x="758986" y="48845"/>
+                </a:lnTo>
+                <a:lnTo>
+                  <a:pt x="717655" y="22544"/>
+                </a:lnTo>
+                <a:lnTo>
+                  <a:pt x="657538" y="52603"/>
+                </a:lnTo>
+                <a:lnTo>
+                  <a:pt x="593663" y="78904"/>
+                </a:lnTo>
+                <a:lnTo>
+                  <a:pt x="507243" y="97690"/>
+                </a:lnTo>
+                <a:lnTo>
+                  <a:pt x="405795" y="120234"/>
+                </a:lnTo>
+                <a:lnTo>
+                  <a:pt x="330648" y="108962"/>
+                </a:lnTo>
+                <a:lnTo>
+                  <a:pt x="221684" y="101447"/>
+                </a:lnTo>
+                <a:lnTo>
+                  <a:pt x="120236" y="63874"/>
+                </a:lnTo>
+                <a:lnTo>
+                  <a:pt x="52603" y="41331"/>
+                </a:lnTo>
+                <a:lnTo>
+                  <a:pt x="0" y="0"/>
+                </a:lnTo>
+                <a:close/>
+              </a:path>
+            </a:pathLst>
+          </a:custGeom>
+          <a:pattFill prst="wdDnDiag">
+            <a:fgClr>
+              <a:srgbClr val="FF6600"/>
+            </a:fgClr>
+            <a:bgClr>
+              <a:schemeClr val="accent6">
+                <a:lumMod val="20000"/>
+                <a:lumOff val="80000"/>
+              </a:schemeClr>
+            </a:bgClr>
+          </a:pattFill>
+          <a:ln>
+            <a:noFill/>
+          </a:ln>
+        </p:spPr>
+        <p:style>
+          <a:lnRef idx="1">
+            <a:schemeClr val="accent1"/>
+          </a:lnRef>
+          <a:fillRef idx="3">
+            <a:schemeClr val="accent1"/>
+          </a:fillRef>
+          <a:effectRef idx="2">
+            <a:schemeClr val="accent1"/>
+          </a:effectRef>
+          <a:fontRef idx="minor">
+            <a:schemeClr val="lt1"/>
+          </a:fontRef>
+        </p:style>
+        <p:txBody>
+          <a:bodyPr rtlCol="0" anchor="ctr"/>
+          <a:lstStyle/>
+          <a:p>
+            <a:pPr algn="ctr"/>
+            <a:endParaRPr lang="fr-FR"/>
+          </a:p>
+        </p:txBody>
+      </p:sp>
+      <p:sp>
+        <p:nvSpPr>
+          <p:cNvPr id="5" name="Forme libre 4"/>
+          <p:cNvSpPr/>
+          <p:nvPr/>
+        </p:nvSpPr>
+        <p:spPr>
+          <a:xfrm>
+            <a:off x="2747743" y="1639024"/>
+            <a:ext cx="1391809" cy="1316886"/>
+          </a:xfrm>
+          <a:custGeom>
+            <a:avLst/>
+            <a:gdLst>
+              <a:gd name="connsiteX0" fmla="*/ 393643 w 1391809"/>
+              <a:gd name="connsiteY0" fmla="*/ 0 h 1316886"/>
+              <a:gd name="connsiteX1" fmla="*/ 388957 w 1391809"/>
+              <a:gd name="connsiteY1" fmla="*/ 84355 h 1316886"/>
+              <a:gd name="connsiteX2" fmla="*/ 403016 w 1391809"/>
+              <a:gd name="connsiteY2" fmla="*/ 173397 h 1316886"/>
+              <a:gd name="connsiteX3" fmla="*/ 431133 w 1391809"/>
+              <a:gd name="connsiteY3" fmla="*/ 271812 h 1316886"/>
+              <a:gd name="connsiteX4" fmla="*/ 463937 w 1391809"/>
+              <a:gd name="connsiteY4" fmla="*/ 351482 h 1316886"/>
+              <a:gd name="connsiteX5" fmla="*/ 515485 w 1391809"/>
+              <a:gd name="connsiteY5" fmla="*/ 449897 h 1316886"/>
+              <a:gd name="connsiteX6" fmla="*/ 571720 w 1391809"/>
+              <a:gd name="connsiteY6" fmla="*/ 515507 h 1316886"/>
+              <a:gd name="connsiteX7" fmla="*/ 637327 w 1391809"/>
+              <a:gd name="connsiteY7" fmla="*/ 585803 h 1316886"/>
+              <a:gd name="connsiteX8" fmla="*/ 693562 w 1391809"/>
+              <a:gd name="connsiteY8" fmla="*/ 618608 h 1316886"/>
+              <a:gd name="connsiteX9" fmla="*/ 721679 w 1391809"/>
+              <a:gd name="connsiteY9" fmla="*/ 637354 h 1316886"/>
+              <a:gd name="connsiteX10" fmla="*/ 801345 w 1391809"/>
+              <a:gd name="connsiteY10" fmla="*/ 585803 h 1316886"/>
+              <a:gd name="connsiteX11" fmla="*/ 881011 w 1391809"/>
+              <a:gd name="connsiteY11" fmla="*/ 520193 h 1316886"/>
+              <a:gd name="connsiteX12" fmla="*/ 932559 w 1391809"/>
+              <a:gd name="connsiteY12" fmla="*/ 459269 h 1316886"/>
+              <a:gd name="connsiteX13" fmla="*/ 974735 w 1391809"/>
+              <a:gd name="connsiteY13" fmla="*/ 398346 h 1316886"/>
+              <a:gd name="connsiteX14" fmla="*/ 1007539 w 1391809"/>
+              <a:gd name="connsiteY14" fmla="*/ 342109 h 1316886"/>
+              <a:gd name="connsiteX15" fmla="*/ 1035656 w 1391809"/>
+              <a:gd name="connsiteY15" fmla="*/ 271812 h 1316886"/>
+              <a:gd name="connsiteX16" fmla="*/ 1059087 w 1391809"/>
+              <a:gd name="connsiteY16" fmla="*/ 201516 h 1316886"/>
+              <a:gd name="connsiteX17" fmla="*/ 1073146 w 1391809"/>
+              <a:gd name="connsiteY17" fmla="*/ 121847 h 1316886"/>
+              <a:gd name="connsiteX18" fmla="*/ 1077832 w 1391809"/>
+              <a:gd name="connsiteY18" fmla="*/ 42177 h 1316886"/>
+              <a:gd name="connsiteX19" fmla="*/ 1138753 w 1391809"/>
+              <a:gd name="connsiteY19" fmla="*/ 93728 h 1316886"/>
+              <a:gd name="connsiteX20" fmla="*/ 1209047 w 1391809"/>
+              <a:gd name="connsiteY20" fmla="*/ 154652 h 1316886"/>
+              <a:gd name="connsiteX21" fmla="*/ 1255909 w 1391809"/>
+              <a:gd name="connsiteY21" fmla="*/ 215575 h 1316886"/>
+              <a:gd name="connsiteX22" fmla="*/ 1293399 w 1391809"/>
+              <a:gd name="connsiteY22" fmla="*/ 271812 h 1316886"/>
+              <a:gd name="connsiteX23" fmla="*/ 1321516 w 1391809"/>
+              <a:gd name="connsiteY23" fmla="*/ 328049 h 1316886"/>
+              <a:gd name="connsiteX24" fmla="*/ 1354320 w 1391809"/>
+              <a:gd name="connsiteY24" fmla="*/ 398346 h 1316886"/>
+              <a:gd name="connsiteX25" fmla="*/ 1377751 w 1391809"/>
+              <a:gd name="connsiteY25" fmla="*/ 492074 h 1316886"/>
+              <a:gd name="connsiteX26" fmla="*/ 1391809 w 1391809"/>
+              <a:gd name="connsiteY26" fmla="*/ 567057 h 1316886"/>
+              <a:gd name="connsiteX27" fmla="*/ 1391809 w 1391809"/>
+              <a:gd name="connsiteY27" fmla="*/ 646726 h 1316886"/>
+              <a:gd name="connsiteX28" fmla="*/ 1382437 w 1391809"/>
+              <a:gd name="connsiteY28" fmla="*/ 721709 h 1316886"/>
+              <a:gd name="connsiteX29" fmla="*/ 1363692 w 1391809"/>
+              <a:gd name="connsiteY29" fmla="*/ 810751 h 1316886"/>
+              <a:gd name="connsiteX30" fmla="*/ 1330889 w 1391809"/>
+              <a:gd name="connsiteY30" fmla="*/ 904480 h 1316886"/>
+              <a:gd name="connsiteX31" fmla="*/ 1269968 w 1391809"/>
+              <a:gd name="connsiteY31" fmla="*/ 1026327 h 1316886"/>
+              <a:gd name="connsiteX32" fmla="*/ 1204360 w 1391809"/>
+              <a:gd name="connsiteY32" fmla="*/ 1096623 h 1316886"/>
+              <a:gd name="connsiteX33" fmla="*/ 1110636 w 1391809"/>
+              <a:gd name="connsiteY33" fmla="*/ 1180979 h 1316886"/>
+              <a:gd name="connsiteX34" fmla="*/ 1021598 w 1391809"/>
+              <a:gd name="connsiteY34" fmla="*/ 1227843 h 1316886"/>
+              <a:gd name="connsiteX35" fmla="*/ 909128 w 1391809"/>
+              <a:gd name="connsiteY35" fmla="*/ 1284081 h 1316886"/>
+              <a:gd name="connsiteX36" fmla="*/ 782600 w 1391809"/>
+              <a:gd name="connsiteY36" fmla="*/ 1307513 h 1316886"/>
+              <a:gd name="connsiteX37" fmla="*/ 674817 w 1391809"/>
+              <a:gd name="connsiteY37" fmla="*/ 1316886 h 1316886"/>
+              <a:gd name="connsiteX38" fmla="*/ 557661 w 1391809"/>
+              <a:gd name="connsiteY38" fmla="*/ 1302826 h 1316886"/>
+              <a:gd name="connsiteX39" fmla="*/ 449878 w 1391809"/>
+              <a:gd name="connsiteY39" fmla="*/ 1274708 h 1316886"/>
+              <a:gd name="connsiteX40" fmla="*/ 370212 w 1391809"/>
+              <a:gd name="connsiteY40" fmla="*/ 1232530 h 1316886"/>
+              <a:gd name="connsiteX41" fmla="*/ 257743 w 1391809"/>
+              <a:gd name="connsiteY41" fmla="*/ 1166920 h 1316886"/>
+              <a:gd name="connsiteX42" fmla="*/ 173390 w 1391809"/>
+              <a:gd name="connsiteY42" fmla="*/ 1087251 h 1316886"/>
+              <a:gd name="connsiteX43" fmla="*/ 112470 w 1391809"/>
+              <a:gd name="connsiteY43" fmla="*/ 1002895 h 1316886"/>
+              <a:gd name="connsiteX44" fmla="*/ 51549 w 1391809"/>
+              <a:gd name="connsiteY44" fmla="*/ 890421 h 1316886"/>
+              <a:gd name="connsiteX45" fmla="*/ 18745 w 1391809"/>
+              <a:gd name="connsiteY45" fmla="*/ 792006 h 1316886"/>
+              <a:gd name="connsiteX46" fmla="*/ 0 w 1391809"/>
+              <a:gd name="connsiteY46" fmla="*/ 670159 h 1316886"/>
+              <a:gd name="connsiteX47" fmla="*/ 0 w 1391809"/>
+              <a:gd name="connsiteY47" fmla="*/ 567057 h 1316886"/>
+              <a:gd name="connsiteX48" fmla="*/ 14059 w 1391809"/>
+              <a:gd name="connsiteY48" fmla="*/ 487388 h 1316886"/>
+              <a:gd name="connsiteX49" fmla="*/ 37490 w 1391809"/>
+              <a:gd name="connsiteY49" fmla="*/ 388973 h 1316886"/>
+              <a:gd name="connsiteX50" fmla="*/ 89038 w 1391809"/>
+              <a:gd name="connsiteY50" fmla="*/ 285872 h 1316886"/>
+              <a:gd name="connsiteX51" fmla="*/ 149959 w 1391809"/>
+              <a:gd name="connsiteY51" fmla="*/ 182770 h 1316886"/>
+              <a:gd name="connsiteX52" fmla="*/ 248370 w 1391809"/>
+              <a:gd name="connsiteY52" fmla="*/ 98415 h 1316886"/>
+              <a:gd name="connsiteX53" fmla="*/ 332722 w 1391809"/>
+              <a:gd name="connsiteY53" fmla="*/ 37491 h 1316886"/>
+              <a:gd name="connsiteX54" fmla="*/ 393643 w 1391809"/>
+              <a:gd name="connsiteY54" fmla="*/ 0 h 1316886"/>
+            </a:gdLst>
+            <a:ahLst/>
+            <a:cxnLst>
+              <a:cxn ang="0">
+                <a:pos x="connsiteX0" y="connsiteY0"/>
+              </a:cxn>
+              <a:cxn ang="0">
+                <a:pos x="connsiteX1" y="connsiteY1"/>
+              </a:cxn>
+              <a:cxn ang="0">
+                <a:pos x="connsiteX2" y="connsiteY2"/>
+              </a:cxn>
+              <a:cxn ang="0">
+                <a:pos x="connsiteX3" y="connsiteY3"/>
+              </a:cxn>
+              <a:cxn ang="0">
+                <a:pos x="connsiteX4" y="connsiteY4"/>
+              </a:cxn>
+              <a:cxn ang="0">
+                <a:pos x="connsiteX5" y="connsiteY5"/>
+              </a:cxn>
+              <a:cxn ang="0">
+                <a:pos x="connsiteX6" y="connsiteY6"/>
+              </a:cxn>
+              <a:cxn ang="0">
+                <a:pos x="connsiteX7" y="connsiteY7"/>
+              </a:cxn>
+              <a:cxn ang="0">
+                <a:pos x="connsiteX8" y="connsiteY8"/>
+              </a:cxn>
+              <a:cxn ang="0">
+                <a:pos x="connsiteX9" y="connsiteY9"/>
+              </a:cxn>
+              <a:cxn ang="0">
+                <a:pos x="connsiteX10" y="connsiteY10"/>
+              </a:cxn>
+              <a:cxn ang="0">
+                <a:pos x="connsiteX11" y="connsiteY11"/>
+              </a:cxn>
+              <a:cxn ang="0">
+                <a:pos x="connsiteX12" y="connsiteY12"/>
+              </a:cxn>
+              <a:cxn ang="0">
+                <a:pos x="connsiteX13" y="connsiteY13"/>
+              </a:cxn>
+              <a:cxn ang="0">
+                <a:pos x="connsiteX14" y="connsiteY14"/>
+              </a:cxn>
+              <a:cxn ang="0">
+                <a:pos x="connsiteX15" y="connsiteY15"/>
+              </a:cxn>
+              <a:cxn ang="0">
+                <a:pos x="connsiteX16" y="connsiteY16"/>
+              </a:cxn>
+              <a:cxn ang="0">
+                <a:pos x="connsiteX17" y="connsiteY17"/>
+              </a:cxn>
+              <a:cxn ang="0">
+                <a:pos x="connsiteX18" y="connsiteY18"/>
+              </a:cxn>
+              <a:cxn ang="0">
+                <a:pos x="connsiteX19" y="connsiteY19"/>
+              </a:cxn>
+              <a:cxn ang="0">
+                <a:pos x="connsiteX20" y="connsiteY20"/>
+              </a:cxn>
+              <a:cxn ang="0">
+                <a:pos x="connsiteX21" y="connsiteY21"/>
+              </a:cxn>
+              <a:cxn ang="0">
+                <a:pos x="connsiteX22" y="connsiteY22"/>
+              </a:cxn>
+              <a:cxn ang="0">
+                <a:pos x="connsiteX23" y="connsiteY23"/>
+              </a:cxn>
+              <a:cxn ang="0">
+                <a:pos x="connsiteX24" y="connsiteY24"/>
+              </a:cxn>
+              <a:cxn ang="0">
+                <a:pos x="connsiteX25" y="connsiteY25"/>
+              </a:cxn>
+              <a:cxn ang="0">
+                <a:pos x="connsiteX26" y="connsiteY26"/>
+              </a:cxn>
+              <a:cxn ang="0">
+                <a:pos x="connsiteX27" y="connsiteY27"/>
+              </a:cxn>
+              <a:cxn ang="0">
+                <a:pos x="connsiteX28" y="connsiteY28"/>
+              </a:cxn>
+              <a:cxn ang="0">
+                <a:pos x="connsiteX29" y="connsiteY29"/>
+              </a:cxn>
+              <a:cxn ang="0">
+                <a:pos x="connsiteX30" y="connsiteY30"/>
+              </a:cxn>
+              <a:cxn ang="0">
+                <a:pos x="connsiteX31" y="connsiteY31"/>
+              </a:cxn>
+              <a:cxn ang="0">
+                <a:pos x="connsiteX32" y="connsiteY32"/>
+              </a:cxn>
+              <a:cxn ang="0">
+                <a:pos x="connsiteX33" y="connsiteY33"/>
+              </a:cxn>
+              <a:cxn ang="0">
+                <a:pos x="connsiteX34" y="connsiteY34"/>
+              </a:cxn>
+              <a:cxn ang="0">
+                <a:pos x="connsiteX35" y="connsiteY35"/>
+              </a:cxn>
+              <a:cxn ang="0">
+                <a:pos x="connsiteX36" y="connsiteY36"/>
+              </a:cxn>
+              <a:cxn ang="0">
+                <a:pos x="connsiteX37" y="connsiteY37"/>
+              </a:cxn>
+              <a:cxn ang="0">
+                <a:pos x="connsiteX38" y="connsiteY38"/>
+              </a:cxn>
+              <a:cxn ang="0">
+                <a:pos x="connsiteX39" y="connsiteY39"/>
+              </a:cxn>
+              <a:cxn ang="0">
+                <a:pos x="connsiteX40" y="connsiteY40"/>
+              </a:cxn>
+              <a:cxn ang="0">
+                <a:pos x="connsiteX41" y="connsiteY41"/>
+              </a:cxn>
+              <a:cxn ang="0">
+                <a:pos x="connsiteX42" y="connsiteY42"/>
+              </a:cxn>
+              <a:cxn ang="0">
+                <a:pos x="connsiteX43" y="connsiteY43"/>
+              </a:cxn>
+              <a:cxn ang="0">
+                <a:pos x="connsiteX44" y="connsiteY44"/>
+              </a:cxn>
+              <a:cxn ang="0">
+                <a:pos x="connsiteX45" y="connsiteY45"/>
+              </a:cxn>
+              <a:cxn ang="0">
+                <a:pos x="connsiteX46" y="connsiteY46"/>
+              </a:cxn>
+              <a:cxn ang="0">
+                <a:pos x="connsiteX47" y="connsiteY47"/>
+              </a:cxn>
+              <a:cxn ang="0">
+                <a:pos x="connsiteX48" y="connsiteY48"/>
+              </a:cxn>
+              <a:cxn ang="0">
+                <a:pos x="connsiteX49" y="connsiteY49"/>
+              </a:cxn>
+              <a:cxn ang="0">
+                <a:pos x="connsiteX50" y="connsiteY50"/>
+              </a:cxn>
+              <a:cxn ang="0">
+                <a:pos x="connsiteX51" y="connsiteY51"/>
+              </a:cxn>
+              <a:cxn ang="0">
+                <a:pos x="connsiteX52" y="connsiteY52"/>
+              </a:cxn>
+              <a:cxn ang="0">
+                <a:pos x="connsiteX53" y="connsiteY53"/>
+              </a:cxn>
+              <a:cxn ang="0">
+                <a:pos x="connsiteX54" y="connsiteY54"/>
+              </a:cxn>
+            </a:cxnLst>
+            <a:rect l="l" t="t" r="r" b="b"/>
+            <a:pathLst>
+              <a:path w="1391809" h="1316886">
+                <a:moveTo>
+                  <a:pt x="393643" y="0"/>
+                </a:moveTo>
+                <a:lnTo>
+                  <a:pt x="388957" y="84355"/>
+                </a:lnTo>
+                <a:lnTo>
+                  <a:pt x="403016" y="173397"/>
+                </a:lnTo>
+                <a:lnTo>
+                  <a:pt x="431133" y="271812"/>
+                </a:lnTo>
+                <a:lnTo>
+                  <a:pt x="463937" y="351482"/>
+                </a:lnTo>
+                <a:lnTo>
+                  <a:pt x="515485" y="449897"/>
+                </a:lnTo>
+                <a:lnTo>
+                  <a:pt x="571720" y="515507"/>
+                </a:lnTo>
+                <a:lnTo>
+                  <a:pt x="637327" y="585803"/>
+                </a:lnTo>
+                <a:lnTo>
+                  <a:pt x="693562" y="618608"/>
+                </a:lnTo>
+                <a:lnTo>
+                  <a:pt x="721679" y="637354"/>
+                </a:lnTo>
+                <a:lnTo>
+                  <a:pt x="801345" y="585803"/>
+                </a:lnTo>
+                <a:lnTo>
+                  <a:pt x="881011" y="520193"/>
+                </a:lnTo>
+                <a:lnTo>
+                  <a:pt x="932559" y="459269"/>
+                </a:lnTo>
+                <a:lnTo>
+                  <a:pt x="974735" y="398346"/>
+                </a:lnTo>
+                <a:lnTo>
+                  <a:pt x="1007539" y="342109"/>
+                </a:lnTo>
+                <a:lnTo>
+                  <a:pt x="1035656" y="271812"/>
+                </a:lnTo>
+                <a:lnTo>
+                  <a:pt x="1059087" y="201516"/>
+                </a:lnTo>
+                <a:lnTo>
+                  <a:pt x="1073146" y="121847"/>
+                </a:lnTo>
+                <a:lnTo>
+                  <a:pt x="1077832" y="42177"/>
+                </a:lnTo>
+                <a:lnTo>
+                  <a:pt x="1138753" y="93728"/>
+                </a:lnTo>
+                <a:lnTo>
+                  <a:pt x="1209047" y="154652"/>
+                </a:lnTo>
+                <a:lnTo>
+                  <a:pt x="1255909" y="215575"/>
+                </a:lnTo>
+                <a:lnTo>
+                  <a:pt x="1293399" y="271812"/>
+                </a:lnTo>
+                <a:lnTo>
+                  <a:pt x="1321516" y="328049"/>
+                </a:lnTo>
+                <a:lnTo>
+                  <a:pt x="1354320" y="398346"/>
+                </a:lnTo>
+                <a:lnTo>
+                  <a:pt x="1377751" y="492074"/>
+                </a:lnTo>
+                <a:lnTo>
+                  <a:pt x="1391809" y="567057"/>
+                </a:lnTo>
+                <a:lnTo>
+                  <a:pt x="1391809" y="646726"/>
+                </a:lnTo>
+                <a:lnTo>
+                  <a:pt x="1382437" y="721709"/>
+                </a:lnTo>
+                <a:lnTo>
+                  <a:pt x="1363692" y="810751"/>
+                </a:lnTo>
+                <a:lnTo>
+                  <a:pt x="1330889" y="904480"/>
+                </a:lnTo>
+                <a:lnTo>
+                  <a:pt x="1269968" y="1026327"/>
+                </a:lnTo>
+                <a:lnTo>
+                  <a:pt x="1204360" y="1096623"/>
+                </a:lnTo>
+                <a:lnTo>
+                  <a:pt x="1110636" y="1180979"/>
+                </a:lnTo>
+                <a:lnTo>
+                  <a:pt x="1021598" y="1227843"/>
+                </a:lnTo>
+                <a:lnTo>
+                  <a:pt x="909128" y="1284081"/>
+                </a:lnTo>
+                <a:lnTo>
+                  <a:pt x="782600" y="1307513"/>
+                </a:lnTo>
+                <a:lnTo>
+                  <a:pt x="674817" y="1316886"/>
+                </a:lnTo>
+                <a:lnTo>
+                  <a:pt x="557661" y="1302826"/>
+                </a:lnTo>
+                <a:lnTo>
+                  <a:pt x="449878" y="1274708"/>
+                </a:lnTo>
+                <a:lnTo>
+                  <a:pt x="370212" y="1232530"/>
+                </a:lnTo>
+                <a:lnTo>
+                  <a:pt x="257743" y="1166920"/>
+                </a:lnTo>
+                <a:lnTo>
+                  <a:pt x="173390" y="1087251"/>
+                </a:lnTo>
+                <a:lnTo>
+                  <a:pt x="112470" y="1002895"/>
+                </a:lnTo>
+                <a:lnTo>
+                  <a:pt x="51549" y="890421"/>
+                </a:lnTo>
+                <a:lnTo>
+                  <a:pt x="18745" y="792006"/>
+                </a:lnTo>
+                <a:lnTo>
+                  <a:pt x="0" y="670159"/>
+                </a:lnTo>
+                <a:lnTo>
+                  <a:pt x="0" y="567057"/>
+                </a:lnTo>
+                <a:lnTo>
+                  <a:pt x="14059" y="487388"/>
+                </a:lnTo>
+                <a:lnTo>
+                  <a:pt x="37490" y="388973"/>
+                </a:lnTo>
+                <a:lnTo>
+                  <a:pt x="89038" y="285872"/>
+                </a:lnTo>
+                <a:lnTo>
+                  <a:pt x="149959" y="182770"/>
+                </a:lnTo>
+                <a:lnTo>
+                  <a:pt x="248370" y="98415"/>
+                </a:lnTo>
+                <a:lnTo>
+                  <a:pt x="332722" y="37491"/>
+                </a:lnTo>
+                <a:lnTo>
+                  <a:pt x="393643" y="0"/>
+                </a:lnTo>
+                <a:close/>
+              </a:path>
+            </a:pathLst>
+          </a:custGeom>
+          <a:pattFill prst="wdDnDiag">
+            <a:fgClr>
+              <a:srgbClr val="FF6600"/>
+            </a:fgClr>
+            <a:bgClr>
+              <a:schemeClr val="accent6">
+                <a:lumMod val="20000"/>
+                <a:lumOff val="80000"/>
+              </a:schemeClr>
+            </a:bgClr>
+          </a:pattFill>
+          <a:ln>
+            <a:noFill/>
+          </a:ln>
+        </p:spPr>
+        <p:style>
+          <a:lnRef idx="1">
+            <a:schemeClr val="accent1"/>
+          </a:lnRef>
+          <a:fillRef idx="3">
+            <a:schemeClr val="accent1"/>
+          </a:fillRef>
+          <a:effectRef idx="2">
+            <a:schemeClr val="accent1"/>
+          </a:effectRef>
+          <a:fontRef idx="minor">
+            <a:schemeClr val="lt1"/>
+          </a:fontRef>
+        </p:style>
+        <p:txBody>
+          <a:bodyPr rtlCol="0" anchor="ctr"/>
+          <a:lstStyle/>
+          <a:p>
+            <a:pPr algn="ctr"/>
+            <a:endParaRPr lang="fr-FR"/>
+          </a:p>
+        </p:txBody>
+      </p:sp>
+      <p:sp>
+        <p:nvSpPr>
+          <p:cNvPr id="4" name="Forme libre 3"/>
+          <p:cNvSpPr/>
+          <p:nvPr/>
+        </p:nvSpPr>
+        <p:spPr>
+          <a:xfrm>
+            <a:off x="902117" y="1569745"/>
+            <a:ext cx="664675" cy="696040"/>
+          </a:xfrm>
+          <a:custGeom>
+            <a:avLst/>
+            <a:gdLst>
+              <a:gd name="connsiteX0" fmla="*/ 0 w 663071"/>
+              <a:gd name="connsiteY0" fmla="*/ 61204 h 698742"/>
+              <a:gd name="connsiteX1" fmla="*/ 168318 w 663071"/>
+              <a:gd name="connsiteY1" fmla="*/ 10200 h 698742"/>
+              <a:gd name="connsiteX2" fmla="*/ 331535 w 663071"/>
+              <a:gd name="connsiteY2" fmla="*/ 0 h 698742"/>
+              <a:gd name="connsiteX3" fmla="*/ 469250 w 663071"/>
+              <a:gd name="connsiteY3" fmla="*/ 25501 h 698742"/>
+              <a:gd name="connsiteX4" fmla="*/ 581462 w 663071"/>
+              <a:gd name="connsiteY4" fmla="*/ 61204 h 698742"/>
+              <a:gd name="connsiteX5" fmla="*/ 663071 w 663071"/>
+              <a:gd name="connsiteY5" fmla="*/ 107106 h 698742"/>
+              <a:gd name="connsiteX6" fmla="*/ 663071 w 663071"/>
+              <a:gd name="connsiteY6" fmla="*/ 183611 h 698742"/>
+              <a:gd name="connsiteX7" fmla="*/ 637568 w 663071"/>
+              <a:gd name="connsiteY7" fmla="*/ 290717 h 698742"/>
+              <a:gd name="connsiteX8" fmla="*/ 606965 w 663071"/>
+              <a:gd name="connsiteY8" fmla="*/ 377423 h 698742"/>
+              <a:gd name="connsiteX9" fmla="*/ 550859 w 663071"/>
+              <a:gd name="connsiteY9" fmla="*/ 479429 h 698742"/>
+              <a:gd name="connsiteX10" fmla="*/ 489652 w 663071"/>
+              <a:gd name="connsiteY10" fmla="*/ 550833 h 698742"/>
+              <a:gd name="connsiteX11" fmla="*/ 443747 w 663071"/>
+              <a:gd name="connsiteY11" fmla="*/ 601836 h 698742"/>
+              <a:gd name="connsiteX12" fmla="*/ 402943 w 663071"/>
+              <a:gd name="connsiteY12" fmla="*/ 642639 h 698742"/>
+              <a:gd name="connsiteX13" fmla="*/ 321334 w 663071"/>
+              <a:gd name="connsiteY13" fmla="*/ 698742 h 698742"/>
+              <a:gd name="connsiteX14" fmla="*/ 239726 w 663071"/>
+              <a:gd name="connsiteY14" fmla="*/ 642639 h 698742"/>
+              <a:gd name="connsiteX15" fmla="*/ 173418 w 663071"/>
+              <a:gd name="connsiteY15" fmla="*/ 571234 h 698742"/>
+              <a:gd name="connsiteX16" fmla="*/ 107111 w 663071"/>
+              <a:gd name="connsiteY16" fmla="*/ 489629 h 698742"/>
+              <a:gd name="connsiteX17" fmla="*/ 71408 w 663071"/>
+              <a:gd name="connsiteY17" fmla="*/ 428426 h 698742"/>
+              <a:gd name="connsiteX18" fmla="*/ 30603 w 663071"/>
+              <a:gd name="connsiteY18" fmla="*/ 331520 h 698742"/>
+              <a:gd name="connsiteX19" fmla="*/ 10201 w 663071"/>
+              <a:gd name="connsiteY19" fmla="*/ 219313 h 698742"/>
+              <a:gd name="connsiteX20" fmla="*/ 0 w 663071"/>
+              <a:gd name="connsiteY20" fmla="*/ 137708 h 698742"/>
+              <a:gd name="connsiteX21" fmla="*/ 0 w 663071"/>
+              <a:gd name="connsiteY21" fmla="*/ 61204 h 698742"/>
+            </a:gdLst>
+            <a:ahLst/>
+            <a:cxnLst>
+              <a:cxn ang="0">
+                <a:pos x="connsiteX0" y="connsiteY0"/>
+              </a:cxn>
+              <a:cxn ang="0">
+                <a:pos x="connsiteX1" y="connsiteY1"/>
+              </a:cxn>
+              <a:cxn ang="0">
+                <a:pos x="connsiteX2" y="connsiteY2"/>
+              </a:cxn>
+              <a:cxn ang="0">
+                <a:pos x="connsiteX3" y="connsiteY3"/>
+              </a:cxn>
+              <a:cxn ang="0">
+                <a:pos x="connsiteX4" y="connsiteY4"/>
+              </a:cxn>
+              <a:cxn ang="0">
+                <a:pos x="connsiteX5" y="connsiteY5"/>
+              </a:cxn>
+              <a:cxn ang="0">
+                <a:pos x="connsiteX6" y="connsiteY6"/>
+              </a:cxn>
+              <a:cxn ang="0">
+                <a:pos x="connsiteX7" y="connsiteY7"/>
+              </a:cxn>
+              <a:cxn ang="0">
+                <a:pos x="connsiteX8" y="connsiteY8"/>
+              </a:cxn>
+              <a:cxn ang="0">
+                <a:pos x="connsiteX9" y="connsiteY9"/>
+              </a:cxn>
+              <a:cxn ang="0">
+                <a:pos x="connsiteX10" y="connsiteY10"/>
+              </a:cxn>
+              <a:cxn ang="0">
+                <a:pos x="connsiteX11" y="connsiteY11"/>
+              </a:cxn>
+              <a:cxn ang="0">
+                <a:pos x="connsiteX12" y="connsiteY12"/>
+              </a:cxn>
+              <a:cxn ang="0">
+                <a:pos x="connsiteX13" y="connsiteY13"/>
+              </a:cxn>
+              <a:cxn ang="0">
+                <a:pos x="connsiteX14" y="connsiteY14"/>
+              </a:cxn>
+              <a:cxn ang="0">
+                <a:pos x="connsiteX15" y="connsiteY15"/>
+              </a:cxn>
+              <a:cxn ang="0">
+                <a:pos x="connsiteX16" y="connsiteY16"/>
+              </a:cxn>
+              <a:cxn ang="0">
+                <a:pos x="connsiteX17" y="connsiteY17"/>
+              </a:cxn>
+              <a:cxn ang="0">
+                <a:pos x="connsiteX18" y="connsiteY18"/>
+              </a:cxn>
+              <a:cxn ang="0">
+                <a:pos x="connsiteX19" y="connsiteY19"/>
+              </a:cxn>
+              <a:cxn ang="0">
+                <a:pos x="connsiteX20" y="connsiteY20"/>
+              </a:cxn>
+              <a:cxn ang="0">
+                <a:pos x="connsiteX21" y="connsiteY21"/>
+              </a:cxn>
+            </a:cxnLst>
+            <a:rect l="l" t="t" r="r" b="b"/>
+            <a:pathLst>
+              <a:path w="663071" h="698742">
+                <a:moveTo>
+                  <a:pt x="0" y="61204"/>
+                </a:moveTo>
+                <a:lnTo>
+                  <a:pt x="168318" y="10200"/>
+                </a:lnTo>
+                <a:lnTo>
+                  <a:pt x="331535" y="0"/>
+                </a:lnTo>
+                <a:lnTo>
+                  <a:pt x="469250" y="25501"/>
+                </a:lnTo>
+                <a:lnTo>
+                  <a:pt x="581462" y="61204"/>
+                </a:lnTo>
+                <a:lnTo>
+                  <a:pt x="663071" y="107106"/>
+                </a:lnTo>
+                <a:lnTo>
+                  <a:pt x="663071" y="183611"/>
+                </a:lnTo>
+                <a:lnTo>
+                  <a:pt x="637568" y="290717"/>
+                </a:lnTo>
+                <a:lnTo>
+                  <a:pt x="606965" y="377423"/>
+                </a:lnTo>
+                <a:lnTo>
+                  <a:pt x="550859" y="479429"/>
+                </a:lnTo>
+                <a:lnTo>
+                  <a:pt x="489652" y="550833"/>
+                </a:lnTo>
+                <a:lnTo>
+                  <a:pt x="443747" y="601836"/>
+                </a:lnTo>
+                <a:lnTo>
+                  <a:pt x="402943" y="642639"/>
+                </a:lnTo>
+                <a:lnTo>
+                  <a:pt x="321334" y="698742"/>
+                </a:lnTo>
+                <a:lnTo>
+                  <a:pt x="239726" y="642639"/>
+                </a:lnTo>
+                <a:lnTo>
+                  <a:pt x="173418" y="571234"/>
+                </a:lnTo>
+                <a:lnTo>
+                  <a:pt x="107111" y="489629"/>
+                </a:lnTo>
+                <a:lnTo>
+                  <a:pt x="71408" y="428426"/>
+                </a:lnTo>
+                <a:lnTo>
+                  <a:pt x="30603" y="331520"/>
+                </a:lnTo>
+                <a:lnTo>
+                  <a:pt x="10201" y="219313"/>
+                </a:lnTo>
+                <a:lnTo>
+                  <a:pt x="0" y="137708"/>
+                </a:lnTo>
+                <a:lnTo>
+                  <a:pt x="0" y="61204"/>
+                </a:lnTo>
+                <a:close/>
+              </a:path>
+            </a:pathLst>
+          </a:custGeom>
+          <a:pattFill prst="wdDnDiag">
+            <a:fgClr>
+              <a:srgbClr val="FF6600"/>
+            </a:fgClr>
+            <a:bgClr>
+              <a:schemeClr val="accent6">
+                <a:lumMod val="20000"/>
+                <a:lumOff val="80000"/>
+              </a:schemeClr>
+            </a:bgClr>
+          </a:pattFill>
+          <a:ln>
+            <a:noFill/>
+          </a:ln>
+        </p:spPr>
+        <p:style>
+          <a:lnRef idx="1">
+            <a:schemeClr val="accent1"/>
+          </a:lnRef>
+          <a:fillRef idx="3">
+            <a:schemeClr val="accent1"/>
+          </a:fillRef>
+          <a:effectRef idx="2">
+            <a:schemeClr val="accent1"/>
+          </a:effectRef>
+          <a:fontRef idx="minor">
+            <a:schemeClr val="lt1"/>
+          </a:fontRef>
+        </p:style>
+        <p:txBody>
+          <a:bodyPr rtlCol="0" anchor="ctr"/>
+          <a:lstStyle/>
+          <a:p>
+            <a:pPr algn="ctr"/>
+            <a:endParaRPr lang="fr-FR"/>
+          </a:p>
+        </p:txBody>
+      </p:sp>
+      <p:sp>
+        <p:nvSpPr>
+          <p:cNvPr id="14" name="Ellipse 13"/>
+          <p:cNvSpPr/>
+          <p:nvPr/>
+        </p:nvSpPr>
+        <p:spPr>
+          <a:xfrm>
+            <a:off x="902117" y="993661"/>
+            <a:ext cx="1400925" cy="1390248"/>
+          </a:xfrm>
+          <a:prstGeom prst="ellipse">
+            <a:avLst/>
+          </a:prstGeom>
+          <a:noFill/>
+          <a:ln w="3175" cmpd="sng">
+            <a:solidFill>
+              <a:schemeClr val="tx1"/>
+            </a:solidFill>
+          </a:ln>
+        </p:spPr>
+        <p:style>
+          <a:lnRef idx="0">
+            <a:schemeClr val="accent6"/>
+          </a:lnRef>
+          <a:fillRef idx="3">
+            <a:schemeClr val="accent6"/>
+          </a:fillRef>
+          <a:effectRef idx="3">
+            <a:schemeClr val="accent6"/>
+          </a:effectRef>
+          <a:fontRef idx="minor">
+            <a:schemeClr val="lt1"/>
+          </a:fontRef>
+        </p:style>
+        <p:txBody>
+          <a:bodyPr rtlCol="0" anchor="ctr"/>
+          <a:lstStyle/>
+          <a:p>
+            <a:pPr algn="ctr"/>
+            <a:endParaRPr lang="fr-FR"/>
+          </a:p>
+        </p:txBody>
+      </p:sp>
+      <p:sp>
+        <p:nvSpPr>
+          <p:cNvPr id="13" name="Ellipse 12"/>
+          <p:cNvSpPr/>
+          <p:nvPr/>
+        </p:nvSpPr>
+        <p:spPr>
+          <a:xfrm>
+            <a:off x="178229" y="993661"/>
+            <a:ext cx="1392059" cy="1366242"/>
+          </a:xfrm>
+          <a:prstGeom prst="ellipse">
+            <a:avLst/>
+          </a:prstGeom>
+          <a:noFill/>
+          <a:ln w="3175" cmpd="sng">
+            <a:solidFill>
+              <a:schemeClr val="tx1"/>
+            </a:solidFill>
+          </a:ln>
+        </p:spPr>
+        <p:style>
+          <a:lnRef idx="0">
+            <a:schemeClr val="accent1"/>
+          </a:lnRef>
+          <a:fillRef idx="3">
+            <a:schemeClr val="accent1"/>
+          </a:fillRef>
+          <a:effectRef idx="3">
+            <a:schemeClr val="accent1"/>
+          </a:effectRef>
+          <a:fontRef idx="minor">
+            <a:schemeClr val="lt1"/>
+          </a:fontRef>
+        </p:style>
+        <p:txBody>
+          <a:bodyPr rtlCol="0" anchor="ctr"/>
+          <a:lstStyle/>
+          <a:p>
+            <a:pPr algn="ctr"/>
+            <a:endParaRPr lang="fr-FR"/>
+          </a:p>
+        </p:txBody>
+      </p:sp>
+      <p:sp>
+        <p:nvSpPr>
+          <p:cNvPr id="31" name="Ellipse 30"/>
+          <p:cNvSpPr/>
+          <p:nvPr/>
+        </p:nvSpPr>
+        <p:spPr>
+          <a:xfrm>
+            <a:off x="493289" y="1569745"/>
+            <a:ext cx="1400925" cy="1390248"/>
+          </a:xfrm>
+          <a:prstGeom prst="ellipse">
+            <a:avLst/>
+          </a:prstGeom>
+          <a:noFill/>
+          <a:ln w="3175" cmpd="sng">
+            <a:solidFill>
+              <a:schemeClr val="tx1"/>
+            </a:solidFill>
+          </a:ln>
+        </p:spPr>
+        <p:style>
+          <a:lnRef idx="0">
+            <a:schemeClr val="accent2"/>
+          </a:lnRef>
+          <a:fillRef idx="3">
+            <a:schemeClr val="accent2"/>
+          </a:fillRef>
+          <a:effectRef idx="3">
+            <a:schemeClr val="accent2"/>
+          </a:effectRef>
+          <a:fontRef idx="minor">
+            <a:schemeClr val="lt1"/>
+          </a:fontRef>
+        </p:style>
+        <p:txBody>
+          <a:bodyPr rtlCol="0" anchor="ctr"/>
+          <a:lstStyle/>
+          <a:p>
+            <a:pPr algn="ctr"/>
+            <a:endParaRPr lang="fr-FR"/>
+          </a:p>
+        </p:txBody>
+      </p:sp>
+      <p:sp>
+        <p:nvSpPr>
+          <p:cNvPr id="36" name="Ellipse 35"/>
+          <p:cNvSpPr/>
+          <p:nvPr/>
+        </p:nvSpPr>
+        <p:spPr>
+          <a:xfrm>
+            <a:off x="3148976" y="993661"/>
+            <a:ext cx="1400925" cy="1390248"/>
+          </a:xfrm>
+          <a:prstGeom prst="ellipse">
+            <a:avLst/>
+          </a:prstGeom>
+          <a:noFill/>
+          <a:ln w="3175" cmpd="sng">
+            <a:solidFill>
+              <a:schemeClr val="tx1"/>
+            </a:solidFill>
+          </a:ln>
+        </p:spPr>
+        <p:style>
+          <a:lnRef idx="0">
+            <a:schemeClr val="accent6"/>
+          </a:lnRef>
+          <a:fillRef idx="3">
+            <a:schemeClr val="accent6"/>
+          </a:fillRef>
+          <a:effectRef idx="3">
+            <a:schemeClr val="accent6"/>
+          </a:effectRef>
+          <a:fontRef idx="minor">
+            <a:schemeClr val="lt1"/>
+          </a:fontRef>
+        </p:style>
+        <p:txBody>
+          <a:bodyPr rtlCol="0" anchor="ctr"/>
+          <a:lstStyle/>
+          <a:p>
+            <a:pPr algn="ctr"/>
+            <a:endParaRPr lang="fr-FR"/>
+          </a:p>
+        </p:txBody>
+      </p:sp>
+      <p:sp>
+        <p:nvSpPr>
+          <p:cNvPr id="37" name="Ellipse 36"/>
+          <p:cNvSpPr/>
+          <p:nvPr/>
+        </p:nvSpPr>
+        <p:spPr>
+          <a:xfrm>
+            <a:off x="2425088" y="993661"/>
+            <a:ext cx="1392059" cy="1366242"/>
+          </a:xfrm>
+          <a:prstGeom prst="ellipse">
+            <a:avLst/>
+          </a:prstGeom>
+          <a:noFill/>
+          <a:ln w="3175" cmpd="sng">
+            <a:solidFill>
+              <a:schemeClr val="tx1"/>
+            </a:solidFill>
+          </a:ln>
+        </p:spPr>
+        <p:style>
+          <a:lnRef idx="0">
+            <a:schemeClr val="accent1"/>
+          </a:lnRef>
+          <a:fillRef idx="3">
+            <a:schemeClr val="accent1"/>
+          </a:fillRef>
+          <a:effectRef idx="3">
+            <a:schemeClr val="accent1"/>
+          </a:effectRef>
+          <a:fontRef idx="minor">
+            <a:schemeClr val="lt1"/>
+          </a:fontRef>
+        </p:style>
+        <p:txBody>
+          <a:bodyPr rtlCol="0" anchor="ctr"/>
+          <a:lstStyle/>
+          <a:p>
+            <a:pPr algn="ctr"/>
+            <a:endParaRPr lang="fr-FR"/>
+          </a:p>
+        </p:txBody>
+      </p:sp>
+      <p:sp>
+        <p:nvSpPr>
+          <p:cNvPr id="38" name="Ellipse 37"/>
+          <p:cNvSpPr/>
+          <p:nvPr/>
+        </p:nvSpPr>
+        <p:spPr>
+          <a:xfrm>
+            <a:off x="2740148" y="1569745"/>
+            <a:ext cx="1400925" cy="1390248"/>
+          </a:xfrm>
+          <a:prstGeom prst="ellipse">
+            <a:avLst/>
+          </a:prstGeom>
+          <a:noFill/>
+          <a:ln w="3175" cmpd="sng">
+            <a:solidFill>
+              <a:schemeClr val="tx1"/>
+            </a:solidFill>
+          </a:ln>
+        </p:spPr>
+        <p:style>
+          <a:lnRef idx="0">
+            <a:schemeClr val="accent2"/>
+          </a:lnRef>
+          <a:fillRef idx="3">
+            <a:schemeClr val="accent2"/>
+          </a:fillRef>
+          <a:effectRef idx="3">
+            <a:schemeClr val="accent2"/>
+          </a:effectRef>
+          <a:fontRef idx="minor">
+            <a:schemeClr val="lt1"/>
+          </a:fontRef>
+        </p:style>
+        <p:txBody>
+          <a:bodyPr rtlCol="0" anchor="ctr"/>
+          <a:lstStyle/>
+          <a:p>
+            <a:pPr algn="ctr"/>
+            <a:endParaRPr lang="fr-FR"/>
+          </a:p>
+        </p:txBody>
+      </p:sp>
+      <p:sp>
+        <p:nvSpPr>
+          <p:cNvPr id="66" name="Ellipse 65"/>
+          <p:cNvSpPr/>
+          <p:nvPr/>
+        </p:nvSpPr>
+        <p:spPr>
+          <a:xfrm>
+            <a:off x="5364632" y="989578"/>
+            <a:ext cx="1400925" cy="1390248"/>
+          </a:xfrm>
+          <a:prstGeom prst="ellipse">
+            <a:avLst/>
+          </a:prstGeom>
+          <a:noFill/>
+          <a:ln w="3175" cmpd="sng">
+            <a:solidFill>
+              <a:schemeClr val="tx1"/>
+            </a:solidFill>
+          </a:ln>
+        </p:spPr>
+        <p:style>
+          <a:lnRef idx="0">
+            <a:schemeClr val="accent6"/>
+          </a:lnRef>
+          <a:fillRef idx="3">
+            <a:schemeClr val="accent6"/>
+          </a:fillRef>
+          <a:effectRef idx="3">
+            <a:schemeClr val="accent6"/>
+          </a:effectRef>
+          <a:fontRef idx="minor">
+            <a:schemeClr val="lt1"/>
+          </a:fontRef>
+        </p:style>
+        <p:txBody>
+          <a:bodyPr rtlCol="0" anchor="ctr"/>
+          <a:lstStyle/>
+          <a:p>
+            <a:pPr algn="ctr"/>
+            <a:endParaRPr lang="fr-FR"/>
+          </a:p>
+        </p:txBody>
+      </p:sp>
+      <p:sp>
+        <p:nvSpPr>
+          <p:cNvPr id="67" name="Ellipse 66"/>
+          <p:cNvSpPr/>
+          <p:nvPr/>
+        </p:nvSpPr>
+        <p:spPr>
+          <a:xfrm>
+            <a:off x="4640744" y="989578"/>
+            <a:ext cx="1392059" cy="1366242"/>
+          </a:xfrm>
+          <a:prstGeom prst="ellipse">
+            <a:avLst/>
+          </a:prstGeom>
+          <a:noFill/>
+          <a:ln w="3175" cmpd="sng">
+            <a:solidFill>
+              <a:schemeClr val="tx1"/>
+            </a:solidFill>
+          </a:ln>
+        </p:spPr>
+        <p:style>
+          <a:lnRef idx="0">
+            <a:schemeClr val="accent1"/>
+          </a:lnRef>
+          <a:fillRef idx="3">
+            <a:schemeClr val="accent1"/>
+          </a:fillRef>
+          <a:effectRef idx="3">
+            <a:schemeClr val="accent1"/>
+          </a:effectRef>
+          <a:fontRef idx="minor">
+            <a:schemeClr val="lt1"/>
+          </a:fontRef>
+        </p:style>
+        <p:txBody>
+          <a:bodyPr rtlCol="0" anchor="ctr"/>
+          <a:lstStyle/>
+          <a:p>
+            <a:pPr algn="ctr"/>
+            <a:endParaRPr lang="fr-FR"/>
+          </a:p>
+        </p:txBody>
+      </p:sp>
+      <p:sp>
+        <p:nvSpPr>
+          <p:cNvPr id="68" name="Ellipse 67"/>
+          <p:cNvSpPr/>
+          <p:nvPr/>
+        </p:nvSpPr>
+        <p:spPr>
+          <a:xfrm>
+            <a:off x="4955804" y="1565662"/>
+            <a:ext cx="1400925" cy="1390248"/>
+          </a:xfrm>
+          <a:prstGeom prst="ellipse">
+            <a:avLst/>
+          </a:prstGeom>
+          <a:noFill/>
+          <a:ln w="3175" cmpd="sng">
+            <a:solidFill>
+              <a:schemeClr val="tx1"/>
+            </a:solidFill>
+          </a:ln>
+        </p:spPr>
+        <p:style>
+          <a:lnRef idx="0">
+            <a:schemeClr val="accent2"/>
+          </a:lnRef>
+          <a:fillRef idx="3">
+            <a:schemeClr val="accent2"/>
+          </a:fillRef>
+          <a:effectRef idx="3">
+            <a:schemeClr val="accent2"/>
+          </a:effectRef>
+          <a:fontRef idx="minor">
+            <a:schemeClr val="lt1"/>
+          </a:fontRef>
+        </p:style>
+        <p:txBody>
+          <a:bodyPr rtlCol="0" anchor="ctr"/>
+          <a:lstStyle/>
+          <a:p>
+            <a:pPr algn="ctr"/>
+            <a:endParaRPr lang="fr-FR"/>
+          </a:p>
+        </p:txBody>
+      </p:sp>
+      <p:sp>
+        <p:nvSpPr>
+          <p:cNvPr id="70" name="Ellipse 69"/>
+          <p:cNvSpPr/>
+          <p:nvPr/>
+        </p:nvSpPr>
+        <p:spPr>
+          <a:xfrm>
+            <a:off x="7589773" y="989578"/>
+            <a:ext cx="1400925" cy="1390248"/>
+          </a:xfrm>
+          <a:prstGeom prst="ellipse">
+            <a:avLst/>
+          </a:prstGeom>
+          <a:noFill/>
+          <a:ln w="3175" cmpd="sng">
+            <a:solidFill>
+              <a:schemeClr val="tx1"/>
+            </a:solidFill>
+          </a:ln>
+        </p:spPr>
+        <p:style>
+          <a:lnRef idx="0">
+            <a:schemeClr val="accent6"/>
+          </a:lnRef>
+          <a:fillRef idx="3">
+            <a:schemeClr val="accent6"/>
+          </a:fillRef>
+          <a:effectRef idx="3">
+            <a:schemeClr val="accent6"/>
+          </a:effectRef>
+          <a:fontRef idx="minor">
+            <a:schemeClr val="lt1"/>
+          </a:fontRef>
+        </p:style>
+        <p:txBody>
+          <a:bodyPr rtlCol="0" anchor="ctr"/>
+          <a:lstStyle/>
+          <a:p>
+            <a:pPr algn="ctr"/>
+            <a:endParaRPr lang="fr-FR"/>
+          </a:p>
+        </p:txBody>
+      </p:sp>
+      <p:sp>
+        <p:nvSpPr>
+          <p:cNvPr id="71" name="Ellipse 70"/>
+          <p:cNvSpPr/>
+          <p:nvPr/>
+        </p:nvSpPr>
+        <p:spPr>
+          <a:xfrm>
+            <a:off x="6865885" y="989578"/>
+            <a:ext cx="1392059" cy="1366242"/>
+          </a:xfrm>
+          <a:prstGeom prst="ellipse">
+            <a:avLst/>
+          </a:prstGeom>
+          <a:noFill/>
+          <a:ln w="3175" cmpd="sng">
+            <a:solidFill>
+              <a:schemeClr val="tx1"/>
+            </a:solidFill>
+          </a:ln>
+        </p:spPr>
+        <p:style>
+          <a:lnRef idx="0">
+            <a:schemeClr val="accent1"/>
+          </a:lnRef>
+          <a:fillRef idx="3">
+            <a:schemeClr val="accent1"/>
+          </a:fillRef>
+          <a:effectRef idx="3">
+            <a:schemeClr val="accent1"/>
+          </a:effectRef>
+          <a:fontRef idx="minor">
+            <a:schemeClr val="lt1"/>
+          </a:fontRef>
+        </p:style>
+        <p:txBody>
+          <a:bodyPr rtlCol="0" anchor="ctr"/>
+          <a:lstStyle/>
+          <a:p>
+            <a:pPr algn="ctr"/>
+            <a:endParaRPr lang="fr-FR"/>
+          </a:p>
+        </p:txBody>
+      </p:sp>
+      <p:sp>
+        <p:nvSpPr>
+          <p:cNvPr id="72" name="Ellipse 71"/>
+          <p:cNvSpPr/>
+          <p:nvPr/>
+        </p:nvSpPr>
+        <p:spPr>
+          <a:xfrm>
+            <a:off x="7180945" y="1565662"/>
+            <a:ext cx="1400925" cy="1390248"/>
+          </a:xfrm>
+          <a:prstGeom prst="ellipse">
+            <a:avLst/>
+          </a:prstGeom>
+          <a:noFill/>
+          <a:ln w="3175" cmpd="sng">
+            <a:solidFill>
+              <a:schemeClr val="tx1"/>
+            </a:solidFill>
+          </a:ln>
+        </p:spPr>
+        <p:style>
+          <a:lnRef idx="0">
+            <a:schemeClr val="accent2"/>
+          </a:lnRef>
+          <a:fillRef idx="3">
+            <a:schemeClr val="accent2"/>
+          </a:fillRef>
+          <a:effectRef idx="3">
+            <a:schemeClr val="accent2"/>
+          </a:effectRef>
+          <a:fontRef idx="minor">
+            <a:schemeClr val="lt1"/>
+          </a:fontRef>
+        </p:style>
+        <p:txBody>
+          <a:bodyPr rtlCol="0" anchor="ctr"/>
+          <a:lstStyle/>
+          <a:p>
+            <a:pPr algn="ctr"/>
+            <a:endParaRPr lang="fr-FR"/>
+          </a:p>
+        </p:txBody>
+      </p:sp>
+      <p:sp>
+        <p:nvSpPr>
+          <p:cNvPr id="74" name="ZoneTexte 73"/>
+          <p:cNvSpPr txBox="1"/>
+          <p:nvPr/>
+        </p:nvSpPr>
+        <p:spPr>
+          <a:xfrm>
+            <a:off x="107504" y="343811"/>
+            <a:ext cx="2257187" cy="523220"/>
+          </a:xfrm>
+          <a:prstGeom prst="rect">
+            <a:avLst/>
+          </a:prstGeom>
+          <a:noFill/>
+        </p:spPr>
+        <p:txBody>
+          <a:bodyPr wrap="square" rtlCol="0">
+            <a:spAutoFit/>
+          </a:bodyPr>
+          <a:lstStyle/>
+          <a:p>
+            <a:pPr algn="ctr"/>
+            <a:r>
+              <a:rPr lang="en-US" sz="1400" dirty="0" smtClean="0">
+                <a:latin typeface="Seravek ExtraLight"/>
+                <a:cs typeface="Seravek ExtraLight"/>
+              </a:rPr>
+              <a:t>Size of Commonality</a:t>
+            </a:r>
+          </a:p>
+          <a:p>
+            <a:pPr algn="ctr"/>
+            <a:r>
+              <a:rPr lang="en-US" sz="1400" dirty="0" smtClean="0">
+                <a:latin typeface="Seravek ExtraLight"/>
+                <a:cs typeface="Seravek ExtraLight"/>
+              </a:rPr>
+              <a:t>(SoC)</a:t>
+            </a:r>
+            <a:endParaRPr lang="en-US" sz="1400" dirty="0">
+              <a:latin typeface="Seravek ExtraLight"/>
+              <a:cs typeface="Seravek ExtraLight"/>
+            </a:endParaRPr>
+          </a:p>
+        </p:txBody>
+      </p:sp>
+      <p:cxnSp>
+        <p:nvCxnSpPr>
+          <p:cNvPr id="11" name="Connecteur droit 10"/>
+          <p:cNvCxnSpPr/>
+          <p:nvPr/>
+        </p:nvCxnSpPr>
+        <p:spPr>
+          <a:xfrm>
+            <a:off x="2364692" y="308226"/>
+            <a:ext cx="0" cy="2813900"/>
+          </a:xfrm>
+          <a:prstGeom prst="line">
+            <a:avLst/>
+          </a:prstGeom>
+          <a:ln w="3175" cmpd="sng">
+            <a:solidFill>
+              <a:schemeClr val="tx1"/>
+            </a:solidFill>
+          </a:ln>
+        </p:spPr>
+        <p:style>
+          <a:lnRef idx="2">
+            <a:schemeClr val="accent1"/>
+          </a:lnRef>
+          <a:fillRef idx="0">
+            <a:schemeClr val="accent1"/>
+          </a:fillRef>
+          <a:effectRef idx="1">
+            <a:schemeClr val="accent1"/>
+          </a:effectRef>
+          <a:fontRef idx="minor">
+            <a:schemeClr val="tx1"/>
+          </a:fontRef>
+        </p:style>
+      </p:cxnSp>
+      <p:sp>
+        <p:nvSpPr>
+          <p:cNvPr id="75" name="ZoneTexte 74"/>
+          <p:cNvSpPr txBox="1"/>
+          <p:nvPr/>
+        </p:nvSpPr>
+        <p:spPr>
+          <a:xfrm>
+            <a:off x="2378857" y="343811"/>
+            <a:ext cx="2257187" cy="523220"/>
+          </a:xfrm>
+          <a:prstGeom prst="rect">
+            <a:avLst/>
+          </a:prstGeom>
+          <a:noFill/>
+        </p:spPr>
+        <p:txBody>
+          <a:bodyPr wrap="square" rtlCol="0">
+            <a:spAutoFit/>
+          </a:bodyPr>
+          <a:lstStyle/>
+          <a:p>
+            <a:pPr algn="ctr"/>
+            <a:r>
+              <a:rPr lang="en-US" sz="1400" dirty="0" smtClean="0">
+                <a:latin typeface="Seravek ExtraLight"/>
+                <a:cs typeface="Seravek ExtraLight"/>
+              </a:rPr>
+              <a:t>Product Related Reusability</a:t>
+            </a:r>
+          </a:p>
+          <a:p>
+            <a:pPr algn="ctr"/>
+            <a:r>
+              <a:rPr lang="en-US" sz="1400" dirty="0" smtClean="0">
+                <a:latin typeface="Seravek ExtraLight"/>
+                <a:cs typeface="Seravek ExtraLight"/>
+              </a:rPr>
+              <a:t>(PRR</a:t>
+            </a:r>
+            <a:r>
+              <a:rPr lang="en-US" sz="1400" i="1" baseline="-25000" dirty="0" smtClean="0">
+                <a:latin typeface="Seravek ExtraLight"/>
+                <a:cs typeface="Seravek ExtraLight"/>
+              </a:rPr>
+              <a:t>i</a:t>
+            </a:r>
+            <a:r>
+              <a:rPr lang="en-US" sz="1400" dirty="0" smtClean="0">
+                <a:latin typeface="Seravek ExtraLight"/>
+                <a:cs typeface="Seravek ExtraLight"/>
+              </a:rPr>
+              <a:t>)</a:t>
+            </a:r>
+            <a:endParaRPr lang="en-US" sz="1400" dirty="0">
+              <a:latin typeface="Seravek ExtraLight"/>
+              <a:cs typeface="Seravek ExtraLight"/>
+            </a:endParaRPr>
+          </a:p>
+        </p:txBody>
+      </p:sp>
+      <p:cxnSp>
+        <p:nvCxnSpPr>
+          <p:cNvPr id="76" name="Connecteur droit 75"/>
+          <p:cNvCxnSpPr/>
+          <p:nvPr/>
+        </p:nvCxnSpPr>
+        <p:spPr>
+          <a:xfrm>
+            <a:off x="4591424" y="308226"/>
+            <a:ext cx="0" cy="2813900"/>
+          </a:xfrm>
+          <a:prstGeom prst="line">
+            <a:avLst/>
+          </a:prstGeom>
+          <a:ln w="3175" cmpd="sng">
+            <a:solidFill>
+              <a:schemeClr val="tx1"/>
+            </a:solidFill>
+          </a:ln>
+        </p:spPr>
+        <p:style>
+          <a:lnRef idx="2">
+            <a:schemeClr val="accent1"/>
+          </a:lnRef>
+          <a:fillRef idx="0">
+            <a:schemeClr val="accent1"/>
+          </a:fillRef>
+          <a:effectRef idx="1">
+            <a:schemeClr val="accent1"/>
+          </a:effectRef>
+          <a:fontRef idx="minor">
+            <a:schemeClr val="tx1"/>
+          </a:fontRef>
+        </p:style>
+      </p:cxnSp>
+      <p:cxnSp>
+        <p:nvCxnSpPr>
+          <p:cNvPr id="77" name="Connecteur droit 76"/>
+          <p:cNvCxnSpPr/>
+          <p:nvPr/>
+        </p:nvCxnSpPr>
+        <p:spPr>
+          <a:xfrm>
+            <a:off x="6814877" y="308226"/>
+            <a:ext cx="0" cy="2813900"/>
+          </a:xfrm>
+          <a:prstGeom prst="line">
+            <a:avLst/>
+          </a:prstGeom>
+          <a:ln w="3175" cmpd="sng">
+            <a:solidFill>
+              <a:schemeClr val="tx1"/>
+            </a:solidFill>
+          </a:ln>
+        </p:spPr>
+        <p:style>
+          <a:lnRef idx="2">
+            <a:schemeClr val="accent1"/>
+          </a:lnRef>
+          <a:fillRef idx="0">
+            <a:schemeClr val="accent1"/>
+          </a:fillRef>
+          <a:effectRef idx="1">
+            <a:schemeClr val="accent1"/>
+          </a:effectRef>
+          <a:fontRef idx="minor">
+            <a:schemeClr val="tx1"/>
+          </a:fontRef>
+        </p:style>
+      </p:cxnSp>
+      <p:sp>
+        <p:nvSpPr>
+          <p:cNvPr id="78" name="ZoneTexte 77"/>
+          <p:cNvSpPr txBox="1"/>
+          <p:nvPr/>
+        </p:nvSpPr>
+        <p:spPr>
+          <a:xfrm>
+            <a:off x="4574561" y="343811"/>
+            <a:ext cx="2257187" cy="523220"/>
+          </a:xfrm>
+          <a:prstGeom prst="rect">
+            <a:avLst/>
+          </a:prstGeom>
+          <a:noFill/>
+        </p:spPr>
+        <p:txBody>
+          <a:bodyPr wrap="square" rtlCol="0">
+            <a:spAutoFit/>
+          </a:bodyPr>
+          <a:lstStyle/>
+          <a:p>
+            <a:pPr algn="ctr"/>
+            <a:r>
+              <a:rPr lang="en-US" sz="1400" dirty="0" smtClean="0">
+                <a:latin typeface="Seravek ExtraLight"/>
+                <a:cs typeface="Seravek ExtraLight"/>
+              </a:rPr>
+              <a:t>Individualization Ratio</a:t>
+            </a:r>
+          </a:p>
+          <a:p>
+            <a:pPr algn="ctr"/>
+            <a:r>
+              <a:rPr lang="en-US" sz="1400" dirty="0" smtClean="0">
+                <a:latin typeface="Seravek ExtraLight"/>
+                <a:cs typeface="Seravek ExtraLight"/>
+              </a:rPr>
+              <a:t>(</a:t>
+            </a:r>
+            <a:r>
+              <a:rPr lang="en-US" sz="1400" dirty="0" err="1" smtClean="0">
+                <a:latin typeface="Seravek ExtraLight"/>
+                <a:cs typeface="Seravek ExtraLight"/>
+              </a:rPr>
+              <a:t>IR</a:t>
+            </a:r>
+            <a:r>
+              <a:rPr lang="en-US" sz="1400" i="1" baseline="-25000" dirty="0" err="1" smtClean="0">
+                <a:latin typeface="Seravek ExtraLight"/>
+                <a:cs typeface="Seravek ExtraLight"/>
+              </a:rPr>
+              <a:t>i</a:t>
+            </a:r>
+            <a:r>
+              <a:rPr lang="en-US" sz="1400" dirty="0" smtClean="0">
+                <a:latin typeface="Seravek ExtraLight"/>
+                <a:cs typeface="Seravek ExtraLight"/>
+              </a:rPr>
+              <a:t>)</a:t>
+            </a:r>
+            <a:endParaRPr lang="en-US" sz="1400" dirty="0">
+              <a:latin typeface="Seravek ExtraLight"/>
+              <a:cs typeface="Seravek ExtraLight"/>
+            </a:endParaRPr>
+          </a:p>
+        </p:txBody>
+      </p:sp>
+      <p:sp>
+        <p:nvSpPr>
+          <p:cNvPr id="79" name="ZoneTexte 78"/>
+          <p:cNvSpPr txBox="1"/>
+          <p:nvPr/>
+        </p:nvSpPr>
+        <p:spPr>
+          <a:xfrm>
+            <a:off x="6793496" y="343811"/>
+            <a:ext cx="2257187" cy="523220"/>
+          </a:xfrm>
+          <a:prstGeom prst="rect">
+            <a:avLst/>
+          </a:prstGeom>
+          <a:noFill/>
+        </p:spPr>
+        <p:txBody>
+          <a:bodyPr wrap="square" rtlCol="0">
+            <a:spAutoFit/>
+          </a:bodyPr>
+          <a:lstStyle/>
+          <a:p>
+            <a:pPr algn="ctr"/>
+            <a:r>
+              <a:rPr lang="en-US" sz="1400" dirty="0" smtClean="0">
+                <a:latin typeface="Seravek ExtraLight"/>
+                <a:cs typeface="Seravek ExtraLight"/>
+              </a:rPr>
+              <a:t>Pair-wise Relationship Ratio</a:t>
+            </a:r>
+          </a:p>
+          <a:p>
+            <a:pPr algn="ctr"/>
+            <a:r>
+              <a:rPr lang="en-US" sz="1400" dirty="0" smtClean="0">
+                <a:latin typeface="Seravek ExtraLight"/>
+                <a:cs typeface="Seravek ExtraLight"/>
+              </a:rPr>
+              <a:t>(PWRR</a:t>
+            </a:r>
+            <a:r>
+              <a:rPr lang="en-US" sz="1400" i="1" baseline="-25000" dirty="0" smtClean="0">
+                <a:latin typeface="Seravek ExtraLight"/>
+                <a:cs typeface="Seravek ExtraLight"/>
+              </a:rPr>
+              <a:t>(</a:t>
+            </a:r>
+            <a:r>
+              <a:rPr lang="en-US" sz="1400" i="1" baseline="-25000" dirty="0" err="1" smtClean="0">
+                <a:latin typeface="Seravek ExtraLight"/>
+                <a:cs typeface="Seravek ExtraLight"/>
+              </a:rPr>
+              <a:t>I,j</a:t>
+            </a:r>
+            <a:r>
+              <a:rPr lang="en-US" sz="1400" i="1" baseline="-25000" dirty="0" smtClean="0">
+                <a:latin typeface="Seravek ExtraLight"/>
+                <a:cs typeface="Seravek ExtraLight"/>
+              </a:rPr>
+              <a:t>)</a:t>
+            </a:r>
+            <a:r>
+              <a:rPr lang="en-US" sz="1400" dirty="0" smtClean="0">
+                <a:latin typeface="Seravek ExtraLight"/>
+                <a:cs typeface="Seravek ExtraLight"/>
+              </a:rPr>
+              <a:t>)</a:t>
+            </a:r>
+            <a:endParaRPr lang="en-US" sz="1400" dirty="0">
+              <a:latin typeface="Seravek ExtraLight"/>
+              <a:cs typeface="Seravek ExtraLight"/>
+            </a:endParaRPr>
+          </a:p>
+        </p:txBody>
+      </p:sp>
+    </p:spTree>
+    <p:extLst>
+      <p:ext uri="{BB962C8B-B14F-4D97-AF65-F5344CB8AC3E}">
+        <p14:creationId xmlns:p14="http://schemas.microsoft.com/office/powerpoint/2010/main" val="888726799"/>
       </p:ext>
     </p:extLst>
   </p:cSld>

--- a/papers/2016-ICSR-PuzzleMetrics/images/domains.pptx
+++ b/papers/2016-ICSR-PuzzleMetrics/images/domains.pptx
@@ -196,7 +196,7 @@
           <a:p>
             <a:fld id="{24AFE135-3210-A348-91D1-71A1B4E41AE3}" type="datetimeFigureOut">
               <a:rPr lang="fr-FR" smtClean="0"/>
-              <a:t>29/10/2015</a:t>
+              <a:t>30/10/2015</a:t>
             </a:fld>
             <a:endParaRPr lang="fr-FR"/>
           </a:p>
@@ -1065,7 +1065,7 @@
           <a:p>
             <a:fld id="{7B69463B-0436-3A47-840E-B5853DA20947}" type="datetimeFigureOut">
               <a:rPr lang="fr-FR" smtClean="0"/>
-              <a:t>29/10/2015</a:t>
+              <a:t>30/10/2015</a:t>
             </a:fld>
             <a:endParaRPr lang="fr-FR"/>
           </a:p>
@@ -1235,7 +1235,7 @@
           <a:p>
             <a:fld id="{7B69463B-0436-3A47-840E-B5853DA20947}" type="datetimeFigureOut">
               <a:rPr lang="fr-FR" smtClean="0"/>
-              <a:t>29/10/2015</a:t>
+              <a:t>30/10/2015</a:t>
             </a:fld>
             <a:endParaRPr lang="fr-FR"/>
           </a:p>
@@ -1415,7 +1415,7 @@
           <a:p>
             <a:fld id="{7B69463B-0436-3A47-840E-B5853DA20947}" type="datetimeFigureOut">
               <a:rPr lang="fr-FR" smtClean="0"/>
-              <a:t>29/10/2015</a:t>
+              <a:t>30/10/2015</a:t>
             </a:fld>
             <a:endParaRPr lang="fr-FR"/>
           </a:p>
@@ -1585,7 +1585,7 @@
           <a:p>
             <a:fld id="{7B69463B-0436-3A47-840E-B5853DA20947}" type="datetimeFigureOut">
               <a:rPr lang="fr-FR" smtClean="0"/>
-              <a:t>29/10/2015</a:t>
+              <a:t>30/10/2015</a:t>
             </a:fld>
             <a:endParaRPr lang="fr-FR"/>
           </a:p>
@@ -1831,7 +1831,7 @@
           <a:p>
             <a:fld id="{7B69463B-0436-3A47-840E-B5853DA20947}" type="datetimeFigureOut">
               <a:rPr lang="fr-FR" smtClean="0"/>
-              <a:t>29/10/2015</a:t>
+              <a:t>30/10/2015</a:t>
             </a:fld>
             <a:endParaRPr lang="fr-FR"/>
           </a:p>
@@ -2119,7 +2119,7 @@
           <a:p>
             <a:fld id="{7B69463B-0436-3A47-840E-B5853DA20947}" type="datetimeFigureOut">
               <a:rPr lang="fr-FR" smtClean="0"/>
-              <a:t>29/10/2015</a:t>
+              <a:t>30/10/2015</a:t>
             </a:fld>
             <a:endParaRPr lang="fr-FR"/>
           </a:p>
@@ -2541,7 +2541,7 @@
           <a:p>
             <a:fld id="{7B69463B-0436-3A47-840E-B5853DA20947}" type="datetimeFigureOut">
               <a:rPr lang="fr-FR" smtClean="0"/>
-              <a:t>29/10/2015</a:t>
+              <a:t>30/10/2015</a:t>
             </a:fld>
             <a:endParaRPr lang="fr-FR"/>
           </a:p>
@@ -2659,7 +2659,7 @@
           <a:p>
             <a:fld id="{7B69463B-0436-3A47-840E-B5853DA20947}" type="datetimeFigureOut">
               <a:rPr lang="fr-FR" smtClean="0"/>
-              <a:t>29/10/2015</a:t>
+              <a:t>30/10/2015</a:t>
             </a:fld>
             <a:endParaRPr lang="fr-FR"/>
           </a:p>
@@ -2754,7 +2754,7 @@
           <a:p>
             <a:fld id="{7B69463B-0436-3A47-840E-B5853DA20947}" type="datetimeFigureOut">
               <a:rPr lang="fr-FR" smtClean="0"/>
-              <a:t>29/10/2015</a:t>
+              <a:t>30/10/2015</a:t>
             </a:fld>
             <a:endParaRPr lang="fr-FR"/>
           </a:p>
@@ -3031,7 +3031,7 @@
           <a:p>
             <a:fld id="{7B69463B-0436-3A47-840E-B5853DA20947}" type="datetimeFigureOut">
               <a:rPr lang="fr-FR" smtClean="0"/>
-              <a:t>29/10/2015</a:t>
+              <a:t>30/10/2015</a:t>
             </a:fld>
             <a:endParaRPr lang="fr-FR"/>
           </a:p>
@@ -3284,7 +3284,7 @@
           <a:p>
             <a:fld id="{7B69463B-0436-3A47-840E-B5853DA20947}" type="datetimeFigureOut">
               <a:rPr lang="fr-FR" smtClean="0"/>
-              <a:t>29/10/2015</a:t>
+              <a:t>30/10/2015</a:t>
             </a:fld>
             <a:endParaRPr lang="fr-FR"/>
           </a:p>
@@ -3497,7 +3497,7 @@
           <a:p>
             <a:fld id="{7B69463B-0436-3A47-840E-B5853DA20947}" type="datetimeFigureOut">
               <a:rPr lang="fr-FR" smtClean="0"/>
-              <a:t>29/10/2015</a:t>
+              <a:t>30/10/2015</a:t>
             </a:fld>
             <a:endParaRPr lang="fr-FR"/>
           </a:p>
@@ -9096,15 +9096,17 @@
             <a:avLst/>
           </a:prstGeom>
           <a:solidFill>
-            <a:srgbClr val="FF0000">
+            <a:schemeClr val="accent1">
+              <a:lumMod val="75000"/>
               <a:alpha val="10000"/>
-            </a:srgbClr>
+            </a:schemeClr>
           </a:solidFill>
           <a:ln w="3175" cmpd="sng">
             <a:solidFill>
-              <a:srgbClr val="FF0000">
+              <a:schemeClr val="tx2">
+                <a:lumMod val="50000"/>
                 <a:alpha val="30000"/>
-              </a:srgbClr>
+              </a:schemeClr>
             </a:solidFill>
           </a:ln>
         </p:spPr>
@@ -9146,13 +9148,13 @@
             <a:avLst/>
           </a:prstGeom>
           <a:solidFill>
-            <a:srgbClr val="FFFF00">
+            <a:srgbClr val="A6A6A6">
               <a:alpha val="30000"/>
             </a:srgbClr>
           </a:solidFill>
           <a:ln>
             <a:solidFill>
-              <a:srgbClr val="FFFF00">
+              <a:srgbClr val="A6A6A6">
                 <a:alpha val="80000"/>
               </a:srgbClr>
             </a:solidFill>
@@ -9196,15 +9198,17 @@
             <a:avLst/>
           </a:prstGeom>
           <a:solidFill>
-            <a:srgbClr val="008000">
+            <a:schemeClr val="accent3">
+              <a:lumMod val="50000"/>
               <a:alpha val="15000"/>
-            </a:srgbClr>
+            </a:schemeClr>
           </a:solidFill>
           <a:ln w="3175" cmpd="sng">
             <a:solidFill>
-              <a:srgbClr val="008000">
+              <a:schemeClr val="accent3">
+                <a:lumMod val="50000"/>
                 <a:alpha val="40000"/>
-              </a:srgbClr>
+              </a:schemeClr>
             </a:solidFill>
           </a:ln>
         </p:spPr>
@@ -9255,20 +9259,13 @@
           <a:p>
             <a:pPr algn="ctr"/>
             <a:r>
-              <a:rPr lang="en-US" sz="1400" dirty="0" smtClean="0">
+              <a:rPr lang="en-US" sz="1400" b="1" dirty="0" smtClean="0">
                 <a:latin typeface="Seravek ExtraLight"/>
                 <a:cs typeface="Seravek ExtraLight"/>
               </a:rPr>
-              <a:t>Syntactic </a:t>
-            </a:r>
-            <a:r>
-              <a:rPr lang="en-US" sz="1400" dirty="0" smtClean="0">
-                <a:latin typeface="Seravek ExtraLight"/>
-                <a:cs typeface="Seravek ExtraLight"/>
-              </a:rPr>
-              <a:t>commonalities</a:t>
-            </a:r>
-            <a:endParaRPr lang="en-US" sz="1400" dirty="0">
+              <a:t>Syntactic commonalities</a:t>
+            </a:r>
+            <a:endParaRPr lang="en-US" sz="1400" b="1" dirty="0">
               <a:latin typeface="Seravek ExtraLight"/>
               <a:cs typeface="Seravek ExtraLight"/>
             </a:endParaRPr>
@@ -9290,15 +9287,17 @@
             <a:avLst/>
           </a:prstGeom>
           <a:solidFill>
-            <a:srgbClr val="FFFF00">
+            <a:schemeClr val="bg1">
+              <a:lumMod val="65000"/>
               <a:alpha val="30000"/>
-            </a:srgbClr>
+            </a:schemeClr>
           </a:solidFill>
           <a:ln>
             <a:solidFill>
-              <a:srgbClr val="FFFF00">
+              <a:schemeClr val="bg1">
+                <a:lumMod val="65000"/>
                 <a:alpha val="80000"/>
-              </a:srgbClr>
+              </a:schemeClr>
             </a:solidFill>
           </a:ln>
         </p:spPr>
@@ -9340,15 +9339,17 @@
             <a:avLst/>
           </a:prstGeom>
           <a:solidFill>
-            <a:srgbClr val="008000">
+            <a:schemeClr val="accent3">
+              <a:lumMod val="50000"/>
               <a:alpha val="15000"/>
-            </a:srgbClr>
+            </a:schemeClr>
           </a:solidFill>
           <a:ln w="3175" cmpd="sng">
             <a:solidFill>
-              <a:srgbClr val="008000">
+              <a:schemeClr val="accent3">
+                <a:lumMod val="50000"/>
                 <a:alpha val="40000"/>
-              </a:srgbClr>
+              </a:schemeClr>
             </a:solidFill>
           </a:ln>
         </p:spPr>
@@ -9390,15 +9391,17 @@
             <a:avLst/>
           </a:prstGeom>
           <a:solidFill>
-            <a:srgbClr val="FF0000">
+            <a:schemeClr val="tx2">
+              <a:lumMod val="75000"/>
               <a:alpha val="10000"/>
-            </a:srgbClr>
+            </a:schemeClr>
           </a:solidFill>
           <a:ln w="3175" cmpd="sng">
             <a:solidFill>
-              <a:srgbClr val="FF0000">
+              <a:schemeClr val="tx2">
+                <a:lumMod val="50000"/>
                 <a:alpha val="30000"/>
-              </a:srgbClr>
+              </a:schemeClr>
             </a:solidFill>
           </a:ln>
         </p:spPr>
@@ -10696,6 +10699,83 @@
           </a:fontRef>
         </p:style>
       </p:cxnSp>
+      <p:cxnSp>
+        <p:nvCxnSpPr>
+          <p:cNvPr id="35" name="Connecteur droit avec flèche 34"/>
+          <p:cNvCxnSpPr/>
+          <p:nvPr/>
+        </p:nvCxnSpPr>
+        <p:spPr>
+          <a:xfrm flipH="1">
+            <a:off x="3482059" y="3695976"/>
+            <a:ext cx="1582554" cy="0"/>
+          </a:xfrm>
+          <a:prstGeom prst="straightConnector1">
+            <a:avLst/>
+          </a:prstGeom>
+          <a:ln w="3175" cmpd="sng">
+            <a:solidFill>
+              <a:schemeClr val="bg1">
+                <a:lumMod val="50000"/>
+                <a:alpha val="80000"/>
+              </a:schemeClr>
+            </a:solidFill>
+            <a:prstDash val="lgDash"/>
+            <a:tailEnd type="stealth" w="lg" len="lg"/>
+          </a:ln>
+          <a:effectLst/>
+        </p:spPr>
+        <p:style>
+          <a:lnRef idx="2">
+            <a:schemeClr val="accent1"/>
+          </a:lnRef>
+          <a:fillRef idx="0">
+            <a:schemeClr val="accent1"/>
+          </a:fillRef>
+          <a:effectRef idx="1">
+            <a:schemeClr val="accent1"/>
+          </a:effectRef>
+          <a:fontRef idx="minor">
+            <a:schemeClr val="tx1"/>
+          </a:fontRef>
+        </p:style>
+      </p:cxnSp>
+      <p:sp>
+        <p:nvSpPr>
+          <p:cNvPr id="37" name="ZoneTexte 36"/>
+          <p:cNvSpPr txBox="1"/>
+          <p:nvPr/>
+        </p:nvSpPr>
+        <p:spPr>
+          <a:xfrm>
+            <a:off x="5194606" y="3529758"/>
+            <a:ext cx="2124814" cy="307777"/>
+          </a:xfrm>
+          <a:prstGeom prst="rect">
+            <a:avLst/>
+          </a:prstGeom>
+          <a:noFill/>
+        </p:spPr>
+        <p:txBody>
+          <a:bodyPr wrap="square" rtlCol="0">
+            <a:spAutoFit/>
+          </a:bodyPr>
+          <a:lstStyle/>
+          <a:p>
+            <a:r>
+              <a:rPr lang="en-US" sz="1400" dirty="0" smtClean="0">
+                <a:latin typeface="Seravek ExtraLight"/>
+                <a:cs typeface="Seravek ExtraLight"/>
+              </a:rPr>
+              <a:t>Semantical variability</a:t>
+            </a:r>
+            <a:endParaRPr lang="en-US" sz="1400" dirty="0">
+              <a:latin typeface="Seravek ExtraLight"/>
+              <a:cs typeface="Seravek ExtraLight"/>
+            </a:endParaRPr>
+          </a:p>
+        </p:txBody>
+      </p:sp>
     </p:spTree>
     <p:extLst>
       <p:ext uri="{BB962C8B-B14F-4D97-AF65-F5344CB8AC3E}">
@@ -10749,6 +10829,790 @@
                 <a:alpha val="90000"/>
               </a:schemeClr>
             </a:solidFill>
+          </a:ln>
+        </p:spPr>
+        <p:style>
+          <a:lnRef idx="1">
+            <a:schemeClr val="accent1"/>
+          </a:lnRef>
+          <a:fillRef idx="3">
+            <a:schemeClr val="accent1"/>
+          </a:fillRef>
+          <a:effectRef idx="2">
+            <a:schemeClr val="accent1"/>
+          </a:effectRef>
+          <a:fontRef idx="minor">
+            <a:schemeClr val="lt1"/>
+          </a:fontRef>
+        </p:style>
+        <p:txBody>
+          <a:bodyPr rtlCol="0" anchor="ctr"/>
+          <a:lstStyle/>
+          <a:p>
+            <a:pPr algn="ctr"/>
+            <a:endParaRPr lang="fr-FR"/>
+          </a:p>
+        </p:txBody>
+      </p:sp>
+      <p:sp>
+        <p:nvSpPr>
+          <p:cNvPr id="7" name="Forme libre 6"/>
+          <p:cNvSpPr/>
+          <p:nvPr/>
+        </p:nvSpPr>
+        <p:spPr>
+          <a:xfrm>
+            <a:off x="7183298" y="1693333"/>
+            <a:ext cx="1394772" cy="1247720"/>
+          </a:xfrm>
+          <a:custGeom>
+            <a:avLst/>
+            <a:gdLst>
+              <a:gd name="connsiteX0" fmla="*/ 0 w 1394772"/>
+              <a:gd name="connsiteY0" fmla="*/ 565930 h 1247720"/>
+              <a:gd name="connsiteX1" fmla="*/ 22281 w 1394772"/>
+              <a:gd name="connsiteY1" fmla="*/ 686246 h 1247720"/>
+              <a:gd name="connsiteX2" fmla="*/ 49018 w 1394772"/>
+              <a:gd name="connsiteY2" fmla="*/ 793193 h 1247720"/>
+              <a:gd name="connsiteX3" fmla="*/ 84667 w 1394772"/>
+              <a:gd name="connsiteY3" fmla="*/ 873404 h 1247720"/>
+              <a:gd name="connsiteX4" fmla="*/ 120316 w 1394772"/>
+              <a:gd name="connsiteY4" fmla="*/ 940246 h 1247720"/>
+              <a:gd name="connsiteX5" fmla="*/ 164877 w 1394772"/>
+              <a:gd name="connsiteY5" fmla="*/ 998176 h 1247720"/>
+              <a:gd name="connsiteX6" fmla="*/ 236176 w 1394772"/>
+              <a:gd name="connsiteY6" fmla="*/ 1069474 h 1247720"/>
+              <a:gd name="connsiteX7" fmla="*/ 347579 w 1394772"/>
+              <a:gd name="connsiteY7" fmla="*/ 1149685 h 1247720"/>
+              <a:gd name="connsiteX8" fmla="*/ 450070 w 1394772"/>
+              <a:gd name="connsiteY8" fmla="*/ 1198702 h 1247720"/>
+              <a:gd name="connsiteX9" fmla="*/ 579298 w 1394772"/>
+              <a:gd name="connsiteY9" fmla="*/ 1243263 h 1247720"/>
+              <a:gd name="connsiteX10" fmla="*/ 712983 w 1394772"/>
+              <a:gd name="connsiteY10" fmla="*/ 1247720 h 1247720"/>
+              <a:gd name="connsiteX11" fmla="*/ 851123 w 1394772"/>
+              <a:gd name="connsiteY11" fmla="*/ 1234351 h 1247720"/>
+              <a:gd name="connsiteX12" fmla="*/ 966983 w 1394772"/>
+              <a:gd name="connsiteY12" fmla="*/ 1194246 h 1247720"/>
+              <a:gd name="connsiteX13" fmla="*/ 1073930 w 1394772"/>
+              <a:gd name="connsiteY13" fmla="*/ 1136316 h 1247720"/>
+              <a:gd name="connsiteX14" fmla="*/ 1189790 w 1394772"/>
+              <a:gd name="connsiteY14" fmla="*/ 1047193 h 1247720"/>
+              <a:gd name="connsiteX15" fmla="*/ 1270000 w 1394772"/>
+              <a:gd name="connsiteY15" fmla="*/ 940246 h 1247720"/>
+              <a:gd name="connsiteX16" fmla="*/ 1341298 w 1394772"/>
+              <a:gd name="connsiteY16" fmla="*/ 833299 h 1247720"/>
+              <a:gd name="connsiteX17" fmla="*/ 1376948 w 1394772"/>
+              <a:gd name="connsiteY17" fmla="*/ 699614 h 1247720"/>
+              <a:gd name="connsiteX18" fmla="*/ 1394772 w 1394772"/>
+              <a:gd name="connsiteY18" fmla="*/ 561474 h 1247720"/>
+              <a:gd name="connsiteX19" fmla="*/ 1381404 w 1394772"/>
+              <a:gd name="connsiteY19" fmla="*/ 432246 h 1247720"/>
+              <a:gd name="connsiteX20" fmla="*/ 1336842 w 1394772"/>
+              <a:gd name="connsiteY20" fmla="*/ 294106 h 1247720"/>
+              <a:gd name="connsiteX21" fmla="*/ 1274456 w 1394772"/>
+              <a:gd name="connsiteY21" fmla="*/ 196071 h 1247720"/>
+              <a:gd name="connsiteX22" fmla="*/ 1203158 w 1394772"/>
+              <a:gd name="connsiteY22" fmla="*/ 93579 h 1247720"/>
+              <a:gd name="connsiteX23" fmla="*/ 1127404 w 1394772"/>
+              <a:gd name="connsiteY23" fmla="*/ 31193 h 1247720"/>
+              <a:gd name="connsiteX24" fmla="*/ 1087298 w 1394772"/>
+              <a:gd name="connsiteY24" fmla="*/ 0 h 1247720"/>
+              <a:gd name="connsiteX25" fmla="*/ 1078386 w 1394772"/>
+              <a:gd name="connsiteY25" fmla="*/ 98035 h 1247720"/>
+              <a:gd name="connsiteX26" fmla="*/ 1051649 w 1394772"/>
+              <a:gd name="connsiteY26" fmla="*/ 213895 h 1247720"/>
+              <a:gd name="connsiteX27" fmla="*/ 1016000 w 1394772"/>
+              <a:gd name="connsiteY27" fmla="*/ 289649 h 1247720"/>
+              <a:gd name="connsiteX28" fmla="*/ 944702 w 1394772"/>
+              <a:gd name="connsiteY28" fmla="*/ 405509 h 1247720"/>
+              <a:gd name="connsiteX29" fmla="*/ 855579 w 1394772"/>
+              <a:gd name="connsiteY29" fmla="*/ 503544 h 1247720"/>
+              <a:gd name="connsiteX30" fmla="*/ 770913 w 1394772"/>
+              <a:gd name="connsiteY30" fmla="*/ 565930 h 1247720"/>
+              <a:gd name="connsiteX31" fmla="*/ 641684 w 1394772"/>
+              <a:gd name="connsiteY31" fmla="*/ 632772 h 1247720"/>
+              <a:gd name="connsiteX32" fmla="*/ 427790 w 1394772"/>
+              <a:gd name="connsiteY32" fmla="*/ 681790 h 1247720"/>
+              <a:gd name="connsiteX33" fmla="*/ 320842 w 1394772"/>
+              <a:gd name="connsiteY33" fmla="*/ 681790 h 1247720"/>
+              <a:gd name="connsiteX34" fmla="*/ 218351 w 1394772"/>
+              <a:gd name="connsiteY34" fmla="*/ 663965 h 1247720"/>
+              <a:gd name="connsiteX35" fmla="*/ 124772 w 1394772"/>
+              <a:gd name="connsiteY35" fmla="*/ 637228 h 1247720"/>
+              <a:gd name="connsiteX36" fmla="*/ 62386 w 1394772"/>
+              <a:gd name="connsiteY36" fmla="*/ 610492 h 1247720"/>
+              <a:gd name="connsiteX37" fmla="*/ 0 w 1394772"/>
+              <a:gd name="connsiteY37" fmla="*/ 565930 h 1247720"/>
+            </a:gdLst>
+            <a:ahLst/>
+            <a:cxnLst>
+              <a:cxn ang="0">
+                <a:pos x="connsiteX0" y="connsiteY0"/>
+              </a:cxn>
+              <a:cxn ang="0">
+                <a:pos x="connsiteX1" y="connsiteY1"/>
+              </a:cxn>
+              <a:cxn ang="0">
+                <a:pos x="connsiteX2" y="connsiteY2"/>
+              </a:cxn>
+              <a:cxn ang="0">
+                <a:pos x="connsiteX3" y="connsiteY3"/>
+              </a:cxn>
+              <a:cxn ang="0">
+                <a:pos x="connsiteX4" y="connsiteY4"/>
+              </a:cxn>
+              <a:cxn ang="0">
+                <a:pos x="connsiteX5" y="connsiteY5"/>
+              </a:cxn>
+              <a:cxn ang="0">
+                <a:pos x="connsiteX6" y="connsiteY6"/>
+              </a:cxn>
+              <a:cxn ang="0">
+                <a:pos x="connsiteX7" y="connsiteY7"/>
+              </a:cxn>
+              <a:cxn ang="0">
+                <a:pos x="connsiteX8" y="connsiteY8"/>
+              </a:cxn>
+              <a:cxn ang="0">
+                <a:pos x="connsiteX9" y="connsiteY9"/>
+              </a:cxn>
+              <a:cxn ang="0">
+                <a:pos x="connsiteX10" y="connsiteY10"/>
+              </a:cxn>
+              <a:cxn ang="0">
+                <a:pos x="connsiteX11" y="connsiteY11"/>
+              </a:cxn>
+              <a:cxn ang="0">
+                <a:pos x="connsiteX12" y="connsiteY12"/>
+              </a:cxn>
+              <a:cxn ang="0">
+                <a:pos x="connsiteX13" y="connsiteY13"/>
+              </a:cxn>
+              <a:cxn ang="0">
+                <a:pos x="connsiteX14" y="connsiteY14"/>
+              </a:cxn>
+              <a:cxn ang="0">
+                <a:pos x="connsiteX15" y="connsiteY15"/>
+              </a:cxn>
+              <a:cxn ang="0">
+                <a:pos x="connsiteX16" y="connsiteY16"/>
+              </a:cxn>
+              <a:cxn ang="0">
+                <a:pos x="connsiteX17" y="connsiteY17"/>
+              </a:cxn>
+              <a:cxn ang="0">
+                <a:pos x="connsiteX18" y="connsiteY18"/>
+              </a:cxn>
+              <a:cxn ang="0">
+                <a:pos x="connsiteX19" y="connsiteY19"/>
+              </a:cxn>
+              <a:cxn ang="0">
+                <a:pos x="connsiteX20" y="connsiteY20"/>
+              </a:cxn>
+              <a:cxn ang="0">
+                <a:pos x="connsiteX21" y="connsiteY21"/>
+              </a:cxn>
+              <a:cxn ang="0">
+                <a:pos x="connsiteX22" y="connsiteY22"/>
+              </a:cxn>
+              <a:cxn ang="0">
+                <a:pos x="connsiteX23" y="connsiteY23"/>
+              </a:cxn>
+              <a:cxn ang="0">
+                <a:pos x="connsiteX24" y="connsiteY24"/>
+              </a:cxn>
+              <a:cxn ang="0">
+                <a:pos x="connsiteX25" y="connsiteY25"/>
+              </a:cxn>
+              <a:cxn ang="0">
+                <a:pos x="connsiteX26" y="connsiteY26"/>
+              </a:cxn>
+              <a:cxn ang="0">
+                <a:pos x="connsiteX27" y="connsiteY27"/>
+              </a:cxn>
+              <a:cxn ang="0">
+                <a:pos x="connsiteX28" y="connsiteY28"/>
+              </a:cxn>
+              <a:cxn ang="0">
+                <a:pos x="connsiteX29" y="connsiteY29"/>
+              </a:cxn>
+              <a:cxn ang="0">
+                <a:pos x="connsiteX30" y="connsiteY30"/>
+              </a:cxn>
+              <a:cxn ang="0">
+                <a:pos x="connsiteX31" y="connsiteY31"/>
+              </a:cxn>
+              <a:cxn ang="0">
+                <a:pos x="connsiteX32" y="connsiteY32"/>
+              </a:cxn>
+              <a:cxn ang="0">
+                <a:pos x="connsiteX33" y="connsiteY33"/>
+              </a:cxn>
+              <a:cxn ang="0">
+                <a:pos x="connsiteX34" y="connsiteY34"/>
+              </a:cxn>
+              <a:cxn ang="0">
+                <a:pos x="connsiteX35" y="connsiteY35"/>
+              </a:cxn>
+              <a:cxn ang="0">
+                <a:pos x="connsiteX36" y="connsiteY36"/>
+              </a:cxn>
+              <a:cxn ang="0">
+                <a:pos x="connsiteX37" y="connsiteY37"/>
+              </a:cxn>
+            </a:cxnLst>
+            <a:rect l="l" t="t" r="r" b="b"/>
+            <a:pathLst>
+              <a:path w="1394772" h="1247720">
+                <a:moveTo>
+                  <a:pt x="0" y="565930"/>
+                </a:moveTo>
+                <a:lnTo>
+                  <a:pt x="22281" y="686246"/>
+                </a:lnTo>
+                <a:lnTo>
+                  <a:pt x="49018" y="793193"/>
+                </a:lnTo>
+                <a:lnTo>
+                  <a:pt x="84667" y="873404"/>
+                </a:lnTo>
+                <a:lnTo>
+                  <a:pt x="120316" y="940246"/>
+                </a:lnTo>
+                <a:lnTo>
+                  <a:pt x="164877" y="998176"/>
+                </a:lnTo>
+                <a:lnTo>
+                  <a:pt x="236176" y="1069474"/>
+                </a:lnTo>
+                <a:lnTo>
+                  <a:pt x="347579" y="1149685"/>
+                </a:lnTo>
+                <a:lnTo>
+                  <a:pt x="450070" y="1198702"/>
+                </a:lnTo>
+                <a:lnTo>
+                  <a:pt x="579298" y="1243263"/>
+                </a:lnTo>
+                <a:lnTo>
+                  <a:pt x="712983" y="1247720"/>
+                </a:lnTo>
+                <a:lnTo>
+                  <a:pt x="851123" y="1234351"/>
+                </a:lnTo>
+                <a:lnTo>
+                  <a:pt x="966983" y="1194246"/>
+                </a:lnTo>
+                <a:lnTo>
+                  <a:pt x="1073930" y="1136316"/>
+                </a:lnTo>
+                <a:lnTo>
+                  <a:pt x="1189790" y="1047193"/>
+                </a:lnTo>
+                <a:lnTo>
+                  <a:pt x="1270000" y="940246"/>
+                </a:lnTo>
+                <a:lnTo>
+                  <a:pt x="1341298" y="833299"/>
+                </a:lnTo>
+                <a:lnTo>
+                  <a:pt x="1376948" y="699614"/>
+                </a:lnTo>
+                <a:lnTo>
+                  <a:pt x="1394772" y="561474"/>
+                </a:lnTo>
+                <a:lnTo>
+                  <a:pt x="1381404" y="432246"/>
+                </a:lnTo>
+                <a:lnTo>
+                  <a:pt x="1336842" y="294106"/>
+                </a:lnTo>
+                <a:lnTo>
+                  <a:pt x="1274456" y="196071"/>
+                </a:lnTo>
+                <a:lnTo>
+                  <a:pt x="1203158" y="93579"/>
+                </a:lnTo>
+                <a:lnTo>
+                  <a:pt x="1127404" y="31193"/>
+                </a:lnTo>
+                <a:lnTo>
+                  <a:pt x="1087298" y="0"/>
+                </a:lnTo>
+                <a:lnTo>
+                  <a:pt x="1078386" y="98035"/>
+                </a:lnTo>
+                <a:lnTo>
+                  <a:pt x="1051649" y="213895"/>
+                </a:lnTo>
+                <a:lnTo>
+                  <a:pt x="1016000" y="289649"/>
+                </a:lnTo>
+                <a:lnTo>
+                  <a:pt x="944702" y="405509"/>
+                </a:lnTo>
+                <a:lnTo>
+                  <a:pt x="855579" y="503544"/>
+                </a:lnTo>
+                <a:lnTo>
+                  <a:pt x="770913" y="565930"/>
+                </a:lnTo>
+                <a:lnTo>
+                  <a:pt x="641684" y="632772"/>
+                </a:lnTo>
+                <a:lnTo>
+                  <a:pt x="427790" y="681790"/>
+                </a:lnTo>
+                <a:lnTo>
+                  <a:pt x="320842" y="681790"/>
+                </a:lnTo>
+                <a:lnTo>
+                  <a:pt x="218351" y="663965"/>
+                </a:lnTo>
+                <a:lnTo>
+                  <a:pt x="124772" y="637228"/>
+                </a:lnTo>
+                <a:lnTo>
+                  <a:pt x="62386" y="610492"/>
+                </a:lnTo>
+                <a:lnTo>
+                  <a:pt x="0" y="565930"/>
+                </a:lnTo>
+                <a:close/>
+              </a:path>
+            </a:pathLst>
+          </a:custGeom>
+          <a:pattFill prst="wdDnDiag">
+            <a:fgClr>
+              <a:srgbClr val="BFBFBF"/>
+            </a:fgClr>
+            <a:bgClr>
+              <a:schemeClr val="accent6">
+                <a:lumMod val="20000"/>
+                <a:lumOff val="80000"/>
+              </a:schemeClr>
+            </a:bgClr>
+          </a:pattFill>
+          <a:ln>
+            <a:solidFill>
+              <a:srgbClr val="FFFFFF"/>
+            </a:solidFill>
+          </a:ln>
+        </p:spPr>
+        <p:style>
+          <a:lnRef idx="1">
+            <a:schemeClr val="accent1"/>
+          </a:lnRef>
+          <a:fillRef idx="3">
+            <a:schemeClr val="accent1"/>
+          </a:fillRef>
+          <a:effectRef idx="2">
+            <a:schemeClr val="accent1"/>
+          </a:effectRef>
+          <a:fontRef idx="minor">
+            <a:schemeClr val="lt1"/>
+          </a:fontRef>
+        </p:style>
+        <p:txBody>
+          <a:bodyPr rtlCol="0" anchor="ctr"/>
+          <a:lstStyle/>
+          <a:p>
+            <a:pPr algn="ctr"/>
+            <a:endParaRPr lang="fr-FR"/>
+          </a:p>
+        </p:txBody>
+      </p:sp>
+      <p:sp>
+        <p:nvSpPr>
+          <p:cNvPr id="2" name="Forme libre 1"/>
+          <p:cNvSpPr/>
+          <p:nvPr/>
+        </p:nvSpPr>
+        <p:spPr>
+          <a:xfrm>
+            <a:off x="4958862" y="1574800"/>
+            <a:ext cx="1391138" cy="797169"/>
+          </a:xfrm>
+          <a:custGeom>
+            <a:avLst/>
+            <a:gdLst>
+              <a:gd name="connsiteX0" fmla="*/ 0 w 1391138"/>
+              <a:gd name="connsiteY0" fmla="*/ 660400 h 797169"/>
+              <a:gd name="connsiteX1" fmla="*/ 58615 w 1391138"/>
+              <a:gd name="connsiteY1" fmla="*/ 695569 h 797169"/>
+              <a:gd name="connsiteX2" fmla="*/ 144584 w 1391138"/>
+              <a:gd name="connsiteY2" fmla="*/ 730738 h 797169"/>
+              <a:gd name="connsiteX3" fmla="*/ 234461 w 1391138"/>
+              <a:gd name="connsiteY3" fmla="*/ 758092 h 797169"/>
+              <a:gd name="connsiteX4" fmla="*/ 324338 w 1391138"/>
+              <a:gd name="connsiteY4" fmla="*/ 769815 h 797169"/>
+              <a:gd name="connsiteX5" fmla="*/ 418123 w 1391138"/>
+              <a:gd name="connsiteY5" fmla="*/ 773723 h 797169"/>
+              <a:gd name="connsiteX6" fmla="*/ 543169 w 1391138"/>
+              <a:gd name="connsiteY6" fmla="*/ 754185 h 797169"/>
+              <a:gd name="connsiteX7" fmla="*/ 625230 w 1391138"/>
+              <a:gd name="connsiteY7" fmla="*/ 722923 h 797169"/>
+              <a:gd name="connsiteX8" fmla="*/ 676030 w 1391138"/>
+              <a:gd name="connsiteY8" fmla="*/ 703385 h 797169"/>
+              <a:gd name="connsiteX9" fmla="*/ 722923 w 1391138"/>
+              <a:gd name="connsiteY9" fmla="*/ 676031 h 797169"/>
+              <a:gd name="connsiteX10" fmla="*/ 812800 w 1391138"/>
+              <a:gd name="connsiteY10" fmla="*/ 730738 h 797169"/>
+              <a:gd name="connsiteX11" fmla="*/ 937846 w 1391138"/>
+              <a:gd name="connsiteY11" fmla="*/ 773723 h 797169"/>
+              <a:gd name="connsiteX12" fmla="*/ 1031630 w 1391138"/>
+              <a:gd name="connsiteY12" fmla="*/ 793262 h 797169"/>
+              <a:gd name="connsiteX13" fmla="*/ 1125415 w 1391138"/>
+              <a:gd name="connsiteY13" fmla="*/ 797169 h 797169"/>
+              <a:gd name="connsiteX14" fmla="*/ 1195753 w 1391138"/>
+              <a:gd name="connsiteY14" fmla="*/ 785446 h 797169"/>
+              <a:gd name="connsiteX15" fmla="*/ 1277815 w 1391138"/>
+              <a:gd name="connsiteY15" fmla="*/ 773723 h 797169"/>
+              <a:gd name="connsiteX16" fmla="*/ 1336430 w 1391138"/>
+              <a:gd name="connsiteY16" fmla="*/ 754185 h 797169"/>
+              <a:gd name="connsiteX17" fmla="*/ 1391138 w 1391138"/>
+              <a:gd name="connsiteY17" fmla="*/ 722923 h 797169"/>
+              <a:gd name="connsiteX18" fmla="*/ 1391138 w 1391138"/>
+              <a:gd name="connsiteY18" fmla="*/ 648677 h 797169"/>
+              <a:gd name="connsiteX19" fmla="*/ 1379415 w 1391138"/>
+              <a:gd name="connsiteY19" fmla="*/ 554892 h 797169"/>
+              <a:gd name="connsiteX20" fmla="*/ 1355969 w 1391138"/>
+              <a:gd name="connsiteY20" fmla="*/ 472831 h 797169"/>
+              <a:gd name="connsiteX21" fmla="*/ 1328615 w 1391138"/>
+              <a:gd name="connsiteY21" fmla="*/ 394677 h 797169"/>
+              <a:gd name="connsiteX22" fmla="*/ 1289538 w 1391138"/>
+              <a:gd name="connsiteY22" fmla="*/ 332154 h 797169"/>
+              <a:gd name="connsiteX23" fmla="*/ 1242646 w 1391138"/>
+              <a:gd name="connsiteY23" fmla="*/ 257908 h 797169"/>
+              <a:gd name="connsiteX24" fmla="*/ 1191846 w 1391138"/>
+              <a:gd name="connsiteY24" fmla="*/ 203200 h 797169"/>
+              <a:gd name="connsiteX25" fmla="*/ 1129323 w 1391138"/>
+              <a:gd name="connsiteY25" fmla="*/ 148492 h 797169"/>
+              <a:gd name="connsiteX26" fmla="*/ 1043353 w 1391138"/>
+              <a:gd name="connsiteY26" fmla="*/ 89877 h 797169"/>
+              <a:gd name="connsiteX27" fmla="*/ 984738 w 1391138"/>
+              <a:gd name="connsiteY27" fmla="*/ 62523 h 797169"/>
+              <a:gd name="connsiteX28" fmla="*/ 894861 w 1391138"/>
+              <a:gd name="connsiteY28" fmla="*/ 31262 h 797169"/>
+              <a:gd name="connsiteX29" fmla="*/ 808892 w 1391138"/>
+              <a:gd name="connsiteY29" fmla="*/ 7815 h 797169"/>
+              <a:gd name="connsiteX30" fmla="*/ 726830 w 1391138"/>
+              <a:gd name="connsiteY30" fmla="*/ 0 h 797169"/>
+              <a:gd name="connsiteX31" fmla="*/ 648676 w 1391138"/>
+              <a:gd name="connsiteY31" fmla="*/ 0 h 797169"/>
+              <a:gd name="connsiteX32" fmla="*/ 582246 w 1391138"/>
+              <a:gd name="connsiteY32" fmla="*/ 7815 h 797169"/>
+              <a:gd name="connsiteX33" fmla="*/ 480646 w 1391138"/>
+              <a:gd name="connsiteY33" fmla="*/ 35169 h 797169"/>
+              <a:gd name="connsiteX34" fmla="*/ 398584 w 1391138"/>
+              <a:gd name="connsiteY34" fmla="*/ 66431 h 797169"/>
+              <a:gd name="connsiteX35" fmla="*/ 316523 w 1391138"/>
+              <a:gd name="connsiteY35" fmla="*/ 117231 h 797169"/>
+              <a:gd name="connsiteX36" fmla="*/ 246184 w 1391138"/>
+              <a:gd name="connsiteY36" fmla="*/ 168031 h 797169"/>
+              <a:gd name="connsiteX37" fmla="*/ 179753 w 1391138"/>
+              <a:gd name="connsiteY37" fmla="*/ 234462 h 797169"/>
+              <a:gd name="connsiteX38" fmla="*/ 140676 w 1391138"/>
+              <a:gd name="connsiteY38" fmla="*/ 289169 h 797169"/>
+              <a:gd name="connsiteX39" fmla="*/ 97692 w 1391138"/>
+              <a:gd name="connsiteY39" fmla="*/ 355600 h 797169"/>
+              <a:gd name="connsiteX40" fmla="*/ 50800 w 1391138"/>
+              <a:gd name="connsiteY40" fmla="*/ 445477 h 797169"/>
+              <a:gd name="connsiteX41" fmla="*/ 27353 w 1391138"/>
+              <a:gd name="connsiteY41" fmla="*/ 515815 h 797169"/>
+              <a:gd name="connsiteX42" fmla="*/ 15630 w 1391138"/>
+              <a:gd name="connsiteY42" fmla="*/ 593969 h 797169"/>
+              <a:gd name="connsiteX43" fmla="*/ 0 w 1391138"/>
+              <a:gd name="connsiteY43" fmla="*/ 660400 h 797169"/>
+            </a:gdLst>
+            <a:ahLst/>
+            <a:cxnLst>
+              <a:cxn ang="0">
+                <a:pos x="connsiteX0" y="connsiteY0"/>
+              </a:cxn>
+              <a:cxn ang="0">
+                <a:pos x="connsiteX1" y="connsiteY1"/>
+              </a:cxn>
+              <a:cxn ang="0">
+                <a:pos x="connsiteX2" y="connsiteY2"/>
+              </a:cxn>
+              <a:cxn ang="0">
+                <a:pos x="connsiteX3" y="connsiteY3"/>
+              </a:cxn>
+              <a:cxn ang="0">
+                <a:pos x="connsiteX4" y="connsiteY4"/>
+              </a:cxn>
+              <a:cxn ang="0">
+                <a:pos x="connsiteX5" y="connsiteY5"/>
+              </a:cxn>
+              <a:cxn ang="0">
+                <a:pos x="connsiteX6" y="connsiteY6"/>
+              </a:cxn>
+              <a:cxn ang="0">
+                <a:pos x="connsiteX7" y="connsiteY7"/>
+              </a:cxn>
+              <a:cxn ang="0">
+                <a:pos x="connsiteX8" y="connsiteY8"/>
+              </a:cxn>
+              <a:cxn ang="0">
+                <a:pos x="connsiteX9" y="connsiteY9"/>
+              </a:cxn>
+              <a:cxn ang="0">
+                <a:pos x="connsiteX10" y="connsiteY10"/>
+              </a:cxn>
+              <a:cxn ang="0">
+                <a:pos x="connsiteX11" y="connsiteY11"/>
+              </a:cxn>
+              <a:cxn ang="0">
+                <a:pos x="connsiteX12" y="connsiteY12"/>
+              </a:cxn>
+              <a:cxn ang="0">
+                <a:pos x="connsiteX13" y="connsiteY13"/>
+              </a:cxn>
+              <a:cxn ang="0">
+                <a:pos x="connsiteX14" y="connsiteY14"/>
+              </a:cxn>
+              <a:cxn ang="0">
+                <a:pos x="connsiteX15" y="connsiteY15"/>
+              </a:cxn>
+              <a:cxn ang="0">
+                <a:pos x="connsiteX16" y="connsiteY16"/>
+              </a:cxn>
+              <a:cxn ang="0">
+                <a:pos x="connsiteX17" y="connsiteY17"/>
+              </a:cxn>
+              <a:cxn ang="0">
+                <a:pos x="connsiteX18" y="connsiteY18"/>
+              </a:cxn>
+              <a:cxn ang="0">
+                <a:pos x="connsiteX19" y="connsiteY19"/>
+              </a:cxn>
+              <a:cxn ang="0">
+                <a:pos x="connsiteX20" y="connsiteY20"/>
+              </a:cxn>
+              <a:cxn ang="0">
+                <a:pos x="connsiteX21" y="connsiteY21"/>
+              </a:cxn>
+              <a:cxn ang="0">
+                <a:pos x="connsiteX22" y="connsiteY22"/>
+              </a:cxn>
+              <a:cxn ang="0">
+                <a:pos x="connsiteX23" y="connsiteY23"/>
+              </a:cxn>
+              <a:cxn ang="0">
+                <a:pos x="connsiteX24" y="connsiteY24"/>
+              </a:cxn>
+              <a:cxn ang="0">
+                <a:pos x="connsiteX25" y="connsiteY25"/>
+              </a:cxn>
+              <a:cxn ang="0">
+                <a:pos x="connsiteX26" y="connsiteY26"/>
+              </a:cxn>
+              <a:cxn ang="0">
+                <a:pos x="connsiteX27" y="connsiteY27"/>
+              </a:cxn>
+              <a:cxn ang="0">
+                <a:pos x="connsiteX28" y="connsiteY28"/>
+              </a:cxn>
+              <a:cxn ang="0">
+                <a:pos x="connsiteX29" y="connsiteY29"/>
+              </a:cxn>
+              <a:cxn ang="0">
+                <a:pos x="connsiteX30" y="connsiteY30"/>
+              </a:cxn>
+              <a:cxn ang="0">
+                <a:pos x="connsiteX31" y="connsiteY31"/>
+              </a:cxn>
+              <a:cxn ang="0">
+                <a:pos x="connsiteX32" y="connsiteY32"/>
+              </a:cxn>
+              <a:cxn ang="0">
+                <a:pos x="connsiteX33" y="connsiteY33"/>
+              </a:cxn>
+              <a:cxn ang="0">
+                <a:pos x="connsiteX34" y="connsiteY34"/>
+              </a:cxn>
+              <a:cxn ang="0">
+                <a:pos x="connsiteX35" y="connsiteY35"/>
+              </a:cxn>
+              <a:cxn ang="0">
+                <a:pos x="connsiteX36" y="connsiteY36"/>
+              </a:cxn>
+              <a:cxn ang="0">
+                <a:pos x="connsiteX37" y="connsiteY37"/>
+              </a:cxn>
+              <a:cxn ang="0">
+                <a:pos x="connsiteX38" y="connsiteY38"/>
+              </a:cxn>
+              <a:cxn ang="0">
+                <a:pos x="connsiteX39" y="connsiteY39"/>
+              </a:cxn>
+              <a:cxn ang="0">
+                <a:pos x="connsiteX40" y="connsiteY40"/>
+              </a:cxn>
+              <a:cxn ang="0">
+                <a:pos x="connsiteX41" y="connsiteY41"/>
+              </a:cxn>
+              <a:cxn ang="0">
+                <a:pos x="connsiteX42" y="connsiteY42"/>
+              </a:cxn>
+              <a:cxn ang="0">
+                <a:pos x="connsiteX43" y="connsiteY43"/>
+              </a:cxn>
+            </a:cxnLst>
+            <a:rect l="l" t="t" r="r" b="b"/>
+            <a:pathLst>
+              <a:path w="1391138" h="797169">
+                <a:moveTo>
+                  <a:pt x="0" y="660400"/>
+                </a:moveTo>
+                <a:lnTo>
+                  <a:pt x="58615" y="695569"/>
+                </a:lnTo>
+                <a:lnTo>
+                  <a:pt x="144584" y="730738"/>
+                </a:lnTo>
+                <a:lnTo>
+                  <a:pt x="234461" y="758092"/>
+                </a:lnTo>
+                <a:lnTo>
+                  <a:pt x="324338" y="769815"/>
+                </a:lnTo>
+                <a:lnTo>
+                  <a:pt x="418123" y="773723"/>
+                </a:lnTo>
+                <a:lnTo>
+                  <a:pt x="543169" y="754185"/>
+                </a:lnTo>
+                <a:lnTo>
+                  <a:pt x="625230" y="722923"/>
+                </a:lnTo>
+                <a:lnTo>
+                  <a:pt x="676030" y="703385"/>
+                </a:lnTo>
+                <a:lnTo>
+                  <a:pt x="722923" y="676031"/>
+                </a:lnTo>
+                <a:lnTo>
+                  <a:pt x="812800" y="730738"/>
+                </a:lnTo>
+                <a:lnTo>
+                  <a:pt x="937846" y="773723"/>
+                </a:lnTo>
+                <a:lnTo>
+                  <a:pt x="1031630" y="793262"/>
+                </a:lnTo>
+                <a:lnTo>
+                  <a:pt x="1125415" y="797169"/>
+                </a:lnTo>
+                <a:lnTo>
+                  <a:pt x="1195753" y="785446"/>
+                </a:lnTo>
+                <a:lnTo>
+                  <a:pt x="1277815" y="773723"/>
+                </a:lnTo>
+                <a:lnTo>
+                  <a:pt x="1336430" y="754185"/>
+                </a:lnTo>
+                <a:lnTo>
+                  <a:pt x="1391138" y="722923"/>
+                </a:lnTo>
+                <a:lnTo>
+                  <a:pt x="1391138" y="648677"/>
+                </a:lnTo>
+                <a:lnTo>
+                  <a:pt x="1379415" y="554892"/>
+                </a:lnTo>
+                <a:lnTo>
+                  <a:pt x="1355969" y="472831"/>
+                </a:lnTo>
+                <a:lnTo>
+                  <a:pt x="1328615" y="394677"/>
+                </a:lnTo>
+                <a:lnTo>
+                  <a:pt x="1289538" y="332154"/>
+                </a:lnTo>
+                <a:lnTo>
+                  <a:pt x="1242646" y="257908"/>
+                </a:lnTo>
+                <a:lnTo>
+                  <a:pt x="1191846" y="203200"/>
+                </a:lnTo>
+                <a:lnTo>
+                  <a:pt x="1129323" y="148492"/>
+                </a:lnTo>
+                <a:lnTo>
+                  <a:pt x="1043353" y="89877"/>
+                </a:lnTo>
+                <a:lnTo>
+                  <a:pt x="984738" y="62523"/>
+                </a:lnTo>
+                <a:lnTo>
+                  <a:pt x="894861" y="31262"/>
+                </a:lnTo>
+                <a:lnTo>
+                  <a:pt x="808892" y="7815"/>
+                </a:lnTo>
+                <a:lnTo>
+                  <a:pt x="726830" y="0"/>
+                </a:lnTo>
+                <a:lnTo>
+                  <a:pt x="648676" y="0"/>
+                </a:lnTo>
+                <a:lnTo>
+                  <a:pt x="582246" y="7815"/>
+                </a:lnTo>
+                <a:lnTo>
+                  <a:pt x="480646" y="35169"/>
+                </a:lnTo>
+                <a:lnTo>
+                  <a:pt x="398584" y="66431"/>
+                </a:lnTo>
+                <a:lnTo>
+                  <a:pt x="316523" y="117231"/>
+                </a:lnTo>
+                <a:lnTo>
+                  <a:pt x="246184" y="168031"/>
+                </a:lnTo>
+                <a:lnTo>
+                  <a:pt x="179753" y="234462"/>
+                </a:lnTo>
+                <a:lnTo>
+                  <a:pt x="140676" y="289169"/>
+                </a:lnTo>
+                <a:lnTo>
+                  <a:pt x="97692" y="355600"/>
+                </a:lnTo>
+                <a:lnTo>
+                  <a:pt x="50800" y="445477"/>
+                </a:lnTo>
+                <a:lnTo>
+                  <a:pt x="27353" y="515815"/>
+                </a:lnTo>
+                <a:lnTo>
+                  <a:pt x="15630" y="593969"/>
+                </a:lnTo>
+                <a:lnTo>
+                  <a:pt x="0" y="660400"/>
+                </a:lnTo>
+                <a:close/>
+              </a:path>
+            </a:pathLst>
+          </a:custGeom>
+          <a:pattFill prst="wdDnDiag">
+            <a:fgClr>
+              <a:srgbClr val="FF6600"/>
+            </a:fgClr>
+            <a:bgClr>
+              <a:schemeClr val="accent6">
+                <a:lumMod val="20000"/>
+                <a:lumOff val="80000"/>
+              </a:schemeClr>
+            </a:bgClr>
+          </a:pattFill>
+          <a:ln>
+            <a:noFill/>
           </a:ln>
         </p:spPr>
         <p:style>
@@ -11464,7 +12328,9 @@
           </a:custGeom>
           <a:pattFill prst="wdDnDiag">
             <a:fgClr>
-              <a:srgbClr val="FF6600"/>
+              <a:schemeClr val="bg1">
+                <a:lumMod val="65000"/>
+              </a:schemeClr>
             </a:fgClr>
             <a:bgClr>
               <a:schemeClr val="accent6">
@@ -11967,7 +12833,9 @@
           </a:custGeom>
           <a:pattFill prst="wdDnDiag">
             <a:fgClr>
-              <a:srgbClr val="FF6600"/>
+              <a:schemeClr val="bg1">
+                <a:lumMod val="65000"/>
+              </a:schemeClr>
             </a:fgClr>
             <a:bgClr>
               <a:schemeClr val="accent6">
@@ -13120,6 +13988,393 @@
               <a:t>)</a:t>
             </a:r>
             <a:endParaRPr lang="en-US" sz="1400" dirty="0">
+              <a:latin typeface="Seravek ExtraLight"/>
+              <a:cs typeface="Seravek ExtraLight"/>
+            </a:endParaRPr>
+          </a:p>
+        </p:txBody>
+      </p:sp>
+      <p:sp>
+        <p:nvSpPr>
+          <p:cNvPr id="26" name="Forme libre 25"/>
+          <p:cNvSpPr/>
+          <p:nvPr/>
+        </p:nvSpPr>
+        <p:spPr>
+          <a:xfrm>
+            <a:off x="3148976" y="1579596"/>
+            <a:ext cx="664675" cy="696040"/>
+          </a:xfrm>
+          <a:custGeom>
+            <a:avLst/>
+            <a:gdLst>
+              <a:gd name="connsiteX0" fmla="*/ 0 w 663071"/>
+              <a:gd name="connsiteY0" fmla="*/ 61204 h 698742"/>
+              <a:gd name="connsiteX1" fmla="*/ 168318 w 663071"/>
+              <a:gd name="connsiteY1" fmla="*/ 10200 h 698742"/>
+              <a:gd name="connsiteX2" fmla="*/ 331535 w 663071"/>
+              <a:gd name="connsiteY2" fmla="*/ 0 h 698742"/>
+              <a:gd name="connsiteX3" fmla="*/ 469250 w 663071"/>
+              <a:gd name="connsiteY3" fmla="*/ 25501 h 698742"/>
+              <a:gd name="connsiteX4" fmla="*/ 581462 w 663071"/>
+              <a:gd name="connsiteY4" fmla="*/ 61204 h 698742"/>
+              <a:gd name="connsiteX5" fmla="*/ 663071 w 663071"/>
+              <a:gd name="connsiteY5" fmla="*/ 107106 h 698742"/>
+              <a:gd name="connsiteX6" fmla="*/ 663071 w 663071"/>
+              <a:gd name="connsiteY6" fmla="*/ 183611 h 698742"/>
+              <a:gd name="connsiteX7" fmla="*/ 637568 w 663071"/>
+              <a:gd name="connsiteY7" fmla="*/ 290717 h 698742"/>
+              <a:gd name="connsiteX8" fmla="*/ 606965 w 663071"/>
+              <a:gd name="connsiteY8" fmla="*/ 377423 h 698742"/>
+              <a:gd name="connsiteX9" fmla="*/ 550859 w 663071"/>
+              <a:gd name="connsiteY9" fmla="*/ 479429 h 698742"/>
+              <a:gd name="connsiteX10" fmla="*/ 489652 w 663071"/>
+              <a:gd name="connsiteY10" fmla="*/ 550833 h 698742"/>
+              <a:gd name="connsiteX11" fmla="*/ 443747 w 663071"/>
+              <a:gd name="connsiteY11" fmla="*/ 601836 h 698742"/>
+              <a:gd name="connsiteX12" fmla="*/ 402943 w 663071"/>
+              <a:gd name="connsiteY12" fmla="*/ 642639 h 698742"/>
+              <a:gd name="connsiteX13" fmla="*/ 321334 w 663071"/>
+              <a:gd name="connsiteY13" fmla="*/ 698742 h 698742"/>
+              <a:gd name="connsiteX14" fmla="*/ 239726 w 663071"/>
+              <a:gd name="connsiteY14" fmla="*/ 642639 h 698742"/>
+              <a:gd name="connsiteX15" fmla="*/ 173418 w 663071"/>
+              <a:gd name="connsiteY15" fmla="*/ 571234 h 698742"/>
+              <a:gd name="connsiteX16" fmla="*/ 107111 w 663071"/>
+              <a:gd name="connsiteY16" fmla="*/ 489629 h 698742"/>
+              <a:gd name="connsiteX17" fmla="*/ 71408 w 663071"/>
+              <a:gd name="connsiteY17" fmla="*/ 428426 h 698742"/>
+              <a:gd name="connsiteX18" fmla="*/ 30603 w 663071"/>
+              <a:gd name="connsiteY18" fmla="*/ 331520 h 698742"/>
+              <a:gd name="connsiteX19" fmla="*/ 10201 w 663071"/>
+              <a:gd name="connsiteY19" fmla="*/ 219313 h 698742"/>
+              <a:gd name="connsiteX20" fmla="*/ 0 w 663071"/>
+              <a:gd name="connsiteY20" fmla="*/ 137708 h 698742"/>
+              <a:gd name="connsiteX21" fmla="*/ 0 w 663071"/>
+              <a:gd name="connsiteY21" fmla="*/ 61204 h 698742"/>
+            </a:gdLst>
+            <a:ahLst/>
+            <a:cxnLst>
+              <a:cxn ang="0">
+                <a:pos x="connsiteX0" y="connsiteY0"/>
+              </a:cxn>
+              <a:cxn ang="0">
+                <a:pos x="connsiteX1" y="connsiteY1"/>
+              </a:cxn>
+              <a:cxn ang="0">
+                <a:pos x="connsiteX2" y="connsiteY2"/>
+              </a:cxn>
+              <a:cxn ang="0">
+                <a:pos x="connsiteX3" y="connsiteY3"/>
+              </a:cxn>
+              <a:cxn ang="0">
+                <a:pos x="connsiteX4" y="connsiteY4"/>
+              </a:cxn>
+              <a:cxn ang="0">
+                <a:pos x="connsiteX5" y="connsiteY5"/>
+              </a:cxn>
+              <a:cxn ang="0">
+                <a:pos x="connsiteX6" y="connsiteY6"/>
+              </a:cxn>
+              <a:cxn ang="0">
+                <a:pos x="connsiteX7" y="connsiteY7"/>
+              </a:cxn>
+              <a:cxn ang="0">
+                <a:pos x="connsiteX8" y="connsiteY8"/>
+              </a:cxn>
+              <a:cxn ang="0">
+                <a:pos x="connsiteX9" y="connsiteY9"/>
+              </a:cxn>
+              <a:cxn ang="0">
+                <a:pos x="connsiteX10" y="connsiteY10"/>
+              </a:cxn>
+              <a:cxn ang="0">
+                <a:pos x="connsiteX11" y="connsiteY11"/>
+              </a:cxn>
+              <a:cxn ang="0">
+                <a:pos x="connsiteX12" y="connsiteY12"/>
+              </a:cxn>
+              <a:cxn ang="0">
+                <a:pos x="connsiteX13" y="connsiteY13"/>
+              </a:cxn>
+              <a:cxn ang="0">
+                <a:pos x="connsiteX14" y="connsiteY14"/>
+              </a:cxn>
+              <a:cxn ang="0">
+                <a:pos x="connsiteX15" y="connsiteY15"/>
+              </a:cxn>
+              <a:cxn ang="0">
+                <a:pos x="connsiteX16" y="connsiteY16"/>
+              </a:cxn>
+              <a:cxn ang="0">
+                <a:pos x="connsiteX17" y="connsiteY17"/>
+              </a:cxn>
+              <a:cxn ang="0">
+                <a:pos x="connsiteX18" y="connsiteY18"/>
+              </a:cxn>
+              <a:cxn ang="0">
+                <a:pos x="connsiteX19" y="connsiteY19"/>
+              </a:cxn>
+              <a:cxn ang="0">
+                <a:pos x="connsiteX20" y="connsiteY20"/>
+              </a:cxn>
+              <a:cxn ang="0">
+                <a:pos x="connsiteX21" y="connsiteY21"/>
+              </a:cxn>
+            </a:cxnLst>
+            <a:rect l="l" t="t" r="r" b="b"/>
+            <a:pathLst>
+              <a:path w="663071" h="698742">
+                <a:moveTo>
+                  <a:pt x="0" y="61204"/>
+                </a:moveTo>
+                <a:lnTo>
+                  <a:pt x="168318" y="10200"/>
+                </a:lnTo>
+                <a:lnTo>
+                  <a:pt x="331535" y="0"/>
+                </a:lnTo>
+                <a:lnTo>
+                  <a:pt x="469250" y="25501"/>
+                </a:lnTo>
+                <a:lnTo>
+                  <a:pt x="581462" y="61204"/>
+                </a:lnTo>
+                <a:lnTo>
+                  <a:pt x="663071" y="107106"/>
+                </a:lnTo>
+                <a:lnTo>
+                  <a:pt x="663071" y="183611"/>
+                </a:lnTo>
+                <a:lnTo>
+                  <a:pt x="637568" y="290717"/>
+                </a:lnTo>
+                <a:lnTo>
+                  <a:pt x="606965" y="377423"/>
+                </a:lnTo>
+                <a:lnTo>
+                  <a:pt x="550859" y="479429"/>
+                </a:lnTo>
+                <a:lnTo>
+                  <a:pt x="489652" y="550833"/>
+                </a:lnTo>
+                <a:lnTo>
+                  <a:pt x="443747" y="601836"/>
+                </a:lnTo>
+                <a:lnTo>
+                  <a:pt x="402943" y="642639"/>
+                </a:lnTo>
+                <a:lnTo>
+                  <a:pt x="321334" y="698742"/>
+                </a:lnTo>
+                <a:lnTo>
+                  <a:pt x="239726" y="642639"/>
+                </a:lnTo>
+                <a:lnTo>
+                  <a:pt x="173418" y="571234"/>
+                </a:lnTo>
+                <a:lnTo>
+                  <a:pt x="107111" y="489629"/>
+                </a:lnTo>
+                <a:lnTo>
+                  <a:pt x="71408" y="428426"/>
+                </a:lnTo>
+                <a:lnTo>
+                  <a:pt x="30603" y="331520"/>
+                </a:lnTo>
+                <a:lnTo>
+                  <a:pt x="10201" y="219313"/>
+                </a:lnTo>
+                <a:lnTo>
+                  <a:pt x="0" y="137708"/>
+                </a:lnTo>
+                <a:lnTo>
+                  <a:pt x="0" y="61204"/>
+                </a:lnTo>
+                <a:close/>
+              </a:path>
+            </a:pathLst>
+          </a:custGeom>
+          <a:pattFill prst="wdDnDiag">
+            <a:fgClr>
+              <a:srgbClr val="FF6600"/>
+            </a:fgClr>
+            <a:bgClr>
+              <a:schemeClr val="accent6">
+                <a:lumMod val="20000"/>
+                <a:lumOff val="80000"/>
+              </a:schemeClr>
+            </a:bgClr>
+          </a:pattFill>
+          <a:ln>
+            <a:noFill/>
+          </a:ln>
+        </p:spPr>
+        <p:style>
+          <a:lnRef idx="1">
+            <a:schemeClr val="accent1"/>
+          </a:lnRef>
+          <a:fillRef idx="3">
+            <a:schemeClr val="accent1"/>
+          </a:fillRef>
+          <a:effectRef idx="2">
+            <a:schemeClr val="accent1"/>
+          </a:effectRef>
+          <a:fontRef idx="minor">
+            <a:schemeClr val="lt1"/>
+          </a:fontRef>
+        </p:style>
+        <p:txBody>
+          <a:bodyPr rtlCol="0" anchor="ctr"/>
+          <a:lstStyle/>
+          <a:p>
+            <a:pPr algn="ctr"/>
+            <a:endParaRPr lang="fr-FR"/>
+          </a:p>
+        </p:txBody>
+      </p:sp>
+      <p:sp>
+        <p:nvSpPr>
+          <p:cNvPr id="29" name="ZoneTexte 28"/>
+          <p:cNvSpPr txBox="1"/>
+          <p:nvPr/>
+        </p:nvSpPr>
+        <p:spPr>
+          <a:xfrm>
+            <a:off x="6947261" y="2626744"/>
+            <a:ext cx="275849" cy="369332"/>
+          </a:xfrm>
+          <a:prstGeom prst="rect">
+            <a:avLst/>
+          </a:prstGeom>
+          <a:noFill/>
+        </p:spPr>
+        <p:txBody>
+          <a:bodyPr wrap="square" rtlCol="0">
+            <a:spAutoFit/>
+          </a:bodyPr>
+          <a:lstStyle/>
+          <a:p>
+            <a:pPr algn="ctr"/>
+            <a:r>
+              <a:rPr lang="en-US" i="1" dirty="0" err="1" smtClean="0">
+                <a:latin typeface="Seravek ExtraLight"/>
+                <a:cs typeface="Seravek ExtraLight"/>
+              </a:rPr>
+              <a:t>i</a:t>
+            </a:r>
+            <a:endParaRPr lang="en-US" i="1" dirty="0">
+              <a:latin typeface="Seravek ExtraLight"/>
+              <a:cs typeface="Seravek ExtraLight"/>
+            </a:endParaRPr>
+          </a:p>
+        </p:txBody>
+      </p:sp>
+      <p:sp>
+        <p:nvSpPr>
+          <p:cNvPr id="30" name="ZoneTexte 29"/>
+          <p:cNvSpPr txBox="1"/>
+          <p:nvPr/>
+        </p:nvSpPr>
+        <p:spPr>
+          <a:xfrm>
+            <a:off x="7190990" y="1181843"/>
+            <a:ext cx="275849" cy="369332"/>
+          </a:xfrm>
+          <a:prstGeom prst="rect">
+            <a:avLst/>
+          </a:prstGeom>
+          <a:noFill/>
+        </p:spPr>
+        <p:txBody>
+          <a:bodyPr wrap="square" rtlCol="0">
+            <a:spAutoFit/>
+          </a:bodyPr>
+          <a:lstStyle/>
+          <a:p>
+            <a:pPr algn="ctr"/>
+            <a:r>
+              <a:rPr lang="en-US" i="1" dirty="0" err="1">
+                <a:latin typeface="Seravek ExtraLight"/>
+                <a:cs typeface="Seravek ExtraLight"/>
+              </a:rPr>
+              <a:t>j</a:t>
+            </a:r>
+            <a:endParaRPr lang="en-US" i="1" dirty="0">
+              <a:latin typeface="Seravek ExtraLight"/>
+              <a:cs typeface="Seravek ExtraLight"/>
+            </a:endParaRPr>
+          </a:p>
+        </p:txBody>
+      </p:sp>
+      <p:sp>
+        <p:nvSpPr>
+          <p:cNvPr id="32" name="ZoneTexte 31"/>
+          <p:cNvSpPr txBox="1"/>
+          <p:nvPr/>
+        </p:nvSpPr>
+        <p:spPr>
+          <a:xfrm>
+            <a:off x="4691252" y="2626744"/>
+            <a:ext cx="275849" cy="369332"/>
+          </a:xfrm>
+          <a:prstGeom prst="rect">
+            <a:avLst/>
+          </a:prstGeom>
+          <a:noFill/>
+        </p:spPr>
+        <p:txBody>
+          <a:bodyPr wrap="square" rtlCol="0">
+            <a:spAutoFit/>
+          </a:bodyPr>
+          <a:lstStyle/>
+          <a:p>
+            <a:pPr algn="ctr"/>
+            <a:r>
+              <a:rPr lang="en-US" i="1" dirty="0" err="1" smtClean="0">
+                <a:latin typeface="Seravek ExtraLight"/>
+                <a:cs typeface="Seravek ExtraLight"/>
+              </a:rPr>
+              <a:t>i</a:t>
+            </a:r>
+            <a:endParaRPr lang="en-US" i="1" dirty="0">
+              <a:latin typeface="Seravek ExtraLight"/>
+              <a:cs typeface="Seravek ExtraLight"/>
+            </a:endParaRPr>
+          </a:p>
+        </p:txBody>
+      </p:sp>
+      <p:sp>
+        <p:nvSpPr>
+          <p:cNvPr id="33" name="ZoneTexte 32"/>
+          <p:cNvSpPr txBox="1"/>
+          <p:nvPr/>
+        </p:nvSpPr>
+        <p:spPr>
+          <a:xfrm>
+            <a:off x="2518930" y="2626744"/>
+            <a:ext cx="275849" cy="369332"/>
+          </a:xfrm>
+          <a:prstGeom prst="rect">
+            <a:avLst/>
+          </a:prstGeom>
+          <a:noFill/>
+        </p:spPr>
+        <p:txBody>
+          <a:bodyPr wrap="square" rtlCol="0">
+            <a:spAutoFit/>
+          </a:bodyPr>
+          <a:lstStyle/>
+          <a:p>
+            <a:pPr algn="ctr"/>
+            <a:r>
+              <a:rPr lang="en-US" i="1" dirty="0" err="1" smtClean="0">
+                <a:latin typeface="Seravek ExtraLight"/>
+                <a:cs typeface="Seravek ExtraLight"/>
+              </a:rPr>
+              <a:t>i</a:t>
+            </a:r>
+            <a:endParaRPr lang="en-US" i="1" dirty="0">
               <a:latin typeface="Seravek ExtraLight"/>
               <a:cs typeface="Seravek ExtraLight"/>
             </a:endParaRPr>

--- a/papers/2016-ICSR-PuzzleMetrics/images/domains.pptx
+++ b/papers/2016-ICSR-PuzzleMetrics/images/domains.pptx
@@ -5,7 +5,7 @@
     <p:sldMasterId id="2147483648" r:id="rId1"/>
   </p:sldMasterIdLst>
   <p:notesMasterIdLst>
-    <p:notesMasterId r:id="rId7"/>
+    <p:notesMasterId r:id="rId8"/>
   </p:notesMasterIdLst>
   <p:sldIdLst>
     <p:sldId id="258" r:id="rId2"/>
@@ -13,6 +13,7 @@
     <p:sldId id="260" r:id="rId4"/>
     <p:sldId id="261" r:id="rId5"/>
     <p:sldId id="262" r:id="rId6"/>
+    <p:sldId id="263" r:id="rId7"/>
   </p:sldIdLst>
   <p:sldSz cx="9144000" cy="6858000" type="screen4x3"/>
   <p:notesSz cx="6858000" cy="9144000"/>
@@ -196,7 +197,7 @@
           <a:p>
             <a:fld id="{24AFE135-3210-A348-91D1-71A1B4E41AE3}" type="datetimeFigureOut">
               <a:rPr lang="fr-FR" smtClean="0"/>
-              <a:t>30/10/2015</a:t>
+              <a:t>03/11/2015</a:t>
             </a:fld>
             <a:endParaRPr lang="fr-FR"/>
           </a:p>
@@ -884,6 +885,90 @@
 </p:notes>
 </file>
 
+<file path=ppt/notesSlides/notesSlide6.xml><?xml version="1.0" encoding="utf-8"?>
+<p:notes xmlns:a="http://schemas.openxmlformats.org/drawingml/2006/main" xmlns:r="http://schemas.openxmlformats.org/officeDocument/2006/relationships" xmlns:p="http://schemas.openxmlformats.org/presentationml/2006/main">
+  <p:cSld>
+    <p:spTree>
+      <p:nvGrpSpPr>
+        <p:cNvPr id="1" name=""/>
+        <p:cNvGrpSpPr/>
+        <p:nvPr/>
+      </p:nvGrpSpPr>
+      <p:grpSpPr>
+        <a:xfrm>
+          <a:off x="0" y="0"/>
+          <a:ext cx="0" cy="0"/>
+          <a:chOff x="0" y="0"/>
+          <a:chExt cx="0" cy="0"/>
+        </a:xfrm>
+      </p:grpSpPr>
+      <p:sp>
+        <p:nvSpPr>
+          <p:cNvPr id="2" name="Espace réservé de l'image des diapositives 1"/>
+          <p:cNvSpPr>
+            <a:spLocks noGrp="1" noRot="1" noChangeAspect="1"/>
+          </p:cNvSpPr>
+          <p:nvPr>
+            <p:ph type="sldImg"/>
+          </p:nvPr>
+        </p:nvSpPr>
+        <p:spPr/>
+      </p:sp>
+      <p:sp>
+        <p:nvSpPr>
+          <p:cNvPr id="3" name="Espace réservé des commentaires 2"/>
+          <p:cNvSpPr>
+            <a:spLocks noGrp="1"/>
+          </p:cNvSpPr>
+          <p:nvPr>
+            <p:ph type="body" idx="1"/>
+          </p:nvPr>
+        </p:nvSpPr>
+        <p:spPr/>
+        <p:txBody>
+          <a:bodyPr/>
+          <a:lstStyle/>
+          <a:p>
+            <a:endParaRPr lang="fr-FR" dirty="0"/>
+          </a:p>
+        </p:txBody>
+      </p:sp>
+      <p:sp>
+        <p:nvSpPr>
+          <p:cNvPr id="4" name="Espace réservé du numéro de diapositive 3"/>
+          <p:cNvSpPr>
+            <a:spLocks noGrp="1"/>
+          </p:cNvSpPr>
+          <p:nvPr>
+            <p:ph type="sldNum" sz="quarter" idx="10"/>
+          </p:nvPr>
+        </p:nvSpPr>
+        <p:spPr/>
+        <p:txBody>
+          <a:bodyPr/>
+          <a:lstStyle/>
+          <a:p>
+            <a:fld id="{A0BF33A6-8EC3-874C-9FB7-185CD50672F7}" type="slidenum">
+              <a:rPr lang="fr-FR" smtClean="0"/>
+              <a:t>6</a:t>
+            </a:fld>
+            <a:endParaRPr lang="fr-FR"/>
+          </a:p>
+        </p:txBody>
+      </p:sp>
+    </p:spTree>
+    <p:extLst>
+      <p:ext uri="{BB962C8B-B14F-4D97-AF65-F5344CB8AC3E}">
+        <p14:creationId xmlns:p14="http://schemas.microsoft.com/office/powerpoint/2010/main" val="2021310269"/>
+      </p:ext>
+    </p:extLst>
+  </p:cSld>
+  <p:clrMapOvr>
+    <a:masterClrMapping/>
+  </p:clrMapOvr>
+</p:notes>
+</file>
+
 <file path=ppt/slideLayouts/slideLayout1.xml><?xml version="1.0" encoding="utf-8"?>
 <p:sldLayout xmlns:a="http://schemas.openxmlformats.org/drawingml/2006/main" xmlns:r="http://schemas.openxmlformats.org/officeDocument/2006/relationships" xmlns:p="http://schemas.openxmlformats.org/presentationml/2006/main" type="title" preserve="1">
   <p:cSld name="Diapositive de titre">
@@ -1065,7 +1150,7 @@
           <a:p>
             <a:fld id="{7B69463B-0436-3A47-840E-B5853DA20947}" type="datetimeFigureOut">
               <a:rPr lang="fr-FR" smtClean="0"/>
-              <a:t>30/10/2015</a:t>
+              <a:t>03/11/2015</a:t>
             </a:fld>
             <a:endParaRPr lang="fr-FR"/>
           </a:p>
@@ -1235,7 +1320,7 @@
           <a:p>
             <a:fld id="{7B69463B-0436-3A47-840E-B5853DA20947}" type="datetimeFigureOut">
               <a:rPr lang="fr-FR" smtClean="0"/>
-              <a:t>30/10/2015</a:t>
+              <a:t>03/11/2015</a:t>
             </a:fld>
             <a:endParaRPr lang="fr-FR"/>
           </a:p>
@@ -1415,7 +1500,7 @@
           <a:p>
             <a:fld id="{7B69463B-0436-3A47-840E-B5853DA20947}" type="datetimeFigureOut">
               <a:rPr lang="fr-FR" smtClean="0"/>
-              <a:t>30/10/2015</a:t>
+              <a:t>03/11/2015</a:t>
             </a:fld>
             <a:endParaRPr lang="fr-FR"/>
           </a:p>
@@ -1585,7 +1670,7 @@
           <a:p>
             <a:fld id="{7B69463B-0436-3A47-840E-B5853DA20947}" type="datetimeFigureOut">
               <a:rPr lang="fr-FR" smtClean="0"/>
-              <a:t>30/10/2015</a:t>
+              <a:t>03/11/2015</a:t>
             </a:fld>
             <a:endParaRPr lang="fr-FR"/>
           </a:p>
@@ -1831,7 +1916,7 @@
           <a:p>
             <a:fld id="{7B69463B-0436-3A47-840E-B5853DA20947}" type="datetimeFigureOut">
               <a:rPr lang="fr-FR" smtClean="0"/>
-              <a:t>30/10/2015</a:t>
+              <a:t>03/11/2015</a:t>
             </a:fld>
             <a:endParaRPr lang="fr-FR"/>
           </a:p>
@@ -2119,7 +2204,7 @@
           <a:p>
             <a:fld id="{7B69463B-0436-3A47-840E-B5853DA20947}" type="datetimeFigureOut">
               <a:rPr lang="fr-FR" smtClean="0"/>
-              <a:t>30/10/2015</a:t>
+              <a:t>03/11/2015</a:t>
             </a:fld>
             <a:endParaRPr lang="fr-FR"/>
           </a:p>
@@ -2541,7 +2626,7 @@
           <a:p>
             <a:fld id="{7B69463B-0436-3A47-840E-B5853DA20947}" type="datetimeFigureOut">
               <a:rPr lang="fr-FR" smtClean="0"/>
-              <a:t>30/10/2015</a:t>
+              <a:t>03/11/2015</a:t>
             </a:fld>
             <a:endParaRPr lang="fr-FR"/>
           </a:p>
@@ -2659,7 +2744,7 @@
           <a:p>
             <a:fld id="{7B69463B-0436-3A47-840E-B5853DA20947}" type="datetimeFigureOut">
               <a:rPr lang="fr-FR" smtClean="0"/>
-              <a:t>30/10/2015</a:t>
+              <a:t>03/11/2015</a:t>
             </a:fld>
             <a:endParaRPr lang="fr-FR"/>
           </a:p>
@@ -2754,7 +2839,7 @@
           <a:p>
             <a:fld id="{7B69463B-0436-3A47-840E-B5853DA20947}" type="datetimeFigureOut">
               <a:rPr lang="fr-FR" smtClean="0"/>
-              <a:t>30/10/2015</a:t>
+              <a:t>03/11/2015</a:t>
             </a:fld>
             <a:endParaRPr lang="fr-FR"/>
           </a:p>
@@ -3031,7 +3116,7 @@
           <a:p>
             <a:fld id="{7B69463B-0436-3A47-840E-B5853DA20947}" type="datetimeFigureOut">
               <a:rPr lang="fr-FR" smtClean="0"/>
-              <a:t>30/10/2015</a:t>
+              <a:t>03/11/2015</a:t>
             </a:fld>
             <a:endParaRPr lang="fr-FR"/>
           </a:p>
@@ -3284,7 +3369,7 @@
           <a:p>
             <a:fld id="{7B69463B-0436-3A47-840E-B5853DA20947}" type="datetimeFigureOut">
               <a:rPr lang="fr-FR" smtClean="0"/>
-              <a:t>30/10/2015</a:t>
+              <a:t>03/11/2015</a:t>
             </a:fld>
             <a:endParaRPr lang="fr-FR"/>
           </a:p>
@@ -3497,7 +3582,7 @@
           <a:p>
             <a:fld id="{7B69463B-0436-3A47-840E-B5853DA20947}" type="datetimeFigureOut">
               <a:rPr lang="fr-FR" smtClean="0"/>
-              <a:t>30/10/2015</a:t>
+              <a:t>03/11/2015</a:t>
             </a:fld>
             <a:endParaRPr lang="fr-FR"/>
           </a:p>
@@ -14385,6 +14470,7268 @@
     <p:extLst>
       <p:ext uri="{BB962C8B-B14F-4D97-AF65-F5344CB8AC3E}">
         <p14:creationId xmlns:p14="http://schemas.microsoft.com/office/powerpoint/2010/main" val="888726799"/>
+      </p:ext>
+    </p:extLst>
+  </p:cSld>
+  <p:clrMapOvr>
+    <a:masterClrMapping/>
+  </p:clrMapOvr>
+</p:sld>
+</file>
+
+<file path=ppt/slides/slide6.xml><?xml version="1.0" encoding="utf-8"?>
+<p:sld xmlns:a="http://schemas.openxmlformats.org/drawingml/2006/main" xmlns:r="http://schemas.openxmlformats.org/officeDocument/2006/relationships" xmlns:p="http://schemas.openxmlformats.org/presentationml/2006/main">
+  <p:cSld>
+    <p:spTree>
+      <p:nvGrpSpPr>
+        <p:cNvPr id="1" name=""/>
+        <p:cNvGrpSpPr/>
+        <p:nvPr/>
+      </p:nvGrpSpPr>
+      <p:grpSpPr>
+        <a:xfrm>
+          <a:off x="0" y="0"/>
+          <a:ext cx="0" cy="0"/>
+          <a:chOff x="0" y="0"/>
+          <a:chExt cx="0" cy="0"/>
+        </a:xfrm>
+      </p:grpSpPr>
+      <p:sp>
+        <p:nvSpPr>
+          <p:cNvPr id="146" name="Rectangle 145"/>
+          <p:cNvSpPr/>
+          <p:nvPr/>
+        </p:nvSpPr>
+        <p:spPr>
+          <a:xfrm>
+            <a:off x="5973758" y="563622"/>
+            <a:ext cx="2793303" cy="5205192"/>
+          </a:xfrm>
+          <a:prstGeom prst="rect">
+            <a:avLst/>
+          </a:prstGeom>
+          <a:solidFill>
+            <a:schemeClr val="bg1"/>
+          </a:solidFill>
+          <a:ln w="3175" cmpd="sng">
+            <a:solidFill>
+              <a:schemeClr val="bg1">
+                <a:lumMod val="95000"/>
+              </a:schemeClr>
+            </a:solidFill>
+          </a:ln>
+        </p:spPr>
+        <p:style>
+          <a:lnRef idx="1">
+            <a:schemeClr val="accent1"/>
+          </a:lnRef>
+          <a:fillRef idx="3">
+            <a:schemeClr val="accent1"/>
+          </a:fillRef>
+          <a:effectRef idx="2">
+            <a:schemeClr val="accent1"/>
+          </a:effectRef>
+          <a:fontRef idx="minor">
+            <a:schemeClr val="lt1"/>
+          </a:fontRef>
+        </p:style>
+        <p:txBody>
+          <a:bodyPr rtlCol="0" anchor="ctr"/>
+          <a:lstStyle/>
+          <a:p>
+            <a:pPr algn="ctr"/>
+            <a:endParaRPr lang="fr-FR" dirty="0"/>
+          </a:p>
+        </p:txBody>
+      </p:sp>
+      <p:sp>
+        <p:nvSpPr>
+          <p:cNvPr id="145" name="Rectangle 144"/>
+          <p:cNvSpPr/>
+          <p:nvPr/>
+        </p:nvSpPr>
+        <p:spPr>
+          <a:xfrm>
+            <a:off x="3100628" y="563324"/>
+            <a:ext cx="2793303" cy="5208956"/>
+          </a:xfrm>
+          <a:prstGeom prst="rect">
+            <a:avLst/>
+          </a:prstGeom>
+          <a:solidFill>
+            <a:schemeClr val="bg1"/>
+          </a:solidFill>
+          <a:ln w="3175" cmpd="sng">
+            <a:solidFill>
+              <a:schemeClr val="bg1">
+                <a:lumMod val="95000"/>
+              </a:schemeClr>
+            </a:solidFill>
+          </a:ln>
+        </p:spPr>
+        <p:style>
+          <a:lnRef idx="1">
+            <a:schemeClr val="accent1"/>
+          </a:lnRef>
+          <a:fillRef idx="3">
+            <a:schemeClr val="accent1"/>
+          </a:fillRef>
+          <a:effectRef idx="2">
+            <a:schemeClr val="accent1"/>
+          </a:effectRef>
+          <a:fontRef idx="minor">
+            <a:schemeClr val="lt1"/>
+          </a:fontRef>
+        </p:style>
+        <p:txBody>
+          <a:bodyPr rtlCol="0" anchor="ctr"/>
+          <a:lstStyle/>
+          <a:p>
+            <a:pPr algn="ctr"/>
+            <a:endParaRPr lang="fr-FR"/>
+          </a:p>
+        </p:txBody>
+      </p:sp>
+      <p:sp>
+        <p:nvSpPr>
+          <p:cNvPr id="144" name="Rectangle 143"/>
+          <p:cNvSpPr/>
+          <p:nvPr/>
+        </p:nvSpPr>
+        <p:spPr>
+          <a:xfrm>
+            <a:off x="223448" y="563324"/>
+            <a:ext cx="2793303" cy="5208956"/>
+          </a:xfrm>
+          <a:prstGeom prst="rect">
+            <a:avLst/>
+          </a:prstGeom>
+          <a:solidFill>
+            <a:schemeClr val="bg1"/>
+          </a:solidFill>
+          <a:ln w="3175" cmpd="sng">
+            <a:solidFill>
+              <a:schemeClr val="bg1">
+                <a:lumMod val="95000"/>
+              </a:schemeClr>
+            </a:solidFill>
+          </a:ln>
+        </p:spPr>
+        <p:style>
+          <a:lnRef idx="1">
+            <a:schemeClr val="accent1"/>
+          </a:lnRef>
+          <a:fillRef idx="3">
+            <a:schemeClr val="accent1"/>
+          </a:fillRef>
+          <a:effectRef idx="2">
+            <a:schemeClr val="accent1"/>
+          </a:effectRef>
+          <a:fontRef idx="minor">
+            <a:schemeClr val="lt1"/>
+          </a:fontRef>
+        </p:style>
+        <p:txBody>
+          <a:bodyPr rtlCol="0" anchor="ctr"/>
+          <a:lstStyle/>
+          <a:p>
+            <a:pPr algn="ctr"/>
+            <a:endParaRPr lang="fr-FR"/>
+          </a:p>
+        </p:txBody>
+      </p:sp>
+      <p:sp>
+        <p:nvSpPr>
+          <p:cNvPr id="4" name="Rectangle 3"/>
+          <p:cNvSpPr/>
+          <p:nvPr/>
+        </p:nvSpPr>
+        <p:spPr>
+          <a:xfrm>
+            <a:off x="1060743" y="873932"/>
+            <a:ext cx="1113565" cy="405419"/>
+          </a:xfrm>
+          <a:prstGeom prst="rect">
+            <a:avLst/>
+          </a:prstGeom>
+          <a:solidFill>
+            <a:schemeClr val="bg1"/>
+          </a:solidFill>
+          <a:ln w="3175" cmpd="sng">
+            <a:solidFill>
+              <a:schemeClr val="tx1"/>
+            </a:solidFill>
+          </a:ln>
+          <a:effectLst/>
+        </p:spPr>
+        <p:style>
+          <a:lnRef idx="1">
+            <a:schemeClr val="accent1"/>
+          </a:lnRef>
+          <a:fillRef idx="3">
+            <a:schemeClr val="accent1"/>
+          </a:fillRef>
+          <a:effectRef idx="2">
+            <a:schemeClr val="accent1"/>
+          </a:effectRef>
+          <a:fontRef idx="minor">
+            <a:schemeClr val="lt1"/>
+          </a:fontRef>
+        </p:style>
+        <p:txBody>
+          <a:bodyPr rtlCol="0" anchor="ctr"/>
+          <a:lstStyle/>
+          <a:p>
+            <a:pPr algn="ctr"/>
+            <a:endParaRPr lang="fr-FR"/>
+          </a:p>
+        </p:txBody>
+      </p:sp>
+      <p:cxnSp>
+        <p:nvCxnSpPr>
+          <p:cNvPr id="6" name="Connecteur droit 5"/>
+          <p:cNvCxnSpPr/>
+          <p:nvPr/>
+        </p:nvCxnSpPr>
+        <p:spPr>
+          <a:xfrm>
+            <a:off x="1060743" y="1144534"/>
+            <a:ext cx="1113565" cy="0"/>
+          </a:xfrm>
+          <a:prstGeom prst="line">
+            <a:avLst/>
+          </a:prstGeom>
+          <a:ln w="3175" cmpd="sng">
+            <a:solidFill>
+              <a:srgbClr val="000000"/>
+            </a:solidFill>
+          </a:ln>
+          <a:effectLst/>
+        </p:spPr>
+        <p:style>
+          <a:lnRef idx="2">
+            <a:schemeClr val="accent1"/>
+          </a:lnRef>
+          <a:fillRef idx="0">
+            <a:schemeClr val="accent1"/>
+          </a:fillRef>
+          <a:effectRef idx="1">
+            <a:schemeClr val="accent1"/>
+          </a:effectRef>
+          <a:fontRef idx="minor">
+            <a:schemeClr val="tx1"/>
+          </a:fontRef>
+        </p:style>
+      </p:cxnSp>
+      <p:sp>
+        <p:nvSpPr>
+          <p:cNvPr id="8" name="ZoneTexte 7"/>
+          <p:cNvSpPr txBox="1"/>
+          <p:nvPr/>
+        </p:nvSpPr>
+        <p:spPr>
+          <a:xfrm>
+            <a:off x="1060743" y="873932"/>
+            <a:ext cx="1113565" cy="276999"/>
+          </a:xfrm>
+          <a:prstGeom prst="rect">
+            <a:avLst/>
+          </a:prstGeom>
+          <a:noFill/>
+        </p:spPr>
+        <p:txBody>
+          <a:bodyPr wrap="square" rtlCol="0">
+            <a:spAutoFit/>
+          </a:bodyPr>
+          <a:lstStyle/>
+          <a:p>
+            <a:pPr algn="ctr"/>
+            <a:r>
+              <a:rPr lang="fr-FR" sz="1200" dirty="0" err="1" smtClean="0">
+                <a:latin typeface="Seravek"/>
+                <a:cs typeface="Seravek"/>
+              </a:rPr>
+              <a:t>StateMachine</a:t>
+            </a:r>
+            <a:endParaRPr lang="fr-FR" sz="1200" dirty="0">
+              <a:latin typeface="Seravek"/>
+              <a:cs typeface="Seravek"/>
+            </a:endParaRPr>
+          </a:p>
+        </p:txBody>
+      </p:sp>
+      <p:sp>
+        <p:nvSpPr>
+          <p:cNvPr id="11" name="Rectangle 10"/>
+          <p:cNvSpPr/>
+          <p:nvPr/>
+        </p:nvSpPr>
+        <p:spPr>
+          <a:xfrm>
+            <a:off x="398130" y="1556340"/>
+            <a:ext cx="1113565" cy="405419"/>
+          </a:xfrm>
+          <a:prstGeom prst="rect">
+            <a:avLst/>
+          </a:prstGeom>
+          <a:solidFill>
+            <a:schemeClr val="bg1"/>
+          </a:solidFill>
+          <a:ln w="3175" cmpd="sng">
+            <a:solidFill>
+              <a:schemeClr val="tx1"/>
+            </a:solidFill>
+          </a:ln>
+          <a:effectLst/>
+        </p:spPr>
+        <p:style>
+          <a:lnRef idx="1">
+            <a:schemeClr val="accent1"/>
+          </a:lnRef>
+          <a:fillRef idx="3">
+            <a:schemeClr val="accent1"/>
+          </a:fillRef>
+          <a:effectRef idx="2">
+            <a:schemeClr val="accent1"/>
+          </a:effectRef>
+          <a:fontRef idx="minor">
+            <a:schemeClr val="lt1"/>
+          </a:fontRef>
+        </p:style>
+        <p:txBody>
+          <a:bodyPr rtlCol="0" anchor="ctr"/>
+          <a:lstStyle/>
+          <a:p>
+            <a:pPr algn="ctr"/>
+            <a:endParaRPr lang="fr-FR"/>
+          </a:p>
+        </p:txBody>
+      </p:sp>
+      <p:cxnSp>
+        <p:nvCxnSpPr>
+          <p:cNvPr id="12" name="Connecteur droit 11"/>
+          <p:cNvCxnSpPr/>
+          <p:nvPr/>
+        </p:nvCxnSpPr>
+        <p:spPr>
+          <a:xfrm>
+            <a:off x="398130" y="1815184"/>
+            <a:ext cx="1113565" cy="0"/>
+          </a:xfrm>
+          <a:prstGeom prst="line">
+            <a:avLst/>
+          </a:prstGeom>
+          <a:ln w="3175" cmpd="sng">
+            <a:solidFill>
+              <a:srgbClr val="000000"/>
+            </a:solidFill>
+          </a:ln>
+          <a:effectLst/>
+        </p:spPr>
+        <p:style>
+          <a:lnRef idx="2">
+            <a:schemeClr val="accent1"/>
+          </a:lnRef>
+          <a:fillRef idx="0">
+            <a:schemeClr val="accent1"/>
+          </a:fillRef>
+          <a:effectRef idx="1">
+            <a:schemeClr val="accent1"/>
+          </a:effectRef>
+          <a:fontRef idx="minor">
+            <a:schemeClr val="tx1"/>
+          </a:fontRef>
+        </p:style>
+      </p:cxnSp>
+      <p:sp>
+        <p:nvSpPr>
+          <p:cNvPr id="14" name="ZoneTexte 13"/>
+          <p:cNvSpPr txBox="1"/>
+          <p:nvPr/>
+        </p:nvSpPr>
+        <p:spPr>
+          <a:xfrm>
+            <a:off x="398130" y="1556340"/>
+            <a:ext cx="1113565" cy="276999"/>
+          </a:xfrm>
+          <a:prstGeom prst="rect">
+            <a:avLst/>
+          </a:prstGeom>
+          <a:noFill/>
+        </p:spPr>
+        <p:txBody>
+          <a:bodyPr wrap="square" rtlCol="0">
+            <a:spAutoFit/>
+          </a:bodyPr>
+          <a:lstStyle/>
+          <a:p>
+            <a:pPr algn="ctr"/>
+            <a:r>
+              <a:rPr lang="fr-FR" sz="1200" dirty="0" smtClean="0">
+                <a:latin typeface="Seravek"/>
+                <a:cs typeface="Seravek"/>
+              </a:rPr>
+              <a:t>State</a:t>
+            </a:r>
+            <a:endParaRPr lang="fr-FR" sz="1200" dirty="0">
+              <a:latin typeface="Seravek"/>
+              <a:cs typeface="Seravek"/>
+            </a:endParaRPr>
+          </a:p>
+        </p:txBody>
+      </p:sp>
+      <p:sp>
+        <p:nvSpPr>
+          <p:cNvPr id="15" name="Rectangle 14"/>
+          <p:cNvSpPr/>
+          <p:nvPr/>
+        </p:nvSpPr>
+        <p:spPr>
+          <a:xfrm>
+            <a:off x="397315" y="2262645"/>
+            <a:ext cx="1113565" cy="405419"/>
+          </a:xfrm>
+          <a:prstGeom prst="rect">
+            <a:avLst/>
+          </a:prstGeom>
+          <a:pattFill prst="wdDnDiag">
+            <a:fgClr>
+              <a:schemeClr val="bg1">
+                <a:lumMod val="85000"/>
+              </a:schemeClr>
+            </a:fgClr>
+            <a:bgClr>
+              <a:prstClr val="white"/>
+            </a:bgClr>
+          </a:pattFill>
+          <a:ln w="3175" cmpd="sng">
+            <a:solidFill>
+              <a:schemeClr val="tx1"/>
+            </a:solidFill>
+          </a:ln>
+          <a:effectLst/>
+        </p:spPr>
+        <p:style>
+          <a:lnRef idx="1">
+            <a:schemeClr val="accent1"/>
+          </a:lnRef>
+          <a:fillRef idx="3">
+            <a:schemeClr val="accent1"/>
+          </a:fillRef>
+          <a:effectRef idx="2">
+            <a:schemeClr val="accent1"/>
+          </a:effectRef>
+          <a:fontRef idx="minor">
+            <a:schemeClr val="lt1"/>
+          </a:fontRef>
+        </p:style>
+        <p:txBody>
+          <a:bodyPr rtlCol="0" anchor="ctr"/>
+          <a:lstStyle/>
+          <a:p>
+            <a:pPr algn="ctr"/>
+            <a:endParaRPr lang="fr-FR"/>
+          </a:p>
+        </p:txBody>
+      </p:sp>
+      <p:cxnSp>
+        <p:nvCxnSpPr>
+          <p:cNvPr id="16" name="Connecteur droit 15"/>
+          <p:cNvCxnSpPr/>
+          <p:nvPr/>
+        </p:nvCxnSpPr>
+        <p:spPr>
+          <a:xfrm>
+            <a:off x="397315" y="2521489"/>
+            <a:ext cx="1113565" cy="0"/>
+          </a:xfrm>
+          <a:prstGeom prst="line">
+            <a:avLst/>
+          </a:prstGeom>
+          <a:ln w="3175" cmpd="sng">
+            <a:solidFill>
+              <a:srgbClr val="000000"/>
+            </a:solidFill>
+          </a:ln>
+          <a:effectLst/>
+        </p:spPr>
+        <p:style>
+          <a:lnRef idx="2">
+            <a:schemeClr val="accent1"/>
+          </a:lnRef>
+          <a:fillRef idx="0">
+            <a:schemeClr val="accent1"/>
+          </a:fillRef>
+          <a:effectRef idx="1">
+            <a:schemeClr val="accent1"/>
+          </a:effectRef>
+          <a:fontRef idx="minor">
+            <a:schemeClr val="tx1"/>
+          </a:fontRef>
+        </p:style>
+      </p:cxnSp>
+      <p:sp>
+        <p:nvSpPr>
+          <p:cNvPr id="18" name="ZoneTexte 17"/>
+          <p:cNvSpPr txBox="1"/>
+          <p:nvPr/>
+        </p:nvSpPr>
+        <p:spPr>
+          <a:xfrm>
+            <a:off x="397315" y="2262645"/>
+            <a:ext cx="1113565" cy="276999"/>
+          </a:xfrm>
+          <a:prstGeom prst="rect">
+            <a:avLst/>
+          </a:prstGeom>
+          <a:noFill/>
+        </p:spPr>
+        <p:txBody>
+          <a:bodyPr wrap="square" rtlCol="0">
+            <a:spAutoFit/>
+          </a:bodyPr>
+          <a:lstStyle/>
+          <a:p>
+            <a:pPr algn="ctr"/>
+            <a:r>
+              <a:rPr lang="fr-FR" sz="1200" dirty="0" smtClean="0">
+                <a:latin typeface="Seravek"/>
+                <a:cs typeface="Seravek"/>
+              </a:rPr>
+              <a:t>Expression</a:t>
+            </a:r>
+            <a:endParaRPr lang="fr-FR" sz="1200" dirty="0">
+              <a:latin typeface="Seravek"/>
+              <a:cs typeface="Seravek"/>
+            </a:endParaRPr>
+          </a:p>
+        </p:txBody>
+      </p:sp>
+      <p:sp>
+        <p:nvSpPr>
+          <p:cNvPr id="19" name="Rectangle 18"/>
+          <p:cNvSpPr/>
+          <p:nvPr/>
+        </p:nvSpPr>
+        <p:spPr>
+          <a:xfrm>
+            <a:off x="1723445" y="1556340"/>
+            <a:ext cx="1113565" cy="405419"/>
+          </a:xfrm>
+          <a:prstGeom prst="rect">
+            <a:avLst/>
+          </a:prstGeom>
+          <a:solidFill>
+            <a:schemeClr val="bg1"/>
+          </a:solidFill>
+          <a:ln w="3175" cmpd="sng">
+            <a:solidFill>
+              <a:schemeClr val="tx1"/>
+            </a:solidFill>
+          </a:ln>
+          <a:effectLst/>
+        </p:spPr>
+        <p:style>
+          <a:lnRef idx="1">
+            <a:schemeClr val="accent1"/>
+          </a:lnRef>
+          <a:fillRef idx="3">
+            <a:schemeClr val="accent1"/>
+          </a:fillRef>
+          <a:effectRef idx="2">
+            <a:schemeClr val="accent1"/>
+          </a:effectRef>
+          <a:fontRef idx="minor">
+            <a:schemeClr val="lt1"/>
+          </a:fontRef>
+        </p:style>
+        <p:txBody>
+          <a:bodyPr rtlCol="0" anchor="ctr"/>
+          <a:lstStyle/>
+          <a:p>
+            <a:pPr algn="ctr"/>
+            <a:endParaRPr lang="fr-FR"/>
+          </a:p>
+        </p:txBody>
+      </p:sp>
+      <p:cxnSp>
+        <p:nvCxnSpPr>
+          <p:cNvPr id="20" name="Connecteur droit 19"/>
+          <p:cNvCxnSpPr/>
+          <p:nvPr/>
+        </p:nvCxnSpPr>
+        <p:spPr>
+          <a:xfrm>
+            <a:off x="1723445" y="1815184"/>
+            <a:ext cx="1113565" cy="0"/>
+          </a:xfrm>
+          <a:prstGeom prst="line">
+            <a:avLst/>
+          </a:prstGeom>
+          <a:ln w="3175" cmpd="sng">
+            <a:solidFill>
+              <a:srgbClr val="000000"/>
+            </a:solidFill>
+          </a:ln>
+          <a:effectLst/>
+        </p:spPr>
+        <p:style>
+          <a:lnRef idx="2">
+            <a:schemeClr val="accent1"/>
+          </a:lnRef>
+          <a:fillRef idx="0">
+            <a:schemeClr val="accent1"/>
+          </a:fillRef>
+          <a:effectRef idx="1">
+            <a:schemeClr val="accent1"/>
+          </a:effectRef>
+          <a:fontRef idx="minor">
+            <a:schemeClr val="tx1"/>
+          </a:fontRef>
+        </p:style>
+      </p:cxnSp>
+      <p:sp>
+        <p:nvSpPr>
+          <p:cNvPr id="22" name="ZoneTexte 21"/>
+          <p:cNvSpPr txBox="1"/>
+          <p:nvPr/>
+        </p:nvSpPr>
+        <p:spPr>
+          <a:xfrm>
+            <a:off x="1723445" y="1556340"/>
+            <a:ext cx="1113565" cy="276999"/>
+          </a:xfrm>
+          <a:prstGeom prst="rect">
+            <a:avLst/>
+          </a:prstGeom>
+          <a:noFill/>
+        </p:spPr>
+        <p:txBody>
+          <a:bodyPr wrap="square" rtlCol="0">
+            <a:spAutoFit/>
+          </a:bodyPr>
+          <a:lstStyle/>
+          <a:p>
+            <a:pPr algn="ctr"/>
+            <a:r>
+              <a:rPr lang="fr-FR" sz="1200" dirty="0" smtClean="0">
+                <a:latin typeface="Seravek"/>
+                <a:cs typeface="Seravek"/>
+              </a:rPr>
+              <a:t>Transition</a:t>
+            </a:r>
+            <a:endParaRPr lang="fr-FR" sz="1200" dirty="0">
+              <a:latin typeface="Seravek"/>
+              <a:cs typeface="Seravek"/>
+            </a:endParaRPr>
+          </a:p>
+        </p:txBody>
+      </p:sp>
+      <p:sp>
+        <p:nvSpPr>
+          <p:cNvPr id="23" name="Rectangle 22"/>
+          <p:cNvSpPr/>
+          <p:nvPr/>
+        </p:nvSpPr>
+        <p:spPr>
+          <a:xfrm>
+            <a:off x="1722630" y="2276545"/>
+            <a:ext cx="1113565" cy="405419"/>
+          </a:xfrm>
+          <a:prstGeom prst="rect">
+            <a:avLst/>
+          </a:prstGeom>
+          <a:pattFill prst="pct10">
+            <a:fgClr>
+              <a:schemeClr val="bg1">
+                <a:lumMod val="65000"/>
+              </a:schemeClr>
+            </a:fgClr>
+            <a:bgClr>
+              <a:prstClr val="white"/>
+            </a:bgClr>
+          </a:pattFill>
+          <a:ln w="3175" cmpd="sng">
+            <a:solidFill>
+              <a:schemeClr val="tx1"/>
+            </a:solidFill>
+          </a:ln>
+          <a:effectLst/>
+        </p:spPr>
+        <p:style>
+          <a:lnRef idx="1">
+            <a:schemeClr val="accent1"/>
+          </a:lnRef>
+          <a:fillRef idx="3">
+            <a:schemeClr val="accent1"/>
+          </a:fillRef>
+          <a:effectRef idx="2">
+            <a:schemeClr val="accent1"/>
+          </a:effectRef>
+          <a:fontRef idx="minor">
+            <a:schemeClr val="lt1"/>
+          </a:fontRef>
+        </p:style>
+        <p:txBody>
+          <a:bodyPr rtlCol="0" anchor="ctr"/>
+          <a:lstStyle/>
+          <a:p>
+            <a:pPr algn="ctr"/>
+            <a:endParaRPr lang="fr-FR"/>
+          </a:p>
+        </p:txBody>
+      </p:sp>
+      <p:cxnSp>
+        <p:nvCxnSpPr>
+          <p:cNvPr id="24" name="Connecteur droit 23"/>
+          <p:cNvCxnSpPr/>
+          <p:nvPr/>
+        </p:nvCxnSpPr>
+        <p:spPr>
+          <a:xfrm>
+            <a:off x="1722630" y="2535389"/>
+            <a:ext cx="1113565" cy="0"/>
+          </a:xfrm>
+          <a:prstGeom prst="line">
+            <a:avLst/>
+          </a:prstGeom>
+          <a:ln w="3175" cmpd="sng">
+            <a:solidFill>
+              <a:srgbClr val="000000"/>
+            </a:solidFill>
+          </a:ln>
+          <a:effectLst/>
+        </p:spPr>
+        <p:style>
+          <a:lnRef idx="2">
+            <a:schemeClr val="accent1"/>
+          </a:lnRef>
+          <a:fillRef idx="0">
+            <a:schemeClr val="accent1"/>
+          </a:fillRef>
+          <a:effectRef idx="1">
+            <a:schemeClr val="accent1"/>
+          </a:effectRef>
+          <a:fontRef idx="minor">
+            <a:schemeClr val="tx1"/>
+          </a:fontRef>
+        </p:style>
+      </p:cxnSp>
+      <p:sp>
+        <p:nvSpPr>
+          <p:cNvPr id="26" name="ZoneTexte 25"/>
+          <p:cNvSpPr txBox="1"/>
+          <p:nvPr/>
+        </p:nvSpPr>
+        <p:spPr>
+          <a:xfrm>
+            <a:off x="1722630" y="2276545"/>
+            <a:ext cx="1113565" cy="276999"/>
+          </a:xfrm>
+          <a:prstGeom prst="rect">
+            <a:avLst/>
+          </a:prstGeom>
+          <a:noFill/>
+        </p:spPr>
+        <p:txBody>
+          <a:bodyPr wrap="square" rtlCol="0">
+            <a:spAutoFit/>
+          </a:bodyPr>
+          <a:lstStyle/>
+          <a:p>
+            <a:pPr algn="ctr"/>
+            <a:r>
+              <a:rPr lang="fr-FR" sz="1200" dirty="0" err="1" smtClean="0">
+                <a:latin typeface="Seravek"/>
+                <a:cs typeface="Seravek"/>
+              </a:rPr>
+              <a:t>Constraint</a:t>
+            </a:r>
+            <a:endParaRPr lang="fr-FR" sz="1200" dirty="0">
+              <a:latin typeface="Seravek"/>
+              <a:cs typeface="Seravek"/>
+            </a:endParaRPr>
+          </a:p>
+        </p:txBody>
+      </p:sp>
+      <p:sp>
+        <p:nvSpPr>
+          <p:cNvPr id="28" name="Rectangle à coins arrondis 27"/>
+          <p:cNvSpPr/>
+          <p:nvPr/>
+        </p:nvSpPr>
+        <p:spPr>
+          <a:xfrm>
+            <a:off x="1030115" y="3797098"/>
+            <a:ext cx="1114380" cy="515211"/>
+          </a:xfrm>
+          <a:prstGeom prst="roundRect">
+            <a:avLst>
+              <a:gd name="adj" fmla="val 9821"/>
+            </a:avLst>
+          </a:prstGeom>
+          <a:solidFill>
+            <a:srgbClr val="FFFFFF"/>
+          </a:solidFill>
+          <a:ln w="3175" cmpd="sng">
+            <a:solidFill>
+              <a:srgbClr val="000000"/>
+            </a:solidFill>
+          </a:ln>
+          <a:effectLst/>
+        </p:spPr>
+        <p:style>
+          <a:lnRef idx="1">
+            <a:schemeClr val="accent1"/>
+          </a:lnRef>
+          <a:fillRef idx="3">
+            <a:schemeClr val="accent1"/>
+          </a:fillRef>
+          <a:effectRef idx="2">
+            <a:schemeClr val="accent1"/>
+          </a:effectRef>
+          <a:fontRef idx="minor">
+            <a:schemeClr val="lt1"/>
+          </a:fontRef>
+        </p:style>
+        <p:txBody>
+          <a:bodyPr rtlCol="0" anchor="ctr"/>
+          <a:lstStyle/>
+          <a:p>
+            <a:pPr algn="ctr"/>
+            <a:endParaRPr lang="fr-FR"/>
+          </a:p>
+        </p:txBody>
+      </p:sp>
+      <p:sp>
+        <p:nvSpPr>
+          <p:cNvPr id="43" name="ZoneTexte 42"/>
+          <p:cNvSpPr txBox="1"/>
+          <p:nvPr/>
+        </p:nvSpPr>
+        <p:spPr>
+          <a:xfrm>
+            <a:off x="983167" y="3808857"/>
+            <a:ext cx="1309230" cy="461665"/>
+          </a:xfrm>
+          <a:prstGeom prst="rect">
+            <a:avLst/>
+          </a:prstGeom>
+          <a:noFill/>
+        </p:spPr>
+        <p:txBody>
+          <a:bodyPr wrap="square" rtlCol="0">
+            <a:spAutoFit/>
+          </a:bodyPr>
+          <a:lstStyle/>
+          <a:p>
+            <a:r>
+              <a:rPr lang="fr-FR" sz="1200" dirty="0" err="1" smtClean="0">
+                <a:latin typeface="Seravek"/>
+                <a:cs typeface="Seravek"/>
+              </a:rPr>
+              <a:t>execute</a:t>
+            </a:r>
+            <a:r>
+              <a:rPr lang="fr-FR" sz="1200" dirty="0" smtClean="0">
+                <a:latin typeface="Seravek"/>
+                <a:cs typeface="Seravek"/>
+              </a:rPr>
+              <a:t>() : </a:t>
+            </a:r>
+            <a:r>
+              <a:rPr lang="fr-FR" sz="1200" b="1" dirty="0" err="1" smtClean="0">
+                <a:latin typeface="Seravek"/>
+                <a:cs typeface="Seravek"/>
+              </a:rPr>
+              <a:t>void</a:t>
+            </a:r>
+            <a:endParaRPr lang="fr-FR" sz="1200" b="1" dirty="0" smtClean="0">
+              <a:latin typeface="Seravek"/>
+              <a:cs typeface="Seravek"/>
+            </a:endParaRPr>
+          </a:p>
+          <a:p>
+            <a:r>
+              <a:rPr lang="fr-FR" sz="1200" dirty="0" err="1">
+                <a:latin typeface="Seravek"/>
+                <a:cs typeface="Seravek"/>
+              </a:rPr>
+              <a:t>s</a:t>
+            </a:r>
+            <a:r>
+              <a:rPr lang="fr-FR" sz="1200" dirty="0" err="1" smtClean="0">
+                <a:latin typeface="Seravek"/>
+                <a:cs typeface="Seravek"/>
+              </a:rPr>
+              <a:t>tep</a:t>
+            </a:r>
+            <a:r>
+              <a:rPr lang="fr-FR" sz="1200" dirty="0" smtClean="0">
+                <a:latin typeface="Seravek"/>
+                <a:cs typeface="Seravek"/>
+              </a:rPr>
+              <a:t>() : </a:t>
+            </a:r>
+            <a:r>
+              <a:rPr lang="fr-FR" sz="1200" b="1" dirty="0" err="1" smtClean="0">
+                <a:latin typeface="Seravek"/>
+                <a:cs typeface="Seravek"/>
+              </a:rPr>
+              <a:t>void</a:t>
+            </a:r>
+            <a:endParaRPr lang="fr-FR" sz="1200" b="1" dirty="0">
+              <a:latin typeface="Seravek"/>
+              <a:cs typeface="Seravek"/>
+            </a:endParaRPr>
+          </a:p>
+        </p:txBody>
+      </p:sp>
+      <p:sp>
+        <p:nvSpPr>
+          <p:cNvPr id="44" name="ZoneTexte 43"/>
+          <p:cNvSpPr txBox="1"/>
+          <p:nvPr/>
+        </p:nvSpPr>
+        <p:spPr>
+          <a:xfrm>
+            <a:off x="760472" y="3543616"/>
+            <a:ext cx="1844515" cy="276999"/>
+          </a:xfrm>
+          <a:prstGeom prst="rect">
+            <a:avLst/>
+          </a:prstGeom>
+          <a:noFill/>
+        </p:spPr>
+        <p:txBody>
+          <a:bodyPr wrap="square" rtlCol="0">
+            <a:spAutoFit/>
+          </a:bodyPr>
+          <a:lstStyle/>
+          <a:p>
+            <a:pPr algn="just"/>
+            <a:r>
+              <a:rPr lang="fr-FR" sz="1100" b="1" dirty="0" smtClean="0">
+                <a:latin typeface="Seravek"/>
+                <a:cs typeface="Seravek"/>
+              </a:rPr>
+              <a:t>@Aspect(</a:t>
+            </a:r>
+            <a:r>
+              <a:rPr lang="fr-FR" sz="1100" b="1" dirty="0" err="1" smtClean="0">
+                <a:latin typeface="Seravek"/>
+                <a:cs typeface="Seravek"/>
+              </a:rPr>
+              <a:t>StateMachine</a:t>
+            </a:r>
+            <a:r>
+              <a:rPr lang="fr-FR" sz="1200" b="1" dirty="0" smtClean="0">
+                <a:latin typeface="Seravek"/>
+                <a:cs typeface="Seravek"/>
+              </a:rPr>
+              <a:t>)</a:t>
+            </a:r>
+            <a:endParaRPr lang="fr-FR" sz="1200" b="1" dirty="0">
+              <a:latin typeface="Seravek"/>
+              <a:cs typeface="Seravek"/>
+            </a:endParaRPr>
+          </a:p>
+        </p:txBody>
+      </p:sp>
+      <p:sp>
+        <p:nvSpPr>
+          <p:cNvPr id="45" name="Rectangle à coins arrondis 44"/>
+          <p:cNvSpPr/>
+          <p:nvPr/>
+        </p:nvSpPr>
+        <p:spPr>
+          <a:xfrm>
+            <a:off x="356881" y="4645502"/>
+            <a:ext cx="1114380" cy="344292"/>
+          </a:xfrm>
+          <a:prstGeom prst="roundRect">
+            <a:avLst>
+              <a:gd name="adj" fmla="val 9821"/>
+            </a:avLst>
+          </a:prstGeom>
+          <a:solidFill>
+            <a:srgbClr val="FFFFFF"/>
+          </a:solidFill>
+          <a:ln w="3175" cmpd="sng">
+            <a:solidFill>
+              <a:srgbClr val="000000"/>
+            </a:solidFill>
+          </a:ln>
+          <a:effectLst/>
+        </p:spPr>
+        <p:style>
+          <a:lnRef idx="1">
+            <a:schemeClr val="accent1"/>
+          </a:lnRef>
+          <a:fillRef idx="3">
+            <a:schemeClr val="accent1"/>
+          </a:fillRef>
+          <a:effectRef idx="2">
+            <a:schemeClr val="accent1"/>
+          </a:effectRef>
+          <a:fontRef idx="minor">
+            <a:schemeClr val="lt1"/>
+          </a:fontRef>
+        </p:style>
+        <p:txBody>
+          <a:bodyPr rtlCol="0" anchor="ctr"/>
+          <a:lstStyle/>
+          <a:p>
+            <a:pPr algn="ctr"/>
+            <a:endParaRPr lang="fr-FR"/>
+          </a:p>
+        </p:txBody>
+      </p:sp>
+      <p:sp>
+        <p:nvSpPr>
+          <p:cNvPr id="46" name="ZoneTexte 45"/>
+          <p:cNvSpPr txBox="1"/>
+          <p:nvPr/>
+        </p:nvSpPr>
+        <p:spPr>
+          <a:xfrm>
+            <a:off x="328552" y="4680775"/>
+            <a:ext cx="1309230" cy="276999"/>
+          </a:xfrm>
+          <a:prstGeom prst="rect">
+            <a:avLst/>
+          </a:prstGeom>
+          <a:noFill/>
+        </p:spPr>
+        <p:txBody>
+          <a:bodyPr wrap="square" rtlCol="0">
+            <a:spAutoFit/>
+          </a:bodyPr>
+          <a:lstStyle/>
+          <a:p>
+            <a:r>
+              <a:rPr lang="fr-FR" sz="1200" dirty="0" smtClean="0">
+                <a:latin typeface="Seravek"/>
+                <a:cs typeface="Seravek"/>
+              </a:rPr>
+              <a:t>do() : </a:t>
+            </a:r>
+            <a:r>
+              <a:rPr lang="fr-FR" sz="1200" b="1" dirty="0" err="1" smtClean="0">
+                <a:latin typeface="Seravek"/>
+                <a:cs typeface="Seravek"/>
+              </a:rPr>
+              <a:t>void</a:t>
+            </a:r>
+            <a:endParaRPr lang="fr-FR" sz="1200" b="1" dirty="0">
+              <a:latin typeface="Seravek"/>
+              <a:cs typeface="Seravek"/>
+            </a:endParaRPr>
+          </a:p>
+        </p:txBody>
+      </p:sp>
+      <p:sp>
+        <p:nvSpPr>
+          <p:cNvPr id="47" name="ZoneTexte 46"/>
+          <p:cNvSpPr txBox="1"/>
+          <p:nvPr/>
+        </p:nvSpPr>
+        <p:spPr>
+          <a:xfrm>
+            <a:off x="394780" y="4392019"/>
+            <a:ext cx="1076482" cy="276999"/>
+          </a:xfrm>
+          <a:prstGeom prst="rect">
+            <a:avLst/>
+          </a:prstGeom>
+          <a:noFill/>
+        </p:spPr>
+        <p:txBody>
+          <a:bodyPr wrap="square" lIns="36000" rIns="36000" rtlCol="0">
+            <a:spAutoFit/>
+          </a:bodyPr>
+          <a:lstStyle/>
+          <a:p>
+            <a:pPr algn="ctr"/>
+            <a:r>
+              <a:rPr lang="fr-FR" sz="1100" b="1" dirty="0" smtClean="0">
+                <a:latin typeface="Seravek"/>
+                <a:cs typeface="Seravek"/>
+              </a:rPr>
+              <a:t>@Aspect(State</a:t>
+            </a:r>
+            <a:r>
+              <a:rPr lang="fr-FR" sz="1200" b="1" dirty="0" smtClean="0">
+                <a:latin typeface="Seravek"/>
+                <a:cs typeface="Seravek"/>
+              </a:rPr>
+              <a:t>)</a:t>
+            </a:r>
+            <a:endParaRPr lang="fr-FR" sz="1200" b="1" dirty="0">
+              <a:latin typeface="Seravek"/>
+              <a:cs typeface="Seravek"/>
+            </a:endParaRPr>
+          </a:p>
+        </p:txBody>
+      </p:sp>
+      <p:sp>
+        <p:nvSpPr>
+          <p:cNvPr id="48" name="Rectangle à coins arrondis 47"/>
+          <p:cNvSpPr/>
+          <p:nvPr/>
+        </p:nvSpPr>
+        <p:spPr>
+          <a:xfrm>
+            <a:off x="1747609" y="4630490"/>
+            <a:ext cx="1114380" cy="344292"/>
+          </a:xfrm>
+          <a:prstGeom prst="roundRect">
+            <a:avLst>
+              <a:gd name="adj" fmla="val 9821"/>
+            </a:avLst>
+          </a:prstGeom>
+          <a:solidFill>
+            <a:srgbClr val="FFFFFF"/>
+          </a:solidFill>
+          <a:ln w="3175" cmpd="sng">
+            <a:solidFill>
+              <a:srgbClr val="000000"/>
+            </a:solidFill>
+          </a:ln>
+          <a:effectLst/>
+        </p:spPr>
+        <p:style>
+          <a:lnRef idx="1">
+            <a:schemeClr val="accent1"/>
+          </a:lnRef>
+          <a:fillRef idx="3">
+            <a:schemeClr val="accent1"/>
+          </a:fillRef>
+          <a:effectRef idx="2">
+            <a:schemeClr val="accent1"/>
+          </a:effectRef>
+          <a:fontRef idx="minor">
+            <a:schemeClr val="lt1"/>
+          </a:fontRef>
+        </p:style>
+        <p:txBody>
+          <a:bodyPr rtlCol="0" anchor="ctr"/>
+          <a:lstStyle/>
+          <a:p>
+            <a:pPr algn="ctr"/>
+            <a:endParaRPr lang="fr-FR"/>
+          </a:p>
+        </p:txBody>
+      </p:sp>
+      <p:sp>
+        <p:nvSpPr>
+          <p:cNvPr id="49" name="ZoneTexte 48"/>
+          <p:cNvSpPr txBox="1"/>
+          <p:nvPr/>
+        </p:nvSpPr>
+        <p:spPr>
+          <a:xfrm>
+            <a:off x="1719280" y="4665763"/>
+            <a:ext cx="1309230" cy="276999"/>
+          </a:xfrm>
+          <a:prstGeom prst="rect">
+            <a:avLst/>
+          </a:prstGeom>
+          <a:noFill/>
+        </p:spPr>
+        <p:txBody>
+          <a:bodyPr wrap="square" rtlCol="0">
+            <a:spAutoFit/>
+          </a:bodyPr>
+          <a:lstStyle/>
+          <a:p>
+            <a:r>
+              <a:rPr lang="fr-FR" sz="1200" dirty="0" err="1" smtClean="0">
+                <a:latin typeface="Seravek"/>
+                <a:cs typeface="Seravek"/>
+              </a:rPr>
+              <a:t>fire</a:t>
+            </a:r>
+            <a:r>
+              <a:rPr lang="fr-FR" sz="1200" dirty="0" smtClean="0">
+                <a:latin typeface="Seravek"/>
+                <a:cs typeface="Seravek"/>
+              </a:rPr>
+              <a:t>() : </a:t>
+            </a:r>
+            <a:r>
+              <a:rPr lang="fr-FR" sz="1200" b="1" dirty="0" err="1" smtClean="0">
+                <a:latin typeface="Seravek"/>
+                <a:cs typeface="Seravek"/>
+              </a:rPr>
+              <a:t>void</a:t>
+            </a:r>
+            <a:endParaRPr lang="fr-FR" sz="1200" b="1" dirty="0">
+              <a:latin typeface="Seravek"/>
+              <a:cs typeface="Seravek"/>
+            </a:endParaRPr>
+          </a:p>
+        </p:txBody>
+      </p:sp>
+      <p:sp>
+        <p:nvSpPr>
+          <p:cNvPr id="50" name="ZoneTexte 49"/>
+          <p:cNvSpPr txBox="1"/>
+          <p:nvPr/>
+        </p:nvSpPr>
+        <p:spPr>
+          <a:xfrm>
+            <a:off x="1614264" y="4377007"/>
+            <a:ext cx="1390728" cy="276999"/>
+          </a:xfrm>
+          <a:prstGeom prst="rect">
+            <a:avLst/>
+          </a:prstGeom>
+          <a:noFill/>
+        </p:spPr>
+        <p:txBody>
+          <a:bodyPr wrap="square" lIns="36000" rIns="36000" rtlCol="0">
+            <a:spAutoFit/>
+          </a:bodyPr>
+          <a:lstStyle/>
+          <a:p>
+            <a:pPr algn="ctr"/>
+            <a:r>
+              <a:rPr lang="fr-FR" sz="1100" b="1" dirty="0" smtClean="0">
+                <a:latin typeface="Seravek"/>
+                <a:cs typeface="Seravek"/>
+              </a:rPr>
+              <a:t>@Aspect(Transition</a:t>
+            </a:r>
+            <a:r>
+              <a:rPr lang="fr-FR" sz="1200" b="1" dirty="0" smtClean="0">
+                <a:latin typeface="Seravek"/>
+                <a:cs typeface="Seravek"/>
+              </a:rPr>
+              <a:t>)</a:t>
+            </a:r>
+            <a:endParaRPr lang="fr-FR" sz="1200" b="1" dirty="0">
+              <a:latin typeface="Seravek"/>
+              <a:cs typeface="Seravek"/>
+            </a:endParaRPr>
+          </a:p>
+        </p:txBody>
+      </p:sp>
+      <p:sp>
+        <p:nvSpPr>
+          <p:cNvPr id="51" name="Rectangle à coins arrondis 50"/>
+          <p:cNvSpPr/>
+          <p:nvPr/>
+        </p:nvSpPr>
+        <p:spPr>
+          <a:xfrm>
+            <a:off x="368552" y="5295052"/>
+            <a:ext cx="1114380" cy="344292"/>
+          </a:xfrm>
+          <a:prstGeom prst="roundRect">
+            <a:avLst>
+              <a:gd name="adj" fmla="val 9821"/>
+            </a:avLst>
+          </a:prstGeom>
+          <a:pattFill prst="wdDnDiag">
+            <a:fgClr>
+              <a:schemeClr val="bg1">
+                <a:lumMod val="85000"/>
+              </a:schemeClr>
+            </a:fgClr>
+            <a:bgClr>
+              <a:prstClr val="white"/>
+            </a:bgClr>
+          </a:pattFill>
+          <a:ln w="3175" cmpd="sng">
+            <a:solidFill>
+              <a:srgbClr val="000000"/>
+            </a:solidFill>
+          </a:ln>
+          <a:effectLst/>
+        </p:spPr>
+        <p:style>
+          <a:lnRef idx="1">
+            <a:schemeClr val="accent1"/>
+          </a:lnRef>
+          <a:fillRef idx="3">
+            <a:schemeClr val="accent1"/>
+          </a:fillRef>
+          <a:effectRef idx="2">
+            <a:schemeClr val="accent1"/>
+          </a:effectRef>
+          <a:fontRef idx="minor">
+            <a:schemeClr val="lt1"/>
+          </a:fontRef>
+        </p:style>
+        <p:txBody>
+          <a:bodyPr rtlCol="0" anchor="ctr"/>
+          <a:lstStyle/>
+          <a:p>
+            <a:pPr algn="ctr"/>
+            <a:endParaRPr lang="fr-FR"/>
+          </a:p>
+        </p:txBody>
+      </p:sp>
+      <p:sp>
+        <p:nvSpPr>
+          <p:cNvPr id="52" name="ZoneTexte 51"/>
+          <p:cNvSpPr txBox="1"/>
+          <p:nvPr/>
+        </p:nvSpPr>
+        <p:spPr>
+          <a:xfrm>
+            <a:off x="340223" y="5330325"/>
+            <a:ext cx="1309230" cy="276999"/>
+          </a:xfrm>
+          <a:prstGeom prst="rect">
+            <a:avLst/>
+          </a:prstGeom>
+          <a:noFill/>
+        </p:spPr>
+        <p:txBody>
+          <a:bodyPr wrap="square" rtlCol="0">
+            <a:spAutoFit/>
+          </a:bodyPr>
+          <a:lstStyle/>
+          <a:p>
+            <a:r>
+              <a:rPr lang="fr-FR" sz="1200" dirty="0">
+                <a:latin typeface="Seravek"/>
+                <a:cs typeface="Seravek"/>
+              </a:rPr>
+              <a:t>e</a:t>
+            </a:r>
+            <a:r>
+              <a:rPr lang="fr-FR" sz="1200" dirty="0" smtClean="0">
+                <a:latin typeface="Seravek"/>
+                <a:cs typeface="Seravek"/>
+              </a:rPr>
+              <a:t>val () : </a:t>
+            </a:r>
+            <a:r>
+              <a:rPr lang="fr-FR" sz="1200" b="1" dirty="0" err="1" smtClean="0">
+                <a:latin typeface="Seravek"/>
+                <a:cs typeface="Seravek"/>
+              </a:rPr>
+              <a:t>void</a:t>
+            </a:r>
+            <a:endParaRPr lang="fr-FR" sz="1200" b="1" dirty="0">
+              <a:latin typeface="Seravek"/>
+              <a:cs typeface="Seravek"/>
+            </a:endParaRPr>
+          </a:p>
+        </p:txBody>
+      </p:sp>
+      <p:sp>
+        <p:nvSpPr>
+          <p:cNvPr id="53" name="ZoneTexte 52"/>
+          <p:cNvSpPr txBox="1"/>
+          <p:nvPr/>
+        </p:nvSpPr>
+        <p:spPr>
+          <a:xfrm>
+            <a:off x="223448" y="5041569"/>
+            <a:ext cx="1414246" cy="276999"/>
+          </a:xfrm>
+          <a:prstGeom prst="rect">
+            <a:avLst/>
+          </a:prstGeom>
+          <a:noFill/>
+        </p:spPr>
+        <p:txBody>
+          <a:bodyPr wrap="square" lIns="36000" rIns="36000" rtlCol="0">
+            <a:spAutoFit/>
+          </a:bodyPr>
+          <a:lstStyle/>
+          <a:p>
+            <a:pPr algn="ctr"/>
+            <a:r>
+              <a:rPr lang="fr-FR" sz="1100" b="1" dirty="0" smtClean="0">
+                <a:latin typeface="Seravek"/>
+                <a:cs typeface="Seravek"/>
+              </a:rPr>
+              <a:t>@Aspect(Expression</a:t>
+            </a:r>
+            <a:r>
+              <a:rPr lang="fr-FR" sz="1200" b="1" dirty="0" smtClean="0">
+                <a:latin typeface="Seravek"/>
+                <a:cs typeface="Seravek"/>
+              </a:rPr>
+              <a:t>)</a:t>
+            </a:r>
+            <a:endParaRPr lang="fr-FR" sz="1200" b="1" dirty="0">
+              <a:latin typeface="Seravek"/>
+              <a:cs typeface="Seravek"/>
+            </a:endParaRPr>
+          </a:p>
+        </p:txBody>
+      </p:sp>
+      <p:sp>
+        <p:nvSpPr>
+          <p:cNvPr id="54" name="Rectangle à coins arrondis 53"/>
+          <p:cNvSpPr/>
+          <p:nvPr/>
+        </p:nvSpPr>
+        <p:spPr>
+          <a:xfrm>
+            <a:off x="1747609" y="5291798"/>
+            <a:ext cx="1114380" cy="344292"/>
+          </a:xfrm>
+          <a:prstGeom prst="roundRect">
+            <a:avLst>
+              <a:gd name="adj" fmla="val 9821"/>
+            </a:avLst>
+          </a:prstGeom>
+          <a:pattFill prst="pct10">
+            <a:fgClr>
+              <a:schemeClr val="bg1">
+                <a:lumMod val="65000"/>
+              </a:schemeClr>
+            </a:fgClr>
+            <a:bgClr>
+              <a:prstClr val="white"/>
+            </a:bgClr>
+          </a:pattFill>
+          <a:ln w="3175" cmpd="sng">
+            <a:solidFill>
+              <a:srgbClr val="000000"/>
+            </a:solidFill>
+          </a:ln>
+          <a:effectLst/>
+        </p:spPr>
+        <p:style>
+          <a:lnRef idx="1">
+            <a:schemeClr val="accent1"/>
+          </a:lnRef>
+          <a:fillRef idx="3">
+            <a:schemeClr val="accent1"/>
+          </a:fillRef>
+          <a:effectRef idx="2">
+            <a:schemeClr val="accent1"/>
+          </a:effectRef>
+          <a:fontRef idx="minor">
+            <a:schemeClr val="lt1"/>
+          </a:fontRef>
+        </p:style>
+        <p:txBody>
+          <a:bodyPr rtlCol="0" anchor="ctr"/>
+          <a:lstStyle/>
+          <a:p>
+            <a:pPr algn="ctr"/>
+            <a:endParaRPr lang="fr-FR"/>
+          </a:p>
+        </p:txBody>
+      </p:sp>
+      <p:sp>
+        <p:nvSpPr>
+          <p:cNvPr id="55" name="ZoneTexte 54"/>
+          <p:cNvSpPr txBox="1"/>
+          <p:nvPr/>
+        </p:nvSpPr>
+        <p:spPr>
+          <a:xfrm>
+            <a:off x="1719280" y="5327071"/>
+            <a:ext cx="1309230" cy="276999"/>
+          </a:xfrm>
+          <a:prstGeom prst="rect">
+            <a:avLst/>
+          </a:prstGeom>
+          <a:noFill/>
+        </p:spPr>
+        <p:txBody>
+          <a:bodyPr wrap="square" rtlCol="0">
+            <a:spAutoFit/>
+          </a:bodyPr>
+          <a:lstStyle/>
+          <a:p>
+            <a:r>
+              <a:rPr lang="fr-FR" sz="1200" dirty="0" smtClean="0">
+                <a:latin typeface="Seravek"/>
+                <a:cs typeface="Seravek"/>
+              </a:rPr>
+              <a:t>eval () : </a:t>
+            </a:r>
+            <a:r>
+              <a:rPr lang="fr-FR" sz="1200" b="1" dirty="0" err="1" smtClean="0">
+                <a:latin typeface="Seravek"/>
+                <a:cs typeface="Seravek"/>
+              </a:rPr>
+              <a:t>bool</a:t>
+            </a:r>
+            <a:endParaRPr lang="fr-FR" sz="1200" b="1" dirty="0">
+              <a:latin typeface="Seravek"/>
+              <a:cs typeface="Seravek"/>
+            </a:endParaRPr>
+          </a:p>
+        </p:txBody>
+      </p:sp>
+      <p:sp>
+        <p:nvSpPr>
+          <p:cNvPr id="56" name="ZoneTexte 55"/>
+          <p:cNvSpPr txBox="1"/>
+          <p:nvPr/>
+        </p:nvSpPr>
+        <p:spPr>
+          <a:xfrm>
+            <a:off x="1602505" y="5038315"/>
+            <a:ext cx="1414246" cy="276999"/>
+          </a:xfrm>
+          <a:prstGeom prst="rect">
+            <a:avLst/>
+          </a:prstGeom>
+          <a:noFill/>
+        </p:spPr>
+        <p:txBody>
+          <a:bodyPr wrap="square" lIns="36000" rIns="36000" rtlCol="0">
+            <a:spAutoFit/>
+          </a:bodyPr>
+          <a:lstStyle/>
+          <a:p>
+            <a:pPr algn="ctr"/>
+            <a:r>
+              <a:rPr lang="fr-FR" sz="1100" b="1" dirty="0" smtClean="0">
+                <a:latin typeface="Seravek"/>
+                <a:cs typeface="Seravek"/>
+              </a:rPr>
+              <a:t>@Aspect(</a:t>
+            </a:r>
+            <a:r>
+              <a:rPr lang="fr-FR" sz="1100" b="1" dirty="0" err="1" smtClean="0">
+                <a:latin typeface="Seravek"/>
+                <a:cs typeface="Seravek"/>
+              </a:rPr>
+              <a:t>Constraint</a:t>
+            </a:r>
+            <a:r>
+              <a:rPr lang="fr-FR" sz="1200" b="1" dirty="0" smtClean="0">
+                <a:latin typeface="Seravek"/>
+                <a:cs typeface="Seravek"/>
+              </a:rPr>
+              <a:t>)</a:t>
+            </a:r>
+            <a:endParaRPr lang="fr-FR" sz="1200" b="1" dirty="0">
+              <a:latin typeface="Seravek"/>
+              <a:cs typeface="Seravek"/>
+            </a:endParaRPr>
+          </a:p>
+        </p:txBody>
+      </p:sp>
+      <p:sp>
+        <p:nvSpPr>
+          <p:cNvPr id="57" name="Forme libre 56"/>
+          <p:cNvSpPr/>
+          <p:nvPr/>
+        </p:nvSpPr>
+        <p:spPr>
+          <a:xfrm flipH="1">
+            <a:off x="1546332" y="1279352"/>
+            <a:ext cx="67931" cy="2517544"/>
+          </a:xfrm>
+          <a:custGeom>
+            <a:avLst/>
+            <a:gdLst>
+              <a:gd name="connsiteX0" fmla="*/ 0 w 0"/>
+              <a:gd name="connsiteY0" fmla="*/ 2104727 h 2104727"/>
+              <a:gd name="connsiteX1" fmla="*/ 0 w 0"/>
+              <a:gd name="connsiteY1" fmla="*/ 0 h 2104727"/>
+            </a:gdLst>
+            <a:ahLst/>
+            <a:cxnLst>
+              <a:cxn ang="0">
+                <a:pos x="connsiteX0" y="connsiteY0"/>
+              </a:cxn>
+              <a:cxn ang="0">
+                <a:pos x="connsiteX1" y="connsiteY1"/>
+              </a:cxn>
+            </a:cxnLst>
+            <a:rect l="l" t="t" r="r" b="b"/>
+            <a:pathLst>
+              <a:path h="2104727">
+                <a:moveTo>
+                  <a:pt x="0" y="2104727"/>
+                </a:moveTo>
+                <a:lnTo>
+                  <a:pt x="0" y="0"/>
+                </a:lnTo>
+              </a:path>
+            </a:pathLst>
+          </a:custGeom>
+          <a:ln w="3175" cmpd="sng">
+            <a:solidFill>
+              <a:schemeClr val="bg1">
+                <a:lumMod val="50000"/>
+                <a:alpha val="50000"/>
+              </a:schemeClr>
+            </a:solidFill>
+            <a:headEnd type="none"/>
+            <a:tailEnd type="arrow" w="lg" len="lg"/>
+          </a:ln>
+        </p:spPr>
+        <p:style>
+          <a:lnRef idx="2">
+            <a:schemeClr val="accent1"/>
+          </a:lnRef>
+          <a:fillRef idx="0">
+            <a:schemeClr val="accent1"/>
+          </a:fillRef>
+          <a:effectRef idx="1">
+            <a:schemeClr val="accent1"/>
+          </a:effectRef>
+          <a:fontRef idx="minor">
+            <a:schemeClr val="tx1"/>
+          </a:fontRef>
+        </p:style>
+        <p:txBody>
+          <a:bodyPr rtlCol="0" anchor="ctr"/>
+          <a:lstStyle/>
+          <a:p>
+            <a:pPr algn="ctr"/>
+            <a:endParaRPr lang="fr-FR"/>
+          </a:p>
+        </p:txBody>
+      </p:sp>
+      <p:sp>
+        <p:nvSpPr>
+          <p:cNvPr id="58" name="Forme libre 57"/>
+          <p:cNvSpPr/>
+          <p:nvPr/>
+        </p:nvSpPr>
+        <p:spPr>
+          <a:xfrm>
+            <a:off x="1734498" y="1952713"/>
+            <a:ext cx="340983" cy="2655501"/>
+          </a:xfrm>
+          <a:custGeom>
+            <a:avLst/>
+            <a:gdLst>
+              <a:gd name="connsiteX0" fmla="*/ 577230 w 577230"/>
+              <a:gd name="connsiteY0" fmla="*/ 2222310 h 2222310"/>
+              <a:gd name="connsiteX1" fmla="*/ 1045 w 577230"/>
+              <a:gd name="connsiteY1" fmla="*/ 799561 h 2222310"/>
+              <a:gd name="connsiteX2" fmla="*/ 424364 w 577230"/>
+              <a:gd name="connsiteY2" fmla="*/ 0 h 2222310"/>
+              <a:gd name="connsiteX0" fmla="*/ 597802 w 597802"/>
+              <a:gd name="connsiteY0" fmla="*/ 2222310 h 2222310"/>
+              <a:gd name="connsiteX1" fmla="*/ 1001 w 597802"/>
+              <a:gd name="connsiteY1" fmla="*/ 493846 h 2222310"/>
+              <a:gd name="connsiteX2" fmla="*/ 444936 w 597802"/>
+              <a:gd name="connsiteY2" fmla="*/ 0 h 2222310"/>
+              <a:gd name="connsiteX0" fmla="*/ 597802 w 597802"/>
+              <a:gd name="connsiteY0" fmla="*/ 2222310 h 2222310"/>
+              <a:gd name="connsiteX1" fmla="*/ 1001 w 597802"/>
+              <a:gd name="connsiteY1" fmla="*/ 952418 h 2222310"/>
+              <a:gd name="connsiteX2" fmla="*/ 444936 w 597802"/>
+              <a:gd name="connsiteY2" fmla="*/ 0 h 2222310"/>
+            </a:gdLst>
+            <a:ahLst/>
+            <a:cxnLst>
+              <a:cxn ang="0">
+                <a:pos x="connsiteX0" y="connsiteY0"/>
+              </a:cxn>
+              <a:cxn ang="0">
+                <a:pos x="connsiteX1" y="connsiteY1"/>
+              </a:cxn>
+              <a:cxn ang="0">
+                <a:pos x="connsiteX2" y="connsiteY2"/>
+              </a:cxn>
+            </a:cxnLst>
+            <a:rect l="l" t="t" r="r" b="b"/>
+            <a:pathLst>
+              <a:path w="597802" h="2222310">
+                <a:moveTo>
+                  <a:pt x="597802" y="2222310"/>
+                </a:moveTo>
+                <a:cubicBezTo>
+                  <a:pt x="322448" y="1696128"/>
+                  <a:pt x="26479" y="1322803"/>
+                  <a:pt x="1001" y="952418"/>
+                </a:cubicBezTo>
+                <a:cubicBezTo>
+                  <a:pt x="-24477" y="582033"/>
+                  <a:pt x="444936" y="0"/>
+                  <a:pt x="444936" y="0"/>
+                </a:cubicBezTo>
+              </a:path>
+            </a:pathLst>
+          </a:custGeom>
+          <a:ln w="3175" cmpd="sng">
+            <a:solidFill>
+              <a:srgbClr val="7F7F7F">
+                <a:alpha val="50000"/>
+              </a:srgbClr>
+            </a:solidFill>
+            <a:headEnd type="none"/>
+            <a:tailEnd type="arrow" w="lg" len="lg"/>
+          </a:ln>
+        </p:spPr>
+        <p:style>
+          <a:lnRef idx="2">
+            <a:schemeClr val="accent1"/>
+          </a:lnRef>
+          <a:fillRef idx="0">
+            <a:schemeClr val="accent1"/>
+          </a:fillRef>
+          <a:effectRef idx="1">
+            <a:schemeClr val="accent1"/>
+          </a:effectRef>
+          <a:fontRef idx="minor">
+            <a:schemeClr val="tx1"/>
+          </a:fontRef>
+        </p:style>
+        <p:txBody>
+          <a:bodyPr rtlCol="0" anchor="ctr"/>
+          <a:lstStyle/>
+          <a:p>
+            <a:pPr algn="ctr"/>
+            <a:endParaRPr lang="fr-FR"/>
+          </a:p>
+        </p:txBody>
+      </p:sp>
+      <p:sp>
+        <p:nvSpPr>
+          <p:cNvPr id="59" name="Forme libre 58"/>
+          <p:cNvSpPr/>
+          <p:nvPr/>
+        </p:nvSpPr>
+        <p:spPr>
+          <a:xfrm>
+            <a:off x="1898110" y="2681964"/>
+            <a:ext cx="432114" cy="2613087"/>
+          </a:xfrm>
+          <a:custGeom>
+            <a:avLst/>
+            <a:gdLst>
+              <a:gd name="connsiteX0" fmla="*/ 577230 w 577230"/>
+              <a:gd name="connsiteY0" fmla="*/ 2222310 h 2222310"/>
+              <a:gd name="connsiteX1" fmla="*/ 1045 w 577230"/>
+              <a:gd name="connsiteY1" fmla="*/ 799561 h 2222310"/>
+              <a:gd name="connsiteX2" fmla="*/ 424364 w 577230"/>
+              <a:gd name="connsiteY2" fmla="*/ 0 h 2222310"/>
+              <a:gd name="connsiteX0" fmla="*/ 736833 w 736833"/>
+              <a:gd name="connsiteY0" fmla="*/ 2222310 h 2222310"/>
+              <a:gd name="connsiteX1" fmla="*/ 779 w 736833"/>
+              <a:gd name="connsiteY1" fmla="*/ 482088 h 2222310"/>
+              <a:gd name="connsiteX2" fmla="*/ 583967 w 736833"/>
+              <a:gd name="connsiteY2" fmla="*/ 0 h 2222310"/>
+              <a:gd name="connsiteX0" fmla="*/ 1029675 w 1029675"/>
+              <a:gd name="connsiteY0" fmla="*/ 2224922 h 2224922"/>
+              <a:gd name="connsiteX1" fmla="*/ 528 w 1029675"/>
+              <a:gd name="connsiteY1" fmla="*/ 320085 h 2224922"/>
+              <a:gd name="connsiteX2" fmla="*/ 876809 w 1029675"/>
+              <a:gd name="connsiteY2" fmla="*/ 2612 h 2224922"/>
+              <a:gd name="connsiteX0" fmla="*/ 976421 w 976421"/>
+              <a:gd name="connsiteY0" fmla="*/ 2242063 h 2242063"/>
+              <a:gd name="connsiteX1" fmla="*/ 564 w 976421"/>
+              <a:gd name="connsiteY1" fmla="*/ 266677 h 2242063"/>
+              <a:gd name="connsiteX2" fmla="*/ 823555 w 976421"/>
+              <a:gd name="connsiteY2" fmla="*/ 19753 h 2242063"/>
+              <a:gd name="connsiteX0" fmla="*/ 976421 w 976421"/>
+              <a:gd name="connsiteY0" fmla="*/ 2223671 h 2223671"/>
+              <a:gd name="connsiteX1" fmla="*/ 564 w 976421"/>
+              <a:gd name="connsiteY1" fmla="*/ 330592 h 2223671"/>
+              <a:gd name="connsiteX2" fmla="*/ 823555 w 976421"/>
+              <a:gd name="connsiteY2" fmla="*/ 1361 h 2223671"/>
+              <a:gd name="connsiteX0" fmla="*/ 979140 w 979140"/>
+              <a:gd name="connsiteY0" fmla="*/ 2422200 h 2422200"/>
+              <a:gd name="connsiteX1" fmla="*/ 3283 w 979140"/>
+              <a:gd name="connsiteY1" fmla="*/ 529121 h 2422200"/>
+              <a:gd name="connsiteX2" fmla="*/ 639760 w 979140"/>
+              <a:gd name="connsiteY2" fmla="*/ 0 h 2422200"/>
+            </a:gdLst>
+            <a:ahLst/>
+            <a:cxnLst>
+              <a:cxn ang="0">
+                <a:pos x="connsiteX0" y="connsiteY0"/>
+              </a:cxn>
+              <a:cxn ang="0">
+                <a:pos x="connsiteX1" y="connsiteY1"/>
+              </a:cxn>
+              <a:cxn ang="0">
+                <a:pos x="connsiteX2" y="connsiteY2"/>
+              </a:cxn>
+            </a:cxnLst>
+            <a:rect l="l" t="t" r="r" b="b"/>
+            <a:pathLst>
+              <a:path w="979140" h="2422200">
+                <a:moveTo>
+                  <a:pt x="979140" y="2422200"/>
+                </a:moveTo>
+                <a:cubicBezTo>
+                  <a:pt x="703786" y="1896018"/>
+                  <a:pt x="59846" y="932821"/>
+                  <a:pt x="3283" y="529121"/>
+                </a:cubicBezTo>
+                <a:cubicBezTo>
+                  <a:pt x="-53280" y="125421"/>
+                  <a:pt x="639760" y="0"/>
+                  <a:pt x="639760" y="0"/>
+                </a:cubicBezTo>
+              </a:path>
+            </a:pathLst>
+          </a:custGeom>
+          <a:ln w="3175" cmpd="sng">
+            <a:solidFill>
+              <a:schemeClr val="bg1">
+                <a:lumMod val="50000"/>
+                <a:alpha val="50000"/>
+              </a:schemeClr>
+            </a:solidFill>
+            <a:headEnd type="none"/>
+            <a:tailEnd type="arrow" w="lg" len="lg"/>
+          </a:ln>
+        </p:spPr>
+        <p:style>
+          <a:lnRef idx="2">
+            <a:schemeClr val="accent1"/>
+          </a:lnRef>
+          <a:fillRef idx="0">
+            <a:schemeClr val="accent1"/>
+          </a:fillRef>
+          <a:effectRef idx="1">
+            <a:schemeClr val="accent1"/>
+          </a:effectRef>
+          <a:fontRef idx="minor">
+            <a:schemeClr val="tx1"/>
+          </a:fontRef>
+        </p:style>
+        <p:txBody>
+          <a:bodyPr rtlCol="0" anchor="ctr"/>
+          <a:lstStyle/>
+          <a:p>
+            <a:pPr algn="ctr"/>
+            <a:endParaRPr lang="fr-FR"/>
+          </a:p>
+        </p:txBody>
+      </p:sp>
+      <p:sp>
+        <p:nvSpPr>
+          <p:cNvPr id="61" name="Forme libre 60"/>
+          <p:cNvSpPr/>
+          <p:nvPr/>
+        </p:nvSpPr>
+        <p:spPr>
+          <a:xfrm flipH="1">
+            <a:off x="1141454" y="1961759"/>
+            <a:ext cx="341478" cy="2646455"/>
+          </a:xfrm>
+          <a:custGeom>
+            <a:avLst/>
+            <a:gdLst>
+              <a:gd name="connsiteX0" fmla="*/ 577230 w 577230"/>
+              <a:gd name="connsiteY0" fmla="*/ 2222310 h 2222310"/>
+              <a:gd name="connsiteX1" fmla="*/ 1045 w 577230"/>
+              <a:gd name="connsiteY1" fmla="*/ 799561 h 2222310"/>
+              <a:gd name="connsiteX2" fmla="*/ 424364 w 577230"/>
+              <a:gd name="connsiteY2" fmla="*/ 0 h 2222310"/>
+              <a:gd name="connsiteX0" fmla="*/ 597802 w 597802"/>
+              <a:gd name="connsiteY0" fmla="*/ 2222310 h 2222310"/>
+              <a:gd name="connsiteX1" fmla="*/ 1001 w 597802"/>
+              <a:gd name="connsiteY1" fmla="*/ 493846 h 2222310"/>
+              <a:gd name="connsiteX2" fmla="*/ 444936 w 597802"/>
+              <a:gd name="connsiteY2" fmla="*/ 0 h 2222310"/>
+              <a:gd name="connsiteX0" fmla="*/ 597802 w 597802"/>
+              <a:gd name="connsiteY0" fmla="*/ 2222310 h 2222310"/>
+              <a:gd name="connsiteX1" fmla="*/ 1001 w 597802"/>
+              <a:gd name="connsiteY1" fmla="*/ 952418 h 2222310"/>
+              <a:gd name="connsiteX2" fmla="*/ 444936 w 597802"/>
+              <a:gd name="connsiteY2" fmla="*/ 0 h 2222310"/>
+            </a:gdLst>
+            <a:ahLst/>
+            <a:cxnLst>
+              <a:cxn ang="0">
+                <a:pos x="connsiteX0" y="connsiteY0"/>
+              </a:cxn>
+              <a:cxn ang="0">
+                <a:pos x="connsiteX1" y="connsiteY1"/>
+              </a:cxn>
+              <a:cxn ang="0">
+                <a:pos x="connsiteX2" y="connsiteY2"/>
+              </a:cxn>
+            </a:cxnLst>
+            <a:rect l="l" t="t" r="r" b="b"/>
+            <a:pathLst>
+              <a:path w="597802" h="2222310">
+                <a:moveTo>
+                  <a:pt x="597802" y="2222310"/>
+                </a:moveTo>
+                <a:cubicBezTo>
+                  <a:pt x="322448" y="1696128"/>
+                  <a:pt x="26479" y="1322803"/>
+                  <a:pt x="1001" y="952418"/>
+                </a:cubicBezTo>
+                <a:cubicBezTo>
+                  <a:pt x="-24477" y="582033"/>
+                  <a:pt x="444936" y="0"/>
+                  <a:pt x="444936" y="0"/>
+                </a:cubicBezTo>
+              </a:path>
+            </a:pathLst>
+          </a:custGeom>
+          <a:ln w="3175" cmpd="sng">
+            <a:solidFill>
+              <a:schemeClr val="bg1">
+                <a:lumMod val="50000"/>
+                <a:alpha val="50000"/>
+              </a:schemeClr>
+            </a:solidFill>
+            <a:headEnd type="none"/>
+            <a:tailEnd type="arrow" w="lg" len="lg"/>
+          </a:ln>
+        </p:spPr>
+        <p:style>
+          <a:lnRef idx="2">
+            <a:schemeClr val="accent1"/>
+          </a:lnRef>
+          <a:fillRef idx="0">
+            <a:schemeClr val="accent1"/>
+          </a:fillRef>
+          <a:effectRef idx="1">
+            <a:schemeClr val="accent1"/>
+          </a:effectRef>
+          <a:fontRef idx="minor">
+            <a:schemeClr val="tx1"/>
+          </a:fontRef>
+        </p:style>
+        <p:txBody>
+          <a:bodyPr rtlCol="0" anchor="ctr"/>
+          <a:lstStyle/>
+          <a:p>
+            <a:pPr algn="ctr"/>
+            <a:endParaRPr lang="fr-FR"/>
+          </a:p>
+        </p:txBody>
+      </p:sp>
+      <p:sp>
+        <p:nvSpPr>
+          <p:cNvPr id="62" name="Forme libre 61"/>
+          <p:cNvSpPr/>
+          <p:nvPr/>
+        </p:nvSpPr>
+        <p:spPr>
+          <a:xfrm flipH="1">
+            <a:off x="885591" y="2668064"/>
+            <a:ext cx="406633" cy="2623734"/>
+          </a:xfrm>
+          <a:custGeom>
+            <a:avLst/>
+            <a:gdLst>
+              <a:gd name="connsiteX0" fmla="*/ 577230 w 577230"/>
+              <a:gd name="connsiteY0" fmla="*/ 2222310 h 2222310"/>
+              <a:gd name="connsiteX1" fmla="*/ 1045 w 577230"/>
+              <a:gd name="connsiteY1" fmla="*/ 799561 h 2222310"/>
+              <a:gd name="connsiteX2" fmla="*/ 424364 w 577230"/>
+              <a:gd name="connsiteY2" fmla="*/ 0 h 2222310"/>
+              <a:gd name="connsiteX0" fmla="*/ 736833 w 736833"/>
+              <a:gd name="connsiteY0" fmla="*/ 2222310 h 2222310"/>
+              <a:gd name="connsiteX1" fmla="*/ 779 w 736833"/>
+              <a:gd name="connsiteY1" fmla="*/ 482088 h 2222310"/>
+              <a:gd name="connsiteX2" fmla="*/ 583967 w 736833"/>
+              <a:gd name="connsiteY2" fmla="*/ 0 h 2222310"/>
+              <a:gd name="connsiteX0" fmla="*/ 1029675 w 1029675"/>
+              <a:gd name="connsiteY0" fmla="*/ 2224922 h 2224922"/>
+              <a:gd name="connsiteX1" fmla="*/ 528 w 1029675"/>
+              <a:gd name="connsiteY1" fmla="*/ 320085 h 2224922"/>
+              <a:gd name="connsiteX2" fmla="*/ 876809 w 1029675"/>
+              <a:gd name="connsiteY2" fmla="*/ 2612 h 2224922"/>
+              <a:gd name="connsiteX0" fmla="*/ 976421 w 976421"/>
+              <a:gd name="connsiteY0" fmla="*/ 2242063 h 2242063"/>
+              <a:gd name="connsiteX1" fmla="*/ 564 w 976421"/>
+              <a:gd name="connsiteY1" fmla="*/ 266677 h 2242063"/>
+              <a:gd name="connsiteX2" fmla="*/ 823555 w 976421"/>
+              <a:gd name="connsiteY2" fmla="*/ 19753 h 2242063"/>
+              <a:gd name="connsiteX0" fmla="*/ 976421 w 976421"/>
+              <a:gd name="connsiteY0" fmla="*/ 2223671 h 2223671"/>
+              <a:gd name="connsiteX1" fmla="*/ 564 w 976421"/>
+              <a:gd name="connsiteY1" fmla="*/ 330592 h 2223671"/>
+              <a:gd name="connsiteX2" fmla="*/ 823555 w 976421"/>
+              <a:gd name="connsiteY2" fmla="*/ 1361 h 2223671"/>
+              <a:gd name="connsiteX0" fmla="*/ 979140 w 979140"/>
+              <a:gd name="connsiteY0" fmla="*/ 2422200 h 2422200"/>
+              <a:gd name="connsiteX1" fmla="*/ 3283 w 979140"/>
+              <a:gd name="connsiteY1" fmla="*/ 529121 h 2422200"/>
+              <a:gd name="connsiteX2" fmla="*/ 639760 w 979140"/>
+              <a:gd name="connsiteY2" fmla="*/ 0 h 2422200"/>
+            </a:gdLst>
+            <a:ahLst/>
+            <a:cxnLst>
+              <a:cxn ang="0">
+                <a:pos x="connsiteX0" y="connsiteY0"/>
+              </a:cxn>
+              <a:cxn ang="0">
+                <a:pos x="connsiteX1" y="connsiteY1"/>
+              </a:cxn>
+              <a:cxn ang="0">
+                <a:pos x="connsiteX2" y="connsiteY2"/>
+              </a:cxn>
+            </a:cxnLst>
+            <a:rect l="l" t="t" r="r" b="b"/>
+            <a:pathLst>
+              <a:path w="979140" h="2422200">
+                <a:moveTo>
+                  <a:pt x="979140" y="2422200"/>
+                </a:moveTo>
+                <a:cubicBezTo>
+                  <a:pt x="703786" y="1896018"/>
+                  <a:pt x="59846" y="932821"/>
+                  <a:pt x="3283" y="529121"/>
+                </a:cubicBezTo>
+                <a:cubicBezTo>
+                  <a:pt x="-53280" y="125421"/>
+                  <a:pt x="639760" y="0"/>
+                  <a:pt x="639760" y="0"/>
+                </a:cubicBezTo>
+              </a:path>
+            </a:pathLst>
+          </a:custGeom>
+          <a:ln w="3175" cmpd="sng">
+            <a:solidFill>
+              <a:schemeClr val="bg1">
+                <a:lumMod val="50000"/>
+                <a:alpha val="50000"/>
+              </a:schemeClr>
+            </a:solidFill>
+            <a:headEnd type="none"/>
+            <a:tailEnd type="arrow" w="lg" len="lg"/>
+          </a:ln>
+        </p:spPr>
+        <p:style>
+          <a:lnRef idx="2">
+            <a:schemeClr val="accent1"/>
+          </a:lnRef>
+          <a:fillRef idx="0">
+            <a:schemeClr val="accent1"/>
+          </a:fillRef>
+          <a:effectRef idx="1">
+            <a:schemeClr val="accent1"/>
+          </a:effectRef>
+          <a:fontRef idx="minor">
+            <a:schemeClr val="tx1"/>
+          </a:fontRef>
+        </p:style>
+        <p:txBody>
+          <a:bodyPr rtlCol="0" anchor="ctr"/>
+          <a:lstStyle/>
+          <a:p>
+            <a:pPr algn="ctr"/>
+            <a:endParaRPr lang="fr-FR"/>
+          </a:p>
+        </p:txBody>
+      </p:sp>
+      <p:sp>
+        <p:nvSpPr>
+          <p:cNvPr id="63" name="ZoneTexte 62"/>
+          <p:cNvSpPr txBox="1"/>
+          <p:nvPr/>
+        </p:nvSpPr>
+        <p:spPr>
+          <a:xfrm>
+            <a:off x="1226604" y="3220739"/>
+            <a:ext cx="742060" cy="184666"/>
+          </a:xfrm>
+          <a:prstGeom prst="rect">
+            <a:avLst/>
+          </a:prstGeom>
+          <a:solidFill>
+            <a:srgbClr val="FFFFFF"/>
+          </a:solidFill>
+        </p:spPr>
+        <p:txBody>
+          <a:bodyPr wrap="square" lIns="0" tIns="0" rIns="0" bIns="0" rtlCol="0">
+            <a:spAutoFit/>
+          </a:bodyPr>
+          <a:lstStyle/>
+          <a:p>
+            <a:pPr algn="ctr"/>
+            <a:r>
+              <a:rPr lang="fr-FR" sz="1200" b="1" dirty="0" smtClean="0">
+                <a:solidFill>
+                  <a:schemeClr val="bg1">
+                    <a:lumMod val="50000"/>
+                  </a:schemeClr>
+                </a:solidFill>
+              </a:rPr>
+              <a:t>WEAVING</a:t>
+            </a:r>
+            <a:endParaRPr lang="fr-FR" sz="1200" b="1" dirty="0">
+              <a:solidFill>
+                <a:schemeClr val="bg1">
+                  <a:lumMod val="50000"/>
+                </a:schemeClr>
+              </a:solidFill>
+            </a:endParaRPr>
+          </a:p>
+        </p:txBody>
+      </p:sp>
+      <p:sp>
+        <p:nvSpPr>
+          <p:cNvPr id="72" name="Rectangle 71"/>
+          <p:cNvSpPr/>
+          <p:nvPr/>
+        </p:nvSpPr>
+        <p:spPr>
+          <a:xfrm>
+            <a:off x="3180529" y="873932"/>
+            <a:ext cx="1113565" cy="457760"/>
+          </a:xfrm>
+          <a:prstGeom prst="rect">
+            <a:avLst/>
+          </a:prstGeom>
+          <a:solidFill>
+            <a:schemeClr val="bg1"/>
+          </a:solidFill>
+          <a:ln w="3175" cmpd="sng">
+            <a:solidFill>
+              <a:schemeClr val="tx1"/>
+            </a:solidFill>
+          </a:ln>
+          <a:effectLst/>
+        </p:spPr>
+        <p:style>
+          <a:lnRef idx="1">
+            <a:schemeClr val="accent1"/>
+          </a:lnRef>
+          <a:fillRef idx="3">
+            <a:schemeClr val="accent1"/>
+          </a:fillRef>
+          <a:effectRef idx="2">
+            <a:schemeClr val="accent1"/>
+          </a:effectRef>
+          <a:fontRef idx="minor">
+            <a:schemeClr val="lt1"/>
+          </a:fontRef>
+        </p:style>
+        <p:txBody>
+          <a:bodyPr rtlCol="0" anchor="ctr"/>
+          <a:lstStyle/>
+          <a:p>
+            <a:pPr algn="ctr"/>
+            <a:endParaRPr lang="fr-FR"/>
+          </a:p>
+        </p:txBody>
+      </p:sp>
+      <p:cxnSp>
+        <p:nvCxnSpPr>
+          <p:cNvPr id="73" name="Connecteur droit 72"/>
+          <p:cNvCxnSpPr/>
+          <p:nvPr/>
+        </p:nvCxnSpPr>
+        <p:spPr>
+          <a:xfrm>
+            <a:off x="3180529" y="1144534"/>
+            <a:ext cx="1113565" cy="0"/>
+          </a:xfrm>
+          <a:prstGeom prst="line">
+            <a:avLst/>
+          </a:prstGeom>
+          <a:ln w="3175" cmpd="sng">
+            <a:solidFill>
+              <a:srgbClr val="000000"/>
+            </a:solidFill>
+          </a:ln>
+          <a:effectLst/>
+        </p:spPr>
+        <p:style>
+          <a:lnRef idx="2">
+            <a:schemeClr val="accent1"/>
+          </a:lnRef>
+          <a:fillRef idx="0">
+            <a:schemeClr val="accent1"/>
+          </a:fillRef>
+          <a:effectRef idx="1">
+            <a:schemeClr val="accent1"/>
+          </a:effectRef>
+          <a:fontRef idx="minor">
+            <a:schemeClr val="tx1"/>
+          </a:fontRef>
+        </p:style>
+      </p:cxnSp>
+      <p:sp>
+        <p:nvSpPr>
+          <p:cNvPr id="74" name="ZoneTexte 73"/>
+          <p:cNvSpPr txBox="1"/>
+          <p:nvPr/>
+        </p:nvSpPr>
+        <p:spPr>
+          <a:xfrm>
+            <a:off x="3180529" y="873932"/>
+            <a:ext cx="1113565" cy="276999"/>
+          </a:xfrm>
+          <a:prstGeom prst="rect">
+            <a:avLst/>
+          </a:prstGeom>
+          <a:noFill/>
+        </p:spPr>
+        <p:txBody>
+          <a:bodyPr wrap="square" rtlCol="0">
+            <a:spAutoFit/>
+          </a:bodyPr>
+          <a:lstStyle/>
+          <a:p>
+            <a:pPr algn="ctr"/>
+            <a:r>
+              <a:rPr lang="fr-FR" sz="1200" dirty="0" err="1" smtClean="0">
+                <a:latin typeface="Seravek"/>
+                <a:cs typeface="Seravek"/>
+              </a:rPr>
+              <a:t>LogoProgram</a:t>
+            </a:r>
+            <a:endParaRPr lang="fr-FR" sz="1200" dirty="0">
+              <a:latin typeface="Seravek"/>
+              <a:cs typeface="Seravek"/>
+            </a:endParaRPr>
+          </a:p>
+        </p:txBody>
+      </p:sp>
+      <p:sp>
+        <p:nvSpPr>
+          <p:cNvPr id="75" name="Rectangle 74"/>
+          <p:cNvSpPr/>
+          <p:nvPr/>
+        </p:nvSpPr>
+        <p:spPr>
+          <a:xfrm>
+            <a:off x="3181839" y="1693870"/>
+            <a:ext cx="1113565" cy="1002260"/>
+          </a:xfrm>
+          <a:prstGeom prst="rect">
+            <a:avLst/>
+          </a:prstGeom>
+          <a:solidFill>
+            <a:schemeClr val="bg1"/>
+          </a:solidFill>
+          <a:ln w="3175" cmpd="sng">
+            <a:solidFill>
+              <a:schemeClr val="tx1"/>
+            </a:solidFill>
+          </a:ln>
+          <a:effectLst/>
+        </p:spPr>
+        <p:style>
+          <a:lnRef idx="1">
+            <a:schemeClr val="accent1"/>
+          </a:lnRef>
+          <a:fillRef idx="3">
+            <a:schemeClr val="accent1"/>
+          </a:fillRef>
+          <a:effectRef idx="2">
+            <a:schemeClr val="accent1"/>
+          </a:effectRef>
+          <a:fontRef idx="minor">
+            <a:schemeClr val="lt1"/>
+          </a:fontRef>
+        </p:style>
+        <p:txBody>
+          <a:bodyPr rtlCol="0" anchor="ctr"/>
+          <a:lstStyle/>
+          <a:p>
+            <a:pPr algn="ctr"/>
+            <a:endParaRPr lang="fr-FR"/>
+          </a:p>
+        </p:txBody>
+      </p:sp>
+      <p:cxnSp>
+        <p:nvCxnSpPr>
+          <p:cNvPr id="76" name="Connecteur droit 75"/>
+          <p:cNvCxnSpPr/>
+          <p:nvPr/>
+        </p:nvCxnSpPr>
+        <p:spPr>
+          <a:xfrm>
+            <a:off x="3181839" y="1952713"/>
+            <a:ext cx="1113565" cy="0"/>
+          </a:xfrm>
+          <a:prstGeom prst="line">
+            <a:avLst/>
+          </a:prstGeom>
+          <a:ln w="3175" cmpd="sng">
+            <a:solidFill>
+              <a:srgbClr val="000000"/>
+            </a:solidFill>
+          </a:ln>
+          <a:effectLst/>
+        </p:spPr>
+        <p:style>
+          <a:lnRef idx="2">
+            <a:schemeClr val="accent1"/>
+          </a:lnRef>
+          <a:fillRef idx="0">
+            <a:schemeClr val="accent1"/>
+          </a:fillRef>
+          <a:effectRef idx="1">
+            <a:schemeClr val="accent1"/>
+          </a:effectRef>
+          <a:fontRef idx="minor">
+            <a:schemeClr val="tx1"/>
+          </a:fontRef>
+        </p:style>
+      </p:cxnSp>
+      <p:sp>
+        <p:nvSpPr>
+          <p:cNvPr id="77" name="ZoneTexte 76"/>
+          <p:cNvSpPr txBox="1"/>
+          <p:nvPr/>
+        </p:nvSpPr>
+        <p:spPr>
+          <a:xfrm>
+            <a:off x="3181839" y="1693869"/>
+            <a:ext cx="1113565" cy="276999"/>
+          </a:xfrm>
+          <a:prstGeom prst="rect">
+            <a:avLst/>
+          </a:prstGeom>
+          <a:noFill/>
+        </p:spPr>
+        <p:txBody>
+          <a:bodyPr wrap="square" rtlCol="0">
+            <a:spAutoFit/>
+          </a:bodyPr>
+          <a:lstStyle/>
+          <a:p>
+            <a:pPr algn="ctr"/>
+            <a:r>
+              <a:rPr lang="fr-FR" sz="1200" dirty="0" err="1" smtClean="0">
+                <a:latin typeface="Seravek"/>
+                <a:cs typeface="Seravek"/>
+              </a:rPr>
+              <a:t>PrimitiveKind</a:t>
+            </a:r>
+            <a:endParaRPr lang="fr-FR" sz="1200" dirty="0">
+              <a:latin typeface="Seravek"/>
+              <a:cs typeface="Seravek"/>
+            </a:endParaRPr>
+          </a:p>
+        </p:txBody>
+      </p:sp>
+      <p:sp>
+        <p:nvSpPr>
+          <p:cNvPr id="81" name="Rectangle 80"/>
+          <p:cNvSpPr/>
+          <p:nvPr/>
+        </p:nvSpPr>
+        <p:spPr>
+          <a:xfrm>
+            <a:off x="4670412" y="882144"/>
+            <a:ext cx="1113565" cy="457760"/>
+          </a:xfrm>
+          <a:prstGeom prst="rect">
+            <a:avLst/>
+          </a:prstGeom>
+          <a:solidFill>
+            <a:schemeClr val="bg1"/>
+          </a:solidFill>
+          <a:ln w="3175" cmpd="sng">
+            <a:solidFill>
+              <a:schemeClr val="tx1"/>
+            </a:solidFill>
+          </a:ln>
+          <a:effectLst/>
+        </p:spPr>
+        <p:style>
+          <a:lnRef idx="1">
+            <a:schemeClr val="accent1"/>
+          </a:lnRef>
+          <a:fillRef idx="3">
+            <a:schemeClr val="accent1"/>
+          </a:fillRef>
+          <a:effectRef idx="2">
+            <a:schemeClr val="accent1"/>
+          </a:effectRef>
+          <a:fontRef idx="minor">
+            <a:schemeClr val="lt1"/>
+          </a:fontRef>
+        </p:style>
+        <p:txBody>
+          <a:bodyPr rtlCol="0" anchor="ctr"/>
+          <a:lstStyle/>
+          <a:p>
+            <a:pPr algn="ctr"/>
+            <a:endParaRPr lang="fr-FR"/>
+          </a:p>
+        </p:txBody>
+      </p:sp>
+      <p:cxnSp>
+        <p:nvCxnSpPr>
+          <p:cNvPr id="82" name="Connecteur droit 81"/>
+          <p:cNvCxnSpPr/>
+          <p:nvPr/>
+        </p:nvCxnSpPr>
+        <p:spPr>
+          <a:xfrm>
+            <a:off x="4670412" y="1140988"/>
+            <a:ext cx="1113565" cy="0"/>
+          </a:xfrm>
+          <a:prstGeom prst="line">
+            <a:avLst/>
+          </a:prstGeom>
+          <a:ln w="3175" cmpd="sng">
+            <a:solidFill>
+              <a:srgbClr val="000000"/>
+            </a:solidFill>
+          </a:ln>
+          <a:effectLst/>
+        </p:spPr>
+        <p:style>
+          <a:lnRef idx="2">
+            <a:schemeClr val="accent1"/>
+          </a:lnRef>
+          <a:fillRef idx="0">
+            <a:schemeClr val="accent1"/>
+          </a:fillRef>
+          <a:effectRef idx="1">
+            <a:schemeClr val="accent1"/>
+          </a:effectRef>
+          <a:fontRef idx="minor">
+            <a:schemeClr val="tx1"/>
+          </a:fontRef>
+        </p:style>
+      </p:cxnSp>
+      <p:sp>
+        <p:nvSpPr>
+          <p:cNvPr id="83" name="ZoneTexte 82"/>
+          <p:cNvSpPr txBox="1"/>
+          <p:nvPr/>
+        </p:nvSpPr>
+        <p:spPr>
+          <a:xfrm>
+            <a:off x="4670412" y="882144"/>
+            <a:ext cx="1113565" cy="276999"/>
+          </a:xfrm>
+          <a:prstGeom prst="rect">
+            <a:avLst/>
+          </a:prstGeom>
+          <a:noFill/>
+        </p:spPr>
+        <p:txBody>
+          <a:bodyPr wrap="square" rtlCol="0">
+            <a:spAutoFit/>
+          </a:bodyPr>
+          <a:lstStyle/>
+          <a:p>
+            <a:pPr algn="ctr"/>
+            <a:r>
+              <a:rPr lang="fr-FR" sz="1200" dirty="0" smtClean="0">
+                <a:latin typeface="Seravek"/>
+                <a:cs typeface="Seravek"/>
+              </a:rPr>
+              <a:t>Primitive</a:t>
+            </a:r>
+            <a:endParaRPr lang="fr-FR" sz="1200" dirty="0">
+              <a:latin typeface="Seravek"/>
+              <a:cs typeface="Seravek"/>
+            </a:endParaRPr>
+          </a:p>
+        </p:txBody>
+      </p:sp>
+      <p:sp>
+        <p:nvSpPr>
+          <p:cNvPr id="90" name="Rectangle à coins arrondis 89"/>
+          <p:cNvSpPr/>
+          <p:nvPr/>
+        </p:nvSpPr>
+        <p:spPr>
+          <a:xfrm>
+            <a:off x="4633251" y="4560243"/>
+            <a:ext cx="1114380" cy="344292"/>
+          </a:xfrm>
+          <a:prstGeom prst="roundRect">
+            <a:avLst>
+              <a:gd name="adj" fmla="val 9821"/>
+            </a:avLst>
+          </a:prstGeom>
+          <a:solidFill>
+            <a:srgbClr val="FFFFFF"/>
+          </a:solidFill>
+          <a:ln w="3175" cmpd="sng">
+            <a:solidFill>
+              <a:srgbClr val="000000"/>
+            </a:solidFill>
+          </a:ln>
+          <a:effectLst/>
+        </p:spPr>
+        <p:style>
+          <a:lnRef idx="1">
+            <a:schemeClr val="accent1"/>
+          </a:lnRef>
+          <a:fillRef idx="3">
+            <a:schemeClr val="accent1"/>
+          </a:fillRef>
+          <a:effectRef idx="2">
+            <a:schemeClr val="accent1"/>
+          </a:effectRef>
+          <a:fontRef idx="minor">
+            <a:schemeClr val="lt1"/>
+          </a:fontRef>
+        </p:style>
+        <p:txBody>
+          <a:bodyPr rtlCol="0" anchor="ctr"/>
+          <a:lstStyle/>
+          <a:p>
+            <a:pPr algn="ctr"/>
+            <a:endParaRPr lang="fr-FR"/>
+          </a:p>
+        </p:txBody>
+      </p:sp>
+      <p:sp>
+        <p:nvSpPr>
+          <p:cNvPr id="91" name="ZoneTexte 90"/>
+          <p:cNvSpPr txBox="1"/>
+          <p:nvPr/>
+        </p:nvSpPr>
+        <p:spPr>
+          <a:xfrm>
+            <a:off x="4604922" y="4595516"/>
+            <a:ext cx="1309230" cy="276999"/>
+          </a:xfrm>
+          <a:prstGeom prst="rect">
+            <a:avLst/>
+          </a:prstGeom>
+          <a:noFill/>
+        </p:spPr>
+        <p:txBody>
+          <a:bodyPr wrap="square" rtlCol="0">
+            <a:spAutoFit/>
+          </a:bodyPr>
+          <a:lstStyle/>
+          <a:p>
+            <a:r>
+              <a:rPr lang="fr-FR" sz="1200" dirty="0" smtClean="0">
+                <a:latin typeface="Seravek"/>
+                <a:cs typeface="Seravek"/>
+              </a:rPr>
+              <a:t>eval(</a:t>
+            </a:r>
+            <a:r>
+              <a:rPr lang="fr-FR" sz="1200" dirty="0" smtClean="0">
+                <a:latin typeface="Seravek"/>
+                <a:cs typeface="Seravek"/>
+              </a:rPr>
+              <a:t>) : </a:t>
+            </a:r>
+            <a:r>
+              <a:rPr lang="fr-FR" sz="1200" b="1" dirty="0" err="1" smtClean="0">
+                <a:latin typeface="Seravek"/>
+                <a:cs typeface="Seravek"/>
+              </a:rPr>
+              <a:t>void</a:t>
+            </a:r>
+            <a:endParaRPr lang="fr-FR" sz="1200" b="1" dirty="0">
+              <a:latin typeface="Seravek"/>
+              <a:cs typeface="Seravek"/>
+            </a:endParaRPr>
+          </a:p>
+        </p:txBody>
+      </p:sp>
+      <p:sp>
+        <p:nvSpPr>
+          <p:cNvPr id="92" name="ZoneTexte 91"/>
+          <p:cNvSpPr txBox="1"/>
+          <p:nvPr/>
+        </p:nvSpPr>
+        <p:spPr>
+          <a:xfrm>
+            <a:off x="4492775" y="4306760"/>
+            <a:ext cx="1357162" cy="276999"/>
+          </a:xfrm>
+          <a:prstGeom prst="rect">
+            <a:avLst/>
+          </a:prstGeom>
+          <a:noFill/>
+        </p:spPr>
+        <p:txBody>
+          <a:bodyPr wrap="square" lIns="36000" rIns="36000" rtlCol="0">
+            <a:spAutoFit/>
+          </a:bodyPr>
+          <a:lstStyle/>
+          <a:p>
+            <a:pPr algn="ctr"/>
+            <a:r>
+              <a:rPr lang="fr-FR" sz="1100" b="1" dirty="0" smtClean="0">
+                <a:latin typeface="Seravek"/>
+                <a:cs typeface="Seravek"/>
+              </a:rPr>
+              <a:t>@Aspect</a:t>
+            </a:r>
+            <a:r>
+              <a:rPr lang="fr-FR" sz="1100" b="1" dirty="0" smtClean="0">
+                <a:latin typeface="Seravek"/>
+                <a:cs typeface="Seravek"/>
+              </a:rPr>
+              <a:t>(Primitive</a:t>
+            </a:r>
+            <a:r>
+              <a:rPr lang="fr-FR" sz="1200" b="1" dirty="0" smtClean="0">
+                <a:latin typeface="Seravek"/>
+                <a:cs typeface="Seravek"/>
+              </a:rPr>
+              <a:t>)</a:t>
+            </a:r>
+            <a:endParaRPr lang="fr-FR" sz="1200" b="1" dirty="0">
+              <a:latin typeface="Seravek"/>
+              <a:cs typeface="Seravek"/>
+            </a:endParaRPr>
+          </a:p>
+        </p:txBody>
+      </p:sp>
+      <p:sp>
+        <p:nvSpPr>
+          <p:cNvPr id="93" name="Rectangle à coins arrondis 92"/>
+          <p:cNvSpPr/>
+          <p:nvPr/>
+        </p:nvSpPr>
+        <p:spPr>
+          <a:xfrm>
+            <a:off x="3347010" y="3761622"/>
+            <a:ext cx="1114380" cy="344292"/>
+          </a:xfrm>
+          <a:prstGeom prst="roundRect">
+            <a:avLst>
+              <a:gd name="adj" fmla="val 9821"/>
+            </a:avLst>
+          </a:prstGeom>
+          <a:solidFill>
+            <a:srgbClr val="FFFFFF"/>
+          </a:solidFill>
+          <a:ln w="3175" cmpd="sng">
+            <a:solidFill>
+              <a:srgbClr val="000000"/>
+            </a:solidFill>
+          </a:ln>
+          <a:effectLst/>
+        </p:spPr>
+        <p:style>
+          <a:lnRef idx="1">
+            <a:schemeClr val="accent1"/>
+          </a:lnRef>
+          <a:fillRef idx="3">
+            <a:schemeClr val="accent1"/>
+          </a:fillRef>
+          <a:effectRef idx="2">
+            <a:schemeClr val="accent1"/>
+          </a:effectRef>
+          <a:fontRef idx="minor">
+            <a:schemeClr val="lt1"/>
+          </a:fontRef>
+        </p:style>
+        <p:txBody>
+          <a:bodyPr rtlCol="0" anchor="ctr"/>
+          <a:lstStyle/>
+          <a:p>
+            <a:pPr algn="ctr"/>
+            <a:endParaRPr lang="fr-FR"/>
+          </a:p>
+        </p:txBody>
+      </p:sp>
+      <p:sp>
+        <p:nvSpPr>
+          <p:cNvPr id="94" name="ZoneTexte 93"/>
+          <p:cNvSpPr txBox="1"/>
+          <p:nvPr/>
+        </p:nvSpPr>
+        <p:spPr>
+          <a:xfrm>
+            <a:off x="3318681" y="3796895"/>
+            <a:ext cx="1309230" cy="276999"/>
+          </a:xfrm>
+          <a:prstGeom prst="rect">
+            <a:avLst/>
+          </a:prstGeom>
+          <a:noFill/>
+        </p:spPr>
+        <p:txBody>
+          <a:bodyPr wrap="square" rtlCol="0">
+            <a:spAutoFit/>
+          </a:bodyPr>
+          <a:lstStyle/>
+          <a:p>
+            <a:r>
+              <a:rPr lang="fr-FR" sz="1200" dirty="0" err="1" smtClean="0">
+                <a:latin typeface="Seravek"/>
+                <a:cs typeface="Seravek"/>
+              </a:rPr>
+              <a:t>execute</a:t>
+            </a:r>
+            <a:r>
+              <a:rPr lang="fr-FR" sz="1200" dirty="0" smtClean="0">
+                <a:latin typeface="Seravek"/>
+                <a:cs typeface="Seravek"/>
+              </a:rPr>
+              <a:t>(</a:t>
+            </a:r>
+            <a:r>
+              <a:rPr lang="fr-FR" sz="1200" dirty="0" smtClean="0">
+                <a:latin typeface="Seravek"/>
+                <a:cs typeface="Seravek"/>
+              </a:rPr>
+              <a:t>) : </a:t>
+            </a:r>
+            <a:r>
+              <a:rPr lang="fr-FR" sz="1200" b="1" dirty="0" err="1" smtClean="0">
+                <a:latin typeface="Seravek"/>
+                <a:cs typeface="Seravek"/>
+              </a:rPr>
+              <a:t>void</a:t>
+            </a:r>
+            <a:endParaRPr lang="fr-FR" sz="1200" b="1" dirty="0">
+              <a:latin typeface="Seravek"/>
+              <a:cs typeface="Seravek"/>
+            </a:endParaRPr>
+          </a:p>
+        </p:txBody>
+      </p:sp>
+      <p:sp>
+        <p:nvSpPr>
+          <p:cNvPr id="95" name="ZoneTexte 94"/>
+          <p:cNvSpPr txBox="1"/>
+          <p:nvPr/>
+        </p:nvSpPr>
+        <p:spPr>
+          <a:xfrm>
+            <a:off x="3099505" y="3508139"/>
+            <a:ext cx="1574692" cy="276999"/>
+          </a:xfrm>
+          <a:prstGeom prst="rect">
+            <a:avLst/>
+          </a:prstGeom>
+          <a:noFill/>
+        </p:spPr>
+        <p:txBody>
+          <a:bodyPr wrap="square" lIns="36000" rIns="36000" rtlCol="0">
+            <a:spAutoFit/>
+          </a:bodyPr>
+          <a:lstStyle/>
+          <a:p>
+            <a:pPr algn="ctr"/>
+            <a:r>
+              <a:rPr lang="fr-FR" sz="1100" b="1" dirty="0" smtClean="0">
+                <a:latin typeface="Seravek"/>
+                <a:cs typeface="Seravek"/>
+              </a:rPr>
+              <a:t>@Aspect</a:t>
+            </a:r>
+            <a:r>
+              <a:rPr lang="fr-FR" sz="1100" b="1" dirty="0" smtClean="0">
+                <a:latin typeface="Seravek"/>
+                <a:cs typeface="Seravek"/>
+              </a:rPr>
+              <a:t>(</a:t>
+            </a:r>
+            <a:r>
+              <a:rPr lang="fr-FR" sz="1100" b="1" dirty="0" err="1" smtClean="0">
+                <a:latin typeface="Seravek"/>
+                <a:cs typeface="Seravek"/>
+              </a:rPr>
+              <a:t>LogoProgram</a:t>
+            </a:r>
+            <a:r>
+              <a:rPr lang="fr-FR" sz="1200" b="1" dirty="0" smtClean="0">
+                <a:latin typeface="Seravek"/>
+                <a:cs typeface="Seravek"/>
+              </a:rPr>
+              <a:t>)</a:t>
+            </a:r>
+            <a:endParaRPr lang="fr-FR" sz="1200" b="1" dirty="0">
+              <a:latin typeface="Seravek"/>
+              <a:cs typeface="Seravek"/>
+            </a:endParaRPr>
+          </a:p>
+        </p:txBody>
+      </p:sp>
+      <p:sp>
+        <p:nvSpPr>
+          <p:cNvPr id="96" name="Rectangle à coins arrondis 95"/>
+          <p:cNvSpPr/>
+          <p:nvPr/>
+        </p:nvSpPr>
+        <p:spPr>
+          <a:xfrm>
+            <a:off x="4621973" y="5256825"/>
+            <a:ext cx="1114380" cy="344292"/>
+          </a:xfrm>
+          <a:prstGeom prst="roundRect">
+            <a:avLst>
+              <a:gd name="adj" fmla="val 9821"/>
+            </a:avLst>
+          </a:prstGeom>
+          <a:pattFill prst="wdDnDiag">
+            <a:fgClr>
+              <a:schemeClr val="bg1">
+                <a:lumMod val="85000"/>
+              </a:schemeClr>
+            </a:fgClr>
+            <a:bgClr>
+              <a:prstClr val="white"/>
+            </a:bgClr>
+          </a:pattFill>
+          <a:ln w="3175" cmpd="sng">
+            <a:solidFill>
+              <a:srgbClr val="000000"/>
+            </a:solidFill>
+          </a:ln>
+          <a:effectLst/>
+        </p:spPr>
+        <p:style>
+          <a:lnRef idx="1">
+            <a:schemeClr val="accent1"/>
+          </a:lnRef>
+          <a:fillRef idx="3">
+            <a:schemeClr val="accent1"/>
+          </a:fillRef>
+          <a:effectRef idx="2">
+            <a:schemeClr val="accent1"/>
+          </a:effectRef>
+          <a:fontRef idx="minor">
+            <a:schemeClr val="lt1"/>
+          </a:fontRef>
+        </p:style>
+        <p:txBody>
+          <a:bodyPr rtlCol="0" anchor="ctr"/>
+          <a:lstStyle/>
+          <a:p>
+            <a:pPr algn="ctr"/>
+            <a:endParaRPr lang="fr-FR"/>
+          </a:p>
+        </p:txBody>
+      </p:sp>
+      <p:sp>
+        <p:nvSpPr>
+          <p:cNvPr id="97" name="ZoneTexte 96"/>
+          <p:cNvSpPr txBox="1"/>
+          <p:nvPr/>
+        </p:nvSpPr>
+        <p:spPr>
+          <a:xfrm>
+            <a:off x="4593644" y="5292098"/>
+            <a:ext cx="1309230" cy="276999"/>
+          </a:xfrm>
+          <a:prstGeom prst="rect">
+            <a:avLst/>
+          </a:prstGeom>
+          <a:noFill/>
+        </p:spPr>
+        <p:txBody>
+          <a:bodyPr wrap="square" rtlCol="0">
+            <a:spAutoFit/>
+          </a:bodyPr>
+          <a:lstStyle/>
+          <a:p>
+            <a:r>
+              <a:rPr lang="fr-FR" sz="1200" dirty="0">
+                <a:latin typeface="Seravek"/>
+                <a:cs typeface="Seravek"/>
+              </a:rPr>
+              <a:t>e</a:t>
+            </a:r>
+            <a:r>
+              <a:rPr lang="fr-FR" sz="1200" dirty="0" smtClean="0">
+                <a:latin typeface="Seravek"/>
+                <a:cs typeface="Seravek"/>
+              </a:rPr>
+              <a:t>val () : </a:t>
+            </a:r>
+            <a:r>
+              <a:rPr lang="fr-FR" sz="1200" b="1" dirty="0" err="1" smtClean="0">
+                <a:latin typeface="Seravek"/>
+                <a:cs typeface="Seravek"/>
+              </a:rPr>
+              <a:t>void</a:t>
+            </a:r>
+            <a:endParaRPr lang="fr-FR" sz="1200" b="1" dirty="0">
+              <a:latin typeface="Seravek"/>
+              <a:cs typeface="Seravek"/>
+            </a:endParaRPr>
+          </a:p>
+        </p:txBody>
+      </p:sp>
+      <p:sp>
+        <p:nvSpPr>
+          <p:cNvPr id="98" name="ZoneTexte 97"/>
+          <p:cNvSpPr txBox="1"/>
+          <p:nvPr/>
+        </p:nvSpPr>
+        <p:spPr>
+          <a:xfrm>
+            <a:off x="4476869" y="5003342"/>
+            <a:ext cx="1414246" cy="276999"/>
+          </a:xfrm>
+          <a:prstGeom prst="rect">
+            <a:avLst/>
+          </a:prstGeom>
+          <a:noFill/>
+        </p:spPr>
+        <p:txBody>
+          <a:bodyPr wrap="square" lIns="36000" rIns="36000" rtlCol="0">
+            <a:spAutoFit/>
+          </a:bodyPr>
+          <a:lstStyle/>
+          <a:p>
+            <a:pPr algn="ctr"/>
+            <a:r>
+              <a:rPr lang="fr-FR" sz="1100" b="1" dirty="0" smtClean="0">
+                <a:latin typeface="Seravek"/>
+                <a:cs typeface="Seravek"/>
+              </a:rPr>
+              <a:t>@Aspect(Expression</a:t>
+            </a:r>
+            <a:r>
+              <a:rPr lang="fr-FR" sz="1200" b="1" dirty="0" smtClean="0">
+                <a:latin typeface="Seravek"/>
+                <a:cs typeface="Seravek"/>
+              </a:rPr>
+              <a:t>)</a:t>
+            </a:r>
+            <a:endParaRPr lang="fr-FR" sz="1200" b="1" dirty="0">
+              <a:latin typeface="Seravek"/>
+              <a:cs typeface="Seravek"/>
+            </a:endParaRPr>
+          </a:p>
+        </p:txBody>
+      </p:sp>
+      <p:sp>
+        <p:nvSpPr>
+          <p:cNvPr id="104" name="Forme libre 103"/>
+          <p:cNvSpPr/>
+          <p:nvPr/>
+        </p:nvSpPr>
+        <p:spPr>
+          <a:xfrm>
+            <a:off x="4631379" y="2094349"/>
+            <a:ext cx="432114" cy="3177491"/>
+          </a:xfrm>
+          <a:custGeom>
+            <a:avLst/>
+            <a:gdLst>
+              <a:gd name="connsiteX0" fmla="*/ 577230 w 577230"/>
+              <a:gd name="connsiteY0" fmla="*/ 2222310 h 2222310"/>
+              <a:gd name="connsiteX1" fmla="*/ 1045 w 577230"/>
+              <a:gd name="connsiteY1" fmla="*/ 799561 h 2222310"/>
+              <a:gd name="connsiteX2" fmla="*/ 424364 w 577230"/>
+              <a:gd name="connsiteY2" fmla="*/ 0 h 2222310"/>
+              <a:gd name="connsiteX0" fmla="*/ 736833 w 736833"/>
+              <a:gd name="connsiteY0" fmla="*/ 2222310 h 2222310"/>
+              <a:gd name="connsiteX1" fmla="*/ 779 w 736833"/>
+              <a:gd name="connsiteY1" fmla="*/ 482088 h 2222310"/>
+              <a:gd name="connsiteX2" fmla="*/ 583967 w 736833"/>
+              <a:gd name="connsiteY2" fmla="*/ 0 h 2222310"/>
+              <a:gd name="connsiteX0" fmla="*/ 1029675 w 1029675"/>
+              <a:gd name="connsiteY0" fmla="*/ 2224922 h 2224922"/>
+              <a:gd name="connsiteX1" fmla="*/ 528 w 1029675"/>
+              <a:gd name="connsiteY1" fmla="*/ 320085 h 2224922"/>
+              <a:gd name="connsiteX2" fmla="*/ 876809 w 1029675"/>
+              <a:gd name="connsiteY2" fmla="*/ 2612 h 2224922"/>
+              <a:gd name="connsiteX0" fmla="*/ 976421 w 976421"/>
+              <a:gd name="connsiteY0" fmla="*/ 2242063 h 2242063"/>
+              <a:gd name="connsiteX1" fmla="*/ 564 w 976421"/>
+              <a:gd name="connsiteY1" fmla="*/ 266677 h 2242063"/>
+              <a:gd name="connsiteX2" fmla="*/ 823555 w 976421"/>
+              <a:gd name="connsiteY2" fmla="*/ 19753 h 2242063"/>
+              <a:gd name="connsiteX0" fmla="*/ 976421 w 976421"/>
+              <a:gd name="connsiteY0" fmla="*/ 2223671 h 2223671"/>
+              <a:gd name="connsiteX1" fmla="*/ 564 w 976421"/>
+              <a:gd name="connsiteY1" fmla="*/ 330592 h 2223671"/>
+              <a:gd name="connsiteX2" fmla="*/ 823555 w 976421"/>
+              <a:gd name="connsiteY2" fmla="*/ 1361 h 2223671"/>
+              <a:gd name="connsiteX0" fmla="*/ 979140 w 979140"/>
+              <a:gd name="connsiteY0" fmla="*/ 2422200 h 2422200"/>
+              <a:gd name="connsiteX1" fmla="*/ 3283 w 979140"/>
+              <a:gd name="connsiteY1" fmla="*/ 529121 h 2422200"/>
+              <a:gd name="connsiteX2" fmla="*/ 639760 w 979140"/>
+              <a:gd name="connsiteY2" fmla="*/ 0 h 2422200"/>
+            </a:gdLst>
+            <a:ahLst/>
+            <a:cxnLst>
+              <a:cxn ang="0">
+                <a:pos x="connsiteX0" y="connsiteY0"/>
+              </a:cxn>
+              <a:cxn ang="0">
+                <a:pos x="connsiteX1" y="connsiteY1"/>
+              </a:cxn>
+              <a:cxn ang="0">
+                <a:pos x="connsiteX2" y="connsiteY2"/>
+              </a:cxn>
+            </a:cxnLst>
+            <a:rect l="l" t="t" r="r" b="b"/>
+            <a:pathLst>
+              <a:path w="979140" h="2422200">
+                <a:moveTo>
+                  <a:pt x="979140" y="2422200"/>
+                </a:moveTo>
+                <a:cubicBezTo>
+                  <a:pt x="703786" y="1896018"/>
+                  <a:pt x="59846" y="932821"/>
+                  <a:pt x="3283" y="529121"/>
+                </a:cubicBezTo>
+                <a:cubicBezTo>
+                  <a:pt x="-53280" y="125421"/>
+                  <a:pt x="639760" y="0"/>
+                  <a:pt x="639760" y="0"/>
+                </a:cubicBezTo>
+              </a:path>
+            </a:pathLst>
+          </a:custGeom>
+          <a:ln w="3175" cmpd="sng">
+            <a:solidFill>
+              <a:schemeClr val="bg1">
+                <a:lumMod val="50000"/>
+                <a:alpha val="50000"/>
+              </a:schemeClr>
+            </a:solidFill>
+            <a:headEnd type="none"/>
+            <a:tailEnd type="arrow" w="lg" len="lg"/>
+          </a:ln>
+        </p:spPr>
+        <p:style>
+          <a:lnRef idx="2">
+            <a:schemeClr val="accent1"/>
+          </a:lnRef>
+          <a:fillRef idx="0">
+            <a:schemeClr val="accent1"/>
+          </a:fillRef>
+          <a:effectRef idx="1">
+            <a:schemeClr val="accent1"/>
+          </a:effectRef>
+          <a:fontRef idx="minor">
+            <a:schemeClr val="tx1"/>
+          </a:fontRef>
+        </p:style>
+        <p:txBody>
+          <a:bodyPr rtlCol="0" anchor="ctr"/>
+          <a:lstStyle/>
+          <a:p>
+            <a:pPr algn="ctr"/>
+            <a:endParaRPr lang="fr-FR"/>
+          </a:p>
+        </p:txBody>
+      </p:sp>
+      <p:sp>
+        <p:nvSpPr>
+          <p:cNvPr id="105" name="Forme libre 104"/>
+          <p:cNvSpPr/>
+          <p:nvPr/>
+        </p:nvSpPr>
+        <p:spPr>
+          <a:xfrm flipH="1">
+            <a:off x="4124448" y="1325200"/>
+            <a:ext cx="341478" cy="2424664"/>
+          </a:xfrm>
+          <a:custGeom>
+            <a:avLst/>
+            <a:gdLst>
+              <a:gd name="connsiteX0" fmla="*/ 577230 w 577230"/>
+              <a:gd name="connsiteY0" fmla="*/ 2222310 h 2222310"/>
+              <a:gd name="connsiteX1" fmla="*/ 1045 w 577230"/>
+              <a:gd name="connsiteY1" fmla="*/ 799561 h 2222310"/>
+              <a:gd name="connsiteX2" fmla="*/ 424364 w 577230"/>
+              <a:gd name="connsiteY2" fmla="*/ 0 h 2222310"/>
+              <a:gd name="connsiteX0" fmla="*/ 597802 w 597802"/>
+              <a:gd name="connsiteY0" fmla="*/ 2222310 h 2222310"/>
+              <a:gd name="connsiteX1" fmla="*/ 1001 w 597802"/>
+              <a:gd name="connsiteY1" fmla="*/ 493846 h 2222310"/>
+              <a:gd name="connsiteX2" fmla="*/ 444936 w 597802"/>
+              <a:gd name="connsiteY2" fmla="*/ 0 h 2222310"/>
+              <a:gd name="connsiteX0" fmla="*/ 597802 w 597802"/>
+              <a:gd name="connsiteY0" fmla="*/ 2222310 h 2222310"/>
+              <a:gd name="connsiteX1" fmla="*/ 1001 w 597802"/>
+              <a:gd name="connsiteY1" fmla="*/ 952418 h 2222310"/>
+              <a:gd name="connsiteX2" fmla="*/ 444936 w 597802"/>
+              <a:gd name="connsiteY2" fmla="*/ 0 h 2222310"/>
+            </a:gdLst>
+            <a:ahLst/>
+            <a:cxnLst>
+              <a:cxn ang="0">
+                <a:pos x="connsiteX0" y="connsiteY0"/>
+              </a:cxn>
+              <a:cxn ang="0">
+                <a:pos x="connsiteX1" y="connsiteY1"/>
+              </a:cxn>
+              <a:cxn ang="0">
+                <a:pos x="connsiteX2" y="connsiteY2"/>
+              </a:cxn>
+            </a:cxnLst>
+            <a:rect l="l" t="t" r="r" b="b"/>
+            <a:pathLst>
+              <a:path w="597802" h="2222310">
+                <a:moveTo>
+                  <a:pt x="597802" y="2222310"/>
+                </a:moveTo>
+                <a:cubicBezTo>
+                  <a:pt x="322448" y="1696128"/>
+                  <a:pt x="26479" y="1322803"/>
+                  <a:pt x="1001" y="952418"/>
+                </a:cubicBezTo>
+                <a:cubicBezTo>
+                  <a:pt x="-24477" y="582033"/>
+                  <a:pt x="444936" y="0"/>
+                  <a:pt x="444936" y="0"/>
+                </a:cubicBezTo>
+              </a:path>
+            </a:pathLst>
+          </a:custGeom>
+          <a:ln w="3175" cmpd="sng">
+            <a:solidFill>
+              <a:schemeClr val="bg1">
+                <a:lumMod val="50000"/>
+                <a:alpha val="50000"/>
+              </a:schemeClr>
+            </a:solidFill>
+            <a:headEnd type="none"/>
+            <a:tailEnd type="arrow" w="lg" len="lg"/>
+          </a:ln>
+        </p:spPr>
+        <p:style>
+          <a:lnRef idx="2">
+            <a:schemeClr val="accent1"/>
+          </a:lnRef>
+          <a:fillRef idx="0">
+            <a:schemeClr val="accent1"/>
+          </a:fillRef>
+          <a:effectRef idx="1">
+            <a:schemeClr val="accent1"/>
+          </a:effectRef>
+          <a:fontRef idx="minor">
+            <a:schemeClr val="tx1"/>
+          </a:fontRef>
+        </p:style>
+        <p:txBody>
+          <a:bodyPr rtlCol="0" anchor="ctr"/>
+          <a:lstStyle/>
+          <a:p>
+            <a:pPr algn="ctr"/>
+            <a:endParaRPr lang="fr-FR"/>
+          </a:p>
+        </p:txBody>
+      </p:sp>
+      <p:sp>
+        <p:nvSpPr>
+          <p:cNvPr id="107" name="ZoneTexte 106"/>
+          <p:cNvSpPr txBox="1"/>
+          <p:nvPr/>
+        </p:nvSpPr>
+        <p:spPr>
+          <a:xfrm>
+            <a:off x="4102573" y="3197528"/>
+            <a:ext cx="742060" cy="184666"/>
+          </a:xfrm>
+          <a:prstGeom prst="rect">
+            <a:avLst/>
+          </a:prstGeom>
+          <a:solidFill>
+            <a:srgbClr val="FFFFFF"/>
+          </a:solidFill>
+        </p:spPr>
+        <p:txBody>
+          <a:bodyPr wrap="square" lIns="0" tIns="0" rIns="0" bIns="0" rtlCol="0">
+            <a:spAutoFit/>
+          </a:bodyPr>
+          <a:lstStyle/>
+          <a:p>
+            <a:pPr algn="ctr"/>
+            <a:r>
+              <a:rPr lang="fr-FR" sz="1200" b="1" dirty="0" smtClean="0">
+                <a:solidFill>
+                  <a:schemeClr val="bg1">
+                    <a:lumMod val="50000"/>
+                  </a:schemeClr>
+                </a:solidFill>
+              </a:rPr>
+              <a:t>WEAVING</a:t>
+            </a:r>
+            <a:endParaRPr lang="fr-FR" sz="1200" b="1" dirty="0">
+              <a:solidFill>
+                <a:schemeClr val="bg1">
+                  <a:lumMod val="50000"/>
+                </a:schemeClr>
+              </a:solidFill>
+            </a:endParaRPr>
+          </a:p>
+        </p:txBody>
+      </p:sp>
+      <p:sp>
+        <p:nvSpPr>
+          <p:cNvPr id="108" name="Rectangle 107"/>
+          <p:cNvSpPr/>
+          <p:nvPr/>
+        </p:nvSpPr>
+        <p:spPr>
+          <a:xfrm>
+            <a:off x="6107830" y="669204"/>
+            <a:ext cx="1113565" cy="405419"/>
+          </a:xfrm>
+          <a:prstGeom prst="rect">
+            <a:avLst/>
+          </a:prstGeom>
+          <a:solidFill>
+            <a:schemeClr val="bg1"/>
+          </a:solidFill>
+          <a:ln w="3175" cmpd="sng">
+            <a:solidFill>
+              <a:schemeClr val="tx1"/>
+            </a:solidFill>
+          </a:ln>
+          <a:effectLst/>
+        </p:spPr>
+        <p:style>
+          <a:lnRef idx="1">
+            <a:schemeClr val="accent1"/>
+          </a:lnRef>
+          <a:fillRef idx="3">
+            <a:schemeClr val="accent1"/>
+          </a:fillRef>
+          <a:effectRef idx="2">
+            <a:schemeClr val="accent1"/>
+          </a:effectRef>
+          <a:fontRef idx="minor">
+            <a:schemeClr val="lt1"/>
+          </a:fontRef>
+        </p:style>
+        <p:txBody>
+          <a:bodyPr rtlCol="0" anchor="ctr"/>
+          <a:lstStyle/>
+          <a:p>
+            <a:pPr algn="ctr"/>
+            <a:endParaRPr lang="fr-FR"/>
+          </a:p>
+        </p:txBody>
+      </p:sp>
+      <p:cxnSp>
+        <p:nvCxnSpPr>
+          <p:cNvPr id="109" name="Connecteur droit 108"/>
+          <p:cNvCxnSpPr/>
+          <p:nvPr/>
+        </p:nvCxnSpPr>
+        <p:spPr>
+          <a:xfrm>
+            <a:off x="6107830" y="939806"/>
+            <a:ext cx="1113565" cy="0"/>
+          </a:xfrm>
+          <a:prstGeom prst="line">
+            <a:avLst/>
+          </a:prstGeom>
+          <a:ln w="3175" cmpd="sng">
+            <a:solidFill>
+              <a:srgbClr val="000000"/>
+            </a:solidFill>
+          </a:ln>
+          <a:effectLst/>
+        </p:spPr>
+        <p:style>
+          <a:lnRef idx="2">
+            <a:schemeClr val="accent1"/>
+          </a:lnRef>
+          <a:fillRef idx="0">
+            <a:schemeClr val="accent1"/>
+          </a:fillRef>
+          <a:effectRef idx="1">
+            <a:schemeClr val="accent1"/>
+          </a:effectRef>
+          <a:fontRef idx="minor">
+            <a:schemeClr val="tx1"/>
+          </a:fontRef>
+        </p:style>
+      </p:cxnSp>
+      <p:sp>
+        <p:nvSpPr>
+          <p:cNvPr id="110" name="ZoneTexte 109"/>
+          <p:cNvSpPr txBox="1"/>
+          <p:nvPr/>
+        </p:nvSpPr>
+        <p:spPr>
+          <a:xfrm>
+            <a:off x="6107830" y="669204"/>
+            <a:ext cx="1113565" cy="276999"/>
+          </a:xfrm>
+          <a:prstGeom prst="rect">
+            <a:avLst/>
+          </a:prstGeom>
+          <a:noFill/>
+        </p:spPr>
+        <p:txBody>
+          <a:bodyPr wrap="square" rtlCol="0">
+            <a:spAutoFit/>
+          </a:bodyPr>
+          <a:lstStyle/>
+          <a:p>
+            <a:pPr algn="ctr"/>
+            <a:r>
+              <a:rPr lang="fr-FR" sz="1200" dirty="0" err="1" smtClean="0">
+                <a:latin typeface="Seravek"/>
+                <a:cs typeface="Seravek"/>
+              </a:rPr>
+              <a:t>Flowchart</a:t>
+            </a:r>
+            <a:endParaRPr lang="fr-FR" sz="1200" dirty="0">
+              <a:latin typeface="Seravek"/>
+              <a:cs typeface="Seravek"/>
+            </a:endParaRPr>
+          </a:p>
+        </p:txBody>
+      </p:sp>
+      <p:sp>
+        <p:nvSpPr>
+          <p:cNvPr id="111" name="Rectangle 110"/>
+          <p:cNvSpPr/>
+          <p:nvPr/>
+        </p:nvSpPr>
+        <p:spPr>
+          <a:xfrm>
+            <a:off x="6151455" y="1835505"/>
+            <a:ext cx="1113565" cy="405419"/>
+          </a:xfrm>
+          <a:prstGeom prst="rect">
+            <a:avLst/>
+          </a:prstGeom>
+          <a:solidFill>
+            <a:schemeClr val="bg1"/>
+          </a:solidFill>
+          <a:ln w="3175" cmpd="sng">
+            <a:solidFill>
+              <a:schemeClr val="tx1"/>
+            </a:solidFill>
+          </a:ln>
+          <a:effectLst/>
+        </p:spPr>
+        <p:style>
+          <a:lnRef idx="1">
+            <a:schemeClr val="accent1"/>
+          </a:lnRef>
+          <a:fillRef idx="3">
+            <a:schemeClr val="accent1"/>
+          </a:fillRef>
+          <a:effectRef idx="2">
+            <a:schemeClr val="accent1"/>
+          </a:effectRef>
+          <a:fontRef idx="minor">
+            <a:schemeClr val="lt1"/>
+          </a:fontRef>
+        </p:style>
+        <p:txBody>
+          <a:bodyPr rtlCol="0" anchor="ctr"/>
+          <a:lstStyle/>
+          <a:p>
+            <a:pPr algn="ctr"/>
+            <a:endParaRPr lang="fr-FR"/>
+          </a:p>
+        </p:txBody>
+      </p:sp>
+      <p:cxnSp>
+        <p:nvCxnSpPr>
+          <p:cNvPr id="112" name="Connecteur droit 111"/>
+          <p:cNvCxnSpPr/>
+          <p:nvPr/>
+        </p:nvCxnSpPr>
+        <p:spPr>
+          <a:xfrm>
+            <a:off x="6151455" y="2094349"/>
+            <a:ext cx="1113565" cy="0"/>
+          </a:xfrm>
+          <a:prstGeom prst="line">
+            <a:avLst/>
+          </a:prstGeom>
+          <a:ln w="3175" cmpd="sng">
+            <a:solidFill>
+              <a:srgbClr val="000000"/>
+            </a:solidFill>
+          </a:ln>
+          <a:effectLst/>
+        </p:spPr>
+        <p:style>
+          <a:lnRef idx="2">
+            <a:schemeClr val="accent1"/>
+          </a:lnRef>
+          <a:fillRef idx="0">
+            <a:schemeClr val="accent1"/>
+          </a:fillRef>
+          <a:effectRef idx="1">
+            <a:schemeClr val="accent1"/>
+          </a:effectRef>
+          <a:fontRef idx="minor">
+            <a:schemeClr val="tx1"/>
+          </a:fontRef>
+        </p:style>
+      </p:cxnSp>
+      <p:sp>
+        <p:nvSpPr>
+          <p:cNvPr id="113" name="ZoneTexte 112"/>
+          <p:cNvSpPr txBox="1"/>
+          <p:nvPr/>
+        </p:nvSpPr>
+        <p:spPr>
+          <a:xfrm>
+            <a:off x="6151455" y="1835505"/>
+            <a:ext cx="1113565" cy="276999"/>
+          </a:xfrm>
+          <a:prstGeom prst="rect">
+            <a:avLst/>
+          </a:prstGeom>
+          <a:noFill/>
+        </p:spPr>
+        <p:txBody>
+          <a:bodyPr wrap="square" rtlCol="0">
+            <a:spAutoFit/>
+          </a:bodyPr>
+          <a:lstStyle/>
+          <a:p>
+            <a:pPr algn="ctr"/>
+            <a:r>
+              <a:rPr lang="fr-FR" sz="1200" dirty="0" smtClean="0">
+                <a:latin typeface="Seravek"/>
+                <a:cs typeface="Seravek"/>
+              </a:rPr>
+              <a:t>Action</a:t>
+            </a:r>
+            <a:endParaRPr lang="fr-FR" sz="1200" dirty="0">
+              <a:latin typeface="Seravek"/>
+              <a:cs typeface="Seravek"/>
+            </a:endParaRPr>
+          </a:p>
+        </p:txBody>
+      </p:sp>
+      <p:sp>
+        <p:nvSpPr>
+          <p:cNvPr id="114" name="Rectangle 113"/>
+          <p:cNvSpPr/>
+          <p:nvPr/>
+        </p:nvSpPr>
+        <p:spPr>
+          <a:xfrm>
+            <a:off x="6151924" y="2523314"/>
+            <a:ext cx="1113565" cy="405419"/>
+          </a:xfrm>
+          <a:prstGeom prst="rect">
+            <a:avLst/>
+          </a:prstGeom>
+          <a:pattFill prst="wdDnDiag">
+            <a:fgClr>
+              <a:schemeClr val="bg1">
+                <a:lumMod val="85000"/>
+              </a:schemeClr>
+            </a:fgClr>
+            <a:bgClr>
+              <a:prstClr val="white"/>
+            </a:bgClr>
+          </a:pattFill>
+          <a:ln w="3175" cmpd="sng">
+            <a:solidFill>
+              <a:schemeClr val="tx1"/>
+            </a:solidFill>
+          </a:ln>
+          <a:effectLst/>
+        </p:spPr>
+        <p:style>
+          <a:lnRef idx="1">
+            <a:schemeClr val="accent1"/>
+          </a:lnRef>
+          <a:fillRef idx="3">
+            <a:schemeClr val="accent1"/>
+          </a:fillRef>
+          <a:effectRef idx="2">
+            <a:schemeClr val="accent1"/>
+          </a:effectRef>
+          <a:fontRef idx="minor">
+            <a:schemeClr val="lt1"/>
+          </a:fontRef>
+        </p:style>
+        <p:txBody>
+          <a:bodyPr rtlCol="0" anchor="ctr"/>
+          <a:lstStyle/>
+          <a:p>
+            <a:pPr algn="ctr"/>
+            <a:endParaRPr lang="fr-FR"/>
+          </a:p>
+        </p:txBody>
+      </p:sp>
+      <p:cxnSp>
+        <p:nvCxnSpPr>
+          <p:cNvPr id="115" name="Connecteur droit 114"/>
+          <p:cNvCxnSpPr/>
+          <p:nvPr/>
+        </p:nvCxnSpPr>
+        <p:spPr>
+          <a:xfrm>
+            <a:off x="6151924" y="2782158"/>
+            <a:ext cx="1113565" cy="0"/>
+          </a:xfrm>
+          <a:prstGeom prst="line">
+            <a:avLst/>
+          </a:prstGeom>
+          <a:ln w="3175" cmpd="sng">
+            <a:solidFill>
+              <a:srgbClr val="000000"/>
+            </a:solidFill>
+          </a:ln>
+          <a:effectLst/>
+        </p:spPr>
+        <p:style>
+          <a:lnRef idx="2">
+            <a:schemeClr val="accent1"/>
+          </a:lnRef>
+          <a:fillRef idx="0">
+            <a:schemeClr val="accent1"/>
+          </a:fillRef>
+          <a:effectRef idx="1">
+            <a:schemeClr val="accent1"/>
+          </a:effectRef>
+          <a:fontRef idx="minor">
+            <a:schemeClr val="tx1"/>
+          </a:fontRef>
+        </p:style>
+      </p:cxnSp>
+      <p:sp>
+        <p:nvSpPr>
+          <p:cNvPr id="116" name="ZoneTexte 115"/>
+          <p:cNvSpPr txBox="1"/>
+          <p:nvPr/>
+        </p:nvSpPr>
+        <p:spPr>
+          <a:xfrm>
+            <a:off x="6151924" y="2523314"/>
+            <a:ext cx="1113565" cy="276999"/>
+          </a:xfrm>
+          <a:prstGeom prst="rect">
+            <a:avLst/>
+          </a:prstGeom>
+          <a:noFill/>
+        </p:spPr>
+        <p:txBody>
+          <a:bodyPr wrap="square" rtlCol="0">
+            <a:spAutoFit/>
+          </a:bodyPr>
+          <a:lstStyle/>
+          <a:p>
+            <a:pPr algn="ctr"/>
+            <a:r>
+              <a:rPr lang="fr-FR" sz="1200" dirty="0" smtClean="0">
+                <a:latin typeface="Seravek"/>
+                <a:cs typeface="Seravek"/>
+              </a:rPr>
+              <a:t>Expression</a:t>
+            </a:r>
+            <a:endParaRPr lang="fr-FR" sz="1200" dirty="0">
+              <a:latin typeface="Seravek"/>
+              <a:cs typeface="Seravek"/>
+            </a:endParaRPr>
+          </a:p>
+        </p:txBody>
+      </p:sp>
+      <p:sp>
+        <p:nvSpPr>
+          <p:cNvPr id="117" name="Rectangle 116"/>
+          <p:cNvSpPr/>
+          <p:nvPr/>
+        </p:nvSpPr>
+        <p:spPr>
+          <a:xfrm>
+            <a:off x="6813142" y="1147428"/>
+            <a:ext cx="1113565" cy="405419"/>
+          </a:xfrm>
+          <a:prstGeom prst="rect">
+            <a:avLst/>
+          </a:prstGeom>
+          <a:solidFill>
+            <a:schemeClr val="bg1"/>
+          </a:solidFill>
+          <a:ln w="3175" cmpd="sng">
+            <a:solidFill>
+              <a:schemeClr val="tx1"/>
+            </a:solidFill>
+          </a:ln>
+          <a:effectLst/>
+        </p:spPr>
+        <p:style>
+          <a:lnRef idx="1">
+            <a:schemeClr val="accent1"/>
+          </a:lnRef>
+          <a:fillRef idx="3">
+            <a:schemeClr val="accent1"/>
+          </a:fillRef>
+          <a:effectRef idx="2">
+            <a:schemeClr val="accent1"/>
+          </a:effectRef>
+          <a:fontRef idx="minor">
+            <a:schemeClr val="lt1"/>
+          </a:fontRef>
+        </p:style>
+        <p:txBody>
+          <a:bodyPr rtlCol="0" anchor="ctr"/>
+          <a:lstStyle/>
+          <a:p>
+            <a:pPr algn="ctr"/>
+            <a:endParaRPr lang="fr-FR"/>
+          </a:p>
+        </p:txBody>
+      </p:sp>
+      <p:cxnSp>
+        <p:nvCxnSpPr>
+          <p:cNvPr id="118" name="Connecteur droit 117"/>
+          <p:cNvCxnSpPr/>
+          <p:nvPr/>
+        </p:nvCxnSpPr>
+        <p:spPr>
+          <a:xfrm>
+            <a:off x="6813142" y="1406272"/>
+            <a:ext cx="1113565" cy="0"/>
+          </a:xfrm>
+          <a:prstGeom prst="line">
+            <a:avLst/>
+          </a:prstGeom>
+          <a:ln w="3175" cmpd="sng">
+            <a:solidFill>
+              <a:srgbClr val="000000"/>
+            </a:solidFill>
+          </a:ln>
+          <a:effectLst/>
+        </p:spPr>
+        <p:style>
+          <a:lnRef idx="2">
+            <a:schemeClr val="accent1"/>
+          </a:lnRef>
+          <a:fillRef idx="0">
+            <a:schemeClr val="accent1"/>
+          </a:fillRef>
+          <a:effectRef idx="1">
+            <a:schemeClr val="accent1"/>
+          </a:effectRef>
+          <a:fontRef idx="minor">
+            <a:schemeClr val="tx1"/>
+          </a:fontRef>
+        </p:style>
+      </p:cxnSp>
+      <p:sp>
+        <p:nvSpPr>
+          <p:cNvPr id="119" name="ZoneTexte 118"/>
+          <p:cNvSpPr txBox="1"/>
+          <p:nvPr/>
+        </p:nvSpPr>
+        <p:spPr>
+          <a:xfrm>
+            <a:off x="6813142" y="1147428"/>
+            <a:ext cx="1113565" cy="276999"/>
+          </a:xfrm>
+          <a:prstGeom prst="rect">
+            <a:avLst/>
+          </a:prstGeom>
+          <a:noFill/>
+        </p:spPr>
+        <p:txBody>
+          <a:bodyPr wrap="square" rtlCol="0">
+            <a:spAutoFit/>
+          </a:bodyPr>
+          <a:lstStyle/>
+          <a:p>
+            <a:pPr algn="ctr"/>
+            <a:r>
+              <a:rPr lang="fr-FR" sz="1200" i="1" dirty="0" err="1" smtClean="0">
+                <a:latin typeface="Seravek"/>
+                <a:cs typeface="Seravek"/>
+              </a:rPr>
+              <a:t>Node</a:t>
+            </a:r>
+            <a:endParaRPr lang="fr-FR" sz="1200" i="1" dirty="0">
+              <a:latin typeface="Seravek"/>
+              <a:cs typeface="Seravek"/>
+            </a:endParaRPr>
+          </a:p>
+        </p:txBody>
+      </p:sp>
+      <p:sp>
+        <p:nvSpPr>
+          <p:cNvPr id="120" name="Rectangle 119"/>
+          <p:cNvSpPr/>
+          <p:nvPr/>
+        </p:nvSpPr>
+        <p:spPr>
+          <a:xfrm>
+            <a:off x="7491509" y="2515812"/>
+            <a:ext cx="1113565" cy="405419"/>
+          </a:xfrm>
+          <a:prstGeom prst="rect">
+            <a:avLst/>
+          </a:prstGeom>
+          <a:pattFill prst="pct10">
+            <a:fgClr>
+              <a:schemeClr val="bg1">
+                <a:lumMod val="65000"/>
+              </a:schemeClr>
+            </a:fgClr>
+            <a:bgClr>
+              <a:prstClr val="white"/>
+            </a:bgClr>
+          </a:pattFill>
+          <a:ln w="3175" cmpd="sng">
+            <a:solidFill>
+              <a:schemeClr val="tx1"/>
+            </a:solidFill>
+          </a:ln>
+          <a:effectLst/>
+        </p:spPr>
+        <p:style>
+          <a:lnRef idx="1">
+            <a:schemeClr val="accent1"/>
+          </a:lnRef>
+          <a:fillRef idx="3">
+            <a:schemeClr val="accent1"/>
+          </a:fillRef>
+          <a:effectRef idx="2">
+            <a:schemeClr val="accent1"/>
+          </a:effectRef>
+          <a:fontRef idx="minor">
+            <a:schemeClr val="lt1"/>
+          </a:fontRef>
+        </p:style>
+        <p:txBody>
+          <a:bodyPr rtlCol="0" anchor="ctr"/>
+          <a:lstStyle/>
+          <a:p>
+            <a:pPr algn="ctr"/>
+            <a:endParaRPr lang="fr-FR"/>
+          </a:p>
+        </p:txBody>
+      </p:sp>
+      <p:cxnSp>
+        <p:nvCxnSpPr>
+          <p:cNvPr id="121" name="Connecteur droit 120"/>
+          <p:cNvCxnSpPr/>
+          <p:nvPr/>
+        </p:nvCxnSpPr>
+        <p:spPr>
+          <a:xfrm>
+            <a:off x="7491509" y="2774656"/>
+            <a:ext cx="1113565" cy="0"/>
+          </a:xfrm>
+          <a:prstGeom prst="line">
+            <a:avLst/>
+          </a:prstGeom>
+          <a:ln w="3175" cmpd="sng">
+            <a:solidFill>
+              <a:srgbClr val="000000"/>
+            </a:solidFill>
+          </a:ln>
+          <a:effectLst/>
+        </p:spPr>
+        <p:style>
+          <a:lnRef idx="2">
+            <a:schemeClr val="accent1"/>
+          </a:lnRef>
+          <a:fillRef idx="0">
+            <a:schemeClr val="accent1"/>
+          </a:fillRef>
+          <a:effectRef idx="1">
+            <a:schemeClr val="accent1"/>
+          </a:effectRef>
+          <a:fontRef idx="minor">
+            <a:schemeClr val="tx1"/>
+          </a:fontRef>
+        </p:style>
+      </p:cxnSp>
+      <p:sp>
+        <p:nvSpPr>
+          <p:cNvPr id="122" name="ZoneTexte 121"/>
+          <p:cNvSpPr txBox="1"/>
+          <p:nvPr/>
+        </p:nvSpPr>
+        <p:spPr>
+          <a:xfrm>
+            <a:off x="7491509" y="2515812"/>
+            <a:ext cx="1113565" cy="276999"/>
+          </a:xfrm>
+          <a:prstGeom prst="rect">
+            <a:avLst/>
+          </a:prstGeom>
+          <a:noFill/>
+        </p:spPr>
+        <p:txBody>
+          <a:bodyPr wrap="square" rtlCol="0">
+            <a:spAutoFit/>
+          </a:bodyPr>
+          <a:lstStyle/>
+          <a:p>
+            <a:pPr algn="ctr"/>
+            <a:r>
+              <a:rPr lang="fr-FR" sz="1200" dirty="0" err="1" smtClean="0">
+                <a:latin typeface="Seravek"/>
+                <a:cs typeface="Seravek"/>
+              </a:rPr>
+              <a:t>Constraint</a:t>
+            </a:r>
+            <a:endParaRPr lang="fr-FR" sz="1200" dirty="0">
+              <a:latin typeface="Seravek"/>
+              <a:cs typeface="Seravek"/>
+            </a:endParaRPr>
+          </a:p>
+        </p:txBody>
+      </p:sp>
+      <p:sp>
+        <p:nvSpPr>
+          <p:cNvPr id="126" name="Rectangle à coins arrondis 125"/>
+          <p:cNvSpPr/>
+          <p:nvPr/>
+        </p:nvSpPr>
+        <p:spPr>
+          <a:xfrm>
+            <a:off x="6096159" y="4598470"/>
+            <a:ext cx="1114380" cy="344292"/>
+          </a:xfrm>
+          <a:prstGeom prst="roundRect">
+            <a:avLst>
+              <a:gd name="adj" fmla="val 9821"/>
+            </a:avLst>
+          </a:prstGeom>
+          <a:solidFill>
+            <a:srgbClr val="FFFFFF"/>
+          </a:solidFill>
+          <a:ln w="3175" cmpd="sng">
+            <a:solidFill>
+              <a:srgbClr val="000000"/>
+            </a:solidFill>
+          </a:ln>
+          <a:effectLst/>
+        </p:spPr>
+        <p:style>
+          <a:lnRef idx="1">
+            <a:schemeClr val="accent1"/>
+          </a:lnRef>
+          <a:fillRef idx="3">
+            <a:schemeClr val="accent1"/>
+          </a:fillRef>
+          <a:effectRef idx="2">
+            <a:schemeClr val="accent1"/>
+          </a:effectRef>
+          <a:fontRef idx="minor">
+            <a:schemeClr val="lt1"/>
+          </a:fontRef>
+        </p:style>
+        <p:txBody>
+          <a:bodyPr rtlCol="0" anchor="ctr"/>
+          <a:lstStyle/>
+          <a:p>
+            <a:pPr algn="ctr"/>
+            <a:endParaRPr lang="fr-FR"/>
+          </a:p>
+        </p:txBody>
+      </p:sp>
+      <p:sp>
+        <p:nvSpPr>
+          <p:cNvPr id="127" name="ZoneTexte 126"/>
+          <p:cNvSpPr txBox="1"/>
+          <p:nvPr/>
+        </p:nvSpPr>
+        <p:spPr>
+          <a:xfrm>
+            <a:off x="6067830" y="4633743"/>
+            <a:ext cx="1309230" cy="276999"/>
+          </a:xfrm>
+          <a:prstGeom prst="rect">
+            <a:avLst/>
+          </a:prstGeom>
+          <a:noFill/>
+        </p:spPr>
+        <p:txBody>
+          <a:bodyPr wrap="square" rtlCol="0">
+            <a:spAutoFit/>
+          </a:bodyPr>
+          <a:lstStyle/>
+          <a:p>
+            <a:r>
+              <a:rPr lang="fr-FR" sz="1200" dirty="0" smtClean="0">
+                <a:latin typeface="Seravek"/>
+                <a:cs typeface="Seravek"/>
+              </a:rPr>
+              <a:t>do() : </a:t>
+            </a:r>
+            <a:r>
+              <a:rPr lang="fr-FR" sz="1200" b="1" dirty="0" err="1" smtClean="0">
+                <a:latin typeface="Seravek"/>
+                <a:cs typeface="Seravek"/>
+              </a:rPr>
+              <a:t>void</a:t>
+            </a:r>
+            <a:endParaRPr lang="fr-FR" sz="1200" b="1" dirty="0">
+              <a:latin typeface="Seravek"/>
+              <a:cs typeface="Seravek"/>
+            </a:endParaRPr>
+          </a:p>
+        </p:txBody>
+      </p:sp>
+      <p:sp>
+        <p:nvSpPr>
+          <p:cNvPr id="128" name="ZoneTexte 127"/>
+          <p:cNvSpPr txBox="1"/>
+          <p:nvPr/>
+        </p:nvSpPr>
+        <p:spPr>
+          <a:xfrm>
+            <a:off x="6060788" y="4344987"/>
+            <a:ext cx="1190642" cy="276999"/>
+          </a:xfrm>
+          <a:prstGeom prst="rect">
+            <a:avLst/>
+          </a:prstGeom>
+          <a:noFill/>
+        </p:spPr>
+        <p:txBody>
+          <a:bodyPr wrap="square" lIns="36000" rIns="36000" rtlCol="0">
+            <a:spAutoFit/>
+          </a:bodyPr>
+          <a:lstStyle/>
+          <a:p>
+            <a:pPr algn="ctr"/>
+            <a:r>
+              <a:rPr lang="fr-FR" sz="1100" b="1" dirty="0" smtClean="0">
+                <a:latin typeface="Seravek"/>
+                <a:cs typeface="Seravek"/>
+              </a:rPr>
+              <a:t>@Aspect</a:t>
+            </a:r>
+            <a:r>
+              <a:rPr lang="fr-FR" sz="1100" b="1" dirty="0" smtClean="0">
+                <a:latin typeface="Seravek"/>
+                <a:cs typeface="Seravek"/>
+              </a:rPr>
+              <a:t>(Action</a:t>
+            </a:r>
+            <a:r>
+              <a:rPr lang="fr-FR" sz="1200" b="1" dirty="0" smtClean="0">
+                <a:latin typeface="Seravek"/>
+                <a:cs typeface="Seravek"/>
+              </a:rPr>
+              <a:t>)</a:t>
+            </a:r>
+            <a:endParaRPr lang="fr-FR" sz="1200" b="1" dirty="0">
+              <a:latin typeface="Seravek"/>
+              <a:cs typeface="Seravek"/>
+            </a:endParaRPr>
+          </a:p>
+        </p:txBody>
+      </p:sp>
+      <p:sp>
+        <p:nvSpPr>
+          <p:cNvPr id="129" name="Rectangle à coins arrondis 128"/>
+          <p:cNvSpPr/>
+          <p:nvPr/>
+        </p:nvSpPr>
+        <p:spPr>
+          <a:xfrm>
+            <a:off x="7486887" y="4583458"/>
+            <a:ext cx="1114380" cy="344292"/>
+          </a:xfrm>
+          <a:prstGeom prst="roundRect">
+            <a:avLst>
+              <a:gd name="adj" fmla="val 9821"/>
+            </a:avLst>
+          </a:prstGeom>
+          <a:solidFill>
+            <a:srgbClr val="FFFFFF"/>
+          </a:solidFill>
+          <a:ln w="3175" cmpd="sng">
+            <a:solidFill>
+              <a:srgbClr val="000000"/>
+            </a:solidFill>
+          </a:ln>
+          <a:effectLst/>
+        </p:spPr>
+        <p:style>
+          <a:lnRef idx="1">
+            <a:schemeClr val="accent1"/>
+          </a:lnRef>
+          <a:fillRef idx="3">
+            <a:schemeClr val="accent1"/>
+          </a:fillRef>
+          <a:effectRef idx="2">
+            <a:schemeClr val="accent1"/>
+          </a:effectRef>
+          <a:fontRef idx="minor">
+            <a:schemeClr val="lt1"/>
+          </a:fontRef>
+        </p:style>
+        <p:txBody>
+          <a:bodyPr rtlCol="0" anchor="ctr"/>
+          <a:lstStyle/>
+          <a:p>
+            <a:pPr algn="ctr"/>
+            <a:endParaRPr lang="fr-FR"/>
+          </a:p>
+        </p:txBody>
+      </p:sp>
+      <p:sp>
+        <p:nvSpPr>
+          <p:cNvPr id="130" name="ZoneTexte 129"/>
+          <p:cNvSpPr txBox="1"/>
+          <p:nvPr/>
+        </p:nvSpPr>
+        <p:spPr>
+          <a:xfrm>
+            <a:off x="7458558" y="4618731"/>
+            <a:ext cx="1309230" cy="276999"/>
+          </a:xfrm>
+          <a:prstGeom prst="rect">
+            <a:avLst/>
+          </a:prstGeom>
+          <a:noFill/>
+        </p:spPr>
+        <p:txBody>
+          <a:bodyPr wrap="square" rtlCol="0">
+            <a:spAutoFit/>
+          </a:bodyPr>
+          <a:lstStyle/>
+          <a:p>
+            <a:r>
+              <a:rPr lang="fr-FR" sz="1200" dirty="0" smtClean="0">
+                <a:latin typeface="Seravek"/>
+                <a:cs typeface="Seravek"/>
+              </a:rPr>
+              <a:t>eval(</a:t>
+            </a:r>
+            <a:r>
+              <a:rPr lang="fr-FR" sz="1200" dirty="0" smtClean="0">
+                <a:latin typeface="Seravek"/>
+                <a:cs typeface="Seravek"/>
+              </a:rPr>
+              <a:t>) : </a:t>
+            </a:r>
+            <a:r>
+              <a:rPr lang="fr-FR" sz="1200" b="1" dirty="0" err="1" smtClean="0">
+                <a:latin typeface="Seravek"/>
+                <a:cs typeface="Seravek"/>
+              </a:rPr>
+              <a:t>void</a:t>
+            </a:r>
+            <a:endParaRPr lang="fr-FR" sz="1200" b="1" dirty="0">
+              <a:latin typeface="Seravek"/>
+              <a:cs typeface="Seravek"/>
+            </a:endParaRPr>
+          </a:p>
+        </p:txBody>
+      </p:sp>
+      <p:sp>
+        <p:nvSpPr>
+          <p:cNvPr id="131" name="ZoneTexte 130"/>
+          <p:cNvSpPr txBox="1"/>
+          <p:nvPr/>
+        </p:nvSpPr>
+        <p:spPr>
+          <a:xfrm>
+            <a:off x="7353542" y="4329975"/>
+            <a:ext cx="1390728" cy="276999"/>
+          </a:xfrm>
+          <a:prstGeom prst="rect">
+            <a:avLst/>
+          </a:prstGeom>
+          <a:noFill/>
+        </p:spPr>
+        <p:txBody>
+          <a:bodyPr wrap="square" lIns="36000" rIns="36000" rtlCol="0">
+            <a:spAutoFit/>
+          </a:bodyPr>
+          <a:lstStyle/>
+          <a:p>
+            <a:pPr algn="ctr"/>
+            <a:r>
+              <a:rPr lang="fr-FR" sz="1100" b="1" dirty="0" smtClean="0">
+                <a:latin typeface="Seravek"/>
+                <a:cs typeface="Seravek"/>
+              </a:rPr>
+              <a:t>@Aspect</a:t>
+            </a:r>
+            <a:r>
+              <a:rPr lang="fr-FR" sz="1100" b="1" dirty="0" smtClean="0">
+                <a:latin typeface="Seravek"/>
+                <a:cs typeface="Seravek"/>
+              </a:rPr>
+              <a:t>(</a:t>
+            </a:r>
+            <a:r>
+              <a:rPr lang="fr-FR" sz="1100" b="1" dirty="0" err="1" smtClean="0">
+                <a:latin typeface="Seravek"/>
+                <a:cs typeface="Seravek"/>
+              </a:rPr>
+              <a:t>Decision</a:t>
+            </a:r>
+            <a:r>
+              <a:rPr lang="fr-FR" sz="1200" b="1" dirty="0" smtClean="0">
+                <a:latin typeface="Seravek"/>
+                <a:cs typeface="Seravek"/>
+              </a:rPr>
+              <a:t>)</a:t>
+            </a:r>
+            <a:endParaRPr lang="fr-FR" sz="1200" b="1" dirty="0">
+              <a:latin typeface="Seravek"/>
+              <a:cs typeface="Seravek"/>
+            </a:endParaRPr>
+          </a:p>
+        </p:txBody>
+      </p:sp>
+      <p:sp>
+        <p:nvSpPr>
+          <p:cNvPr id="132" name="Rectangle à coins arrondis 131"/>
+          <p:cNvSpPr/>
+          <p:nvPr/>
+        </p:nvSpPr>
+        <p:spPr>
+          <a:xfrm>
+            <a:off x="6107830" y="5248020"/>
+            <a:ext cx="1114380" cy="344292"/>
+          </a:xfrm>
+          <a:prstGeom prst="roundRect">
+            <a:avLst>
+              <a:gd name="adj" fmla="val 9821"/>
+            </a:avLst>
+          </a:prstGeom>
+          <a:pattFill prst="wdDnDiag">
+            <a:fgClr>
+              <a:schemeClr val="bg1">
+                <a:lumMod val="85000"/>
+              </a:schemeClr>
+            </a:fgClr>
+            <a:bgClr>
+              <a:prstClr val="white"/>
+            </a:bgClr>
+          </a:pattFill>
+          <a:ln w="3175" cmpd="sng">
+            <a:solidFill>
+              <a:srgbClr val="000000"/>
+            </a:solidFill>
+          </a:ln>
+          <a:effectLst/>
+        </p:spPr>
+        <p:style>
+          <a:lnRef idx="1">
+            <a:schemeClr val="accent1"/>
+          </a:lnRef>
+          <a:fillRef idx="3">
+            <a:schemeClr val="accent1"/>
+          </a:fillRef>
+          <a:effectRef idx="2">
+            <a:schemeClr val="accent1"/>
+          </a:effectRef>
+          <a:fontRef idx="minor">
+            <a:schemeClr val="lt1"/>
+          </a:fontRef>
+        </p:style>
+        <p:txBody>
+          <a:bodyPr rtlCol="0" anchor="ctr"/>
+          <a:lstStyle/>
+          <a:p>
+            <a:pPr algn="ctr"/>
+            <a:endParaRPr lang="fr-FR"/>
+          </a:p>
+        </p:txBody>
+      </p:sp>
+      <p:sp>
+        <p:nvSpPr>
+          <p:cNvPr id="133" name="ZoneTexte 132"/>
+          <p:cNvSpPr txBox="1"/>
+          <p:nvPr/>
+        </p:nvSpPr>
+        <p:spPr>
+          <a:xfrm>
+            <a:off x="6079501" y="5283293"/>
+            <a:ext cx="1309230" cy="276999"/>
+          </a:xfrm>
+          <a:prstGeom prst="rect">
+            <a:avLst/>
+          </a:prstGeom>
+          <a:noFill/>
+        </p:spPr>
+        <p:txBody>
+          <a:bodyPr wrap="square" rtlCol="0">
+            <a:spAutoFit/>
+          </a:bodyPr>
+          <a:lstStyle/>
+          <a:p>
+            <a:r>
+              <a:rPr lang="fr-FR" sz="1200" dirty="0">
+                <a:latin typeface="Seravek"/>
+                <a:cs typeface="Seravek"/>
+              </a:rPr>
+              <a:t>e</a:t>
+            </a:r>
+            <a:r>
+              <a:rPr lang="fr-FR" sz="1200" dirty="0" smtClean="0">
+                <a:latin typeface="Seravek"/>
+                <a:cs typeface="Seravek"/>
+              </a:rPr>
+              <a:t>val () : </a:t>
+            </a:r>
+            <a:r>
+              <a:rPr lang="fr-FR" sz="1200" b="1" dirty="0" err="1" smtClean="0">
+                <a:latin typeface="Seravek"/>
+                <a:cs typeface="Seravek"/>
+              </a:rPr>
+              <a:t>void</a:t>
+            </a:r>
+            <a:endParaRPr lang="fr-FR" sz="1200" b="1" dirty="0">
+              <a:latin typeface="Seravek"/>
+              <a:cs typeface="Seravek"/>
+            </a:endParaRPr>
+          </a:p>
+        </p:txBody>
+      </p:sp>
+      <p:sp>
+        <p:nvSpPr>
+          <p:cNvPr id="134" name="ZoneTexte 133"/>
+          <p:cNvSpPr txBox="1"/>
+          <p:nvPr/>
+        </p:nvSpPr>
+        <p:spPr>
+          <a:xfrm>
+            <a:off x="5962726" y="4994537"/>
+            <a:ext cx="1414246" cy="276999"/>
+          </a:xfrm>
+          <a:prstGeom prst="rect">
+            <a:avLst/>
+          </a:prstGeom>
+          <a:noFill/>
+        </p:spPr>
+        <p:txBody>
+          <a:bodyPr wrap="square" lIns="36000" rIns="36000" rtlCol="0">
+            <a:spAutoFit/>
+          </a:bodyPr>
+          <a:lstStyle/>
+          <a:p>
+            <a:pPr algn="ctr"/>
+            <a:r>
+              <a:rPr lang="fr-FR" sz="1100" b="1" dirty="0" smtClean="0">
+                <a:latin typeface="Seravek"/>
+                <a:cs typeface="Seravek"/>
+              </a:rPr>
+              <a:t>@Aspect(Expression</a:t>
+            </a:r>
+            <a:r>
+              <a:rPr lang="fr-FR" sz="1200" b="1" dirty="0" smtClean="0">
+                <a:latin typeface="Seravek"/>
+                <a:cs typeface="Seravek"/>
+              </a:rPr>
+              <a:t>)</a:t>
+            </a:r>
+            <a:endParaRPr lang="fr-FR" sz="1200" b="1" dirty="0">
+              <a:latin typeface="Seravek"/>
+              <a:cs typeface="Seravek"/>
+            </a:endParaRPr>
+          </a:p>
+        </p:txBody>
+      </p:sp>
+      <p:sp>
+        <p:nvSpPr>
+          <p:cNvPr id="135" name="Rectangle à coins arrondis 134"/>
+          <p:cNvSpPr/>
+          <p:nvPr/>
+        </p:nvSpPr>
+        <p:spPr>
+          <a:xfrm>
+            <a:off x="7486887" y="5244766"/>
+            <a:ext cx="1114380" cy="344292"/>
+          </a:xfrm>
+          <a:prstGeom prst="roundRect">
+            <a:avLst>
+              <a:gd name="adj" fmla="val 9821"/>
+            </a:avLst>
+          </a:prstGeom>
+          <a:pattFill prst="pct10">
+            <a:fgClr>
+              <a:schemeClr val="bg1">
+                <a:lumMod val="65000"/>
+              </a:schemeClr>
+            </a:fgClr>
+            <a:bgClr>
+              <a:prstClr val="white"/>
+            </a:bgClr>
+          </a:pattFill>
+          <a:ln w="3175" cmpd="sng">
+            <a:solidFill>
+              <a:srgbClr val="000000"/>
+            </a:solidFill>
+          </a:ln>
+          <a:effectLst/>
+        </p:spPr>
+        <p:style>
+          <a:lnRef idx="1">
+            <a:schemeClr val="accent1"/>
+          </a:lnRef>
+          <a:fillRef idx="3">
+            <a:schemeClr val="accent1"/>
+          </a:fillRef>
+          <a:effectRef idx="2">
+            <a:schemeClr val="accent1"/>
+          </a:effectRef>
+          <a:fontRef idx="minor">
+            <a:schemeClr val="lt1"/>
+          </a:fontRef>
+        </p:style>
+        <p:txBody>
+          <a:bodyPr rtlCol="0" anchor="ctr"/>
+          <a:lstStyle/>
+          <a:p>
+            <a:pPr algn="ctr"/>
+            <a:endParaRPr lang="fr-FR"/>
+          </a:p>
+        </p:txBody>
+      </p:sp>
+      <p:sp>
+        <p:nvSpPr>
+          <p:cNvPr id="136" name="ZoneTexte 135"/>
+          <p:cNvSpPr txBox="1"/>
+          <p:nvPr/>
+        </p:nvSpPr>
+        <p:spPr>
+          <a:xfrm>
+            <a:off x="7458558" y="5280039"/>
+            <a:ext cx="1309230" cy="276999"/>
+          </a:xfrm>
+          <a:prstGeom prst="rect">
+            <a:avLst/>
+          </a:prstGeom>
+          <a:noFill/>
+        </p:spPr>
+        <p:txBody>
+          <a:bodyPr wrap="square" rtlCol="0">
+            <a:spAutoFit/>
+          </a:bodyPr>
+          <a:lstStyle/>
+          <a:p>
+            <a:r>
+              <a:rPr lang="fr-FR" sz="1200" dirty="0" smtClean="0">
+                <a:latin typeface="Seravek"/>
+                <a:cs typeface="Seravek"/>
+              </a:rPr>
+              <a:t>eval () : </a:t>
+            </a:r>
+            <a:r>
+              <a:rPr lang="fr-FR" sz="1200" b="1" dirty="0" err="1" smtClean="0">
+                <a:latin typeface="Seravek"/>
+                <a:cs typeface="Seravek"/>
+              </a:rPr>
+              <a:t>bool</a:t>
+            </a:r>
+            <a:endParaRPr lang="fr-FR" sz="1200" b="1" dirty="0">
+              <a:latin typeface="Seravek"/>
+              <a:cs typeface="Seravek"/>
+            </a:endParaRPr>
+          </a:p>
+        </p:txBody>
+      </p:sp>
+      <p:sp>
+        <p:nvSpPr>
+          <p:cNvPr id="137" name="ZoneTexte 136"/>
+          <p:cNvSpPr txBox="1"/>
+          <p:nvPr/>
+        </p:nvSpPr>
+        <p:spPr>
+          <a:xfrm>
+            <a:off x="7341783" y="4991283"/>
+            <a:ext cx="1414246" cy="276999"/>
+          </a:xfrm>
+          <a:prstGeom prst="rect">
+            <a:avLst/>
+          </a:prstGeom>
+          <a:noFill/>
+        </p:spPr>
+        <p:txBody>
+          <a:bodyPr wrap="square" lIns="36000" rIns="36000" rtlCol="0">
+            <a:spAutoFit/>
+          </a:bodyPr>
+          <a:lstStyle/>
+          <a:p>
+            <a:pPr algn="ctr"/>
+            <a:r>
+              <a:rPr lang="fr-FR" sz="1100" b="1" dirty="0" smtClean="0">
+                <a:latin typeface="Seravek"/>
+                <a:cs typeface="Seravek"/>
+              </a:rPr>
+              <a:t>@Aspect(</a:t>
+            </a:r>
+            <a:r>
+              <a:rPr lang="fr-FR" sz="1100" b="1" dirty="0" err="1" smtClean="0">
+                <a:latin typeface="Seravek"/>
+                <a:cs typeface="Seravek"/>
+              </a:rPr>
+              <a:t>Constraint</a:t>
+            </a:r>
+            <a:r>
+              <a:rPr lang="fr-FR" sz="1200" b="1" dirty="0" smtClean="0">
+                <a:latin typeface="Seravek"/>
+                <a:cs typeface="Seravek"/>
+              </a:rPr>
+              <a:t>)</a:t>
+            </a:r>
+            <a:endParaRPr lang="fr-FR" sz="1200" b="1" dirty="0">
+              <a:latin typeface="Seravek"/>
+              <a:cs typeface="Seravek"/>
+            </a:endParaRPr>
+          </a:p>
+        </p:txBody>
+      </p:sp>
+      <p:sp>
+        <p:nvSpPr>
+          <p:cNvPr id="139" name="Forme libre 138"/>
+          <p:cNvSpPr/>
+          <p:nvPr/>
+        </p:nvSpPr>
+        <p:spPr>
+          <a:xfrm>
+            <a:off x="7473776" y="2245862"/>
+            <a:ext cx="340983" cy="2315319"/>
+          </a:xfrm>
+          <a:custGeom>
+            <a:avLst/>
+            <a:gdLst>
+              <a:gd name="connsiteX0" fmla="*/ 577230 w 577230"/>
+              <a:gd name="connsiteY0" fmla="*/ 2222310 h 2222310"/>
+              <a:gd name="connsiteX1" fmla="*/ 1045 w 577230"/>
+              <a:gd name="connsiteY1" fmla="*/ 799561 h 2222310"/>
+              <a:gd name="connsiteX2" fmla="*/ 424364 w 577230"/>
+              <a:gd name="connsiteY2" fmla="*/ 0 h 2222310"/>
+              <a:gd name="connsiteX0" fmla="*/ 597802 w 597802"/>
+              <a:gd name="connsiteY0" fmla="*/ 2222310 h 2222310"/>
+              <a:gd name="connsiteX1" fmla="*/ 1001 w 597802"/>
+              <a:gd name="connsiteY1" fmla="*/ 493846 h 2222310"/>
+              <a:gd name="connsiteX2" fmla="*/ 444936 w 597802"/>
+              <a:gd name="connsiteY2" fmla="*/ 0 h 2222310"/>
+              <a:gd name="connsiteX0" fmla="*/ 597802 w 597802"/>
+              <a:gd name="connsiteY0" fmla="*/ 2222310 h 2222310"/>
+              <a:gd name="connsiteX1" fmla="*/ 1001 w 597802"/>
+              <a:gd name="connsiteY1" fmla="*/ 952418 h 2222310"/>
+              <a:gd name="connsiteX2" fmla="*/ 444936 w 597802"/>
+              <a:gd name="connsiteY2" fmla="*/ 0 h 2222310"/>
+            </a:gdLst>
+            <a:ahLst/>
+            <a:cxnLst>
+              <a:cxn ang="0">
+                <a:pos x="connsiteX0" y="connsiteY0"/>
+              </a:cxn>
+              <a:cxn ang="0">
+                <a:pos x="connsiteX1" y="connsiteY1"/>
+              </a:cxn>
+              <a:cxn ang="0">
+                <a:pos x="connsiteX2" y="connsiteY2"/>
+              </a:cxn>
+            </a:cxnLst>
+            <a:rect l="l" t="t" r="r" b="b"/>
+            <a:pathLst>
+              <a:path w="597802" h="2222310">
+                <a:moveTo>
+                  <a:pt x="597802" y="2222310"/>
+                </a:moveTo>
+                <a:cubicBezTo>
+                  <a:pt x="322448" y="1696128"/>
+                  <a:pt x="26479" y="1322803"/>
+                  <a:pt x="1001" y="952418"/>
+                </a:cubicBezTo>
+                <a:cubicBezTo>
+                  <a:pt x="-24477" y="582033"/>
+                  <a:pt x="444936" y="0"/>
+                  <a:pt x="444936" y="0"/>
+                </a:cubicBezTo>
+              </a:path>
+            </a:pathLst>
+          </a:custGeom>
+          <a:ln w="3175" cmpd="sng">
+            <a:solidFill>
+              <a:srgbClr val="7F7F7F">
+                <a:alpha val="50000"/>
+              </a:srgbClr>
+            </a:solidFill>
+            <a:headEnd type="none"/>
+            <a:tailEnd type="arrow" w="lg" len="lg"/>
+          </a:ln>
+        </p:spPr>
+        <p:style>
+          <a:lnRef idx="2">
+            <a:schemeClr val="accent1"/>
+          </a:lnRef>
+          <a:fillRef idx="0">
+            <a:schemeClr val="accent1"/>
+          </a:fillRef>
+          <a:effectRef idx="1">
+            <a:schemeClr val="accent1"/>
+          </a:effectRef>
+          <a:fontRef idx="minor">
+            <a:schemeClr val="tx1"/>
+          </a:fontRef>
+        </p:style>
+        <p:txBody>
+          <a:bodyPr rtlCol="0" anchor="ctr"/>
+          <a:lstStyle/>
+          <a:p>
+            <a:pPr algn="ctr"/>
+            <a:endParaRPr lang="fr-FR"/>
+          </a:p>
+        </p:txBody>
+      </p:sp>
+      <p:sp>
+        <p:nvSpPr>
+          <p:cNvPr id="140" name="Forme libre 139"/>
+          <p:cNvSpPr/>
+          <p:nvPr/>
+        </p:nvSpPr>
+        <p:spPr>
+          <a:xfrm>
+            <a:off x="7637388" y="2928733"/>
+            <a:ext cx="432114" cy="2319286"/>
+          </a:xfrm>
+          <a:custGeom>
+            <a:avLst/>
+            <a:gdLst>
+              <a:gd name="connsiteX0" fmla="*/ 577230 w 577230"/>
+              <a:gd name="connsiteY0" fmla="*/ 2222310 h 2222310"/>
+              <a:gd name="connsiteX1" fmla="*/ 1045 w 577230"/>
+              <a:gd name="connsiteY1" fmla="*/ 799561 h 2222310"/>
+              <a:gd name="connsiteX2" fmla="*/ 424364 w 577230"/>
+              <a:gd name="connsiteY2" fmla="*/ 0 h 2222310"/>
+              <a:gd name="connsiteX0" fmla="*/ 736833 w 736833"/>
+              <a:gd name="connsiteY0" fmla="*/ 2222310 h 2222310"/>
+              <a:gd name="connsiteX1" fmla="*/ 779 w 736833"/>
+              <a:gd name="connsiteY1" fmla="*/ 482088 h 2222310"/>
+              <a:gd name="connsiteX2" fmla="*/ 583967 w 736833"/>
+              <a:gd name="connsiteY2" fmla="*/ 0 h 2222310"/>
+              <a:gd name="connsiteX0" fmla="*/ 1029675 w 1029675"/>
+              <a:gd name="connsiteY0" fmla="*/ 2224922 h 2224922"/>
+              <a:gd name="connsiteX1" fmla="*/ 528 w 1029675"/>
+              <a:gd name="connsiteY1" fmla="*/ 320085 h 2224922"/>
+              <a:gd name="connsiteX2" fmla="*/ 876809 w 1029675"/>
+              <a:gd name="connsiteY2" fmla="*/ 2612 h 2224922"/>
+              <a:gd name="connsiteX0" fmla="*/ 976421 w 976421"/>
+              <a:gd name="connsiteY0" fmla="*/ 2242063 h 2242063"/>
+              <a:gd name="connsiteX1" fmla="*/ 564 w 976421"/>
+              <a:gd name="connsiteY1" fmla="*/ 266677 h 2242063"/>
+              <a:gd name="connsiteX2" fmla="*/ 823555 w 976421"/>
+              <a:gd name="connsiteY2" fmla="*/ 19753 h 2242063"/>
+              <a:gd name="connsiteX0" fmla="*/ 976421 w 976421"/>
+              <a:gd name="connsiteY0" fmla="*/ 2223671 h 2223671"/>
+              <a:gd name="connsiteX1" fmla="*/ 564 w 976421"/>
+              <a:gd name="connsiteY1" fmla="*/ 330592 h 2223671"/>
+              <a:gd name="connsiteX2" fmla="*/ 823555 w 976421"/>
+              <a:gd name="connsiteY2" fmla="*/ 1361 h 2223671"/>
+              <a:gd name="connsiteX0" fmla="*/ 979140 w 979140"/>
+              <a:gd name="connsiteY0" fmla="*/ 2422200 h 2422200"/>
+              <a:gd name="connsiteX1" fmla="*/ 3283 w 979140"/>
+              <a:gd name="connsiteY1" fmla="*/ 529121 h 2422200"/>
+              <a:gd name="connsiteX2" fmla="*/ 639760 w 979140"/>
+              <a:gd name="connsiteY2" fmla="*/ 0 h 2422200"/>
+            </a:gdLst>
+            <a:ahLst/>
+            <a:cxnLst>
+              <a:cxn ang="0">
+                <a:pos x="connsiteX0" y="connsiteY0"/>
+              </a:cxn>
+              <a:cxn ang="0">
+                <a:pos x="connsiteX1" y="connsiteY1"/>
+              </a:cxn>
+              <a:cxn ang="0">
+                <a:pos x="connsiteX2" y="connsiteY2"/>
+              </a:cxn>
+            </a:cxnLst>
+            <a:rect l="l" t="t" r="r" b="b"/>
+            <a:pathLst>
+              <a:path w="979140" h="2422200">
+                <a:moveTo>
+                  <a:pt x="979140" y="2422200"/>
+                </a:moveTo>
+                <a:cubicBezTo>
+                  <a:pt x="703786" y="1896018"/>
+                  <a:pt x="59846" y="932821"/>
+                  <a:pt x="3283" y="529121"/>
+                </a:cubicBezTo>
+                <a:cubicBezTo>
+                  <a:pt x="-53280" y="125421"/>
+                  <a:pt x="639760" y="0"/>
+                  <a:pt x="639760" y="0"/>
+                </a:cubicBezTo>
+              </a:path>
+            </a:pathLst>
+          </a:custGeom>
+          <a:ln w="3175" cmpd="sng">
+            <a:solidFill>
+              <a:schemeClr val="bg1">
+                <a:lumMod val="50000"/>
+                <a:alpha val="50000"/>
+              </a:schemeClr>
+            </a:solidFill>
+            <a:headEnd type="none"/>
+            <a:tailEnd type="arrow" w="lg" len="lg"/>
+          </a:ln>
+        </p:spPr>
+        <p:style>
+          <a:lnRef idx="2">
+            <a:schemeClr val="accent1"/>
+          </a:lnRef>
+          <a:fillRef idx="0">
+            <a:schemeClr val="accent1"/>
+          </a:fillRef>
+          <a:effectRef idx="1">
+            <a:schemeClr val="accent1"/>
+          </a:effectRef>
+          <a:fontRef idx="minor">
+            <a:schemeClr val="tx1"/>
+          </a:fontRef>
+        </p:style>
+        <p:txBody>
+          <a:bodyPr rtlCol="0" anchor="ctr"/>
+          <a:lstStyle/>
+          <a:p>
+            <a:pPr algn="ctr"/>
+            <a:endParaRPr lang="fr-FR"/>
+          </a:p>
+        </p:txBody>
+      </p:sp>
+      <p:sp>
+        <p:nvSpPr>
+          <p:cNvPr id="141" name="Forme libre 140"/>
+          <p:cNvSpPr/>
+          <p:nvPr/>
+        </p:nvSpPr>
+        <p:spPr>
+          <a:xfrm flipH="1">
+            <a:off x="6880732" y="2240924"/>
+            <a:ext cx="341478" cy="2320258"/>
+          </a:xfrm>
+          <a:custGeom>
+            <a:avLst/>
+            <a:gdLst>
+              <a:gd name="connsiteX0" fmla="*/ 577230 w 577230"/>
+              <a:gd name="connsiteY0" fmla="*/ 2222310 h 2222310"/>
+              <a:gd name="connsiteX1" fmla="*/ 1045 w 577230"/>
+              <a:gd name="connsiteY1" fmla="*/ 799561 h 2222310"/>
+              <a:gd name="connsiteX2" fmla="*/ 424364 w 577230"/>
+              <a:gd name="connsiteY2" fmla="*/ 0 h 2222310"/>
+              <a:gd name="connsiteX0" fmla="*/ 597802 w 597802"/>
+              <a:gd name="connsiteY0" fmla="*/ 2222310 h 2222310"/>
+              <a:gd name="connsiteX1" fmla="*/ 1001 w 597802"/>
+              <a:gd name="connsiteY1" fmla="*/ 493846 h 2222310"/>
+              <a:gd name="connsiteX2" fmla="*/ 444936 w 597802"/>
+              <a:gd name="connsiteY2" fmla="*/ 0 h 2222310"/>
+              <a:gd name="connsiteX0" fmla="*/ 597802 w 597802"/>
+              <a:gd name="connsiteY0" fmla="*/ 2222310 h 2222310"/>
+              <a:gd name="connsiteX1" fmla="*/ 1001 w 597802"/>
+              <a:gd name="connsiteY1" fmla="*/ 952418 h 2222310"/>
+              <a:gd name="connsiteX2" fmla="*/ 444936 w 597802"/>
+              <a:gd name="connsiteY2" fmla="*/ 0 h 2222310"/>
+            </a:gdLst>
+            <a:ahLst/>
+            <a:cxnLst>
+              <a:cxn ang="0">
+                <a:pos x="connsiteX0" y="connsiteY0"/>
+              </a:cxn>
+              <a:cxn ang="0">
+                <a:pos x="connsiteX1" y="connsiteY1"/>
+              </a:cxn>
+              <a:cxn ang="0">
+                <a:pos x="connsiteX2" y="connsiteY2"/>
+              </a:cxn>
+            </a:cxnLst>
+            <a:rect l="l" t="t" r="r" b="b"/>
+            <a:pathLst>
+              <a:path w="597802" h="2222310">
+                <a:moveTo>
+                  <a:pt x="597802" y="2222310"/>
+                </a:moveTo>
+                <a:cubicBezTo>
+                  <a:pt x="322448" y="1696128"/>
+                  <a:pt x="26479" y="1322803"/>
+                  <a:pt x="1001" y="952418"/>
+                </a:cubicBezTo>
+                <a:cubicBezTo>
+                  <a:pt x="-24477" y="582033"/>
+                  <a:pt x="444936" y="0"/>
+                  <a:pt x="444936" y="0"/>
+                </a:cubicBezTo>
+              </a:path>
+            </a:pathLst>
+          </a:custGeom>
+          <a:ln w="3175" cmpd="sng">
+            <a:solidFill>
+              <a:schemeClr val="bg1">
+                <a:lumMod val="50000"/>
+                <a:alpha val="50000"/>
+              </a:schemeClr>
+            </a:solidFill>
+            <a:headEnd type="none"/>
+            <a:tailEnd type="arrow" w="lg" len="lg"/>
+          </a:ln>
+        </p:spPr>
+        <p:style>
+          <a:lnRef idx="2">
+            <a:schemeClr val="accent1"/>
+          </a:lnRef>
+          <a:fillRef idx="0">
+            <a:schemeClr val="accent1"/>
+          </a:fillRef>
+          <a:effectRef idx="1">
+            <a:schemeClr val="accent1"/>
+          </a:effectRef>
+          <a:fontRef idx="minor">
+            <a:schemeClr val="tx1"/>
+          </a:fontRef>
+        </p:style>
+        <p:txBody>
+          <a:bodyPr rtlCol="0" anchor="ctr"/>
+          <a:lstStyle/>
+          <a:p>
+            <a:pPr algn="ctr"/>
+            <a:endParaRPr lang="fr-FR"/>
+          </a:p>
+        </p:txBody>
+      </p:sp>
+      <p:sp>
+        <p:nvSpPr>
+          <p:cNvPr id="142" name="Forme libre 141"/>
+          <p:cNvSpPr/>
+          <p:nvPr/>
+        </p:nvSpPr>
+        <p:spPr>
+          <a:xfrm flipH="1">
+            <a:off x="6624870" y="2928732"/>
+            <a:ext cx="406633" cy="2316033"/>
+          </a:xfrm>
+          <a:custGeom>
+            <a:avLst/>
+            <a:gdLst>
+              <a:gd name="connsiteX0" fmla="*/ 577230 w 577230"/>
+              <a:gd name="connsiteY0" fmla="*/ 2222310 h 2222310"/>
+              <a:gd name="connsiteX1" fmla="*/ 1045 w 577230"/>
+              <a:gd name="connsiteY1" fmla="*/ 799561 h 2222310"/>
+              <a:gd name="connsiteX2" fmla="*/ 424364 w 577230"/>
+              <a:gd name="connsiteY2" fmla="*/ 0 h 2222310"/>
+              <a:gd name="connsiteX0" fmla="*/ 736833 w 736833"/>
+              <a:gd name="connsiteY0" fmla="*/ 2222310 h 2222310"/>
+              <a:gd name="connsiteX1" fmla="*/ 779 w 736833"/>
+              <a:gd name="connsiteY1" fmla="*/ 482088 h 2222310"/>
+              <a:gd name="connsiteX2" fmla="*/ 583967 w 736833"/>
+              <a:gd name="connsiteY2" fmla="*/ 0 h 2222310"/>
+              <a:gd name="connsiteX0" fmla="*/ 1029675 w 1029675"/>
+              <a:gd name="connsiteY0" fmla="*/ 2224922 h 2224922"/>
+              <a:gd name="connsiteX1" fmla="*/ 528 w 1029675"/>
+              <a:gd name="connsiteY1" fmla="*/ 320085 h 2224922"/>
+              <a:gd name="connsiteX2" fmla="*/ 876809 w 1029675"/>
+              <a:gd name="connsiteY2" fmla="*/ 2612 h 2224922"/>
+              <a:gd name="connsiteX0" fmla="*/ 976421 w 976421"/>
+              <a:gd name="connsiteY0" fmla="*/ 2242063 h 2242063"/>
+              <a:gd name="connsiteX1" fmla="*/ 564 w 976421"/>
+              <a:gd name="connsiteY1" fmla="*/ 266677 h 2242063"/>
+              <a:gd name="connsiteX2" fmla="*/ 823555 w 976421"/>
+              <a:gd name="connsiteY2" fmla="*/ 19753 h 2242063"/>
+              <a:gd name="connsiteX0" fmla="*/ 976421 w 976421"/>
+              <a:gd name="connsiteY0" fmla="*/ 2223671 h 2223671"/>
+              <a:gd name="connsiteX1" fmla="*/ 564 w 976421"/>
+              <a:gd name="connsiteY1" fmla="*/ 330592 h 2223671"/>
+              <a:gd name="connsiteX2" fmla="*/ 823555 w 976421"/>
+              <a:gd name="connsiteY2" fmla="*/ 1361 h 2223671"/>
+              <a:gd name="connsiteX0" fmla="*/ 979140 w 979140"/>
+              <a:gd name="connsiteY0" fmla="*/ 2422200 h 2422200"/>
+              <a:gd name="connsiteX1" fmla="*/ 3283 w 979140"/>
+              <a:gd name="connsiteY1" fmla="*/ 529121 h 2422200"/>
+              <a:gd name="connsiteX2" fmla="*/ 639760 w 979140"/>
+              <a:gd name="connsiteY2" fmla="*/ 0 h 2422200"/>
+            </a:gdLst>
+            <a:ahLst/>
+            <a:cxnLst>
+              <a:cxn ang="0">
+                <a:pos x="connsiteX0" y="connsiteY0"/>
+              </a:cxn>
+              <a:cxn ang="0">
+                <a:pos x="connsiteX1" y="connsiteY1"/>
+              </a:cxn>
+              <a:cxn ang="0">
+                <a:pos x="connsiteX2" y="connsiteY2"/>
+              </a:cxn>
+            </a:cxnLst>
+            <a:rect l="l" t="t" r="r" b="b"/>
+            <a:pathLst>
+              <a:path w="979140" h="2422200">
+                <a:moveTo>
+                  <a:pt x="979140" y="2422200"/>
+                </a:moveTo>
+                <a:cubicBezTo>
+                  <a:pt x="703786" y="1896018"/>
+                  <a:pt x="59846" y="932821"/>
+                  <a:pt x="3283" y="529121"/>
+                </a:cubicBezTo>
+                <a:cubicBezTo>
+                  <a:pt x="-53280" y="125421"/>
+                  <a:pt x="639760" y="0"/>
+                  <a:pt x="639760" y="0"/>
+                </a:cubicBezTo>
+              </a:path>
+            </a:pathLst>
+          </a:custGeom>
+          <a:ln w="3175" cmpd="sng">
+            <a:solidFill>
+              <a:schemeClr val="bg1">
+                <a:lumMod val="50000"/>
+                <a:alpha val="50000"/>
+              </a:schemeClr>
+            </a:solidFill>
+            <a:headEnd type="none"/>
+            <a:tailEnd type="arrow" w="lg" len="lg"/>
+          </a:ln>
+        </p:spPr>
+        <p:style>
+          <a:lnRef idx="2">
+            <a:schemeClr val="accent1"/>
+          </a:lnRef>
+          <a:fillRef idx="0">
+            <a:schemeClr val="accent1"/>
+          </a:fillRef>
+          <a:effectRef idx="1">
+            <a:schemeClr val="accent1"/>
+          </a:effectRef>
+          <a:fontRef idx="minor">
+            <a:schemeClr val="tx1"/>
+          </a:fontRef>
+        </p:style>
+        <p:txBody>
+          <a:bodyPr rtlCol="0" anchor="ctr"/>
+          <a:lstStyle/>
+          <a:p>
+            <a:pPr algn="ctr"/>
+            <a:endParaRPr lang="fr-FR"/>
+          </a:p>
+        </p:txBody>
+      </p:sp>
+      <p:cxnSp>
+        <p:nvCxnSpPr>
+          <p:cNvPr id="3" name="Connecteur droit 2"/>
+          <p:cNvCxnSpPr>
+            <a:stCxn id="4" idx="1"/>
+          </p:cNvCxnSpPr>
+          <p:nvPr/>
+        </p:nvCxnSpPr>
+        <p:spPr>
+          <a:xfrm flipH="1">
+            <a:off x="818003" y="1076642"/>
+            <a:ext cx="242740" cy="0"/>
+          </a:xfrm>
+          <a:prstGeom prst="line">
+            <a:avLst/>
+          </a:prstGeom>
+          <a:ln w="3175" cmpd="sng">
+            <a:solidFill>
+              <a:schemeClr val="tx1"/>
+            </a:solidFill>
+            <a:headEnd type="diamond" w="med" len="lg"/>
+          </a:ln>
+          <a:effectLst/>
+        </p:spPr>
+        <p:style>
+          <a:lnRef idx="2">
+            <a:schemeClr val="accent1"/>
+          </a:lnRef>
+          <a:fillRef idx="0">
+            <a:schemeClr val="accent1"/>
+          </a:fillRef>
+          <a:effectRef idx="1">
+            <a:schemeClr val="accent1"/>
+          </a:effectRef>
+          <a:fontRef idx="minor">
+            <a:schemeClr val="tx1"/>
+          </a:fontRef>
+        </p:style>
+      </p:cxnSp>
+      <p:cxnSp>
+        <p:nvCxnSpPr>
+          <p:cNvPr id="147" name="Connecteur droit 146"/>
+          <p:cNvCxnSpPr/>
+          <p:nvPr/>
+        </p:nvCxnSpPr>
+        <p:spPr>
+          <a:xfrm flipV="1">
+            <a:off x="818003" y="1076642"/>
+            <a:ext cx="0" cy="479698"/>
+          </a:xfrm>
+          <a:prstGeom prst="line">
+            <a:avLst/>
+          </a:prstGeom>
+          <a:ln w="3175" cmpd="sng">
+            <a:solidFill>
+              <a:schemeClr val="tx1"/>
+            </a:solidFill>
+          </a:ln>
+          <a:effectLst/>
+        </p:spPr>
+        <p:style>
+          <a:lnRef idx="2">
+            <a:schemeClr val="accent1"/>
+          </a:lnRef>
+          <a:fillRef idx="0">
+            <a:schemeClr val="accent1"/>
+          </a:fillRef>
+          <a:effectRef idx="1">
+            <a:schemeClr val="accent1"/>
+          </a:effectRef>
+          <a:fontRef idx="minor">
+            <a:schemeClr val="tx1"/>
+          </a:fontRef>
+        </p:style>
+      </p:cxnSp>
+      <p:cxnSp>
+        <p:nvCxnSpPr>
+          <p:cNvPr id="148" name="Connecteur droit 147"/>
+          <p:cNvCxnSpPr>
+            <a:stCxn id="4" idx="3"/>
+          </p:cNvCxnSpPr>
+          <p:nvPr/>
+        </p:nvCxnSpPr>
+        <p:spPr>
+          <a:xfrm>
+            <a:off x="2174308" y="1076642"/>
+            <a:ext cx="230166" cy="0"/>
+          </a:xfrm>
+          <a:prstGeom prst="line">
+            <a:avLst/>
+          </a:prstGeom>
+          <a:ln w="3175" cmpd="sng">
+            <a:solidFill>
+              <a:schemeClr val="tx1"/>
+            </a:solidFill>
+            <a:headEnd type="diamond" w="med" len="lg"/>
+          </a:ln>
+          <a:effectLst/>
+        </p:spPr>
+        <p:style>
+          <a:lnRef idx="2">
+            <a:schemeClr val="accent1"/>
+          </a:lnRef>
+          <a:fillRef idx="0">
+            <a:schemeClr val="accent1"/>
+          </a:fillRef>
+          <a:effectRef idx="1">
+            <a:schemeClr val="accent1"/>
+          </a:effectRef>
+          <a:fontRef idx="minor">
+            <a:schemeClr val="tx1"/>
+          </a:fontRef>
+        </p:style>
+      </p:cxnSp>
+      <p:cxnSp>
+        <p:nvCxnSpPr>
+          <p:cNvPr id="149" name="Connecteur droit 148"/>
+          <p:cNvCxnSpPr/>
+          <p:nvPr/>
+        </p:nvCxnSpPr>
+        <p:spPr>
+          <a:xfrm flipV="1">
+            <a:off x="2404474" y="1076642"/>
+            <a:ext cx="0" cy="479698"/>
+          </a:xfrm>
+          <a:prstGeom prst="line">
+            <a:avLst/>
+          </a:prstGeom>
+          <a:ln w="3175" cmpd="sng">
+            <a:solidFill>
+              <a:schemeClr val="tx1"/>
+            </a:solidFill>
+          </a:ln>
+          <a:effectLst/>
+        </p:spPr>
+        <p:style>
+          <a:lnRef idx="2">
+            <a:schemeClr val="accent1"/>
+          </a:lnRef>
+          <a:fillRef idx="0">
+            <a:schemeClr val="accent1"/>
+          </a:fillRef>
+          <a:effectRef idx="1">
+            <a:schemeClr val="accent1"/>
+          </a:effectRef>
+          <a:fontRef idx="minor">
+            <a:schemeClr val="tx1"/>
+          </a:fontRef>
+        </p:style>
+      </p:cxnSp>
+      <p:sp>
+        <p:nvSpPr>
+          <p:cNvPr id="150" name="ZoneTexte 149"/>
+          <p:cNvSpPr txBox="1"/>
+          <p:nvPr/>
+        </p:nvSpPr>
+        <p:spPr>
+          <a:xfrm>
+            <a:off x="1708360" y="1325199"/>
+            <a:ext cx="907112" cy="230832"/>
+          </a:xfrm>
+          <a:prstGeom prst="rect">
+            <a:avLst/>
+          </a:prstGeom>
+          <a:noFill/>
+        </p:spPr>
+        <p:txBody>
+          <a:bodyPr wrap="square" rtlCol="0">
+            <a:spAutoFit/>
+          </a:bodyPr>
+          <a:lstStyle/>
+          <a:p>
+            <a:pPr algn="ctr"/>
+            <a:r>
+              <a:rPr lang="fr-FR" sz="900" dirty="0" smtClean="0">
+                <a:latin typeface="Seravek"/>
+                <a:cs typeface="Seravek"/>
+              </a:rPr>
+              <a:t>transitions  *</a:t>
+            </a:r>
+            <a:endParaRPr lang="fr-FR" sz="900" dirty="0">
+              <a:latin typeface="Seravek"/>
+              <a:cs typeface="Seravek"/>
+            </a:endParaRPr>
+          </a:p>
+        </p:txBody>
+      </p:sp>
+      <p:sp>
+        <p:nvSpPr>
+          <p:cNvPr id="151" name="ZoneTexte 150"/>
+          <p:cNvSpPr txBox="1"/>
+          <p:nvPr/>
+        </p:nvSpPr>
+        <p:spPr>
+          <a:xfrm>
+            <a:off x="233459" y="1331692"/>
+            <a:ext cx="907112" cy="230832"/>
+          </a:xfrm>
+          <a:prstGeom prst="rect">
+            <a:avLst/>
+          </a:prstGeom>
+          <a:noFill/>
+        </p:spPr>
+        <p:txBody>
+          <a:bodyPr wrap="square" rtlCol="0">
+            <a:spAutoFit/>
+          </a:bodyPr>
+          <a:lstStyle/>
+          <a:p>
+            <a:pPr algn="ctr"/>
+            <a:r>
+              <a:rPr lang="fr-FR" sz="900" dirty="0">
+                <a:latin typeface="Seravek"/>
+                <a:cs typeface="Seravek"/>
+              </a:rPr>
+              <a:t>s</a:t>
+            </a:r>
+            <a:r>
+              <a:rPr lang="fr-FR" sz="900" dirty="0" smtClean="0">
+                <a:latin typeface="Seravek"/>
+                <a:cs typeface="Seravek"/>
+              </a:rPr>
+              <a:t>tates  *</a:t>
+            </a:r>
+            <a:endParaRPr lang="fr-FR" sz="900" dirty="0">
+              <a:latin typeface="Seravek"/>
+              <a:cs typeface="Seravek"/>
+            </a:endParaRPr>
+          </a:p>
+        </p:txBody>
+      </p:sp>
+      <p:cxnSp>
+        <p:nvCxnSpPr>
+          <p:cNvPr id="152" name="Connecteur droit 151"/>
+          <p:cNvCxnSpPr>
+            <a:stCxn id="11" idx="2"/>
+          </p:cNvCxnSpPr>
+          <p:nvPr/>
+        </p:nvCxnSpPr>
+        <p:spPr>
+          <a:xfrm>
+            <a:off x="954913" y="1961759"/>
+            <a:ext cx="0" cy="291575"/>
+          </a:xfrm>
+          <a:prstGeom prst="line">
+            <a:avLst/>
+          </a:prstGeom>
+          <a:ln w="3175" cmpd="sng">
+            <a:solidFill>
+              <a:schemeClr val="tx1"/>
+            </a:solidFill>
+            <a:headEnd type="diamond" w="med" len="lg"/>
+          </a:ln>
+          <a:effectLst/>
+        </p:spPr>
+        <p:style>
+          <a:lnRef idx="2">
+            <a:schemeClr val="accent1"/>
+          </a:lnRef>
+          <a:fillRef idx="0">
+            <a:schemeClr val="accent1"/>
+          </a:fillRef>
+          <a:effectRef idx="1">
+            <a:schemeClr val="accent1"/>
+          </a:effectRef>
+          <a:fontRef idx="minor">
+            <a:schemeClr val="tx1"/>
+          </a:fontRef>
+        </p:style>
+      </p:cxnSp>
+      <p:sp>
+        <p:nvSpPr>
+          <p:cNvPr id="153" name="ZoneTexte 152"/>
+          <p:cNvSpPr txBox="1"/>
+          <p:nvPr/>
+        </p:nvSpPr>
+        <p:spPr>
+          <a:xfrm>
+            <a:off x="342632" y="2045713"/>
+            <a:ext cx="907112" cy="230832"/>
+          </a:xfrm>
+          <a:prstGeom prst="rect">
+            <a:avLst/>
+          </a:prstGeom>
+          <a:noFill/>
+        </p:spPr>
+        <p:txBody>
+          <a:bodyPr wrap="square" rtlCol="0">
+            <a:spAutoFit/>
+          </a:bodyPr>
+          <a:lstStyle/>
+          <a:p>
+            <a:pPr algn="ctr"/>
+            <a:r>
+              <a:rPr lang="fr-FR" sz="900" dirty="0" smtClean="0">
+                <a:latin typeface="Seravek"/>
+                <a:cs typeface="Seravek"/>
+              </a:rPr>
+              <a:t>actions  </a:t>
+            </a:r>
+            <a:r>
+              <a:rPr lang="fr-FR" sz="900" dirty="0" smtClean="0">
+                <a:latin typeface="Seravek"/>
+                <a:cs typeface="Seravek"/>
+              </a:rPr>
+              <a:t>*</a:t>
+            </a:r>
+            <a:endParaRPr lang="fr-FR" sz="900" dirty="0">
+              <a:latin typeface="Seravek"/>
+              <a:cs typeface="Seravek"/>
+            </a:endParaRPr>
+          </a:p>
+        </p:txBody>
+      </p:sp>
+      <p:sp>
+        <p:nvSpPr>
+          <p:cNvPr id="154" name="ZoneTexte 153"/>
+          <p:cNvSpPr txBox="1"/>
+          <p:nvPr/>
+        </p:nvSpPr>
+        <p:spPr>
+          <a:xfrm>
+            <a:off x="1786634" y="2039660"/>
+            <a:ext cx="907112" cy="230832"/>
+          </a:xfrm>
+          <a:prstGeom prst="rect">
+            <a:avLst/>
+          </a:prstGeom>
+          <a:noFill/>
+        </p:spPr>
+        <p:txBody>
+          <a:bodyPr wrap="square" rtlCol="0">
+            <a:spAutoFit/>
+          </a:bodyPr>
+          <a:lstStyle/>
+          <a:p>
+            <a:pPr algn="ctr"/>
+            <a:r>
+              <a:rPr lang="fr-FR" sz="900" dirty="0" err="1" smtClean="0">
+                <a:latin typeface="Seravek"/>
+                <a:cs typeface="Seravek"/>
+              </a:rPr>
+              <a:t>guard</a:t>
+            </a:r>
+            <a:r>
+              <a:rPr lang="fr-FR" sz="900" dirty="0" smtClean="0">
+                <a:latin typeface="Seravek"/>
+                <a:cs typeface="Seravek"/>
+              </a:rPr>
+              <a:t>  </a:t>
+            </a:r>
+            <a:r>
+              <a:rPr lang="fr-FR" sz="900" dirty="0" smtClean="0">
+                <a:latin typeface="Seravek"/>
+                <a:cs typeface="Seravek"/>
+              </a:rPr>
+              <a:t>0..1</a:t>
+            </a:r>
+            <a:endParaRPr lang="fr-FR" sz="900" dirty="0">
+              <a:latin typeface="Seravek"/>
+              <a:cs typeface="Seravek"/>
+            </a:endParaRPr>
+          </a:p>
+        </p:txBody>
+      </p:sp>
+      <p:cxnSp>
+        <p:nvCxnSpPr>
+          <p:cNvPr id="155" name="Connecteur droit 154"/>
+          <p:cNvCxnSpPr/>
+          <p:nvPr/>
+        </p:nvCxnSpPr>
+        <p:spPr>
+          <a:xfrm>
+            <a:off x="2303745" y="1961759"/>
+            <a:ext cx="0" cy="291575"/>
+          </a:xfrm>
+          <a:prstGeom prst="line">
+            <a:avLst/>
+          </a:prstGeom>
+          <a:ln w="3175" cmpd="sng">
+            <a:solidFill>
+              <a:schemeClr val="tx1"/>
+            </a:solidFill>
+            <a:headEnd type="diamond" w="med" len="lg"/>
+          </a:ln>
+          <a:effectLst/>
+        </p:spPr>
+        <p:style>
+          <a:lnRef idx="2">
+            <a:schemeClr val="accent1"/>
+          </a:lnRef>
+          <a:fillRef idx="0">
+            <a:schemeClr val="accent1"/>
+          </a:fillRef>
+          <a:effectRef idx="1">
+            <a:schemeClr val="accent1"/>
+          </a:effectRef>
+          <a:fontRef idx="minor">
+            <a:schemeClr val="tx1"/>
+          </a:fontRef>
+        </p:style>
+      </p:cxnSp>
+      <p:sp>
+        <p:nvSpPr>
+          <p:cNvPr id="156" name="ZoneTexte 155"/>
+          <p:cNvSpPr txBox="1"/>
+          <p:nvPr/>
+        </p:nvSpPr>
+        <p:spPr>
+          <a:xfrm>
+            <a:off x="4613817" y="1107951"/>
+            <a:ext cx="1247726" cy="246221"/>
+          </a:xfrm>
+          <a:prstGeom prst="rect">
+            <a:avLst/>
+          </a:prstGeom>
+          <a:noFill/>
+        </p:spPr>
+        <p:txBody>
+          <a:bodyPr wrap="square" rtlCol="0">
+            <a:spAutoFit/>
+          </a:bodyPr>
+          <a:lstStyle/>
+          <a:p>
+            <a:r>
+              <a:rPr lang="fr-FR" sz="1000" dirty="0" err="1">
+                <a:latin typeface="Seravek"/>
+                <a:cs typeface="Seravek"/>
+              </a:rPr>
+              <a:t>k</a:t>
+            </a:r>
+            <a:r>
+              <a:rPr lang="fr-FR" sz="1000" dirty="0" err="1" smtClean="0">
+                <a:latin typeface="Seravek"/>
+                <a:cs typeface="Seravek"/>
+              </a:rPr>
+              <a:t>ind</a:t>
+            </a:r>
+            <a:r>
+              <a:rPr lang="fr-FR" sz="1000" dirty="0" smtClean="0">
+                <a:latin typeface="Seravek"/>
+                <a:cs typeface="Seravek"/>
+              </a:rPr>
+              <a:t> : </a:t>
+            </a:r>
+            <a:r>
+              <a:rPr lang="fr-FR" sz="1000" dirty="0" err="1" smtClean="0">
+                <a:latin typeface="Seravek"/>
+                <a:cs typeface="Seravek"/>
+              </a:rPr>
+              <a:t>PrimitiveKind</a:t>
+            </a:r>
+            <a:endParaRPr lang="fr-FR" sz="1000" dirty="0">
+              <a:latin typeface="Seravek"/>
+              <a:cs typeface="Seravek"/>
+            </a:endParaRPr>
+          </a:p>
+        </p:txBody>
+      </p:sp>
+      <p:sp>
+        <p:nvSpPr>
+          <p:cNvPr id="157" name="Rectangle 156"/>
+          <p:cNvSpPr/>
+          <p:nvPr/>
+        </p:nvSpPr>
+        <p:spPr>
+          <a:xfrm>
+            <a:off x="4677547" y="1693869"/>
+            <a:ext cx="1113565" cy="405419"/>
+          </a:xfrm>
+          <a:prstGeom prst="rect">
+            <a:avLst/>
+          </a:prstGeom>
+          <a:pattFill prst="wdDnDiag">
+            <a:fgClr>
+              <a:schemeClr val="bg1">
+                <a:lumMod val="85000"/>
+              </a:schemeClr>
+            </a:fgClr>
+            <a:bgClr>
+              <a:prstClr val="white"/>
+            </a:bgClr>
+          </a:pattFill>
+          <a:ln w="3175" cmpd="sng">
+            <a:solidFill>
+              <a:schemeClr val="tx1"/>
+            </a:solidFill>
+          </a:ln>
+          <a:effectLst/>
+        </p:spPr>
+        <p:style>
+          <a:lnRef idx="1">
+            <a:schemeClr val="accent1"/>
+          </a:lnRef>
+          <a:fillRef idx="3">
+            <a:schemeClr val="accent1"/>
+          </a:fillRef>
+          <a:effectRef idx="2">
+            <a:schemeClr val="accent1"/>
+          </a:effectRef>
+          <a:fontRef idx="minor">
+            <a:schemeClr val="lt1"/>
+          </a:fontRef>
+        </p:style>
+        <p:txBody>
+          <a:bodyPr rtlCol="0" anchor="ctr"/>
+          <a:lstStyle/>
+          <a:p>
+            <a:pPr algn="ctr"/>
+            <a:endParaRPr lang="fr-FR"/>
+          </a:p>
+        </p:txBody>
+      </p:sp>
+      <p:cxnSp>
+        <p:nvCxnSpPr>
+          <p:cNvPr id="158" name="Connecteur droit 157"/>
+          <p:cNvCxnSpPr/>
+          <p:nvPr/>
+        </p:nvCxnSpPr>
+        <p:spPr>
+          <a:xfrm>
+            <a:off x="4677547" y="1952713"/>
+            <a:ext cx="1113565" cy="0"/>
+          </a:xfrm>
+          <a:prstGeom prst="line">
+            <a:avLst/>
+          </a:prstGeom>
+          <a:ln w="3175" cmpd="sng">
+            <a:solidFill>
+              <a:srgbClr val="000000"/>
+            </a:solidFill>
+          </a:ln>
+          <a:effectLst/>
+        </p:spPr>
+        <p:style>
+          <a:lnRef idx="2">
+            <a:schemeClr val="accent1"/>
+          </a:lnRef>
+          <a:fillRef idx="0">
+            <a:schemeClr val="accent1"/>
+          </a:fillRef>
+          <a:effectRef idx="1">
+            <a:schemeClr val="accent1"/>
+          </a:effectRef>
+          <a:fontRef idx="minor">
+            <a:schemeClr val="tx1"/>
+          </a:fontRef>
+        </p:style>
+      </p:cxnSp>
+      <p:sp>
+        <p:nvSpPr>
+          <p:cNvPr id="159" name="ZoneTexte 158"/>
+          <p:cNvSpPr txBox="1"/>
+          <p:nvPr/>
+        </p:nvSpPr>
+        <p:spPr>
+          <a:xfrm>
+            <a:off x="4677547" y="1693869"/>
+            <a:ext cx="1113565" cy="276999"/>
+          </a:xfrm>
+          <a:prstGeom prst="rect">
+            <a:avLst/>
+          </a:prstGeom>
+          <a:noFill/>
+        </p:spPr>
+        <p:txBody>
+          <a:bodyPr wrap="square" rtlCol="0">
+            <a:spAutoFit/>
+          </a:bodyPr>
+          <a:lstStyle/>
+          <a:p>
+            <a:pPr algn="ctr"/>
+            <a:r>
+              <a:rPr lang="fr-FR" sz="1200" dirty="0" smtClean="0">
+                <a:latin typeface="Seravek"/>
+                <a:cs typeface="Seravek"/>
+              </a:rPr>
+              <a:t>Expression</a:t>
+            </a:r>
+            <a:endParaRPr lang="fr-FR" sz="1200" dirty="0">
+              <a:latin typeface="Seravek"/>
+              <a:cs typeface="Seravek"/>
+            </a:endParaRPr>
+          </a:p>
+        </p:txBody>
+      </p:sp>
+      <p:cxnSp>
+        <p:nvCxnSpPr>
+          <p:cNvPr id="160" name="Connecteur droit 159"/>
+          <p:cNvCxnSpPr/>
+          <p:nvPr/>
+        </p:nvCxnSpPr>
+        <p:spPr>
+          <a:xfrm flipV="1">
+            <a:off x="4294094" y="1140988"/>
+            <a:ext cx="376318" cy="3546"/>
+          </a:xfrm>
+          <a:prstGeom prst="line">
+            <a:avLst/>
+          </a:prstGeom>
+          <a:ln w="3175" cmpd="sng">
+            <a:solidFill>
+              <a:schemeClr val="tx1"/>
+            </a:solidFill>
+            <a:headEnd type="diamond" w="med" len="lg"/>
+          </a:ln>
+          <a:effectLst/>
+        </p:spPr>
+        <p:style>
+          <a:lnRef idx="2">
+            <a:schemeClr val="accent1"/>
+          </a:lnRef>
+          <a:fillRef idx="0">
+            <a:schemeClr val="accent1"/>
+          </a:fillRef>
+          <a:effectRef idx="1">
+            <a:schemeClr val="accent1"/>
+          </a:effectRef>
+          <a:fontRef idx="minor">
+            <a:schemeClr val="tx1"/>
+          </a:fontRef>
+        </p:style>
+      </p:cxnSp>
+      <p:sp>
+        <p:nvSpPr>
+          <p:cNvPr id="161" name="ZoneTexte 160"/>
+          <p:cNvSpPr txBox="1"/>
+          <p:nvPr/>
+        </p:nvSpPr>
+        <p:spPr>
+          <a:xfrm>
+            <a:off x="4078474" y="927057"/>
+            <a:ext cx="907112" cy="230832"/>
+          </a:xfrm>
+          <a:prstGeom prst="rect">
+            <a:avLst/>
+          </a:prstGeom>
+          <a:noFill/>
+        </p:spPr>
+        <p:txBody>
+          <a:bodyPr wrap="square" rtlCol="0">
+            <a:spAutoFit/>
+          </a:bodyPr>
+          <a:lstStyle/>
+          <a:p>
+            <a:pPr algn="ctr"/>
+            <a:r>
+              <a:rPr lang="fr-FR" sz="900" dirty="0" err="1">
+                <a:latin typeface="Seravek"/>
+                <a:cs typeface="Seravek"/>
+              </a:rPr>
+              <a:t>i</a:t>
+            </a:r>
+            <a:r>
+              <a:rPr lang="fr-FR" sz="900" dirty="0" err="1" smtClean="0">
+                <a:latin typeface="Seravek"/>
+                <a:cs typeface="Seravek"/>
+              </a:rPr>
+              <a:t>ns</a:t>
+            </a:r>
+            <a:r>
+              <a:rPr lang="fr-FR" sz="900" dirty="0" smtClean="0">
+                <a:latin typeface="Seravek"/>
+                <a:cs typeface="Seravek"/>
+              </a:rPr>
+              <a:t> </a:t>
+            </a:r>
+            <a:r>
+              <a:rPr lang="fr-FR" sz="900" dirty="0" smtClean="0">
+                <a:latin typeface="Seravek"/>
+                <a:cs typeface="Seravek"/>
+              </a:rPr>
+              <a:t>*</a:t>
+            </a:r>
+            <a:endParaRPr lang="fr-FR" sz="900" dirty="0">
+              <a:latin typeface="Seravek"/>
+              <a:cs typeface="Seravek"/>
+            </a:endParaRPr>
+          </a:p>
+        </p:txBody>
+      </p:sp>
+      <p:sp>
+        <p:nvSpPr>
+          <p:cNvPr id="162" name="ZoneTexte 161"/>
+          <p:cNvSpPr txBox="1"/>
+          <p:nvPr/>
+        </p:nvSpPr>
+        <p:spPr>
+          <a:xfrm>
+            <a:off x="3194984" y="1974078"/>
+            <a:ext cx="1113565" cy="707886"/>
+          </a:xfrm>
+          <a:prstGeom prst="rect">
+            <a:avLst/>
+          </a:prstGeom>
+          <a:noFill/>
+        </p:spPr>
+        <p:txBody>
+          <a:bodyPr wrap="square" rtlCol="0">
+            <a:spAutoFit/>
+          </a:bodyPr>
+          <a:lstStyle/>
+          <a:p>
+            <a:r>
+              <a:rPr lang="fr-FR" sz="1000" dirty="0" smtClean="0">
+                <a:latin typeface="Seravek"/>
+                <a:cs typeface="Seravek"/>
+              </a:rPr>
+              <a:t>Forward</a:t>
+            </a:r>
+          </a:p>
+          <a:p>
+            <a:r>
+              <a:rPr lang="fr-FR" sz="1000" dirty="0" smtClean="0">
+                <a:latin typeface="Seravek"/>
+                <a:cs typeface="Seravek"/>
+              </a:rPr>
+              <a:t>Back</a:t>
+            </a:r>
+          </a:p>
+          <a:p>
+            <a:r>
+              <a:rPr lang="fr-FR" sz="1000" dirty="0" smtClean="0">
+                <a:latin typeface="Seravek"/>
+                <a:cs typeface="Seravek"/>
+              </a:rPr>
+              <a:t>Left</a:t>
+            </a:r>
+          </a:p>
+          <a:p>
+            <a:r>
+              <a:rPr lang="fr-FR" sz="1000" dirty="0" smtClean="0">
+                <a:latin typeface="Seravek"/>
+                <a:cs typeface="Seravek"/>
+              </a:rPr>
+              <a:t>Right</a:t>
+            </a:r>
+            <a:endParaRPr lang="fr-FR" sz="1000" dirty="0" smtClean="0">
+              <a:latin typeface="Seravek"/>
+              <a:cs typeface="Seravek"/>
+            </a:endParaRPr>
+          </a:p>
+        </p:txBody>
+      </p:sp>
+      <p:cxnSp>
+        <p:nvCxnSpPr>
+          <p:cNvPr id="163" name="Connecteur droit 162"/>
+          <p:cNvCxnSpPr>
+            <a:stCxn id="156" idx="2"/>
+            <a:endCxn id="159" idx="0"/>
+          </p:cNvCxnSpPr>
+          <p:nvPr/>
+        </p:nvCxnSpPr>
+        <p:spPr>
+          <a:xfrm flipH="1">
+            <a:off x="5234330" y="1354172"/>
+            <a:ext cx="3350" cy="339697"/>
+          </a:xfrm>
+          <a:prstGeom prst="line">
+            <a:avLst/>
+          </a:prstGeom>
+          <a:ln w="3175" cmpd="sng">
+            <a:solidFill>
+              <a:schemeClr val="tx1"/>
+            </a:solidFill>
+            <a:headEnd type="diamond" w="med" len="lg"/>
+          </a:ln>
+          <a:effectLst/>
+        </p:spPr>
+        <p:style>
+          <a:lnRef idx="2">
+            <a:schemeClr val="accent1"/>
+          </a:lnRef>
+          <a:fillRef idx="0">
+            <a:schemeClr val="accent1"/>
+          </a:fillRef>
+          <a:effectRef idx="1">
+            <a:schemeClr val="accent1"/>
+          </a:effectRef>
+          <a:fontRef idx="minor">
+            <a:schemeClr val="tx1"/>
+          </a:fontRef>
+        </p:style>
+      </p:cxnSp>
+      <p:sp>
+        <p:nvSpPr>
+          <p:cNvPr id="164" name="ZoneTexte 163"/>
+          <p:cNvSpPr txBox="1"/>
+          <p:nvPr/>
+        </p:nvSpPr>
+        <p:spPr>
+          <a:xfrm>
+            <a:off x="4620146" y="1476285"/>
+            <a:ext cx="907112" cy="230832"/>
+          </a:xfrm>
+          <a:prstGeom prst="rect">
+            <a:avLst/>
+          </a:prstGeom>
+          <a:noFill/>
+        </p:spPr>
+        <p:txBody>
+          <a:bodyPr wrap="square" rtlCol="0">
+            <a:spAutoFit/>
+          </a:bodyPr>
+          <a:lstStyle/>
+          <a:p>
+            <a:pPr algn="ctr"/>
+            <a:r>
+              <a:rPr lang="fr-FR" sz="900" dirty="0" err="1">
+                <a:latin typeface="Seravek"/>
+                <a:cs typeface="Seravek"/>
+              </a:rPr>
+              <a:t>p</a:t>
+            </a:r>
+            <a:r>
+              <a:rPr lang="fr-FR" sz="900" dirty="0" err="1" smtClean="0">
+                <a:latin typeface="Seravek"/>
+                <a:cs typeface="Seravek"/>
+              </a:rPr>
+              <a:t>arams</a:t>
+            </a:r>
+            <a:r>
+              <a:rPr lang="fr-FR" sz="900" dirty="0" smtClean="0">
+                <a:latin typeface="Seravek"/>
+                <a:cs typeface="Seravek"/>
+              </a:rPr>
+              <a:t>  </a:t>
+            </a:r>
+            <a:r>
+              <a:rPr lang="fr-FR" sz="900" dirty="0" smtClean="0">
+                <a:latin typeface="Seravek"/>
+                <a:cs typeface="Seravek"/>
+              </a:rPr>
+              <a:t>*</a:t>
+            </a:r>
+            <a:endParaRPr lang="fr-FR" sz="900" dirty="0">
+              <a:latin typeface="Seravek"/>
+              <a:cs typeface="Seravek"/>
+            </a:endParaRPr>
+          </a:p>
+        </p:txBody>
+      </p:sp>
+      <p:sp>
+        <p:nvSpPr>
+          <p:cNvPr id="103" name="Forme libre 102"/>
+          <p:cNvSpPr/>
+          <p:nvPr/>
+        </p:nvSpPr>
+        <p:spPr>
+          <a:xfrm>
+            <a:off x="4503442" y="1331692"/>
+            <a:ext cx="340983" cy="3253311"/>
+          </a:xfrm>
+          <a:custGeom>
+            <a:avLst/>
+            <a:gdLst>
+              <a:gd name="connsiteX0" fmla="*/ 577230 w 577230"/>
+              <a:gd name="connsiteY0" fmla="*/ 2222310 h 2222310"/>
+              <a:gd name="connsiteX1" fmla="*/ 1045 w 577230"/>
+              <a:gd name="connsiteY1" fmla="*/ 799561 h 2222310"/>
+              <a:gd name="connsiteX2" fmla="*/ 424364 w 577230"/>
+              <a:gd name="connsiteY2" fmla="*/ 0 h 2222310"/>
+              <a:gd name="connsiteX0" fmla="*/ 597802 w 597802"/>
+              <a:gd name="connsiteY0" fmla="*/ 2222310 h 2222310"/>
+              <a:gd name="connsiteX1" fmla="*/ 1001 w 597802"/>
+              <a:gd name="connsiteY1" fmla="*/ 493846 h 2222310"/>
+              <a:gd name="connsiteX2" fmla="*/ 444936 w 597802"/>
+              <a:gd name="connsiteY2" fmla="*/ 0 h 2222310"/>
+              <a:gd name="connsiteX0" fmla="*/ 597802 w 597802"/>
+              <a:gd name="connsiteY0" fmla="*/ 2222310 h 2222310"/>
+              <a:gd name="connsiteX1" fmla="*/ 1001 w 597802"/>
+              <a:gd name="connsiteY1" fmla="*/ 952418 h 2222310"/>
+              <a:gd name="connsiteX2" fmla="*/ 444936 w 597802"/>
+              <a:gd name="connsiteY2" fmla="*/ 0 h 2222310"/>
+            </a:gdLst>
+            <a:ahLst/>
+            <a:cxnLst>
+              <a:cxn ang="0">
+                <a:pos x="connsiteX0" y="connsiteY0"/>
+              </a:cxn>
+              <a:cxn ang="0">
+                <a:pos x="connsiteX1" y="connsiteY1"/>
+              </a:cxn>
+              <a:cxn ang="0">
+                <a:pos x="connsiteX2" y="connsiteY2"/>
+              </a:cxn>
+            </a:cxnLst>
+            <a:rect l="l" t="t" r="r" b="b"/>
+            <a:pathLst>
+              <a:path w="597802" h="2222310">
+                <a:moveTo>
+                  <a:pt x="597802" y="2222310"/>
+                </a:moveTo>
+                <a:cubicBezTo>
+                  <a:pt x="322448" y="1696128"/>
+                  <a:pt x="26479" y="1322803"/>
+                  <a:pt x="1001" y="952418"/>
+                </a:cubicBezTo>
+                <a:cubicBezTo>
+                  <a:pt x="-24477" y="582033"/>
+                  <a:pt x="444936" y="0"/>
+                  <a:pt x="444936" y="0"/>
+                </a:cubicBezTo>
+              </a:path>
+            </a:pathLst>
+          </a:custGeom>
+          <a:ln w="3175" cmpd="sng">
+            <a:solidFill>
+              <a:srgbClr val="7F7F7F">
+                <a:alpha val="50000"/>
+              </a:srgbClr>
+            </a:solidFill>
+            <a:headEnd type="none"/>
+            <a:tailEnd type="arrow" w="lg" len="lg"/>
+          </a:ln>
+        </p:spPr>
+        <p:style>
+          <a:lnRef idx="2">
+            <a:schemeClr val="accent1"/>
+          </a:lnRef>
+          <a:fillRef idx="0">
+            <a:schemeClr val="accent1"/>
+          </a:fillRef>
+          <a:effectRef idx="1">
+            <a:schemeClr val="accent1"/>
+          </a:effectRef>
+          <a:fontRef idx="minor">
+            <a:schemeClr val="tx1"/>
+          </a:fontRef>
+        </p:style>
+        <p:txBody>
+          <a:bodyPr rtlCol="0" anchor="ctr"/>
+          <a:lstStyle/>
+          <a:p>
+            <a:pPr algn="ctr"/>
+            <a:endParaRPr lang="fr-FR"/>
+          </a:p>
+        </p:txBody>
+      </p:sp>
+      <p:cxnSp>
+        <p:nvCxnSpPr>
+          <p:cNvPr id="165" name="Connecteur droit 164"/>
+          <p:cNvCxnSpPr/>
+          <p:nvPr/>
+        </p:nvCxnSpPr>
+        <p:spPr>
+          <a:xfrm>
+            <a:off x="6713349" y="2240924"/>
+            <a:ext cx="0" cy="291575"/>
+          </a:xfrm>
+          <a:prstGeom prst="line">
+            <a:avLst/>
+          </a:prstGeom>
+          <a:ln w="3175" cmpd="sng">
+            <a:solidFill>
+              <a:schemeClr val="tx1"/>
+            </a:solidFill>
+            <a:headEnd type="diamond" w="med" len="lg"/>
+          </a:ln>
+          <a:effectLst/>
+        </p:spPr>
+        <p:style>
+          <a:lnRef idx="2">
+            <a:schemeClr val="accent1"/>
+          </a:lnRef>
+          <a:fillRef idx="0">
+            <a:schemeClr val="accent1"/>
+          </a:fillRef>
+          <a:effectRef idx="1">
+            <a:schemeClr val="accent1"/>
+          </a:effectRef>
+          <a:fontRef idx="minor">
+            <a:schemeClr val="tx1"/>
+          </a:fontRef>
+        </p:style>
+      </p:cxnSp>
+      <p:sp>
+        <p:nvSpPr>
+          <p:cNvPr id="166" name="ZoneTexte 165"/>
+          <p:cNvSpPr txBox="1"/>
+          <p:nvPr/>
+        </p:nvSpPr>
+        <p:spPr>
+          <a:xfrm>
+            <a:off x="6108203" y="2332012"/>
+            <a:ext cx="907112" cy="230832"/>
+          </a:xfrm>
+          <a:prstGeom prst="rect">
+            <a:avLst/>
+          </a:prstGeom>
+          <a:noFill/>
+        </p:spPr>
+        <p:txBody>
+          <a:bodyPr wrap="square" rtlCol="0">
+            <a:spAutoFit/>
+          </a:bodyPr>
+          <a:lstStyle/>
+          <a:p>
+            <a:pPr algn="ctr"/>
+            <a:r>
+              <a:rPr lang="fr-FR" sz="900" dirty="0" smtClean="0">
+                <a:latin typeface="Seravek"/>
+                <a:cs typeface="Seravek"/>
+              </a:rPr>
+              <a:t>actions  </a:t>
+            </a:r>
+            <a:r>
+              <a:rPr lang="fr-FR" sz="900" dirty="0" smtClean="0">
+                <a:latin typeface="Seravek"/>
+                <a:cs typeface="Seravek"/>
+              </a:rPr>
+              <a:t>*</a:t>
+            </a:r>
+            <a:endParaRPr lang="fr-FR" sz="900" dirty="0">
+              <a:latin typeface="Seravek"/>
+              <a:cs typeface="Seravek"/>
+            </a:endParaRPr>
+          </a:p>
+        </p:txBody>
+      </p:sp>
+      <p:sp>
+        <p:nvSpPr>
+          <p:cNvPr id="167" name="Rectangle 166"/>
+          <p:cNvSpPr/>
+          <p:nvPr/>
+        </p:nvSpPr>
+        <p:spPr>
+          <a:xfrm>
+            <a:off x="7501368" y="1840444"/>
+            <a:ext cx="1113565" cy="405419"/>
+          </a:xfrm>
+          <a:prstGeom prst="rect">
+            <a:avLst/>
+          </a:prstGeom>
+          <a:solidFill>
+            <a:schemeClr val="bg1"/>
+          </a:solidFill>
+          <a:ln w="3175" cmpd="sng">
+            <a:solidFill>
+              <a:schemeClr val="tx1"/>
+            </a:solidFill>
+          </a:ln>
+          <a:effectLst/>
+        </p:spPr>
+        <p:style>
+          <a:lnRef idx="1">
+            <a:schemeClr val="accent1"/>
+          </a:lnRef>
+          <a:fillRef idx="3">
+            <a:schemeClr val="accent1"/>
+          </a:fillRef>
+          <a:effectRef idx="2">
+            <a:schemeClr val="accent1"/>
+          </a:effectRef>
+          <a:fontRef idx="minor">
+            <a:schemeClr val="lt1"/>
+          </a:fontRef>
+        </p:style>
+        <p:txBody>
+          <a:bodyPr rtlCol="0" anchor="ctr"/>
+          <a:lstStyle/>
+          <a:p>
+            <a:pPr algn="ctr"/>
+            <a:endParaRPr lang="fr-FR"/>
+          </a:p>
+        </p:txBody>
+      </p:sp>
+      <p:cxnSp>
+        <p:nvCxnSpPr>
+          <p:cNvPr id="168" name="Connecteur droit 167"/>
+          <p:cNvCxnSpPr/>
+          <p:nvPr/>
+        </p:nvCxnSpPr>
+        <p:spPr>
+          <a:xfrm>
+            <a:off x="7501368" y="2099288"/>
+            <a:ext cx="1113565" cy="0"/>
+          </a:xfrm>
+          <a:prstGeom prst="line">
+            <a:avLst/>
+          </a:prstGeom>
+          <a:ln w="3175" cmpd="sng">
+            <a:solidFill>
+              <a:srgbClr val="000000"/>
+            </a:solidFill>
+          </a:ln>
+          <a:effectLst/>
+        </p:spPr>
+        <p:style>
+          <a:lnRef idx="2">
+            <a:schemeClr val="accent1"/>
+          </a:lnRef>
+          <a:fillRef idx="0">
+            <a:schemeClr val="accent1"/>
+          </a:fillRef>
+          <a:effectRef idx="1">
+            <a:schemeClr val="accent1"/>
+          </a:effectRef>
+          <a:fontRef idx="minor">
+            <a:schemeClr val="tx1"/>
+          </a:fontRef>
+        </p:style>
+      </p:cxnSp>
+      <p:sp>
+        <p:nvSpPr>
+          <p:cNvPr id="169" name="ZoneTexte 168"/>
+          <p:cNvSpPr txBox="1"/>
+          <p:nvPr/>
+        </p:nvSpPr>
+        <p:spPr>
+          <a:xfrm>
+            <a:off x="7501368" y="1840444"/>
+            <a:ext cx="1113565" cy="276999"/>
+          </a:xfrm>
+          <a:prstGeom prst="rect">
+            <a:avLst/>
+          </a:prstGeom>
+          <a:noFill/>
+        </p:spPr>
+        <p:txBody>
+          <a:bodyPr wrap="square" rtlCol="0">
+            <a:spAutoFit/>
+          </a:bodyPr>
+          <a:lstStyle/>
+          <a:p>
+            <a:pPr algn="ctr"/>
+            <a:r>
+              <a:rPr lang="fr-FR" sz="1200" dirty="0" err="1" smtClean="0">
+                <a:latin typeface="Seravek"/>
+                <a:cs typeface="Seravek"/>
+              </a:rPr>
+              <a:t>Decision</a:t>
+            </a:r>
+            <a:endParaRPr lang="fr-FR" sz="1200" dirty="0">
+              <a:latin typeface="Seravek"/>
+              <a:cs typeface="Seravek"/>
+            </a:endParaRPr>
+          </a:p>
+        </p:txBody>
+      </p:sp>
+      <p:cxnSp>
+        <p:nvCxnSpPr>
+          <p:cNvPr id="170" name="Connecteur droit 169"/>
+          <p:cNvCxnSpPr/>
+          <p:nvPr/>
+        </p:nvCxnSpPr>
+        <p:spPr>
+          <a:xfrm>
+            <a:off x="8114253" y="2231326"/>
+            <a:ext cx="0" cy="291575"/>
+          </a:xfrm>
+          <a:prstGeom prst="line">
+            <a:avLst/>
+          </a:prstGeom>
+          <a:ln w="3175" cmpd="sng">
+            <a:solidFill>
+              <a:schemeClr val="tx1"/>
+            </a:solidFill>
+            <a:headEnd type="diamond" w="med" len="lg"/>
+          </a:ln>
+          <a:effectLst/>
+        </p:spPr>
+        <p:style>
+          <a:lnRef idx="2">
+            <a:schemeClr val="accent1"/>
+          </a:lnRef>
+          <a:fillRef idx="0">
+            <a:schemeClr val="accent1"/>
+          </a:fillRef>
+          <a:effectRef idx="1">
+            <a:schemeClr val="accent1"/>
+          </a:effectRef>
+          <a:fontRef idx="minor">
+            <a:schemeClr val="tx1"/>
+          </a:fontRef>
+        </p:style>
+      </p:cxnSp>
+      <p:sp>
+        <p:nvSpPr>
+          <p:cNvPr id="171" name="ZoneTexte 170"/>
+          <p:cNvSpPr txBox="1"/>
+          <p:nvPr/>
+        </p:nvSpPr>
+        <p:spPr>
+          <a:xfrm>
+            <a:off x="7551917" y="2315280"/>
+            <a:ext cx="907112" cy="230832"/>
+          </a:xfrm>
+          <a:prstGeom prst="rect">
+            <a:avLst/>
+          </a:prstGeom>
+          <a:noFill/>
+        </p:spPr>
+        <p:txBody>
+          <a:bodyPr wrap="square" rtlCol="0">
+            <a:spAutoFit/>
+          </a:bodyPr>
+          <a:lstStyle/>
+          <a:p>
+            <a:pPr algn="ctr"/>
+            <a:r>
+              <a:rPr lang="fr-FR" sz="900" dirty="0" err="1">
+                <a:latin typeface="Seravek"/>
+                <a:cs typeface="Seravek"/>
+              </a:rPr>
+              <a:t>g</a:t>
+            </a:r>
+            <a:r>
+              <a:rPr lang="fr-FR" sz="900" dirty="0" err="1" smtClean="0">
+                <a:latin typeface="Seravek"/>
+                <a:cs typeface="Seravek"/>
+              </a:rPr>
+              <a:t>uard</a:t>
+            </a:r>
+            <a:r>
+              <a:rPr lang="fr-FR" sz="900" dirty="0" smtClean="0">
+                <a:latin typeface="Seravek"/>
+                <a:cs typeface="Seravek"/>
+              </a:rPr>
+              <a:t>   </a:t>
+            </a:r>
+            <a:r>
+              <a:rPr lang="fr-FR" sz="900" dirty="0" smtClean="0">
+                <a:latin typeface="Seravek"/>
+                <a:cs typeface="Seravek"/>
+              </a:rPr>
+              <a:t>*</a:t>
+            </a:r>
+            <a:endParaRPr lang="fr-FR" sz="900" dirty="0">
+              <a:latin typeface="Seravek"/>
+              <a:cs typeface="Seravek"/>
+            </a:endParaRPr>
+          </a:p>
+        </p:txBody>
+      </p:sp>
+      <p:sp>
+        <p:nvSpPr>
+          <p:cNvPr id="36" name="Triangle isocèle 35"/>
+          <p:cNvSpPr/>
+          <p:nvPr/>
+        </p:nvSpPr>
+        <p:spPr>
+          <a:xfrm>
+            <a:off x="7324699" y="1554863"/>
+            <a:ext cx="131244" cy="122113"/>
+          </a:xfrm>
+          <a:prstGeom prst="triangle">
+            <a:avLst/>
+          </a:prstGeom>
+          <a:solidFill>
+            <a:schemeClr val="bg1"/>
+          </a:solidFill>
+          <a:ln w="3175" cmpd="sng">
+            <a:solidFill>
+              <a:schemeClr val="tx1"/>
+            </a:solidFill>
+            <a:prstDash val="solid"/>
+          </a:ln>
+          <a:effectLst/>
+        </p:spPr>
+        <p:style>
+          <a:lnRef idx="1">
+            <a:schemeClr val="accent1"/>
+          </a:lnRef>
+          <a:fillRef idx="3">
+            <a:schemeClr val="accent1"/>
+          </a:fillRef>
+          <a:effectRef idx="2">
+            <a:schemeClr val="accent1"/>
+          </a:effectRef>
+          <a:fontRef idx="minor">
+            <a:schemeClr val="lt1"/>
+          </a:fontRef>
+        </p:style>
+        <p:txBody>
+          <a:bodyPr rtlCol="0" anchor="ctr"/>
+          <a:lstStyle/>
+          <a:p>
+            <a:pPr algn="ctr"/>
+            <a:endParaRPr lang="fr-FR"/>
+          </a:p>
+        </p:txBody>
+      </p:sp>
+      <p:cxnSp>
+        <p:nvCxnSpPr>
+          <p:cNvPr id="172" name="Connecteur droit 171"/>
+          <p:cNvCxnSpPr/>
+          <p:nvPr/>
+        </p:nvCxnSpPr>
+        <p:spPr>
+          <a:xfrm>
+            <a:off x="6713349" y="1745598"/>
+            <a:ext cx="1344802" cy="0"/>
+          </a:xfrm>
+          <a:prstGeom prst="line">
+            <a:avLst/>
+          </a:prstGeom>
+          <a:ln w="3175" cmpd="sng">
+            <a:solidFill>
+              <a:schemeClr val="tx1"/>
+            </a:solidFill>
+          </a:ln>
+          <a:effectLst/>
+        </p:spPr>
+        <p:style>
+          <a:lnRef idx="2">
+            <a:schemeClr val="accent1"/>
+          </a:lnRef>
+          <a:fillRef idx="0">
+            <a:schemeClr val="accent1"/>
+          </a:fillRef>
+          <a:effectRef idx="1">
+            <a:schemeClr val="accent1"/>
+          </a:effectRef>
+          <a:fontRef idx="minor">
+            <a:schemeClr val="tx1"/>
+          </a:fontRef>
+        </p:style>
+      </p:cxnSp>
+      <p:cxnSp>
+        <p:nvCxnSpPr>
+          <p:cNvPr id="173" name="Connecteur droit 172"/>
+          <p:cNvCxnSpPr>
+            <a:stCxn id="169" idx="0"/>
+          </p:cNvCxnSpPr>
+          <p:nvPr/>
+        </p:nvCxnSpPr>
+        <p:spPr>
+          <a:xfrm flipV="1">
+            <a:off x="8058151" y="1745598"/>
+            <a:ext cx="0" cy="94846"/>
+          </a:xfrm>
+          <a:prstGeom prst="line">
+            <a:avLst/>
+          </a:prstGeom>
+          <a:ln w="3175" cmpd="sng">
+            <a:solidFill>
+              <a:schemeClr val="tx1"/>
+            </a:solidFill>
+          </a:ln>
+          <a:effectLst/>
+        </p:spPr>
+        <p:style>
+          <a:lnRef idx="2">
+            <a:schemeClr val="accent1"/>
+          </a:lnRef>
+          <a:fillRef idx="0">
+            <a:schemeClr val="accent1"/>
+          </a:fillRef>
+          <a:effectRef idx="1">
+            <a:schemeClr val="accent1"/>
+          </a:effectRef>
+          <a:fontRef idx="minor">
+            <a:schemeClr val="tx1"/>
+          </a:fontRef>
+        </p:style>
+      </p:cxnSp>
+      <p:cxnSp>
+        <p:nvCxnSpPr>
+          <p:cNvPr id="174" name="Connecteur droit 173"/>
+          <p:cNvCxnSpPr/>
+          <p:nvPr/>
+        </p:nvCxnSpPr>
+        <p:spPr>
+          <a:xfrm flipV="1">
+            <a:off x="6713349" y="1745598"/>
+            <a:ext cx="0" cy="94846"/>
+          </a:xfrm>
+          <a:prstGeom prst="line">
+            <a:avLst/>
+          </a:prstGeom>
+          <a:ln w="3175" cmpd="sng">
+            <a:solidFill>
+              <a:schemeClr val="tx1"/>
+            </a:solidFill>
+          </a:ln>
+          <a:effectLst/>
+        </p:spPr>
+        <p:style>
+          <a:lnRef idx="2">
+            <a:schemeClr val="accent1"/>
+          </a:lnRef>
+          <a:fillRef idx="0">
+            <a:schemeClr val="accent1"/>
+          </a:fillRef>
+          <a:effectRef idx="1">
+            <a:schemeClr val="accent1"/>
+          </a:effectRef>
+          <a:fontRef idx="minor">
+            <a:schemeClr val="tx1"/>
+          </a:fontRef>
+        </p:style>
+      </p:cxnSp>
+      <p:cxnSp>
+        <p:nvCxnSpPr>
+          <p:cNvPr id="175" name="Connecteur droit 174"/>
+          <p:cNvCxnSpPr/>
+          <p:nvPr/>
+        </p:nvCxnSpPr>
+        <p:spPr>
+          <a:xfrm flipV="1">
+            <a:off x="7388731" y="1676976"/>
+            <a:ext cx="0" cy="68622"/>
+          </a:xfrm>
+          <a:prstGeom prst="line">
+            <a:avLst/>
+          </a:prstGeom>
+          <a:ln w="3175" cmpd="sng">
+            <a:solidFill>
+              <a:schemeClr val="tx1"/>
+            </a:solidFill>
+          </a:ln>
+          <a:effectLst/>
+        </p:spPr>
+        <p:style>
+          <a:lnRef idx="2">
+            <a:schemeClr val="accent1"/>
+          </a:lnRef>
+          <a:fillRef idx="0">
+            <a:schemeClr val="accent1"/>
+          </a:fillRef>
+          <a:effectRef idx="1">
+            <a:schemeClr val="accent1"/>
+          </a:effectRef>
+          <a:fontRef idx="minor">
+            <a:schemeClr val="tx1"/>
+          </a:fontRef>
+        </p:style>
+      </p:cxnSp>
+      <p:sp>
+        <p:nvSpPr>
+          <p:cNvPr id="176" name="Rectangle 175"/>
+          <p:cNvSpPr/>
+          <p:nvPr/>
+        </p:nvSpPr>
+        <p:spPr>
+          <a:xfrm>
+            <a:off x="7707942" y="669204"/>
+            <a:ext cx="1012565" cy="396935"/>
+          </a:xfrm>
+          <a:prstGeom prst="rect">
+            <a:avLst/>
+          </a:prstGeom>
+          <a:solidFill>
+            <a:schemeClr val="bg1"/>
+          </a:solidFill>
+          <a:ln w="3175" cmpd="sng">
+            <a:solidFill>
+              <a:schemeClr val="tx1"/>
+            </a:solidFill>
+          </a:ln>
+          <a:effectLst/>
+        </p:spPr>
+        <p:style>
+          <a:lnRef idx="1">
+            <a:schemeClr val="accent1"/>
+          </a:lnRef>
+          <a:fillRef idx="3">
+            <a:schemeClr val="accent1"/>
+          </a:fillRef>
+          <a:effectRef idx="2">
+            <a:schemeClr val="accent1"/>
+          </a:effectRef>
+          <a:fontRef idx="minor">
+            <a:schemeClr val="lt1"/>
+          </a:fontRef>
+        </p:style>
+        <p:txBody>
+          <a:bodyPr rtlCol="0" anchor="ctr"/>
+          <a:lstStyle/>
+          <a:p>
+            <a:pPr algn="ctr"/>
+            <a:endParaRPr lang="fr-FR"/>
+          </a:p>
+        </p:txBody>
+      </p:sp>
+      <p:cxnSp>
+        <p:nvCxnSpPr>
+          <p:cNvPr id="177" name="Connecteur droit 176"/>
+          <p:cNvCxnSpPr/>
+          <p:nvPr/>
+        </p:nvCxnSpPr>
+        <p:spPr>
+          <a:xfrm>
+            <a:off x="7707942" y="928048"/>
+            <a:ext cx="1012565" cy="0"/>
+          </a:xfrm>
+          <a:prstGeom prst="line">
+            <a:avLst/>
+          </a:prstGeom>
+          <a:ln w="3175" cmpd="sng">
+            <a:solidFill>
+              <a:srgbClr val="000000"/>
+            </a:solidFill>
+          </a:ln>
+          <a:effectLst/>
+        </p:spPr>
+        <p:style>
+          <a:lnRef idx="2">
+            <a:schemeClr val="accent1"/>
+          </a:lnRef>
+          <a:fillRef idx="0">
+            <a:schemeClr val="accent1"/>
+          </a:fillRef>
+          <a:effectRef idx="1">
+            <a:schemeClr val="accent1"/>
+          </a:effectRef>
+          <a:fontRef idx="minor">
+            <a:schemeClr val="tx1"/>
+          </a:fontRef>
+        </p:style>
+      </p:cxnSp>
+      <p:sp>
+        <p:nvSpPr>
+          <p:cNvPr id="178" name="ZoneTexte 177"/>
+          <p:cNvSpPr txBox="1"/>
+          <p:nvPr/>
+        </p:nvSpPr>
+        <p:spPr>
+          <a:xfrm>
+            <a:off x="7707942" y="669205"/>
+            <a:ext cx="1012565" cy="276999"/>
+          </a:xfrm>
+          <a:prstGeom prst="rect">
+            <a:avLst/>
+          </a:prstGeom>
+          <a:noFill/>
+        </p:spPr>
+        <p:txBody>
+          <a:bodyPr wrap="square" rtlCol="0">
+            <a:spAutoFit/>
+          </a:bodyPr>
+          <a:lstStyle/>
+          <a:p>
+            <a:pPr algn="ctr"/>
+            <a:r>
+              <a:rPr lang="fr-FR" sz="1200" dirty="0" smtClean="0">
+                <a:latin typeface="Seravek"/>
+                <a:cs typeface="Seravek"/>
+              </a:rPr>
+              <a:t>Arc</a:t>
+            </a:r>
+            <a:endParaRPr lang="fr-FR" sz="1200" dirty="0">
+              <a:latin typeface="Seravek"/>
+              <a:cs typeface="Seravek"/>
+            </a:endParaRPr>
+          </a:p>
+        </p:txBody>
+      </p:sp>
+      <p:cxnSp>
+        <p:nvCxnSpPr>
+          <p:cNvPr id="179" name="Connecteur droit 178"/>
+          <p:cNvCxnSpPr/>
+          <p:nvPr/>
+        </p:nvCxnSpPr>
+        <p:spPr>
+          <a:xfrm>
+            <a:off x="7222211" y="771525"/>
+            <a:ext cx="485731" cy="0"/>
+          </a:xfrm>
+          <a:prstGeom prst="line">
+            <a:avLst/>
+          </a:prstGeom>
+          <a:ln w="3175" cmpd="sng">
+            <a:solidFill>
+              <a:schemeClr val="tx1"/>
+            </a:solidFill>
+            <a:headEnd type="diamond" w="med" len="lg"/>
+          </a:ln>
+          <a:effectLst/>
+        </p:spPr>
+        <p:style>
+          <a:lnRef idx="2">
+            <a:schemeClr val="accent1"/>
+          </a:lnRef>
+          <a:fillRef idx="0">
+            <a:schemeClr val="accent1"/>
+          </a:fillRef>
+          <a:effectRef idx="1">
+            <a:schemeClr val="accent1"/>
+          </a:effectRef>
+          <a:fontRef idx="minor">
+            <a:schemeClr val="tx1"/>
+          </a:fontRef>
+        </p:style>
+      </p:cxnSp>
+      <p:cxnSp>
+        <p:nvCxnSpPr>
+          <p:cNvPr id="180" name="Connecteur droit 179"/>
+          <p:cNvCxnSpPr/>
+          <p:nvPr/>
+        </p:nvCxnSpPr>
+        <p:spPr>
+          <a:xfrm>
+            <a:off x="7222211" y="939806"/>
+            <a:ext cx="363353" cy="0"/>
+          </a:xfrm>
+          <a:prstGeom prst="line">
+            <a:avLst/>
+          </a:prstGeom>
+          <a:ln w="3175" cmpd="sng">
+            <a:solidFill>
+              <a:schemeClr val="tx1"/>
+            </a:solidFill>
+            <a:headEnd type="diamond" w="med" len="lg"/>
+          </a:ln>
+          <a:effectLst/>
+        </p:spPr>
+        <p:style>
+          <a:lnRef idx="2">
+            <a:schemeClr val="accent1"/>
+          </a:lnRef>
+          <a:fillRef idx="0">
+            <a:schemeClr val="accent1"/>
+          </a:fillRef>
+          <a:effectRef idx="1">
+            <a:schemeClr val="accent1"/>
+          </a:effectRef>
+          <a:fontRef idx="minor">
+            <a:schemeClr val="tx1"/>
+          </a:fontRef>
+        </p:style>
+      </p:cxnSp>
+      <p:cxnSp>
+        <p:nvCxnSpPr>
+          <p:cNvPr id="181" name="Connecteur droit 180"/>
+          <p:cNvCxnSpPr/>
+          <p:nvPr/>
+        </p:nvCxnSpPr>
+        <p:spPr>
+          <a:xfrm flipV="1">
+            <a:off x="7585564" y="939806"/>
+            <a:ext cx="0" cy="207622"/>
+          </a:xfrm>
+          <a:prstGeom prst="line">
+            <a:avLst/>
+          </a:prstGeom>
+          <a:ln w="3175" cmpd="sng">
+            <a:solidFill>
+              <a:schemeClr val="tx1"/>
+            </a:solidFill>
+          </a:ln>
+          <a:effectLst/>
+        </p:spPr>
+        <p:style>
+          <a:lnRef idx="2">
+            <a:schemeClr val="accent1"/>
+          </a:lnRef>
+          <a:fillRef idx="0">
+            <a:schemeClr val="accent1"/>
+          </a:fillRef>
+          <a:effectRef idx="1">
+            <a:schemeClr val="accent1"/>
+          </a:effectRef>
+          <a:fontRef idx="minor">
+            <a:schemeClr val="tx1"/>
+          </a:fontRef>
+        </p:style>
+      </p:cxnSp>
+      <p:sp>
+        <p:nvSpPr>
+          <p:cNvPr id="183" name="ZoneTexte 182"/>
+          <p:cNvSpPr txBox="1"/>
+          <p:nvPr/>
+        </p:nvSpPr>
+        <p:spPr>
+          <a:xfrm>
+            <a:off x="7006203" y="943028"/>
+            <a:ext cx="907112" cy="230832"/>
+          </a:xfrm>
+          <a:prstGeom prst="rect">
+            <a:avLst/>
+          </a:prstGeom>
+          <a:noFill/>
+        </p:spPr>
+        <p:txBody>
+          <a:bodyPr wrap="square" rtlCol="0">
+            <a:spAutoFit/>
+          </a:bodyPr>
+          <a:lstStyle/>
+          <a:p>
+            <a:pPr algn="ctr"/>
+            <a:r>
+              <a:rPr lang="fr-FR" sz="900" dirty="0" err="1">
+                <a:latin typeface="Seravek"/>
+                <a:cs typeface="Seravek"/>
+              </a:rPr>
+              <a:t>n</a:t>
+            </a:r>
+            <a:r>
+              <a:rPr lang="fr-FR" sz="900" dirty="0" err="1" smtClean="0">
+                <a:latin typeface="Seravek"/>
+                <a:cs typeface="Seravek"/>
+              </a:rPr>
+              <a:t>odes</a:t>
+            </a:r>
+            <a:r>
+              <a:rPr lang="fr-FR" sz="900" dirty="0" smtClean="0">
+                <a:latin typeface="Seravek"/>
+                <a:cs typeface="Seravek"/>
+              </a:rPr>
+              <a:t>  </a:t>
+            </a:r>
+            <a:r>
+              <a:rPr lang="fr-FR" sz="900" dirty="0" smtClean="0">
+                <a:latin typeface="Seravek"/>
+                <a:cs typeface="Seravek"/>
+              </a:rPr>
+              <a:t>*</a:t>
+            </a:r>
+            <a:endParaRPr lang="fr-FR" sz="900" dirty="0">
+              <a:latin typeface="Seravek"/>
+              <a:cs typeface="Seravek"/>
+            </a:endParaRPr>
+          </a:p>
+        </p:txBody>
+      </p:sp>
+      <p:sp>
+        <p:nvSpPr>
+          <p:cNvPr id="185" name="ZoneTexte 184"/>
+          <p:cNvSpPr txBox="1"/>
+          <p:nvPr/>
+        </p:nvSpPr>
+        <p:spPr>
+          <a:xfrm>
+            <a:off x="7085661" y="584957"/>
+            <a:ext cx="907112" cy="230832"/>
+          </a:xfrm>
+          <a:prstGeom prst="rect">
+            <a:avLst/>
+          </a:prstGeom>
+          <a:noFill/>
+        </p:spPr>
+        <p:txBody>
+          <a:bodyPr wrap="square" rtlCol="0">
+            <a:spAutoFit/>
+          </a:bodyPr>
+          <a:lstStyle/>
+          <a:p>
+            <a:pPr algn="ctr"/>
+            <a:r>
+              <a:rPr lang="fr-FR" sz="900" dirty="0">
+                <a:latin typeface="Seravek"/>
+                <a:cs typeface="Seravek"/>
+              </a:rPr>
+              <a:t>a</a:t>
+            </a:r>
+            <a:r>
+              <a:rPr lang="fr-FR" sz="900" dirty="0" smtClean="0">
+                <a:latin typeface="Seravek"/>
+                <a:cs typeface="Seravek"/>
+              </a:rPr>
+              <a:t>rcs  </a:t>
+            </a:r>
+            <a:r>
+              <a:rPr lang="fr-FR" sz="900" dirty="0" smtClean="0">
+                <a:latin typeface="Seravek"/>
+                <a:cs typeface="Seravek"/>
+              </a:rPr>
+              <a:t>*</a:t>
+            </a:r>
+            <a:endParaRPr lang="fr-FR" sz="900" dirty="0">
+              <a:latin typeface="Seravek"/>
+              <a:cs typeface="Seravek"/>
+            </a:endParaRPr>
+          </a:p>
+        </p:txBody>
+      </p:sp>
+      <p:sp>
+        <p:nvSpPr>
+          <p:cNvPr id="186" name="Rectangle à coins arrondis 185"/>
+          <p:cNvSpPr/>
+          <p:nvPr/>
+        </p:nvSpPr>
+        <p:spPr>
+          <a:xfrm>
+            <a:off x="6096159" y="3714591"/>
+            <a:ext cx="1114380" cy="344292"/>
+          </a:xfrm>
+          <a:prstGeom prst="roundRect">
+            <a:avLst>
+              <a:gd name="adj" fmla="val 9821"/>
+            </a:avLst>
+          </a:prstGeom>
+          <a:solidFill>
+            <a:srgbClr val="FFFFFF"/>
+          </a:solidFill>
+          <a:ln w="3175" cmpd="sng">
+            <a:solidFill>
+              <a:srgbClr val="000000"/>
+            </a:solidFill>
+          </a:ln>
+          <a:effectLst/>
+        </p:spPr>
+        <p:style>
+          <a:lnRef idx="1">
+            <a:schemeClr val="accent1"/>
+          </a:lnRef>
+          <a:fillRef idx="3">
+            <a:schemeClr val="accent1"/>
+          </a:fillRef>
+          <a:effectRef idx="2">
+            <a:schemeClr val="accent1"/>
+          </a:effectRef>
+          <a:fontRef idx="minor">
+            <a:schemeClr val="lt1"/>
+          </a:fontRef>
+        </p:style>
+        <p:txBody>
+          <a:bodyPr rtlCol="0" anchor="ctr"/>
+          <a:lstStyle/>
+          <a:p>
+            <a:pPr algn="ctr"/>
+            <a:endParaRPr lang="fr-FR"/>
+          </a:p>
+        </p:txBody>
+      </p:sp>
+      <p:sp>
+        <p:nvSpPr>
+          <p:cNvPr id="187" name="ZoneTexte 186"/>
+          <p:cNvSpPr txBox="1"/>
+          <p:nvPr/>
+        </p:nvSpPr>
+        <p:spPr>
+          <a:xfrm>
+            <a:off x="6067830" y="3749864"/>
+            <a:ext cx="1309230" cy="276999"/>
+          </a:xfrm>
+          <a:prstGeom prst="rect">
+            <a:avLst/>
+          </a:prstGeom>
+          <a:noFill/>
+        </p:spPr>
+        <p:txBody>
+          <a:bodyPr wrap="square" rtlCol="0">
+            <a:spAutoFit/>
+          </a:bodyPr>
+          <a:lstStyle/>
+          <a:p>
+            <a:r>
+              <a:rPr lang="fr-FR" sz="1200" dirty="0" err="1" smtClean="0">
+                <a:latin typeface="Seravek"/>
+                <a:cs typeface="Seravek"/>
+              </a:rPr>
+              <a:t>execute</a:t>
+            </a:r>
+            <a:r>
+              <a:rPr lang="fr-FR" sz="1200" dirty="0" smtClean="0">
+                <a:latin typeface="Seravek"/>
+                <a:cs typeface="Seravek"/>
+              </a:rPr>
+              <a:t>(</a:t>
+            </a:r>
+            <a:r>
+              <a:rPr lang="fr-FR" sz="1200" dirty="0" smtClean="0">
+                <a:latin typeface="Seravek"/>
+                <a:cs typeface="Seravek"/>
+              </a:rPr>
+              <a:t>) : </a:t>
+            </a:r>
+            <a:r>
+              <a:rPr lang="fr-FR" sz="1200" b="1" dirty="0" err="1" smtClean="0">
+                <a:latin typeface="Seravek"/>
+                <a:cs typeface="Seravek"/>
+              </a:rPr>
+              <a:t>void</a:t>
+            </a:r>
+            <a:endParaRPr lang="fr-FR" sz="1200" b="1" dirty="0">
+              <a:latin typeface="Seravek"/>
+              <a:cs typeface="Seravek"/>
+            </a:endParaRPr>
+          </a:p>
+        </p:txBody>
+      </p:sp>
+      <p:sp>
+        <p:nvSpPr>
+          <p:cNvPr id="188" name="ZoneTexte 187"/>
+          <p:cNvSpPr txBox="1"/>
+          <p:nvPr/>
+        </p:nvSpPr>
+        <p:spPr>
+          <a:xfrm>
+            <a:off x="5962814" y="3461108"/>
+            <a:ext cx="1390728" cy="276999"/>
+          </a:xfrm>
+          <a:prstGeom prst="rect">
+            <a:avLst/>
+          </a:prstGeom>
+          <a:noFill/>
+        </p:spPr>
+        <p:txBody>
+          <a:bodyPr wrap="square" lIns="36000" rIns="36000" rtlCol="0">
+            <a:spAutoFit/>
+          </a:bodyPr>
+          <a:lstStyle/>
+          <a:p>
+            <a:pPr algn="ctr"/>
+            <a:r>
+              <a:rPr lang="fr-FR" sz="1100" b="1" dirty="0" smtClean="0">
+                <a:latin typeface="Seravek"/>
+                <a:cs typeface="Seravek"/>
+              </a:rPr>
+              <a:t>@Aspect</a:t>
+            </a:r>
+            <a:r>
+              <a:rPr lang="fr-FR" sz="1100" b="1" dirty="0" smtClean="0">
+                <a:latin typeface="Seravek"/>
+                <a:cs typeface="Seravek"/>
+              </a:rPr>
+              <a:t>(</a:t>
+            </a:r>
+            <a:r>
+              <a:rPr lang="fr-FR" sz="1100" b="1" dirty="0" err="1" smtClean="0">
+                <a:latin typeface="Seravek"/>
+                <a:cs typeface="Seravek"/>
+              </a:rPr>
+              <a:t>Flowchart</a:t>
+            </a:r>
+            <a:r>
+              <a:rPr lang="fr-FR" sz="1200" b="1" dirty="0" smtClean="0">
+                <a:latin typeface="Seravek"/>
+                <a:cs typeface="Seravek"/>
+              </a:rPr>
+              <a:t>)</a:t>
+            </a:r>
+            <a:endParaRPr lang="fr-FR" sz="1200" b="1" dirty="0">
+              <a:latin typeface="Seravek"/>
+              <a:cs typeface="Seravek"/>
+            </a:endParaRPr>
+          </a:p>
+        </p:txBody>
+      </p:sp>
+      <p:sp>
+        <p:nvSpPr>
+          <p:cNvPr id="189" name="Rectangle à coins arrondis 188"/>
+          <p:cNvSpPr/>
+          <p:nvPr/>
+        </p:nvSpPr>
+        <p:spPr>
+          <a:xfrm>
+            <a:off x="7492661" y="3704068"/>
+            <a:ext cx="1114380" cy="344292"/>
+          </a:xfrm>
+          <a:prstGeom prst="roundRect">
+            <a:avLst>
+              <a:gd name="adj" fmla="val 9821"/>
+            </a:avLst>
+          </a:prstGeom>
+          <a:solidFill>
+            <a:srgbClr val="FFFFFF"/>
+          </a:solidFill>
+          <a:ln w="3175" cmpd="sng">
+            <a:solidFill>
+              <a:srgbClr val="000000"/>
+            </a:solidFill>
+          </a:ln>
+          <a:effectLst/>
+        </p:spPr>
+        <p:style>
+          <a:lnRef idx="1">
+            <a:schemeClr val="accent1"/>
+          </a:lnRef>
+          <a:fillRef idx="3">
+            <a:schemeClr val="accent1"/>
+          </a:fillRef>
+          <a:effectRef idx="2">
+            <a:schemeClr val="accent1"/>
+          </a:effectRef>
+          <a:fontRef idx="minor">
+            <a:schemeClr val="lt1"/>
+          </a:fontRef>
+        </p:style>
+        <p:txBody>
+          <a:bodyPr rtlCol="0" anchor="ctr"/>
+          <a:lstStyle/>
+          <a:p>
+            <a:pPr algn="ctr"/>
+            <a:endParaRPr lang="fr-FR"/>
+          </a:p>
+        </p:txBody>
+      </p:sp>
+      <p:sp>
+        <p:nvSpPr>
+          <p:cNvPr id="190" name="ZoneTexte 189"/>
+          <p:cNvSpPr txBox="1"/>
+          <p:nvPr/>
+        </p:nvSpPr>
+        <p:spPr>
+          <a:xfrm>
+            <a:off x="7464332" y="3739341"/>
+            <a:ext cx="1309230" cy="276999"/>
+          </a:xfrm>
+          <a:prstGeom prst="rect">
+            <a:avLst/>
+          </a:prstGeom>
+          <a:noFill/>
+        </p:spPr>
+        <p:txBody>
+          <a:bodyPr wrap="square" rtlCol="0">
+            <a:spAutoFit/>
+          </a:bodyPr>
+          <a:lstStyle/>
+          <a:p>
+            <a:r>
+              <a:rPr lang="fr-FR" sz="1200" dirty="0" err="1" smtClean="0">
+                <a:latin typeface="Seravek"/>
+                <a:cs typeface="Seravek"/>
+              </a:rPr>
+              <a:t>fire</a:t>
+            </a:r>
+            <a:r>
+              <a:rPr lang="fr-FR" sz="1200" dirty="0" smtClean="0">
+                <a:latin typeface="Seravek"/>
+                <a:cs typeface="Seravek"/>
+              </a:rPr>
+              <a:t>(</a:t>
+            </a:r>
+            <a:r>
+              <a:rPr lang="fr-FR" sz="1200" dirty="0" smtClean="0">
+                <a:latin typeface="Seravek"/>
+                <a:cs typeface="Seravek"/>
+              </a:rPr>
+              <a:t>) : </a:t>
+            </a:r>
+            <a:r>
+              <a:rPr lang="fr-FR" sz="1200" b="1" dirty="0" err="1" smtClean="0">
+                <a:latin typeface="Seravek"/>
+                <a:cs typeface="Seravek"/>
+              </a:rPr>
+              <a:t>void</a:t>
+            </a:r>
+            <a:endParaRPr lang="fr-FR" sz="1200" b="1" dirty="0">
+              <a:latin typeface="Seravek"/>
+              <a:cs typeface="Seravek"/>
+            </a:endParaRPr>
+          </a:p>
+        </p:txBody>
+      </p:sp>
+      <p:sp>
+        <p:nvSpPr>
+          <p:cNvPr id="191" name="ZoneTexte 190"/>
+          <p:cNvSpPr txBox="1"/>
+          <p:nvPr/>
+        </p:nvSpPr>
+        <p:spPr>
+          <a:xfrm>
+            <a:off x="7359316" y="3450585"/>
+            <a:ext cx="1390728" cy="276999"/>
+          </a:xfrm>
+          <a:prstGeom prst="rect">
+            <a:avLst/>
+          </a:prstGeom>
+          <a:noFill/>
+        </p:spPr>
+        <p:txBody>
+          <a:bodyPr wrap="square" lIns="36000" rIns="36000" rtlCol="0">
+            <a:spAutoFit/>
+          </a:bodyPr>
+          <a:lstStyle/>
+          <a:p>
+            <a:pPr algn="ctr"/>
+            <a:r>
+              <a:rPr lang="fr-FR" sz="1100" b="1" dirty="0" smtClean="0">
+                <a:latin typeface="Seravek"/>
+                <a:cs typeface="Seravek"/>
+              </a:rPr>
+              <a:t>@Aspect</a:t>
+            </a:r>
+            <a:r>
+              <a:rPr lang="fr-FR" sz="1100" b="1" dirty="0" smtClean="0">
+                <a:latin typeface="Seravek"/>
+                <a:cs typeface="Seravek"/>
+              </a:rPr>
+              <a:t>(Arc</a:t>
+            </a:r>
+            <a:r>
+              <a:rPr lang="fr-FR" sz="1200" b="1" dirty="0" smtClean="0">
+                <a:latin typeface="Seravek"/>
+                <a:cs typeface="Seravek"/>
+              </a:rPr>
+              <a:t>)</a:t>
+            </a:r>
+            <a:endParaRPr lang="fr-FR" sz="1200" b="1" dirty="0">
+              <a:latin typeface="Seravek"/>
+              <a:cs typeface="Seravek"/>
+            </a:endParaRPr>
+          </a:p>
+        </p:txBody>
+      </p:sp>
+      <p:sp>
+        <p:nvSpPr>
+          <p:cNvPr id="193" name="Forme libre 192"/>
+          <p:cNvSpPr/>
+          <p:nvPr/>
+        </p:nvSpPr>
+        <p:spPr>
+          <a:xfrm>
+            <a:off x="7376645" y="1058365"/>
+            <a:ext cx="479088" cy="2645912"/>
+          </a:xfrm>
+          <a:custGeom>
+            <a:avLst/>
+            <a:gdLst>
+              <a:gd name="connsiteX0" fmla="*/ 171219 w 521268"/>
+              <a:gd name="connsiteY0" fmla="*/ 2645912 h 2645912"/>
+              <a:gd name="connsiteX1" fmla="*/ 16547 w 521268"/>
+              <a:gd name="connsiteY1" fmla="*/ 2173718 h 2645912"/>
+              <a:gd name="connsiteX2" fmla="*/ 521268 w 521268"/>
+              <a:gd name="connsiteY2" fmla="*/ 0 h 2645912"/>
+              <a:gd name="connsiteX0" fmla="*/ 78265 w 428314"/>
+              <a:gd name="connsiteY0" fmla="*/ 2645912 h 2645912"/>
+              <a:gd name="connsiteX1" fmla="*/ 45702 w 428314"/>
+              <a:gd name="connsiteY1" fmla="*/ 1335167 h 2645912"/>
+              <a:gd name="connsiteX2" fmla="*/ 428314 w 428314"/>
+              <a:gd name="connsiteY2" fmla="*/ 0 h 2645912"/>
+              <a:gd name="connsiteX0" fmla="*/ 129039 w 479088"/>
+              <a:gd name="connsiteY0" fmla="*/ 2645912 h 2645912"/>
+              <a:gd name="connsiteX1" fmla="*/ 23210 w 479088"/>
+              <a:gd name="connsiteY1" fmla="*/ 1766654 h 2645912"/>
+              <a:gd name="connsiteX2" fmla="*/ 479088 w 479088"/>
+              <a:gd name="connsiteY2" fmla="*/ 0 h 2645912"/>
+            </a:gdLst>
+            <a:ahLst/>
+            <a:cxnLst>
+              <a:cxn ang="0">
+                <a:pos x="connsiteX0" y="connsiteY0"/>
+              </a:cxn>
+              <a:cxn ang="0">
+                <a:pos x="connsiteX1" y="connsiteY1"/>
+              </a:cxn>
+              <a:cxn ang="0">
+                <a:pos x="connsiteX2" y="connsiteY2"/>
+              </a:cxn>
+            </a:cxnLst>
+            <a:rect l="l" t="t" r="r" b="b"/>
+            <a:pathLst>
+              <a:path w="479088" h="2645912">
+                <a:moveTo>
+                  <a:pt x="129039" y="2645912"/>
+                </a:moveTo>
+                <a:cubicBezTo>
+                  <a:pt x="22532" y="2630307"/>
+                  <a:pt x="-35131" y="2207639"/>
+                  <a:pt x="23210" y="1766654"/>
+                </a:cubicBezTo>
+                <a:cubicBezTo>
+                  <a:pt x="81551" y="1325669"/>
+                  <a:pt x="479088" y="0"/>
+                  <a:pt x="479088" y="0"/>
+                </a:cubicBezTo>
+              </a:path>
+            </a:pathLst>
+          </a:custGeom>
+          <a:ln w="3175" cmpd="sng">
+            <a:solidFill>
+              <a:schemeClr val="bg1">
+                <a:lumMod val="65000"/>
+              </a:schemeClr>
+            </a:solidFill>
+            <a:headEnd type="none"/>
+            <a:tailEnd type="stealth" w="med" len="med"/>
+          </a:ln>
+          <a:effectLst/>
+        </p:spPr>
+        <p:style>
+          <a:lnRef idx="2">
+            <a:schemeClr val="accent1"/>
+          </a:lnRef>
+          <a:fillRef idx="0">
+            <a:schemeClr val="accent1"/>
+          </a:fillRef>
+          <a:effectRef idx="1">
+            <a:schemeClr val="accent1"/>
+          </a:effectRef>
+          <a:fontRef idx="minor">
+            <a:schemeClr val="tx1"/>
+          </a:fontRef>
+        </p:style>
+        <p:txBody>
+          <a:bodyPr rtlCol="0" anchor="ctr"/>
+          <a:lstStyle/>
+          <a:p>
+            <a:pPr algn="ctr"/>
+            <a:endParaRPr lang="fr-FR"/>
+          </a:p>
+        </p:txBody>
+      </p:sp>
+      <p:sp>
+        <p:nvSpPr>
+          <p:cNvPr id="194" name="Forme libre 193"/>
+          <p:cNvSpPr/>
+          <p:nvPr/>
+        </p:nvSpPr>
+        <p:spPr>
+          <a:xfrm flipH="1">
+            <a:off x="6861967" y="1074623"/>
+            <a:ext cx="447388" cy="2645912"/>
+          </a:xfrm>
+          <a:custGeom>
+            <a:avLst/>
+            <a:gdLst>
+              <a:gd name="connsiteX0" fmla="*/ 171219 w 521268"/>
+              <a:gd name="connsiteY0" fmla="*/ 2645912 h 2645912"/>
+              <a:gd name="connsiteX1" fmla="*/ 16547 w 521268"/>
+              <a:gd name="connsiteY1" fmla="*/ 2173718 h 2645912"/>
+              <a:gd name="connsiteX2" fmla="*/ 521268 w 521268"/>
+              <a:gd name="connsiteY2" fmla="*/ 0 h 2645912"/>
+              <a:gd name="connsiteX0" fmla="*/ 78265 w 428314"/>
+              <a:gd name="connsiteY0" fmla="*/ 2645912 h 2645912"/>
+              <a:gd name="connsiteX1" fmla="*/ 45702 w 428314"/>
+              <a:gd name="connsiteY1" fmla="*/ 1335167 h 2645912"/>
+              <a:gd name="connsiteX2" fmla="*/ 428314 w 428314"/>
+              <a:gd name="connsiteY2" fmla="*/ 0 h 2645912"/>
+              <a:gd name="connsiteX0" fmla="*/ 129039 w 479088"/>
+              <a:gd name="connsiteY0" fmla="*/ 2645912 h 2645912"/>
+              <a:gd name="connsiteX1" fmla="*/ 23210 w 479088"/>
+              <a:gd name="connsiteY1" fmla="*/ 1766654 h 2645912"/>
+              <a:gd name="connsiteX2" fmla="*/ 479088 w 479088"/>
+              <a:gd name="connsiteY2" fmla="*/ 0 h 2645912"/>
+            </a:gdLst>
+            <a:ahLst/>
+            <a:cxnLst>
+              <a:cxn ang="0">
+                <a:pos x="connsiteX0" y="connsiteY0"/>
+              </a:cxn>
+              <a:cxn ang="0">
+                <a:pos x="connsiteX1" y="connsiteY1"/>
+              </a:cxn>
+              <a:cxn ang="0">
+                <a:pos x="connsiteX2" y="connsiteY2"/>
+              </a:cxn>
+            </a:cxnLst>
+            <a:rect l="l" t="t" r="r" b="b"/>
+            <a:pathLst>
+              <a:path w="479088" h="2645912">
+                <a:moveTo>
+                  <a:pt x="129039" y="2645912"/>
+                </a:moveTo>
+                <a:cubicBezTo>
+                  <a:pt x="22532" y="2630307"/>
+                  <a:pt x="-35131" y="2207639"/>
+                  <a:pt x="23210" y="1766654"/>
+                </a:cubicBezTo>
+                <a:cubicBezTo>
+                  <a:pt x="81551" y="1325669"/>
+                  <a:pt x="479088" y="0"/>
+                  <a:pt x="479088" y="0"/>
+                </a:cubicBezTo>
+              </a:path>
+            </a:pathLst>
+          </a:custGeom>
+          <a:ln w="3175" cmpd="sng">
+            <a:solidFill>
+              <a:schemeClr val="bg1">
+                <a:lumMod val="65000"/>
+              </a:schemeClr>
+            </a:solidFill>
+            <a:headEnd type="none"/>
+            <a:tailEnd type="stealth" w="med" len="med"/>
+          </a:ln>
+          <a:effectLst/>
+        </p:spPr>
+        <p:style>
+          <a:lnRef idx="2">
+            <a:schemeClr val="accent1"/>
+          </a:lnRef>
+          <a:fillRef idx="0">
+            <a:schemeClr val="accent1"/>
+          </a:fillRef>
+          <a:effectRef idx="1">
+            <a:schemeClr val="accent1"/>
+          </a:effectRef>
+          <a:fontRef idx="minor">
+            <a:schemeClr val="tx1"/>
+          </a:fontRef>
+        </p:style>
+        <p:txBody>
+          <a:bodyPr rtlCol="0" anchor="ctr"/>
+          <a:lstStyle/>
+          <a:p>
+            <a:pPr algn="ctr"/>
+            <a:endParaRPr lang="fr-FR"/>
+          </a:p>
+        </p:txBody>
+      </p:sp>
+      <p:sp>
+        <p:nvSpPr>
+          <p:cNvPr id="143" name="ZoneTexte 142"/>
+          <p:cNvSpPr txBox="1"/>
+          <p:nvPr/>
+        </p:nvSpPr>
+        <p:spPr>
+          <a:xfrm>
+            <a:off x="6965882" y="3173707"/>
+            <a:ext cx="742060" cy="184666"/>
+          </a:xfrm>
+          <a:prstGeom prst="rect">
+            <a:avLst/>
+          </a:prstGeom>
+          <a:solidFill>
+            <a:srgbClr val="FFFFFF"/>
+          </a:solidFill>
+        </p:spPr>
+        <p:txBody>
+          <a:bodyPr wrap="square" lIns="0" tIns="0" rIns="0" bIns="0" rtlCol="0">
+            <a:spAutoFit/>
+          </a:bodyPr>
+          <a:lstStyle/>
+          <a:p>
+            <a:pPr algn="ctr"/>
+            <a:r>
+              <a:rPr lang="fr-FR" sz="1200" b="1" dirty="0" smtClean="0">
+                <a:solidFill>
+                  <a:schemeClr val="bg1">
+                    <a:lumMod val="50000"/>
+                  </a:schemeClr>
+                </a:solidFill>
+              </a:rPr>
+              <a:t>WEAVING</a:t>
+            </a:r>
+            <a:endParaRPr lang="fr-FR" sz="1200" b="1" dirty="0">
+              <a:solidFill>
+                <a:schemeClr val="bg1">
+                  <a:lumMod val="50000"/>
+                </a:schemeClr>
+              </a:solidFill>
+            </a:endParaRPr>
+          </a:p>
+        </p:txBody>
+      </p:sp>
+      <p:sp>
+        <p:nvSpPr>
+          <p:cNvPr id="195" name="ZoneTexte 194"/>
+          <p:cNvSpPr txBox="1"/>
+          <p:nvPr/>
+        </p:nvSpPr>
+        <p:spPr>
+          <a:xfrm>
+            <a:off x="226654" y="292937"/>
+            <a:ext cx="2801856" cy="276999"/>
+          </a:xfrm>
+          <a:prstGeom prst="rect">
+            <a:avLst/>
+          </a:prstGeom>
+          <a:noFill/>
+        </p:spPr>
+        <p:txBody>
+          <a:bodyPr wrap="square" rtlCol="0">
+            <a:spAutoFit/>
+          </a:bodyPr>
+          <a:lstStyle/>
+          <a:p>
+            <a:pPr algn="ctr"/>
+            <a:r>
+              <a:rPr lang="fr-FR" sz="1200" b="1" dirty="0" smtClean="0">
+                <a:latin typeface="Seravek"/>
+                <a:cs typeface="Seravek"/>
+              </a:rPr>
+              <a:t>FSM</a:t>
+            </a:r>
+            <a:endParaRPr lang="fr-FR" sz="1200" b="1" dirty="0">
+              <a:latin typeface="Seravek"/>
+              <a:cs typeface="Seravek"/>
+            </a:endParaRPr>
+          </a:p>
+        </p:txBody>
+      </p:sp>
+      <p:sp>
+        <p:nvSpPr>
+          <p:cNvPr id="196" name="ZoneTexte 195"/>
+          <p:cNvSpPr txBox="1"/>
+          <p:nvPr/>
+        </p:nvSpPr>
+        <p:spPr>
+          <a:xfrm>
+            <a:off x="3089259" y="292937"/>
+            <a:ext cx="2801856" cy="276999"/>
+          </a:xfrm>
+          <a:prstGeom prst="rect">
+            <a:avLst/>
+          </a:prstGeom>
+          <a:noFill/>
+        </p:spPr>
+        <p:txBody>
+          <a:bodyPr wrap="square" rtlCol="0">
+            <a:spAutoFit/>
+          </a:bodyPr>
+          <a:lstStyle/>
+          <a:p>
+            <a:pPr algn="ctr"/>
+            <a:r>
+              <a:rPr lang="fr-FR" sz="1200" b="1" dirty="0" smtClean="0">
+                <a:latin typeface="Seravek"/>
+                <a:cs typeface="Seravek"/>
+              </a:rPr>
+              <a:t>Logo</a:t>
+            </a:r>
+            <a:endParaRPr lang="fr-FR" sz="1200" b="1" dirty="0">
+              <a:latin typeface="Seravek"/>
+              <a:cs typeface="Seravek"/>
+            </a:endParaRPr>
+          </a:p>
+        </p:txBody>
+      </p:sp>
+      <p:sp>
+        <p:nvSpPr>
+          <p:cNvPr id="197" name="ZoneTexte 196"/>
+          <p:cNvSpPr txBox="1"/>
+          <p:nvPr/>
+        </p:nvSpPr>
+        <p:spPr>
+          <a:xfrm>
+            <a:off x="5965932" y="292229"/>
+            <a:ext cx="2801856" cy="276999"/>
+          </a:xfrm>
+          <a:prstGeom prst="rect">
+            <a:avLst/>
+          </a:prstGeom>
+          <a:noFill/>
+        </p:spPr>
+        <p:txBody>
+          <a:bodyPr wrap="square" rtlCol="0">
+            <a:spAutoFit/>
+          </a:bodyPr>
+          <a:lstStyle/>
+          <a:p>
+            <a:pPr algn="ctr"/>
+            <a:r>
+              <a:rPr lang="fr-FR" sz="1200" b="1" dirty="0" err="1" smtClean="0">
+                <a:latin typeface="Seravek"/>
+                <a:cs typeface="Seravek"/>
+              </a:rPr>
+              <a:t>Flowchart</a:t>
+            </a:r>
+            <a:endParaRPr lang="fr-FR" sz="1200" b="1" dirty="0">
+              <a:latin typeface="Seravek"/>
+              <a:cs typeface="Seravek"/>
+            </a:endParaRPr>
+          </a:p>
+        </p:txBody>
+      </p:sp>
+    </p:spTree>
+    <p:extLst>
+      <p:ext uri="{BB962C8B-B14F-4D97-AF65-F5344CB8AC3E}">
+        <p14:creationId xmlns:p14="http://schemas.microsoft.com/office/powerpoint/2010/main" val="1574180551"/>
       </p:ext>
     </p:extLst>
   </p:cSld>
